--- a/Five Forces of Competitive Ananlysis.pptx
+++ b/Five Forces of Competitive Ananlysis.pptx
@@ -13,6 +13,7 @@
     <p:sldId id="266" r:id="rId7"/>
     <p:sldId id="264" r:id="rId8"/>
     <p:sldId id="267" r:id="rId9"/>
+    <p:sldId id="268" r:id="rId10"/>
   </p:sldIdLst>
   <p:sldSz cx="9144000" cy="6858000" type="screen4x3"/>
   <p:notesSz cx="6858000" cy="9144000"/>
@@ -3189,11 +3190,11 @@
 </file>
 
 <file path=ppt/diagrams/colors5.xml><?xml version="1.0" encoding="utf-8"?>
-<dgm:colorsDef xmlns:dgm="http://schemas.openxmlformats.org/drawingml/2006/diagram" xmlns:a="http://schemas.openxmlformats.org/drawingml/2006/main" uniqueId="urn:microsoft.com/office/officeart/2005/8/colors/colorful2">
+<dgm:colorsDef xmlns:dgm="http://schemas.openxmlformats.org/drawingml/2006/diagram" xmlns:a="http://schemas.openxmlformats.org/drawingml/2006/main" uniqueId="urn:microsoft.com/office/officeart/2005/8/colors/accent1_2">
   <dgm:title val=""/>
   <dgm:desc val=""/>
   <dgm:catLst>
-    <dgm:cat type="colorful" pri="10200"/>
+    <dgm:cat type="accent1" pri="11200"/>
   </dgm:catLst>
   <dgm:styleLbl name="node0">
     <dgm:fillClrLst meth="repeat">
@@ -3207,10 +3208,21 @@
     <dgm:txFillClrLst/>
     <dgm:txEffectClrLst/>
   </dgm:styleLbl>
+  <dgm:styleLbl name="alignNode1">
+    <dgm:fillClrLst meth="repeat">
+      <a:schemeClr val="accent1"/>
+    </dgm:fillClrLst>
+    <dgm:linClrLst meth="repeat">
+      <a:schemeClr val="accent1"/>
+    </dgm:linClrLst>
+    <dgm:effectClrLst/>
+    <dgm:txLinClrLst/>
+    <dgm:txFillClrLst/>
+    <dgm:txEffectClrLst/>
+  </dgm:styleLbl>
   <dgm:styleLbl name="node1">
-    <dgm:fillClrLst>
-      <a:schemeClr val="accent2"/>
-      <a:schemeClr val="accent3"/>
+    <dgm:fillClrLst meth="repeat">
+      <a:schemeClr val="accent1"/>
     </dgm:fillClrLst>
     <dgm:linClrLst meth="repeat">
       <a:schemeClr val="lt1"/>
@@ -3220,24 +3232,9 @@
     <dgm:txFillClrLst/>
     <dgm:txEffectClrLst/>
   </dgm:styleLbl>
-  <dgm:styleLbl name="alignNode1">
-    <dgm:fillClrLst>
-      <a:schemeClr val="accent2"/>
-      <a:schemeClr val="accent3"/>
-    </dgm:fillClrLst>
-    <dgm:linClrLst>
-      <a:schemeClr val="accent2"/>
-      <a:schemeClr val="accent3"/>
-    </dgm:linClrLst>
-    <dgm:effectClrLst/>
-    <dgm:txLinClrLst/>
-    <dgm:txFillClrLst/>
-    <dgm:txEffectClrLst/>
-  </dgm:styleLbl>
   <dgm:styleLbl name="lnNode1">
-    <dgm:fillClrLst>
-      <a:schemeClr val="accent2"/>
-      <a:schemeClr val="accent3"/>
+    <dgm:fillClrLst meth="repeat">
+      <a:schemeClr val="accent1"/>
     </dgm:fillClrLst>
     <dgm:linClrLst meth="repeat">
       <a:schemeClr val="lt1"/>
@@ -3248,11 +3245,8 @@
     <dgm:txEffectClrLst/>
   </dgm:styleLbl>
   <dgm:styleLbl name="vennNode1">
-    <dgm:fillClrLst>
-      <a:schemeClr val="accent2">
-        <a:alpha val="50000"/>
-      </a:schemeClr>
-      <a:schemeClr val="accent3">
+    <dgm:fillClrLst meth="repeat">
+      <a:schemeClr val="accent1">
         <a:alpha val="50000"/>
       </a:schemeClr>
     </dgm:fillClrLst>
@@ -3265,8 +3259,8 @@
     <dgm:txEffectClrLst/>
   </dgm:styleLbl>
   <dgm:styleLbl name="node2">
-    <dgm:fillClrLst>
-      <a:schemeClr val="accent3"/>
+    <dgm:fillClrLst meth="repeat">
+      <a:schemeClr val="accent1"/>
     </dgm:fillClrLst>
     <dgm:linClrLst meth="repeat">
       <a:schemeClr val="lt1"/>
@@ -3277,8 +3271,8 @@
     <dgm:txEffectClrLst/>
   </dgm:styleLbl>
   <dgm:styleLbl name="node3">
-    <dgm:fillClrLst>
-      <a:schemeClr val="accent4"/>
+    <dgm:fillClrLst meth="repeat">
+      <a:schemeClr val="accent1"/>
     </dgm:fillClrLst>
     <dgm:linClrLst meth="repeat">
       <a:schemeClr val="lt1"/>
@@ -3289,8 +3283,8 @@
     <dgm:txEffectClrLst/>
   </dgm:styleLbl>
   <dgm:styleLbl name="node4">
-    <dgm:fillClrLst>
-      <a:schemeClr val="accent5"/>
+    <dgm:fillClrLst meth="repeat">
+      <a:schemeClr val="accent1"/>
     </dgm:fillClrLst>
     <dgm:linClrLst meth="repeat">
       <a:schemeClr val="lt1"/>
@@ -3301,11 +3295,8 @@
     <dgm:txEffectClrLst/>
   </dgm:styleLbl>
   <dgm:styleLbl name="fgImgPlace1">
-    <dgm:fillClrLst>
-      <a:schemeClr val="accent2">
-        <a:tint val="50000"/>
-      </a:schemeClr>
-      <a:schemeClr val="accent3">
+    <dgm:fillClrLst meth="repeat">
+      <a:schemeClr val="accent1">
         <a:tint val="50000"/>
       </a:schemeClr>
     </dgm:fillClrLst>
@@ -3320,12 +3311,9 @@
     <dgm:txEffectClrLst/>
   </dgm:styleLbl>
   <dgm:styleLbl name="alignImgPlace1">
-    <dgm:fillClrLst>
-      <a:schemeClr val="accent2">
+    <dgm:fillClrLst meth="repeat">
+      <a:schemeClr val="accent1">
         <a:tint val="50000"/>
-      </a:schemeClr>
-      <a:schemeClr val="accent3">
-        <a:tint val="20000"/>
       </a:schemeClr>
     </dgm:fillClrLst>
     <dgm:linClrLst meth="repeat">
@@ -3339,12 +3327,9 @@
     <dgm:txEffectClrLst/>
   </dgm:styleLbl>
   <dgm:styleLbl name="bgImgPlace1">
-    <dgm:fillClrLst>
-      <a:schemeClr val="accent2">
+    <dgm:fillClrLst meth="repeat">
+      <a:schemeClr val="accent1">
         <a:tint val="50000"/>
-      </a:schemeClr>
-      <a:schemeClr val="accent3">
-        <a:tint val="20000"/>
       </a:schemeClr>
     </dgm:fillClrLst>
     <dgm:linClrLst meth="repeat">
@@ -3358,9 +3343,86 @@
     <dgm:txEffectClrLst/>
   </dgm:styleLbl>
   <dgm:styleLbl name="sibTrans2D1">
-    <dgm:fillClrLst>
-      <a:schemeClr val="accent2"/>
-      <a:schemeClr val="accent3"/>
+    <dgm:fillClrLst meth="repeat">
+      <a:schemeClr val="accent1">
+        <a:tint val="60000"/>
+      </a:schemeClr>
+    </dgm:fillClrLst>
+    <dgm:linClrLst meth="repeat">
+      <a:schemeClr val="accent1">
+        <a:tint val="60000"/>
+      </a:schemeClr>
+    </dgm:linClrLst>
+    <dgm:effectClrLst/>
+    <dgm:txLinClrLst/>
+    <dgm:txFillClrLst/>
+    <dgm:txEffectClrLst/>
+  </dgm:styleLbl>
+  <dgm:styleLbl name="fgSibTrans2D1">
+    <dgm:fillClrLst meth="repeat">
+      <a:schemeClr val="accent1">
+        <a:tint val="60000"/>
+      </a:schemeClr>
+    </dgm:fillClrLst>
+    <dgm:linClrLst meth="repeat">
+      <a:schemeClr val="accent1">
+        <a:tint val="60000"/>
+      </a:schemeClr>
+    </dgm:linClrLst>
+    <dgm:effectClrLst/>
+    <dgm:txLinClrLst/>
+    <dgm:txFillClrLst/>
+    <dgm:txEffectClrLst/>
+  </dgm:styleLbl>
+  <dgm:styleLbl name="bgSibTrans2D1">
+    <dgm:fillClrLst meth="repeat">
+      <a:schemeClr val="accent1">
+        <a:tint val="60000"/>
+      </a:schemeClr>
+    </dgm:fillClrLst>
+    <dgm:linClrLst meth="repeat">
+      <a:schemeClr val="accent1">
+        <a:tint val="60000"/>
+      </a:schemeClr>
+    </dgm:linClrLst>
+    <dgm:effectClrLst/>
+    <dgm:txLinClrLst/>
+    <dgm:txFillClrLst/>
+    <dgm:txEffectClrLst/>
+  </dgm:styleLbl>
+  <dgm:styleLbl name="sibTrans1D1">
+    <dgm:fillClrLst meth="repeat">
+      <a:schemeClr val="accent1"/>
+    </dgm:fillClrLst>
+    <dgm:linClrLst meth="repeat">
+      <a:schemeClr val="accent1"/>
+    </dgm:linClrLst>
+    <dgm:effectClrLst/>
+    <dgm:txLinClrLst/>
+    <dgm:txFillClrLst meth="repeat">
+      <a:schemeClr val="tx1"/>
+    </dgm:txFillClrLst>
+    <dgm:txEffectClrLst/>
+  </dgm:styleLbl>
+  <dgm:styleLbl name="callout">
+    <dgm:fillClrLst meth="repeat">
+      <a:schemeClr val="accent1"/>
+    </dgm:fillClrLst>
+    <dgm:linClrLst meth="repeat">
+      <a:schemeClr val="accent1">
+        <a:tint val="50000"/>
+      </a:schemeClr>
+    </dgm:linClrLst>
+    <dgm:effectClrLst/>
+    <dgm:txLinClrLst/>
+    <dgm:txFillClrLst meth="repeat">
+      <a:schemeClr val="tx1"/>
+    </dgm:txFillClrLst>
+    <dgm:txEffectClrLst/>
+  </dgm:styleLbl>
+  <dgm:styleLbl name="asst0">
+    <dgm:fillClrLst meth="repeat">
+      <a:schemeClr val="accent1"/>
     </dgm:fillClrLst>
     <dgm:linClrLst meth="repeat">
       <a:schemeClr val="lt1"/>
@@ -3370,10 +3432,620 @@
     <dgm:txFillClrLst/>
     <dgm:txEffectClrLst/>
   </dgm:styleLbl>
-  <dgm:styleLbl name="fgSibTrans2D1">
-    <dgm:fillClrLst>
-      <a:schemeClr val="accent2"/>
-      <a:schemeClr val="accent3"/>
+  <dgm:styleLbl name="asst1">
+    <dgm:fillClrLst meth="repeat">
+      <a:schemeClr val="accent1"/>
+    </dgm:fillClrLst>
+    <dgm:linClrLst meth="repeat">
+      <a:schemeClr val="lt1"/>
+    </dgm:linClrLst>
+    <dgm:effectClrLst/>
+    <dgm:txLinClrLst/>
+    <dgm:txFillClrLst/>
+    <dgm:txEffectClrLst/>
+  </dgm:styleLbl>
+  <dgm:styleLbl name="asst2">
+    <dgm:fillClrLst meth="repeat">
+      <a:schemeClr val="accent1"/>
+    </dgm:fillClrLst>
+    <dgm:linClrLst meth="repeat">
+      <a:schemeClr val="lt1"/>
+    </dgm:linClrLst>
+    <dgm:effectClrLst/>
+    <dgm:txLinClrLst/>
+    <dgm:txFillClrLst/>
+    <dgm:txEffectClrLst/>
+  </dgm:styleLbl>
+  <dgm:styleLbl name="asst3">
+    <dgm:fillClrLst meth="repeat">
+      <a:schemeClr val="accent1"/>
+    </dgm:fillClrLst>
+    <dgm:linClrLst meth="repeat">
+      <a:schemeClr val="lt1"/>
+    </dgm:linClrLst>
+    <dgm:effectClrLst/>
+    <dgm:txLinClrLst/>
+    <dgm:txFillClrLst/>
+    <dgm:txEffectClrLst/>
+  </dgm:styleLbl>
+  <dgm:styleLbl name="asst4">
+    <dgm:fillClrLst meth="repeat">
+      <a:schemeClr val="accent1"/>
+    </dgm:fillClrLst>
+    <dgm:linClrLst meth="repeat">
+      <a:schemeClr val="lt1"/>
+    </dgm:linClrLst>
+    <dgm:effectClrLst/>
+    <dgm:txLinClrLst/>
+    <dgm:txFillClrLst/>
+    <dgm:txEffectClrLst/>
+  </dgm:styleLbl>
+  <dgm:styleLbl name="parChTrans2D1">
+    <dgm:fillClrLst meth="repeat">
+      <a:schemeClr val="accent1">
+        <a:tint val="60000"/>
+      </a:schemeClr>
+    </dgm:fillClrLst>
+    <dgm:linClrLst meth="repeat">
+      <a:schemeClr val="accent1">
+        <a:tint val="60000"/>
+      </a:schemeClr>
+    </dgm:linClrLst>
+    <dgm:effectClrLst/>
+    <dgm:txLinClrLst/>
+    <dgm:txFillClrLst meth="repeat">
+      <a:schemeClr val="lt1"/>
+    </dgm:txFillClrLst>
+    <dgm:txEffectClrLst/>
+  </dgm:styleLbl>
+  <dgm:styleLbl name="parChTrans2D2">
+    <dgm:fillClrLst meth="repeat">
+      <a:schemeClr val="accent1"/>
+    </dgm:fillClrLst>
+    <dgm:linClrLst meth="repeat">
+      <a:schemeClr val="accent1"/>
+    </dgm:linClrLst>
+    <dgm:effectClrLst/>
+    <dgm:txLinClrLst/>
+    <dgm:txFillClrLst meth="repeat">
+      <a:schemeClr val="lt1"/>
+    </dgm:txFillClrLst>
+    <dgm:txEffectClrLst/>
+  </dgm:styleLbl>
+  <dgm:styleLbl name="parChTrans2D3">
+    <dgm:fillClrLst meth="repeat">
+      <a:schemeClr val="accent1"/>
+    </dgm:fillClrLst>
+    <dgm:linClrLst meth="repeat">
+      <a:schemeClr val="accent1"/>
+    </dgm:linClrLst>
+    <dgm:effectClrLst/>
+    <dgm:txLinClrLst/>
+    <dgm:txFillClrLst meth="repeat">
+      <a:schemeClr val="lt1"/>
+    </dgm:txFillClrLst>
+    <dgm:txEffectClrLst/>
+  </dgm:styleLbl>
+  <dgm:styleLbl name="parChTrans2D4">
+    <dgm:fillClrLst meth="repeat">
+      <a:schemeClr val="accent1"/>
+    </dgm:fillClrLst>
+    <dgm:linClrLst meth="repeat">
+      <a:schemeClr val="accent1"/>
+    </dgm:linClrLst>
+    <dgm:effectClrLst/>
+    <dgm:txLinClrLst/>
+    <dgm:txFillClrLst meth="repeat">
+      <a:schemeClr val="lt1"/>
+    </dgm:txFillClrLst>
+    <dgm:txEffectClrLst/>
+  </dgm:styleLbl>
+  <dgm:styleLbl name="parChTrans1D1">
+    <dgm:fillClrLst meth="repeat">
+      <a:schemeClr val="accent1"/>
+    </dgm:fillClrLst>
+    <dgm:linClrLst meth="repeat">
+      <a:schemeClr val="accent1">
+        <a:shade val="60000"/>
+      </a:schemeClr>
+    </dgm:linClrLst>
+    <dgm:effectClrLst/>
+    <dgm:txLinClrLst/>
+    <dgm:txFillClrLst meth="repeat">
+      <a:schemeClr val="tx1"/>
+    </dgm:txFillClrLst>
+    <dgm:txEffectClrLst/>
+  </dgm:styleLbl>
+  <dgm:styleLbl name="parChTrans1D2">
+    <dgm:fillClrLst meth="repeat">
+      <a:schemeClr val="accent1"/>
+    </dgm:fillClrLst>
+    <dgm:linClrLst meth="repeat">
+      <a:schemeClr val="accent1">
+        <a:shade val="60000"/>
+      </a:schemeClr>
+    </dgm:linClrLst>
+    <dgm:effectClrLst/>
+    <dgm:txLinClrLst/>
+    <dgm:txFillClrLst meth="repeat">
+      <a:schemeClr val="tx1"/>
+    </dgm:txFillClrLst>
+    <dgm:txEffectClrLst/>
+  </dgm:styleLbl>
+  <dgm:styleLbl name="parChTrans1D3">
+    <dgm:fillClrLst meth="repeat">
+      <a:schemeClr val="accent1"/>
+    </dgm:fillClrLst>
+    <dgm:linClrLst meth="repeat">
+      <a:schemeClr val="accent1">
+        <a:shade val="80000"/>
+      </a:schemeClr>
+    </dgm:linClrLst>
+    <dgm:effectClrLst/>
+    <dgm:txLinClrLst/>
+    <dgm:txFillClrLst meth="repeat">
+      <a:schemeClr val="tx1"/>
+    </dgm:txFillClrLst>
+    <dgm:txEffectClrLst/>
+  </dgm:styleLbl>
+  <dgm:styleLbl name="parChTrans1D4">
+    <dgm:fillClrLst meth="repeat">
+      <a:schemeClr val="accent1"/>
+    </dgm:fillClrLst>
+    <dgm:linClrLst meth="repeat">
+      <a:schemeClr val="accent1">
+        <a:shade val="80000"/>
+      </a:schemeClr>
+    </dgm:linClrLst>
+    <dgm:effectClrLst/>
+    <dgm:txLinClrLst/>
+    <dgm:txFillClrLst meth="repeat">
+      <a:schemeClr val="tx1"/>
+    </dgm:txFillClrLst>
+    <dgm:txEffectClrLst/>
+  </dgm:styleLbl>
+  <dgm:styleLbl name="fgAcc1">
+    <dgm:fillClrLst meth="repeat">
+      <a:schemeClr val="lt1">
+        <a:alpha val="90000"/>
+      </a:schemeClr>
+    </dgm:fillClrLst>
+    <dgm:linClrLst meth="repeat">
+      <a:schemeClr val="accent1"/>
+    </dgm:linClrLst>
+    <dgm:effectClrLst/>
+    <dgm:txLinClrLst/>
+    <dgm:txFillClrLst meth="repeat">
+      <a:schemeClr val="dk1"/>
+    </dgm:txFillClrLst>
+    <dgm:txEffectClrLst/>
+  </dgm:styleLbl>
+  <dgm:styleLbl name="conFgAcc1">
+    <dgm:fillClrLst meth="repeat">
+      <a:schemeClr val="lt1">
+        <a:alpha val="90000"/>
+      </a:schemeClr>
+    </dgm:fillClrLst>
+    <dgm:linClrLst meth="repeat">
+      <a:schemeClr val="accent1"/>
+    </dgm:linClrLst>
+    <dgm:effectClrLst/>
+    <dgm:txLinClrLst/>
+    <dgm:txFillClrLst meth="repeat">
+      <a:schemeClr val="dk1"/>
+    </dgm:txFillClrLst>
+    <dgm:txEffectClrLst/>
+  </dgm:styleLbl>
+  <dgm:styleLbl name="alignAcc1">
+    <dgm:fillClrLst meth="repeat">
+      <a:schemeClr val="lt1">
+        <a:alpha val="90000"/>
+      </a:schemeClr>
+    </dgm:fillClrLst>
+    <dgm:linClrLst meth="repeat">
+      <a:schemeClr val="accent1"/>
+    </dgm:linClrLst>
+    <dgm:effectClrLst/>
+    <dgm:txLinClrLst/>
+    <dgm:txFillClrLst meth="repeat">
+      <a:schemeClr val="dk1"/>
+    </dgm:txFillClrLst>
+    <dgm:txEffectClrLst/>
+  </dgm:styleLbl>
+  <dgm:styleLbl name="trAlignAcc1">
+    <dgm:fillClrLst meth="repeat">
+      <a:schemeClr val="lt1">
+        <a:alpha val="40000"/>
+      </a:schemeClr>
+    </dgm:fillClrLst>
+    <dgm:linClrLst meth="repeat">
+      <a:schemeClr val="accent1"/>
+    </dgm:linClrLst>
+    <dgm:effectClrLst/>
+    <dgm:txLinClrLst/>
+    <dgm:txFillClrLst meth="repeat">
+      <a:schemeClr val="dk1"/>
+    </dgm:txFillClrLst>
+    <dgm:txEffectClrLst/>
+  </dgm:styleLbl>
+  <dgm:styleLbl name="bgAcc1">
+    <dgm:fillClrLst meth="repeat">
+      <a:schemeClr val="lt1">
+        <a:alpha val="90000"/>
+      </a:schemeClr>
+    </dgm:fillClrLst>
+    <dgm:linClrLst meth="repeat">
+      <a:schemeClr val="accent1"/>
+    </dgm:linClrLst>
+    <dgm:effectClrLst/>
+    <dgm:txLinClrLst/>
+    <dgm:txFillClrLst meth="repeat">
+      <a:schemeClr val="dk1"/>
+    </dgm:txFillClrLst>
+    <dgm:txEffectClrLst/>
+  </dgm:styleLbl>
+  <dgm:styleLbl name="solidFgAcc1">
+    <dgm:fillClrLst meth="repeat">
+      <a:schemeClr val="lt1"/>
+    </dgm:fillClrLst>
+    <dgm:linClrLst meth="repeat">
+      <a:schemeClr val="accent1"/>
+    </dgm:linClrLst>
+    <dgm:effectClrLst/>
+    <dgm:txLinClrLst/>
+    <dgm:txFillClrLst meth="repeat">
+      <a:schemeClr val="dk1"/>
+    </dgm:txFillClrLst>
+    <dgm:txEffectClrLst/>
+  </dgm:styleLbl>
+  <dgm:styleLbl name="solidAlignAcc1">
+    <dgm:fillClrLst meth="repeat">
+      <a:schemeClr val="lt1"/>
+    </dgm:fillClrLst>
+    <dgm:linClrLst meth="repeat">
+      <a:schemeClr val="accent1"/>
+    </dgm:linClrLst>
+    <dgm:effectClrLst/>
+    <dgm:txLinClrLst/>
+    <dgm:txFillClrLst meth="repeat">
+      <a:schemeClr val="dk1"/>
+    </dgm:txFillClrLst>
+    <dgm:txEffectClrLst/>
+  </dgm:styleLbl>
+  <dgm:styleLbl name="solidBgAcc1">
+    <dgm:fillClrLst meth="repeat">
+      <a:schemeClr val="lt1"/>
+    </dgm:fillClrLst>
+    <dgm:linClrLst meth="repeat">
+      <a:schemeClr val="accent1"/>
+    </dgm:linClrLst>
+    <dgm:effectClrLst/>
+    <dgm:txLinClrLst/>
+    <dgm:txFillClrLst meth="repeat">
+      <a:schemeClr val="dk1"/>
+    </dgm:txFillClrLst>
+    <dgm:txEffectClrLst/>
+  </dgm:styleLbl>
+  <dgm:styleLbl name="fgAccFollowNode1">
+    <dgm:fillClrLst meth="repeat">
+      <a:schemeClr val="accent1">
+        <a:alpha val="90000"/>
+        <a:tint val="40000"/>
+      </a:schemeClr>
+    </dgm:fillClrLst>
+    <dgm:linClrLst meth="repeat">
+      <a:schemeClr val="accent1">
+        <a:alpha val="90000"/>
+        <a:tint val="40000"/>
+      </a:schemeClr>
+    </dgm:linClrLst>
+    <dgm:effectClrLst/>
+    <dgm:txLinClrLst/>
+    <dgm:txFillClrLst meth="repeat">
+      <a:schemeClr val="dk1"/>
+    </dgm:txFillClrLst>
+    <dgm:txEffectClrLst/>
+  </dgm:styleLbl>
+  <dgm:styleLbl name="alignAccFollowNode1">
+    <dgm:fillClrLst meth="repeat">
+      <a:schemeClr val="accent1">
+        <a:alpha val="90000"/>
+        <a:tint val="40000"/>
+      </a:schemeClr>
+    </dgm:fillClrLst>
+    <dgm:linClrLst meth="repeat">
+      <a:schemeClr val="accent1">
+        <a:alpha val="90000"/>
+        <a:tint val="40000"/>
+      </a:schemeClr>
+    </dgm:linClrLst>
+    <dgm:effectClrLst/>
+    <dgm:txLinClrLst/>
+    <dgm:txFillClrLst meth="repeat">
+      <a:schemeClr val="dk1"/>
+    </dgm:txFillClrLst>
+    <dgm:txEffectClrLst/>
+  </dgm:styleLbl>
+  <dgm:styleLbl name="bgAccFollowNode1">
+    <dgm:fillClrLst meth="repeat">
+      <a:schemeClr val="accent1">
+        <a:alpha val="90000"/>
+        <a:tint val="40000"/>
+      </a:schemeClr>
+    </dgm:fillClrLst>
+    <dgm:linClrLst meth="repeat">
+      <a:schemeClr val="accent1">
+        <a:alpha val="90000"/>
+        <a:tint val="40000"/>
+      </a:schemeClr>
+    </dgm:linClrLst>
+    <dgm:effectClrLst/>
+    <dgm:txLinClrLst/>
+    <dgm:txFillClrLst meth="repeat">
+      <a:schemeClr val="dk1"/>
+    </dgm:txFillClrLst>
+    <dgm:txEffectClrLst/>
+  </dgm:styleLbl>
+  <dgm:styleLbl name="fgAcc0">
+    <dgm:fillClrLst meth="repeat">
+      <a:schemeClr val="lt1">
+        <a:alpha val="90000"/>
+      </a:schemeClr>
+    </dgm:fillClrLst>
+    <dgm:linClrLst meth="repeat">
+      <a:schemeClr val="accent1"/>
+    </dgm:linClrLst>
+    <dgm:effectClrLst/>
+    <dgm:txLinClrLst/>
+    <dgm:txFillClrLst meth="repeat">
+      <a:schemeClr val="dk1"/>
+    </dgm:txFillClrLst>
+    <dgm:txEffectClrLst/>
+  </dgm:styleLbl>
+  <dgm:styleLbl name="fgAcc2">
+    <dgm:fillClrLst meth="repeat">
+      <a:schemeClr val="lt1">
+        <a:alpha val="90000"/>
+      </a:schemeClr>
+    </dgm:fillClrLst>
+    <dgm:linClrLst meth="repeat">
+      <a:schemeClr val="accent1"/>
+    </dgm:linClrLst>
+    <dgm:effectClrLst/>
+    <dgm:txLinClrLst/>
+    <dgm:txFillClrLst meth="repeat">
+      <a:schemeClr val="dk1"/>
+    </dgm:txFillClrLst>
+    <dgm:txEffectClrLst/>
+  </dgm:styleLbl>
+  <dgm:styleLbl name="fgAcc3">
+    <dgm:fillClrLst meth="repeat">
+      <a:schemeClr val="lt1">
+        <a:alpha val="90000"/>
+      </a:schemeClr>
+    </dgm:fillClrLst>
+    <dgm:linClrLst meth="repeat">
+      <a:schemeClr val="accent1"/>
+    </dgm:linClrLst>
+    <dgm:effectClrLst/>
+    <dgm:txLinClrLst/>
+    <dgm:txFillClrLst meth="repeat">
+      <a:schemeClr val="dk1"/>
+    </dgm:txFillClrLst>
+    <dgm:txEffectClrLst/>
+  </dgm:styleLbl>
+  <dgm:styleLbl name="fgAcc4">
+    <dgm:fillClrLst meth="repeat">
+      <a:schemeClr val="lt1">
+        <a:alpha val="90000"/>
+      </a:schemeClr>
+    </dgm:fillClrLst>
+    <dgm:linClrLst meth="repeat">
+      <a:schemeClr val="accent1"/>
+    </dgm:linClrLst>
+    <dgm:effectClrLst/>
+    <dgm:txLinClrLst/>
+    <dgm:txFillClrLst meth="repeat">
+      <a:schemeClr val="dk1"/>
+    </dgm:txFillClrLst>
+    <dgm:txEffectClrLst/>
+  </dgm:styleLbl>
+  <dgm:styleLbl name="bgShp">
+    <dgm:fillClrLst meth="repeat">
+      <a:schemeClr val="accent1">
+        <a:tint val="40000"/>
+      </a:schemeClr>
+    </dgm:fillClrLst>
+    <dgm:linClrLst meth="repeat">
+      <a:schemeClr val="accent1"/>
+    </dgm:linClrLst>
+    <dgm:effectClrLst/>
+    <dgm:txLinClrLst/>
+    <dgm:txFillClrLst meth="repeat">
+      <a:schemeClr val="dk1"/>
+    </dgm:txFillClrLst>
+    <dgm:txEffectClrLst/>
+  </dgm:styleLbl>
+  <dgm:styleLbl name="dkBgShp">
+    <dgm:fillClrLst meth="repeat">
+      <a:schemeClr val="accent1">
+        <a:shade val="80000"/>
+      </a:schemeClr>
+    </dgm:fillClrLst>
+    <dgm:linClrLst meth="repeat">
+      <a:schemeClr val="accent1"/>
+    </dgm:linClrLst>
+    <dgm:effectClrLst/>
+    <dgm:txLinClrLst/>
+    <dgm:txFillClrLst meth="repeat">
+      <a:schemeClr val="lt1"/>
+    </dgm:txFillClrLst>
+    <dgm:txEffectClrLst/>
+  </dgm:styleLbl>
+  <dgm:styleLbl name="trBgShp">
+    <dgm:fillClrLst meth="repeat">
+      <a:schemeClr val="accent1">
+        <a:tint val="50000"/>
+        <a:alpha val="40000"/>
+      </a:schemeClr>
+    </dgm:fillClrLst>
+    <dgm:linClrLst meth="repeat">
+      <a:schemeClr val="accent1"/>
+    </dgm:linClrLst>
+    <dgm:effectClrLst/>
+    <dgm:txLinClrLst/>
+    <dgm:txFillClrLst meth="repeat">
+      <a:schemeClr val="lt1"/>
+    </dgm:txFillClrLst>
+    <dgm:txEffectClrLst/>
+  </dgm:styleLbl>
+  <dgm:styleLbl name="fgShp">
+    <dgm:fillClrLst meth="repeat">
+      <a:schemeClr val="accent1">
+        <a:tint val="60000"/>
+      </a:schemeClr>
+    </dgm:fillClrLst>
+    <dgm:linClrLst meth="repeat">
+      <a:schemeClr val="lt1"/>
+    </dgm:linClrLst>
+    <dgm:effectClrLst/>
+    <dgm:txLinClrLst/>
+    <dgm:txFillClrLst meth="repeat">
+      <a:schemeClr val="dk1"/>
+    </dgm:txFillClrLst>
+    <dgm:txEffectClrLst/>
+  </dgm:styleLbl>
+  <dgm:styleLbl name="revTx">
+    <dgm:fillClrLst meth="repeat">
+      <a:schemeClr val="lt1">
+        <a:alpha val="0"/>
+      </a:schemeClr>
+    </dgm:fillClrLst>
+    <dgm:linClrLst meth="repeat">
+      <a:schemeClr val="dk1">
+        <a:alpha val="0"/>
+      </a:schemeClr>
+    </dgm:linClrLst>
+    <dgm:effectClrLst/>
+    <dgm:txLinClrLst/>
+    <dgm:txFillClrLst meth="repeat">
+      <a:schemeClr val="tx1"/>
+    </dgm:txFillClrLst>
+    <dgm:txEffectClrLst/>
+  </dgm:styleLbl>
+</dgm:colorsDef>
+</file>
+
+<file path=ppt/diagrams/colors6.xml><?xml version="1.0" encoding="utf-8"?>
+<dgm:colorsDef xmlns:dgm="http://schemas.openxmlformats.org/drawingml/2006/diagram" xmlns:a="http://schemas.openxmlformats.org/drawingml/2006/main" uniqueId="urn:microsoft.com/office/officeart/2005/8/colors/accent1_2">
+  <dgm:title val=""/>
+  <dgm:desc val=""/>
+  <dgm:catLst>
+    <dgm:cat type="accent1" pri="11200"/>
+  </dgm:catLst>
+  <dgm:styleLbl name="node0">
+    <dgm:fillClrLst meth="repeat">
+      <a:schemeClr val="accent1"/>
+    </dgm:fillClrLst>
+    <dgm:linClrLst meth="repeat">
+      <a:schemeClr val="lt1"/>
+    </dgm:linClrLst>
+    <dgm:effectClrLst/>
+    <dgm:txLinClrLst/>
+    <dgm:txFillClrLst/>
+    <dgm:txEffectClrLst/>
+  </dgm:styleLbl>
+  <dgm:styleLbl name="alignNode1">
+    <dgm:fillClrLst meth="repeat">
+      <a:schemeClr val="accent1"/>
+    </dgm:fillClrLst>
+    <dgm:linClrLst meth="repeat">
+      <a:schemeClr val="accent1"/>
+    </dgm:linClrLst>
+    <dgm:effectClrLst/>
+    <dgm:txLinClrLst/>
+    <dgm:txFillClrLst/>
+    <dgm:txEffectClrLst/>
+  </dgm:styleLbl>
+  <dgm:styleLbl name="node1">
+    <dgm:fillClrLst meth="repeat">
+      <a:schemeClr val="accent1"/>
+    </dgm:fillClrLst>
+    <dgm:linClrLst meth="repeat">
+      <a:schemeClr val="lt1"/>
+    </dgm:linClrLst>
+    <dgm:effectClrLst/>
+    <dgm:txLinClrLst/>
+    <dgm:txFillClrLst/>
+    <dgm:txEffectClrLst/>
+  </dgm:styleLbl>
+  <dgm:styleLbl name="lnNode1">
+    <dgm:fillClrLst meth="repeat">
+      <a:schemeClr val="accent1"/>
+    </dgm:fillClrLst>
+    <dgm:linClrLst meth="repeat">
+      <a:schemeClr val="lt1"/>
+    </dgm:linClrLst>
+    <dgm:effectClrLst/>
+    <dgm:txLinClrLst/>
+    <dgm:txFillClrLst/>
+    <dgm:txEffectClrLst/>
+  </dgm:styleLbl>
+  <dgm:styleLbl name="vennNode1">
+    <dgm:fillClrLst meth="repeat">
+      <a:schemeClr val="accent1">
+        <a:alpha val="50000"/>
+      </a:schemeClr>
+    </dgm:fillClrLst>
+    <dgm:linClrLst meth="repeat">
+      <a:schemeClr val="lt1"/>
+    </dgm:linClrLst>
+    <dgm:effectClrLst/>
+    <dgm:txLinClrLst/>
+    <dgm:txFillClrLst/>
+    <dgm:txEffectClrLst/>
+  </dgm:styleLbl>
+  <dgm:styleLbl name="node2">
+    <dgm:fillClrLst meth="repeat">
+      <a:schemeClr val="accent1"/>
+    </dgm:fillClrLst>
+    <dgm:linClrLst meth="repeat">
+      <a:schemeClr val="lt1"/>
+    </dgm:linClrLst>
+    <dgm:effectClrLst/>
+    <dgm:txLinClrLst/>
+    <dgm:txFillClrLst/>
+    <dgm:txEffectClrLst/>
+  </dgm:styleLbl>
+  <dgm:styleLbl name="node3">
+    <dgm:fillClrLst meth="repeat">
+      <a:schemeClr val="accent1"/>
+    </dgm:fillClrLst>
+    <dgm:linClrLst meth="repeat">
+      <a:schemeClr val="lt1"/>
+    </dgm:linClrLst>
+    <dgm:effectClrLst/>
+    <dgm:txLinClrLst/>
+    <dgm:txFillClrLst/>
+    <dgm:txEffectClrLst/>
+  </dgm:styleLbl>
+  <dgm:styleLbl name="node4">
+    <dgm:fillClrLst meth="repeat">
+      <a:schemeClr val="accent1"/>
+    </dgm:fillClrLst>
+    <dgm:linClrLst meth="repeat">
+      <a:schemeClr val="lt1"/>
+    </dgm:linClrLst>
+    <dgm:effectClrLst/>
+    <dgm:txLinClrLst/>
+    <dgm:txFillClrLst/>
+    <dgm:txEffectClrLst/>
+  </dgm:styleLbl>
+  <dgm:styleLbl name="fgImgPlace1">
+    <dgm:fillClrLst meth="repeat">
+      <a:schemeClr val="accent1">
+        <a:tint val="50000"/>
+      </a:schemeClr>
     </dgm:fillClrLst>
     <dgm:linClrLst meth="repeat">
       <a:schemeClr val="lt1"/>
@@ -3385,10 +4057,11 @@
     </dgm:txFillClrLst>
     <dgm:txEffectClrLst/>
   </dgm:styleLbl>
-  <dgm:styleLbl name="bgSibTrans2D1">
-    <dgm:fillClrLst>
-      <a:schemeClr val="accent2"/>
-      <a:schemeClr val="accent3"/>
+  <dgm:styleLbl name="alignImgPlace1">
+    <dgm:fillClrLst meth="repeat">
+      <a:schemeClr val="accent1">
+        <a:tint val="50000"/>
+      </a:schemeClr>
     </dgm:fillClrLst>
     <dgm:linClrLst meth="repeat">
       <a:schemeClr val="lt1"/>
@@ -3400,102 +4073,11 @@
     </dgm:txFillClrLst>
     <dgm:txEffectClrLst/>
   </dgm:styleLbl>
-  <dgm:styleLbl name="sibTrans1D1">
-    <dgm:fillClrLst/>
-    <dgm:linClrLst>
-      <a:schemeClr val="accent2"/>
-      <a:schemeClr val="accent3"/>
-    </dgm:linClrLst>
-    <dgm:effectClrLst/>
-    <dgm:txLinClrLst/>
-    <dgm:txFillClrLst meth="repeat">
-      <a:schemeClr val="tx1"/>
-    </dgm:txFillClrLst>
-    <dgm:txEffectClrLst/>
-  </dgm:styleLbl>
-  <dgm:styleLbl name="callout">
+  <dgm:styleLbl name="bgImgPlace1">
     <dgm:fillClrLst meth="repeat">
-      <a:schemeClr val="accent2"/>
-    </dgm:fillClrLst>
-    <dgm:linClrLst meth="repeat">
-      <a:schemeClr val="accent2">
+      <a:schemeClr val="accent1">
         <a:tint val="50000"/>
       </a:schemeClr>
-    </dgm:linClrLst>
-    <dgm:effectClrLst/>
-    <dgm:txLinClrLst/>
-    <dgm:txFillClrLst meth="repeat">
-      <a:schemeClr val="tx1"/>
-    </dgm:txFillClrLst>
-    <dgm:txEffectClrLst/>
-  </dgm:styleLbl>
-  <dgm:styleLbl name="asst0">
-    <dgm:fillClrLst meth="repeat">
-      <a:schemeClr val="accent2"/>
-    </dgm:fillClrLst>
-    <dgm:linClrLst meth="repeat">
-      <a:schemeClr val="lt1">
-        <a:shade val="80000"/>
-      </a:schemeClr>
-    </dgm:linClrLst>
-    <dgm:effectClrLst/>
-    <dgm:txLinClrLst/>
-    <dgm:txFillClrLst/>
-    <dgm:txEffectClrLst/>
-  </dgm:styleLbl>
-  <dgm:styleLbl name="asst1">
-    <dgm:fillClrLst meth="repeat">
-      <a:schemeClr val="accent3"/>
-    </dgm:fillClrLst>
-    <dgm:linClrLst meth="repeat">
-      <a:schemeClr val="lt1">
-        <a:shade val="80000"/>
-      </a:schemeClr>
-    </dgm:linClrLst>
-    <dgm:effectClrLst/>
-    <dgm:txLinClrLst/>
-    <dgm:txFillClrLst/>
-    <dgm:txEffectClrLst/>
-  </dgm:styleLbl>
-  <dgm:styleLbl name="asst2">
-    <dgm:fillClrLst>
-      <a:schemeClr val="accent4"/>
-    </dgm:fillClrLst>
-    <dgm:linClrLst meth="repeat">
-      <a:schemeClr val="lt1"/>
-    </dgm:linClrLst>
-    <dgm:effectClrLst/>
-    <dgm:txLinClrLst/>
-    <dgm:txFillClrLst/>
-    <dgm:txEffectClrLst/>
-  </dgm:styleLbl>
-  <dgm:styleLbl name="asst3">
-    <dgm:fillClrLst>
-      <a:schemeClr val="accent5"/>
-    </dgm:fillClrLst>
-    <dgm:linClrLst meth="repeat">
-      <a:schemeClr val="lt1"/>
-    </dgm:linClrLst>
-    <dgm:effectClrLst/>
-    <dgm:txLinClrLst/>
-    <dgm:txFillClrLst/>
-    <dgm:txEffectClrLst/>
-  </dgm:styleLbl>
-  <dgm:styleLbl name="asst4">
-    <dgm:fillClrLst>
-      <a:schemeClr val="accent6"/>
-    </dgm:fillClrLst>
-    <dgm:linClrLst meth="repeat">
-      <a:schemeClr val="lt1"/>
-    </dgm:linClrLst>
-    <dgm:effectClrLst/>
-    <dgm:txLinClrLst/>
-    <dgm:txFillClrLst/>
-    <dgm:txEffectClrLst/>
-  </dgm:styleLbl>
-  <dgm:styleLbl name="parChTrans2D1">
-    <dgm:fillClrLst meth="repeat">
-      <a:schemeClr val="accent2"/>
     </dgm:fillClrLst>
     <dgm:linClrLst meth="repeat">
       <a:schemeClr val="lt1"/>
@@ -3507,9 +4089,87 @@
     </dgm:txFillClrLst>
     <dgm:txEffectClrLst/>
   </dgm:styleLbl>
-  <dgm:styleLbl name="parChTrans2D2">
+  <dgm:styleLbl name="sibTrans2D1">
     <dgm:fillClrLst meth="repeat">
-      <a:schemeClr val="accent3"/>
+      <a:schemeClr val="accent1">
+        <a:tint val="60000"/>
+      </a:schemeClr>
+    </dgm:fillClrLst>
+    <dgm:linClrLst meth="repeat">
+      <a:schemeClr val="accent1">
+        <a:tint val="60000"/>
+      </a:schemeClr>
+    </dgm:linClrLst>
+    <dgm:effectClrLst/>
+    <dgm:txLinClrLst/>
+    <dgm:txFillClrLst/>
+    <dgm:txEffectClrLst/>
+  </dgm:styleLbl>
+  <dgm:styleLbl name="fgSibTrans2D1">
+    <dgm:fillClrLst meth="repeat">
+      <a:schemeClr val="accent1">
+        <a:tint val="60000"/>
+      </a:schemeClr>
+    </dgm:fillClrLst>
+    <dgm:linClrLst meth="repeat">
+      <a:schemeClr val="accent1">
+        <a:tint val="60000"/>
+      </a:schemeClr>
+    </dgm:linClrLst>
+    <dgm:effectClrLst/>
+    <dgm:txLinClrLst/>
+    <dgm:txFillClrLst/>
+    <dgm:txEffectClrLst/>
+  </dgm:styleLbl>
+  <dgm:styleLbl name="bgSibTrans2D1">
+    <dgm:fillClrLst meth="repeat">
+      <a:schemeClr val="accent1">
+        <a:tint val="60000"/>
+      </a:schemeClr>
+    </dgm:fillClrLst>
+    <dgm:linClrLst meth="repeat">
+      <a:schemeClr val="accent1">
+        <a:tint val="60000"/>
+      </a:schemeClr>
+    </dgm:linClrLst>
+    <dgm:effectClrLst/>
+    <dgm:txLinClrLst/>
+    <dgm:txFillClrLst/>
+    <dgm:txEffectClrLst/>
+  </dgm:styleLbl>
+  <dgm:styleLbl name="sibTrans1D1">
+    <dgm:fillClrLst meth="repeat">
+      <a:schemeClr val="accent1"/>
+    </dgm:fillClrLst>
+    <dgm:linClrLst meth="repeat">
+      <a:schemeClr val="accent1"/>
+    </dgm:linClrLst>
+    <dgm:effectClrLst/>
+    <dgm:txLinClrLst/>
+    <dgm:txFillClrLst meth="repeat">
+      <a:schemeClr val="tx1"/>
+    </dgm:txFillClrLst>
+    <dgm:txEffectClrLst/>
+  </dgm:styleLbl>
+  <dgm:styleLbl name="callout">
+    <dgm:fillClrLst meth="repeat">
+      <a:schemeClr val="accent1"/>
+    </dgm:fillClrLst>
+    <dgm:linClrLst meth="repeat">
+      <a:schemeClr val="accent1">
+        <a:tint val="50000"/>
+      </a:schemeClr>
+    </dgm:linClrLst>
+    <dgm:effectClrLst/>
+    <dgm:txLinClrLst/>
+    <dgm:txFillClrLst meth="repeat">
+      <a:schemeClr val="tx1"/>
+    </dgm:txFillClrLst>
+    <dgm:txEffectClrLst/>
+  </dgm:styleLbl>
+  <dgm:styleLbl name="asst0">
+    <dgm:fillClrLst meth="repeat">
+      <a:schemeClr val="accent1"/>
     </dgm:fillClrLst>
     <dgm:linClrLst meth="repeat">
       <a:schemeClr val="lt1"/>
@@ -3519,9 +4179,9 @@
     <dgm:txFillClrLst/>
     <dgm:txEffectClrLst/>
   </dgm:styleLbl>
-  <dgm:styleLbl name="parChTrans2D3">
+  <dgm:styleLbl name="asst1">
     <dgm:fillClrLst meth="repeat">
-      <a:schemeClr val="accent4"/>
+      <a:schemeClr val="accent1"/>
     </dgm:fillClrLst>
     <dgm:linClrLst meth="repeat">
       <a:schemeClr val="lt1"/>
@@ -3531,12 +4191,52 @@
     <dgm:txFillClrLst/>
     <dgm:txEffectClrLst/>
   </dgm:styleLbl>
-  <dgm:styleLbl name="parChTrans2D4">
+  <dgm:styleLbl name="asst2">
     <dgm:fillClrLst meth="repeat">
-      <a:schemeClr val="accent5"/>
+      <a:schemeClr val="accent1"/>
     </dgm:fillClrLst>
     <dgm:linClrLst meth="repeat">
       <a:schemeClr val="lt1"/>
+    </dgm:linClrLst>
+    <dgm:effectClrLst/>
+    <dgm:txLinClrLst/>
+    <dgm:txFillClrLst/>
+    <dgm:txEffectClrLst/>
+  </dgm:styleLbl>
+  <dgm:styleLbl name="asst3">
+    <dgm:fillClrLst meth="repeat">
+      <a:schemeClr val="accent1"/>
+    </dgm:fillClrLst>
+    <dgm:linClrLst meth="repeat">
+      <a:schemeClr val="lt1"/>
+    </dgm:linClrLst>
+    <dgm:effectClrLst/>
+    <dgm:txLinClrLst/>
+    <dgm:txFillClrLst/>
+    <dgm:txEffectClrLst/>
+  </dgm:styleLbl>
+  <dgm:styleLbl name="asst4">
+    <dgm:fillClrLst meth="repeat">
+      <a:schemeClr val="accent1"/>
+    </dgm:fillClrLst>
+    <dgm:linClrLst meth="repeat">
+      <a:schemeClr val="lt1"/>
+    </dgm:linClrLst>
+    <dgm:effectClrLst/>
+    <dgm:txLinClrLst/>
+    <dgm:txFillClrLst/>
+    <dgm:txEffectClrLst/>
+  </dgm:styleLbl>
+  <dgm:styleLbl name="parChTrans2D1">
+    <dgm:fillClrLst meth="repeat">
+      <a:schemeClr val="accent1">
+        <a:tint val="60000"/>
+      </a:schemeClr>
+    </dgm:fillClrLst>
+    <dgm:linClrLst meth="repeat">
+      <a:schemeClr val="accent1">
+        <a:tint val="60000"/>
+      </a:schemeClr>
     </dgm:linClrLst>
     <dgm:effectClrLst/>
     <dgm:txLinClrLst/>
@@ -3545,12 +4245,56 @@
     </dgm:txFillClrLst>
     <dgm:txEffectClrLst/>
   </dgm:styleLbl>
+  <dgm:styleLbl name="parChTrans2D2">
+    <dgm:fillClrLst meth="repeat">
+      <a:schemeClr val="accent1"/>
+    </dgm:fillClrLst>
+    <dgm:linClrLst meth="repeat">
+      <a:schemeClr val="accent1"/>
+    </dgm:linClrLst>
+    <dgm:effectClrLst/>
+    <dgm:txLinClrLst/>
+    <dgm:txFillClrLst meth="repeat">
+      <a:schemeClr val="lt1"/>
+    </dgm:txFillClrLst>
+    <dgm:txEffectClrLst/>
+  </dgm:styleLbl>
+  <dgm:styleLbl name="parChTrans2D3">
+    <dgm:fillClrLst meth="repeat">
+      <a:schemeClr val="accent1"/>
+    </dgm:fillClrLst>
+    <dgm:linClrLst meth="repeat">
+      <a:schemeClr val="accent1"/>
+    </dgm:linClrLst>
+    <dgm:effectClrLst/>
+    <dgm:txLinClrLst/>
+    <dgm:txFillClrLst meth="repeat">
+      <a:schemeClr val="lt1"/>
+    </dgm:txFillClrLst>
+    <dgm:txEffectClrLst/>
+  </dgm:styleLbl>
+  <dgm:styleLbl name="parChTrans2D4">
+    <dgm:fillClrLst meth="repeat">
+      <a:schemeClr val="accent1"/>
+    </dgm:fillClrLst>
+    <dgm:linClrLst meth="repeat">
+      <a:schemeClr val="accent1"/>
+    </dgm:linClrLst>
+    <dgm:effectClrLst/>
+    <dgm:txLinClrLst/>
+    <dgm:txFillClrLst meth="repeat">
+      <a:schemeClr val="lt1"/>
+    </dgm:txFillClrLst>
+    <dgm:txEffectClrLst/>
+  </dgm:styleLbl>
   <dgm:styleLbl name="parChTrans1D1">
     <dgm:fillClrLst meth="repeat">
-      <a:schemeClr val="accent2"/>
+      <a:schemeClr val="accent1"/>
     </dgm:fillClrLst>
     <dgm:linClrLst meth="repeat">
-      <a:schemeClr val="accent2"/>
+      <a:schemeClr val="accent1">
+        <a:shade val="60000"/>
+      </a:schemeClr>
     </dgm:linClrLst>
     <dgm:effectClrLst/>
     <dgm:txLinClrLst/>
@@ -3561,12 +4305,12 @@
   </dgm:styleLbl>
   <dgm:styleLbl name="parChTrans1D2">
     <dgm:fillClrLst meth="repeat">
-      <a:schemeClr val="accent2">
-        <a:tint val="90000"/>
-      </a:schemeClr>
+      <a:schemeClr val="accent1"/>
     </dgm:fillClrLst>
     <dgm:linClrLst meth="repeat">
-      <a:schemeClr val="accent3"/>
+      <a:schemeClr val="accent1">
+        <a:shade val="60000"/>
+      </a:schemeClr>
     </dgm:linClrLst>
     <dgm:effectClrLst/>
     <dgm:txLinClrLst/>
@@ -3577,12 +4321,12 @@
   </dgm:styleLbl>
   <dgm:styleLbl name="parChTrans1D3">
     <dgm:fillClrLst meth="repeat">
-      <a:schemeClr val="accent2">
-        <a:tint val="70000"/>
-      </a:schemeClr>
+      <a:schemeClr val="accent1"/>
     </dgm:fillClrLst>
     <dgm:linClrLst meth="repeat">
-      <a:schemeClr val="accent4"/>
+      <a:schemeClr val="accent1">
+        <a:shade val="80000"/>
+      </a:schemeClr>
     </dgm:linClrLst>
     <dgm:effectClrLst/>
     <dgm:txLinClrLst/>
@@ -3593,12 +4337,12 @@
   </dgm:styleLbl>
   <dgm:styleLbl name="parChTrans1D4">
     <dgm:fillClrLst meth="repeat">
-      <a:schemeClr val="accent2">
-        <a:tint val="50000"/>
-      </a:schemeClr>
+      <a:schemeClr val="accent1"/>
     </dgm:fillClrLst>
     <dgm:linClrLst meth="repeat">
-      <a:schemeClr val="accent5"/>
+      <a:schemeClr val="accent1">
+        <a:shade val="80000"/>
+      </a:schemeClr>
     </dgm:linClrLst>
     <dgm:effectClrLst/>
     <dgm:txLinClrLst/>
@@ -3613,9 +4357,8 @@
         <a:alpha val="90000"/>
       </a:schemeClr>
     </dgm:fillClrLst>
-    <dgm:linClrLst>
-      <a:schemeClr val="accent2"/>
-      <a:schemeClr val="accent3"/>
+    <dgm:linClrLst meth="repeat">
+      <a:schemeClr val="accent1"/>
     </dgm:linClrLst>
     <dgm:effectClrLst/>
     <dgm:txLinClrLst/>
@@ -3630,9 +4373,8 @@
         <a:alpha val="90000"/>
       </a:schemeClr>
     </dgm:fillClrLst>
-    <dgm:linClrLst>
-      <a:schemeClr val="accent2"/>
-      <a:schemeClr val="accent3"/>
+    <dgm:linClrLst meth="repeat">
+      <a:schemeClr val="accent1"/>
     </dgm:linClrLst>
     <dgm:effectClrLst/>
     <dgm:txLinClrLst/>
@@ -3647,9 +4389,8 @@
         <a:alpha val="90000"/>
       </a:schemeClr>
     </dgm:fillClrLst>
-    <dgm:linClrLst>
-      <a:schemeClr val="accent2"/>
-      <a:schemeClr val="accent3"/>
+    <dgm:linClrLst meth="repeat">
+      <a:schemeClr val="accent1"/>
     </dgm:linClrLst>
     <dgm:effectClrLst/>
     <dgm:txLinClrLst/>
@@ -3665,7 +4406,7 @@
       </a:schemeClr>
     </dgm:fillClrLst>
     <dgm:linClrLst meth="repeat">
-      <a:schemeClr val="accent2"/>
+      <a:schemeClr val="accent1"/>
     </dgm:linClrLst>
     <dgm:effectClrLst/>
     <dgm:txLinClrLst/>
@@ -3680,9 +4421,8 @@
         <a:alpha val="90000"/>
       </a:schemeClr>
     </dgm:fillClrLst>
-    <dgm:linClrLst>
-      <a:schemeClr val="accent2"/>
-      <a:schemeClr val="accent3"/>
+    <dgm:linClrLst meth="repeat">
+      <a:schemeClr val="accent1"/>
     </dgm:linClrLst>
     <dgm:effectClrLst/>
     <dgm:txLinClrLst/>
@@ -3695,9 +4435,8 @@
     <dgm:fillClrLst meth="repeat">
       <a:schemeClr val="lt1"/>
     </dgm:fillClrLst>
-    <dgm:linClrLst>
-      <a:schemeClr val="accent2"/>
-      <a:schemeClr val="accent3"/>
+    <dgm:linClrLst meth="repeat">
+      <a:schemeClr val="accent1"/>
     </dgm:linClrLst>
     <dgm:effectClrLst/>
     <dgm:txLinClrLst/>
@@ -3710,9 +4449,8 @@
     <dgm:fillClrLst meth="repeat">
       <a:schemeClr val="lt1"/>
     </dgm:fillClrLst>
-    <dgm:linClrLst>
-      <a:schemeClr val="accent2"/>
-      <a:schemeClr val="accent3"/>
+    <dgm:linClrLst meth="repeat">
+      <a:schemeClr val="accent1"/>
     </dgm:linClrLst>
     <dgm:effectClrLst/>
     <dgm:txLinClrLst/>
@@ -3725,9 +4463,8 @@
     <dgm:fillClrLst meth="repeat">
       <a:schemeClr val="lt1"/>
     </dgm:fillClrLst>
-    <dgm:linClrLst>
-      <a:schemeClr val="accent2"/>
-      <a:schemeClr val="accent3"/>
+    <dgm:linClrLst meth="repeat">
+      <a:schemeClr val="accent1"/>
     </dgm:linClrLst>
     <dgm:effectClrLst/>
     <dgm:txLinClrLst/>
@@ -3737,24 +4474,16 @@
     <dgm:txEffectClrLst/>
   </dgm:styleLbl>
   <dgm:styleLbl name="fgAccFollowNode1">
-    <dgm:fillClrLst>
-      <a:schemeClr val="accent2">
+    <dgm:fillClrLst meth="repeat">
+      <a:schemeClr val="accent1">
+        <a:alpha val="90000"/>
         <a:tint val="40000"/>
-        <a:alpha val="90000"/>
-      </a:schemeClr>
-      <a:schemeClr val="accent3">
-        <a:tint val="40000"/>
-        <a:alpha val="90000"/>
       </a:schemeClr>
     </dgm:fillClrLst>
-    <dgm:linClrLst>
-      <a:schemeClr val="accent2">
+    <dgm:linClrLst meth="repeat">
+      <a:schemeClr val="accent1">
+        <a:alpha val="90000"/>
         <a:tint val="40000"/>
-        <a:alpha val="90000"/>
-      </a:schemeClr>
-      <a:schemeClr val="accent3">
-        <a:tint val="40000"/>
-        <a:alpha val="90000"/>
       </a:schemeClr>
     </dgm:linClrLst>
     <dgm:effectClrLst/>
@@ -3765,24 +4494,16 @@
     <dgm:txEffectClrLst/>
   </dgm:styleLbl>
   <dgm:styleLbl name="alignAccFollowNode1">
-    <dgm:fillClrLst>
-      <a:schemeClr val="accent2">
+    <dgm:fillClrLst meth="repeat">
+      <a:schemeClr val="accent1">
+        <a:alpha val="90000"/>
         <a:tint val="40000"/>
-        <a:alpha val="90000"/>
-      </a:schemeClr>
-      <a:schemeClr val="accent3">
-        <a:tint val="40000"/>
-        <a:alpha val="90000"/>
       </a:schemeClr>
     </dgm:fillClrLst>
-    <dgm:linClrLst>
-      <a:schemeClr val="accent2">
+    <dgm:linClrLst meth="repeat">
+      <a:schemeClr val="accent1">
+        <a:alpha val="90000"/>
         <a:tint val="40000"/>
-        <a:alpha val="90000"/>
-      </a:schemeClr>
-      <a:schemeClr val="accent3">
-        <a:tint val="40000"/>
-        <a:alpha val="90000"/>
       </a:schemeClr>
     </dgm:linClrLst>
     <dgm:effectClrLst/>
@@ -3793,24 +4514,16 @@
     <dgm:txEffectClrLst/>
   </dgm:styleLbl>
   <dgm:styleLbl name="bgAccFollowNode1">
-    <dgm:fillClrLst>
-      <a:schemeClr val="accent2">
+    <dgm:fillClrLst meth="repeat">
+      <a:schemeClr val="accent1">
+        <a:alpha val="90000"/>
         <a:tint val="40000"/>
-        <a:alpha val="90000"/>
-      </a:schemeClr>
-      <a:schemeClr val="accent3">
-        <a:tint val="40000"/>
-        <a:alpha val="90000"/>
       </a:schemeClr>
     </dgm:fillClrLst>
-    <dgm:linClrLst>
-      <a:schemeClr val="accent2">
+    <dgm:linClrLst meth="repeat">
+      <a:schemeClr val="accent1">
+        <a:alpha val="90000"/>
         <a:tint val="40000"/>
-        <a:alpha val="90000"/>
-      </a:schemeClr>
-      <a:schemeClr val="accent3">
-        <a:tint val="40000"/>
-        <a:alpha val="90000"/>
       </a:schemeClr>
     </dgm:linClrLst>
     <dgm:effectClrLst/>
@@ -3826,7 +4539,7 @@
         <a:alpha val="90000"/>
       </a:schemeClr>
     </dgm:fillClrLst>
-    <dgm:linClrLst>
+    <dgm:linClrLst meth="repeat">
       <a:schemeClr val="accent1"/>
     </dgm:linClrLst>
     <dgm:effectClrLst/>
@@ -3842,8 +4555,8 @@
         <a:alpha val="90000"/>
       </a:schemeClr>
     </dgm:fillClrLst>
-    <dgm:linClrLst>
-      <a:schemeClr val="accent3"/>
+    <dgm:linClrLst meth="repeat">
+      <a:schemeClr val="accent1"/>
     </dgm:linClrLst>
     <dgm:effectClrLst/>
     <dgm:txLinClrLst/>
@@ -3858,8 +4571,8 @@
         <a:alpha val="90000"/>
       </a:schemeClr>
     </dgm:fillClrLst>
-    <dgm:linClrLst>
-      <a:schemeClr val="accent4"/>
+    <dgm:linClrLst meth="repeat">
+      <a:schemeClr val="accent1"/>
     </dgm:linClrLst>
     <dgm:effectClrLst/>
     <dgm:txLinClrLst/>
@@ -3874,8 +4587,8 @@
         <a:alpha val="90000"/>
       </a:schemeClr>
     </dgm:fillClrLst>
-    <dgm:linClrLst>
-      <a:schemeClr val="accent5"/>
+    <dgm:linClrLst meth="repeat">
+      <a:schemeClr val="accent1"/>
     </dgm:linClrLst>
     <dgm:effectClrLst/>
     <dgm:txLinClrLst/>
@@ -3886,12 +4599,12 @@
   </dgm:styleLbl>
   <dgm:styleLbl name="bgShp">
     <dgm:fillClrLst meth="repeat">
-      <a:schemeClr val="accent2">
+      <a:schemeClr val="accent1">
         <a:tint val="40000"/>
       </a:schemeClr>
     </dgm:fillClrLst>
     <dgm:linClrLst meth="repeat">
-      <a:schemeClr val="dk1"/>
+      <a:schemeClr val="accent1"/>
     </dgm:linClrLst>
     <dgm:effectClrLst/>
     <dgm:txLinClrLst/>
@@ -3902,12 +4615,12 @@
   </dgm:styleLbl>
   <dgm:styleLbl name="dkBgShp">
     <dgm:fillClrLst meth="repeat">
-      <a:schemeClr val="accent2">
-        <a:shade val="90000"/>
+      <a:schemeClr val="accent1">
+        <a:shade val="80000"/>
       </a:schemeClr>
     </dgm:fillClrLst>
     <dgm:linClrLst meth="repeat">
-      <a:schemeClr val="dk1"/>
+      <a:schemeClr val="accent1"/>
     </dgm:linClrLst>
     <dgm:effectClrLst/>
     <dgm:txLinClrLst/>
@@ -3918,13 +4631,13 @@
   </dgm:styleLbl>
   <dgm:styleLbl name="trBgShp">
     <dgm:fillClrLst meth="repeat">
-      <a:schemeClr val="accent2">
+      <a:schemeClr val="accent1">
         <a:tint val="50000"/>
         <a:alpha val="40000"/>
       </a:schemeClr>
     </dgm:fillClrLst>
     <dgm:linClrLst meth="repeat">
-      <a:schemeClr val="accent2"/>
+      <a:schemeClr val="accent1"/>
     </dgm:linClrLst>
     <dgm:effectClrLst/>
     <dgm:txLinClrLst/>
@@ -3935,8 +4648,8 @@
   </dgm:styleLbl>
   <dgm:styleLbl name="fgShp">
     <dgm:fillClrLst meth="repeat">
-      <a:schemeClr val="accent2">
-        <a:tint val="40000"/>
+      <a:schemeClr val="accent1">
+        <a:tint val="60000"/>
       </a:schemeClr>
     </dgm:fillClrLst>
     <dgm:linClrLst meth="repeat">
@@ -5813,25 +6526,38 @@
 <file path=ppt/diagrams/data5.xml><?xml version="1.0" encoding="utf-8"?>
 <dgm:dataModel xmlns:dgm="http://schemas.openxmlformats.org/drawingml/2006/diagram" xmlns:a="http://schemas.openxmlformats.org/drawingml/2006/main">
   <dgm:ptLst>
-    <dgm:pt modelId="{F3F17486-E65A-4A6D-86E4-9A690FD8901F}" type="doc">
-      <dgm:prSet loTypeId="urn:microsoft.com/office/officeart/2005/8/layout/vList3" loCatId="picture" qsTypeId="urn:microsoft.com/office/officeart/2005/8/quickstyle/simple2" qsCatId="simple" csTypeId="urn:microsoft.com/office/officeart/2005/8/colors/colorful2" csCatId="colorful" phldr="1"/>
-      <dgm:spPr/>
-    </dgm:pt>
-    <dgm:pt modelId="{77124773-69AB-4786-AF11-1AD87DD51A21}">
-      <dgm:prSet phldrT="[Text]"/>
+    <dgm:pt modelId="{A6D0E641-8BDD-4642-9426-C6758DA93154}" type="doc">
+      <dgm:prSet loTypeId="urn:microsoft.com/office/officeart/2005/8/layout/vList6" loCatId="list" qsTypeId="urn:microsoft.com/office/officeart/2005/8/quickstyle/simple2" qsCatId="simple" csTypeId="urn:microsoft.com/office/officeart/2005/8/colors/accent1_2" csCatId="accent1" phldr="1"/>
       <dgm:spPr/>
       <dgm:t>
         <a:bodyPr/>
         <a:lstStyle/>
         <a:p>
+          <a:endParaRPr lang="en-US"/>
+        </a:p>
+      </dgm:t>
+    </dgm:pt>
+    <dgm:pt modelId="{F66B4742-8012-41F7-8378-AB1CAD99F5FE}">
+      <dgm:prSet phldrT="[Text]"/>
+      <dgm:spPr>
+        <a:solidFill>
+          <a:schemeClr val="tx2">
+            <a:lumMod val="50000"/>
+          </a:schemeClr>
+        </a:solidFill>
+      </dgm:spPr>
+      <dgm:t>
+        <a:bodyPr/>
+        <a:lstStyle/>
+        <a:p>
           <a:r>
-            <a:rPr lang="en-US" dirty="0"/>
+            <a:rPr lang="en-US" b="1" dirty="0"/>
             <a:t>Capital Requirement.</a:t>
           </a:r>
         </a:p>
       </dgm:t>
     </dgm:pt>
-    <dgm:pt modelId="{7DEF27F2-015B-407E-B0CE-C8BF0A0C3242}" type="parTrans" cxnId="{C32A084E-25E0-49FA-9D77-6D5C6ED88D5F}">
+    <dgm:pt modelId="{394AD23D-0D6A-4924-AE50-CFF4D0AAC1A3}" type="parTrans" cxnId="{053FE82B-16BB-448A-908B-0FBC78927953}">
       <dgm:prSet/>
       <dgm:spPr/>
       <dgm:t>
@@ -5842,7 +6568,7 @@
         </a:p>
       </dgm:t>
     </dgm:pt>
-    <dgm:pt modelId="{BAC25221-E140-4216-B1A4-677AA0F83958}" type="sibTrans" cxnId="{C32A084E-25E0-49FA-9D77-6D5C6ED88D5F}">
+    <dgm:pt modelId="{577E861D-D78B-44B7-B325-DB5AB2E11B09}" type="sibTrans" cxnId="{053FE82B-16BB-448A-908B-0FBC78927953}">
       <dgm:prSet/>
       <dgm:spPr/>
       <dgm:t>
@@ -5853,21 +6579,25 @@
         </a:p>
       </dgm:t>
     </dgm:pt>
-    <dgm:pt modelId="{9686D7E0-373E-4524-9A17-1B078EBBF6EC}">
-      <dgm:prSet phldrT="[Text]"/>
+    <dgm:pt modelId="{50F5F7DE-59E8-4C17-A425-18725C015A4D}">
+      <dgm:prSet phldrT="[Text]" custT="1"/>
       <dgm:spPr/>
       <dgm:t>
         <a:bodyPr/>
         <a:lstStyle/>
         <a:p>
+          <a:pPr algn="just">
+            <a:buFontTx/>
+            <a:buNone/>
+          </a:pPr>
           <a:r>
-            <a:rPr lang="en-US" dirty="0"/>
-            <a:t>Economies of Scale.</a:t>
+            <a:rPr lang="en-US" sz="1300" dirty="0"/>
+            <a:t>	Firm lacking fund effectively barred from the industry which require huge capital to enter. For example, Automobile Industry.</a:t>
           </a:r>
         </a:p>
       </dgm:t>
     </dgm:pt>
-    <dgm:pt modelId="{DB9010C9-88A9-4895-8BE4-BBD428D02BEE}" type="parTrans" cxnId="{47395474-A97A-4682-BA99-5EE0CC5ACCB4}">
+    <dgm:pt modelId="{8662A2F6-BE23-40ED-93C1-2EC92A4CADCF}" type="parTrans" cxnId="{9501C697-2571-45BC-9180-1F8C557EB0A9}">
       <dgm:prSet/>
       <dgm:spPr/>
       <dgm:t>
@@ -5878,7 +6608,7 @@
         </a:p>
       </dgm:t>
     </dgm:pt>
-    <dgm:pt modelId="{D2E2A003-D761-4684-A072-2AF346DF025E}" type="sibTrans" cxnId="{47395474-A97A-4682-BA99-5EE0CC5ACCB4}">
+    <dgm:pt modelId="{90F0D123-2BC4-41F1-AE40-78F347FB0A09}" type="sibTrans" cxnId="{9501C697-2571-45BC-9180-1F8C557EB0A9}">
       <dgm:prSet/>
       <dgm:spPr/>
       <dgm:t>
@@ -5889,21 +6619,27 @@
         </a:p>
       </dgm:t>
     </dgm:pt>
-    <dgm:pt modelId="{13CAD186-45C4-4284-AA22-16DCF784B857}">
+    <dgm:pt modelId="{305D4DB3-C9E2-4CAC-964F-2FC3EFC99D07}">
       <dgm:prSet phldrT="[Text]"/>
-      <dgm:spPr/>
+      <dgm:spPr>
+        <a:solidFill>
+          <a:schemeClr val="tx2">
+            <a:lumMod val="50000"/>
+          </a:schemeClr>
+        </a:solidFill>
+      </dgm:spPr>
       <dgm:t>
         <a:bodyPr/>
         <a:lstStyle/>
         <a:p>
           <a:r>
-            <a:rPr lang="en-US" dirty="0"/>
-            <a:t>Product Differentiation.</a:t>
+            <a:rPr lang="en-US" b="1" dirty="0"/>
+            <a:t>Economies of Scale.</a:t>
           </a:r>
         </a:p>
       </dgm:t>
     </dgm:pt>
-    <dgm:pt modelId="{05686F49-DC03-4A2E-A4D6-65403EA2427F}" type="parTrans" cxnId="{7FD5B38F-6E9B-47B0-9FED-AB0D1A45F3D1}">
+    <dgm:pt modelId="{9EC40EAD-876D-4B53-998D-3BB29E423867}" type="parTrans" cxnId="{7FAA8FC5-6C91-4B2B-8BAC-19FE4FC94A60}">
       <dgm:prSet/>
       <dgm:spPr/>
       <dgm:t>
@@ -5914,7 +6650,7 @@
         </a:p>
       </dgm:t>
     </dgm:pt>
-    <dgm:pt modelId="{EC500CDF-EDD8-4AD5-91D3-A5AAD8B8B2C9}" type="sibTrans" cxnId="{7FD5B38F-6E9B-47B0-9FED-AB0D1A45F3D1}">
+    <dgm:pt modelId="{43D30BBD-8316-4CE3-B7B1-25328778EA5A}" type="sibTrans" cxnId="{7FAA8FC5-6C91-4B2B-8BAC-19FE4FC94A60}">
       <dgm:prSet/>
       <dgm:spPr/>
       <dgm:t>
@@ -5925,21 +6661,24 @@
         </a:p>
       </dgm:t>
     </dgm:pt>
-    <dgm:pt modelId="{001551F9-4153-41E2-BB91-873E080BF1A8}">
+    <dgm:pt modelId="{1DF117E7-ED77-457A-B67C-E9D3154A93A6}">
       <dgm:prSet phldrT="[Text]"/>
       <dgm:spPr/>
       <dgm:t>
         <a:bodyPr/>
         <a:lstStyle/>
         <a:p>
+          <a:pPr algn="just">
+            <a:buNone/>
+          </a:pPr>
           <a:r>
             <a:rPr lang="en-US" dirty="0"/>
-            <a:t>Brand Identity.</a:t>
+            <a:t>	EOS means decline in per unit cost of production due to huge production of goods. New entrant having higher per unit cost bared from entering the industry.</a:t>
           </a:r>
         </a:p>
       </dgm:t>
     </dgm:pt>
-    <dgm:pt modelId="{FFA0532B-CE41-48BD-BCCE-54CBEE382958}" type="parTrans" cxnId="{DE55C191-ADCB-4164-9823-243C43B1FB6B}">
+    <dgm:pt modelId="{0D0A4B22-61C5-4980-9A6D-3BADCB4C30B1}" type="parTrans" cxnId="{AD2B83F1-272F-4A89-9E91-2FB19A876AA9}">
       <dgm:prSet/>
       <dgm:spPr/>
       <dgm:t>
@@ -5950,7 +6689,7 @@
         </a:p>
       </dgm:t>
     </dgm:pt>
-    <dgm:pt modelId="{7C065CB3-3CF2-4E6B-A5F7-4BE6808F2F8E}" type="sibTrans" cxnId="{DE55C191-ADCB-4164-9823-243C43B1FB6B}">
+    <dgm:pt modelId="{FE553C6E-837C-4111-BC95-2CA42EF0CE5E}" type="sibTrans" cxnId="{AD2B83F1-272F-4A89-9E91-2FB19A876AA9}">
       <dgm:prSet/>
       <dgm:spPr/>
       <dgm:t>
@@ -5961,21 +6700,27 @@
         </a:p>
       </dgm:t>
     </dgm:pt>
-    <dgm:pt modelId="{A6B2FD3F-BCFD-4C84-990A-66A5F998D59C}">
+    <dgm:pt modelId="{98090697-D1B9-4D62-B05A-9EBACD6A90FC}">
       <dgm:prSet phldrT="[Text]"/>
-      <dgm:spPr/>
+      <dgm:spPr>
+        <a:solidFill>
+          <a:schemeClr val="tx2">
+            <a:lumMod val="50000"/>
+          </a:schemeClr>
+        </a:solidFill>
+      </dgm:spPr>
       <dgm:t>
         <a:bodyPr/>
         <a:lstStyle/>
         <a:p>
           <a:r>
-            <a:rPr lang="en-US" dirty="0"/>
-            <a:t>Switching Cost.</a:t>
+            <a:rPr lang="en-US" b="1" dirty="0"/>
+            <a:t>Product Differentiation.</a:t>
           </a:r>
         </a:p>
       </dgm:t>
     </dgm:pt>
-    <dgm:pt modelId="{50D7C0BA-6BC6-4B2B-ADDD-5CE296667832}" type="parTrans" cxnId="{418FFCFE-FF1B-480E-8CEE-046055FE2B58}">
+    <dgm:pt modelId="{3E6C1DC0-8892-442D-9CCE-79F1E3A149C2}" type="parTrans" cxnId="{24AD4D18-3AF1-4FBD-8521-D3DF6FC7A770}">
       <dgm:prSet/>
       <dgm:spPr/>
       <dgm:t>
@@ -5986,7 +6731,7 @@
         </a:p>
       </dgm:t>
     </dgm:pt>
-    <dgm:pt modelId="{6D2A6A22-8598-4DA0-AAEB-D049CEF10B11}" type="sibTrans" cxnId="{418FFCFE-FF1B-480E-8CEE-046055FE2B58}">
+    <dgm:pt modelId="{EA3BA6EE-4422-4966-89A9-D4D513416CE5}" type="sibTrans" cxnId="{24AD4D18-3AF1-4FBD-8521-D3DF6FC7A770}">
       <dgm:prSet/>
       <dgm:spPr/>
       <dgm:t>
@@ -5997,21 +6742,24 @@
         </a:p>
       </dgm:t>
     </dgm:pt>
-    <dgm:pt modelId="{E9A87741-34E4-4FAC-A561-82B7E84AC37A}">
+    <dgm:pt modelId="{398C7B25-0732-4C4A-A8FC-624346FF3BF6}">
       <dgm:prSet phldrT="[Text]"/>
       <dgm:spPr/>
       <dgm:t>
         <a:bodyPr/>
         <a:lstStyle/>
         <a:p>
+          <a:pPr algn="just">
+            <a:buNone/>
+          </a:pPr>
           <a:r>
             <a:rPr lang="en-US" dirty="0"/>
-            <a:t>Possibility of Aggressive Retaliation.</a:t>
+            <a:t>	Product differentiation is the physical or perceptual difference or enhancement that make product unique in the eyes of the customers. Generally, cost of producing differentiated product is high for new entrants.</a:t>
           </a:r>
         </a:p>
       </dgm:t>
     </dgm:pt>
-    <dgm:pt modelId="{D6F1A017-C05A-4194-9FA0-425DB219AE0A}" type="parTrans" cxnId="{6B88CD95-C14C-493C-A8C9-DBF0BB3657E8}">
+    <dgm:pt modelId="{9B0F42BA-44CB-47DA-8738-F15B10162241}" type="parTrans" cxnId="{6BDF54F0-6788-4804-B5CF-EDB1228C80C6}">
       <dgm:prSet/>
       <dgm:spPr/>
       <dgm:t>
@@ -6022,7 +6770,7 @@
         </a:p>
       </dgm:t>
     </dgm:pt>
-    <dgm:pt modelId="{A987926D-279A-47D0-9F12-FDEC0548CF98}" type="sibTrans" cxnId="{6B88CD95-C14C-493C-A8C9-DBF0BB3657E8}">
+    <dgm:pt modelId="{ED6E75D4-4FFF-4392-90A0-FAF3391E6890}" type="sibTrans" cxnId="{6BDF54F0-6788-4804-B5CF-EDB1228C80C6}">
       <dgm:prSet/>
       <dgm:spPr/>
       <dgm:t>
@@ -6033,21 +6781,30 @@
         </a:p>
       </dgm:t>
     </dgm:pt>
-    <dgm:pt modelId="{49D928C3-F9B6-4015-9326-97F6AA167007}">
+    <dgm:pt modelId="{BB43073B-3EAF-4DA8-B7D2-545BE8B4C1F0}">
       <dgm:prSet phldrT="[Text]"/>
-      <dgm:spPr/>
+      <dgm:spPr>
+        <a:solidFill>
+          <a:schemeClr val="tx2">
+            <a:lumMod val="50000"/>
+          </a:schemeClr>
+        </a:solidFill>
+      </dgm:spPr>
       <dgm:t>
         <a:bodyPr/>
         <a:lstStyle/>
         <a:p>
+          <a:pPr algn="ctr">
+            <a:buNone/>
+          </a:pPr>
           <a:r>
-            <a:rPr lang="en-US" dirty="0"/>
-            <a:t>Access to Distribution Channel.</a:t>
+            <a:rPr lang="en-US" b="1" dirty="0"/>
+            <a:t>Possibility of Aggressive Retaliation.</a:t>
           </a:r>
         </a:p>
       </dgm:t>
     </dgm:pt>
-    <dgm:pt modelId="{EF2F1AD6-09D6-48DF-9CF9-DE749D8852FC}" type="parTrans" cxnId="{E7E8E78D-20D6-4AE3-A173-1A7B53C6EA5E}">
+    <dgm:pt modelId="{CF06B580-CD2A-4F91-8397-9F27715F8008}" type="parTrans" cxnId="{A53D4BD1-E323-4000-B131-59E7B726BEF1}">
       <dgm:prSet/>
       <dgm:spPr/>
       <dgm:t>
@@ -6058,7 +6815,7 @@
         </a:p>
       </dgm:t>
     </dgm:pt>
-    <dgm:pt modelId="{2B823965-5159-4606-A7FF-F700C52A9DAE}" type="sibTrans" cxnId="{E7E8E78D-20D6-4AE3-A173-1A7B53C6EA5E}">
+    <dgm:pt modelId="{749DA2F1-6E5D-4EBB-85BD-4E6CAEE32C49}" type="sibTrans" cxnId="{A53D4BD1-E323-4000-B131-59E7B726BEF1}">
       <dgm:prSet/>
       <dgm:spPr/>
       <dgm:t>
@@ -6069,213 +6826,128 @@
         </a:p>
       </dgm:t>
     </dgm:pt>
-    <dgm:pt modelId="{DA29C126-A5C8-4ED8-ACBA-B86482F15046}" type="pres">
-      <dgm:prSet presAssocID="{F3F17486-E65A-4A6D-86E4-9A690FD8901F}" presName="linearFlow" presStyleCnt="0">
+    <dgm:pt modelId="{B0660870-4F6F-4B02-AF03-3034B3714048}">
+      <dgm:prSet phldrT="[Text]"/>
+      <dgm:spPr>
+        <a:solidFill>
+          <a:srgbClr val="95B3D7"/>
+        </a:solidFill>
+      </dgm:spPr>
+      <dgm:t>
+        <a:bodyPr/>
+        <a:lstStyle/>
+        <a:p>
+          <a:pPr algn="ctr">
+            <a:buNone/>
+          </a:pPr>
+          <a:endParaRPr lang="en-US" b="1" dirty="0"/>
+        </a:p>
+      </dgm:t>
+    </dgm:pt>
+    <dgm:pt modelId="{1F409341-1C21-48CC-AB96-0C0307C90240}" type="parTrans" cxnId="{5C45824E-7B8D-4864-9D43-8852E9507840}">
+      <dgm:prSet/>
+      <dgm:spPr/>
+    </dgm:pt>
+    <dgm:pt modelId="{10792D89-C1F7-41CF-9BBB-0256201F892E}" type="sibTrans" cxnId="{5C45824E-7B8D-4864-9D43-8852E9507840}">
+      <dgm:prSet/>
+      <dgm:spPr/>
+    </dgm:pt>
+    <dgm:pt modelId="{0B5BC505-A9C7-4342-8340-AE2BD348EA13}" type="pres">
+      <dgm:prSet presAssocID="{A6D0E641-8BDD-4642-9426-C6758DA93154}" presName="Name0" presStyleCnt="0">
         <dgm:presLayoutVars>
           <dgm:dir/>
-          <dgm:resizeHandles val="exact"/>
+          <dgm:animLvl val="lvl"/>
+          <dgm:resizeHandles/>
         </dgm:presLayoutVars>
       </dgm:prSet>
       <dgm:spPr/>
     </dgm:pt>
-    <dgm:pt modelId="{268BD2C6-93D1-4DFA-BAF9-97CA361B0468}" type="pres">
-      <dgm:prSet presAssocID="{77124773-69AB-4786-AF11-1AD87DD51A21}" presName="composite" presStyleCnt="0"/>
+    <dgm:pt modelId="{1D9655AF-E182-4489-A014-29ECFFBDD3F5}" type="pres">
+      <dgm:prSet presAssocID="{F66B4742-8012-41F7-8378-AB1CAD99F5FE}" presName="linNode" presStyleCnt="0"/>
       <dgm:spPr/>
     </dgm:pt>
-    <dgm:pt modelId="{2A7B1BB9-B3F2-498E-9B90-3CEE6498E8B5}" type="pres">
-      <dgm:prSet presAssocID="{77124773-69AB-4786-AF11-1AD87DD51A21}" presName="imgShp" presStyleLbl="fgImgPlace1" presStyleIdx="0" presStyleCnt="7"/>
-      <dgm:spPr>
-        <a:blipFill>
-          <a:blip xmlns:r="http://schemas.openxmlformats.org/officeDocument/2006/relationships" r:embed="rId1"/>
-          <a:srcRect/>
-          <a:stretch>
-            <a:fillRect l="-7000" r="-7000"/>
-          </a:stretch>
-        </a:blipFill>
-      </dgm:spPr>
-    </dgm:pt>
-    <dgm:pt modelId="{FCB9524D-CB0F-4217-B90D-EE0F5594532A}" type="pres">
-      <dgm:prSet presAssocID="{77124773-69AB-4786-AF11-1AD87DD51A21}" presName="txShp" presStyleLbl="node1" presStyleIdx="0" presStyleCnt="7">
+    <dgm:pt modelId="{835984CA-0C6E-4A2C-A1AF-7FC558C7F7E2}" type="pres">
+      <dgm:prSet presAssocID="{F66B4742-8012-41F7-8378-AB1CAD99F5FE}" presName="parentShp" presStyleLbl="node1" presStyleIdx="0" presStyleCnt="4">
         <dgm:presLayoutVars>
           <dgm:bulletEnabled val="1"/>
         </dgm:presLayoutVars>
       </dgm:prSet>
       <dgm:spPr/>
     </dgm:pt>
-    <dgm:pt modelId="{08E3BF0D-A673-423C-8995-BFAF4436552A}" type="pres">
-      <dgm:prSet presAssocID="{BAC25221-E140-4216-B1A4-677AA0F83958}" presName="spacing" presStyleCnt="0"/>
-      <dgm:spPr/>
-    </dgm:pt>
-    <dgm:pt modelId="{B765626A-BC30-412A-BA92-CAEE51FEEEEC}" type="pres">
-      <dgm:prSet presAssocID="{9686D7E0-373E-4524-9A17-1B078EBBF6EC}" presName="composite" presStyleCnt="0"/>
-      <dgm:spPr/>
-    </dgm:pt>
-    <dgm:pt modelId="{B5950770-C71F-4A08-993C-2471C53B76CD}" type="pres">
-      <dgm:prSet presAssocID="{9686D7E0-373E-4524-9A17-1B078EBBF6EC}" presName="imgShp" presStyleLbl="fgImgPlace1" presStyleIdx="1" presStyleCnt="7"/>
-      <dgm:spPr>
-        <a:blipFill>
-          <a:blip xmlns:r="http://schemas.openxmlformats.org/officeDocument/2006/relationships" r:embed="rId2" cstate="print">
-            <a:extLst>
-              <a:ext uri="{28A0092B-C50C-407E-A947-70E740481C1C}">
-                <a14:useLocalDpi xmlns:a14="http://schemas.microsoft.com/office/drawing/2010/main" val="0"/>
-              </a:ext>
-            </a:extLst>
-          </a:blip>
-          <a:srcRect/>
-          <a:stretch>
-            <a:fillRect l="-23000" r="-23000"/>
-          </a:stretch>
-        </a:blipFill>
-      </dgm:spPr>
-    </dgm:pt>
-    <dgm:pt modelId="{867E0C81-4C02-4373-AAF9-1CCB461A16A2}" type="pres">
-      <dgm:prSet presAssocID="{9686D7E0-373E-4524-9A17-1B078EBBF6EC}" presName="txShp" presStyleLbl="node1" presStyleIdx="1" presStyleCnt="7">
+    <dgm:pt modelId="{57091525-31DF-42C8-B702-27C64C8CBE78}" type="pres">
+      <dgm:prSet presAssocID="{F66B4742-8012-41F7-8378-AB1CAD99F5FE}" presName="childShp" presStyleLbl="bgAccFollowNode1" presStyleIdx="0" presStyleCnt="4">
         <dgm:presLayoutVars>
           <dgm:bulletEnabled val="1"/>
         </dgm:presLayoutVars>
       </dgm:prSet>
       <dgm:spPr/>
     </dgm:pt>
-    <dgm:pt modelId="{95CD21D4-3012-48CC-9E66-FBC387ABC450}" type="pres">
-      <dgm:prSet presAssocID="{D2E2A003-D761-4684-A072-2AF346DF025E}" presName="spacing" presStyleCnt="0"/>
+    <dgm:pt modelId="{5E5E8A1C-5CF5-4109-BEB0-5D3BFD8A4645}" type="pres">
+      <dgm:prSet presAssocID="{577E861D-D78B-44B7-B325-DB5AB2E11B09}" presName="spacing" presStyleCnt="0"/>
       <dgm:spPr/>
     </dgm:pt>
-    <dgm:pt modelId="{41A503E2-3A4A-45EF-9432-FAC8CC685188}" type="pres">
-      <dgm:prSet presAssocID="{13CAD186-45C4-4284-AA22-16DCF784B857}" presName="composite" presStyleCnt="0"/>
+    <dgm:pt modelId="{50FB19EC-25B1-45B0-A3C1-3258946D7F2A}" type="pres">
+      <dgm:prSet presAssocID="{305D4DB3-C9E2-4CAC-964F-2FC3EFC99D07}" presName="linNode" presStyleCnt="0"/>
       <dgm:spPr/>
     </dgm:pt>
-    <dgm:pt modelId="{57C78D20-E6D9-4940-96CE-48BB21BB6D83}" type="pres">
-      <dgm:prSet presAssocID="{13CAD186-45C4-4284-AA22-16DCF784B857}" presName="imgShp" presStyleLbl="fgImgPlace1" presStyleIdx="2" presStyleCnt="7"/>
-      <dgm:spPr>
-        <a:blipFill>
-          <a:blip xmlns:r="http://schemas.openxmlformats.org/officeDocument/2006/relationships" r:embed="rId3">
-            <a:extLst>
-              <a:ext uri="{28A0092B-C50C-407E-A947-70E740481C1C}">
-                <a14:useLocalDpi xmlns:a14="http://schemas.microsoft.com/office/drawing/2010/main" val="0"/>
-              </a:ext>
-            </a:extLst>
-          </a:blip>
-          <a:srcRect/>
-          <a:stretch>
-            <a:fillRect l="-40000" r="-40000"/>
-          </a:stretch>
-        </a:blipFill>
-      </dgm:spPr>
-    </dgm:pt>
-    <dgm:pt modelId="{5B387760-1C91-48BC-B267-D1F9AD2207C0}" type="pres">
-      <dgm:prSet presAssocID="{13CAD186-45C4-4284-AA22-16DCF784B857}" presName="txShp" presStyleLbl="node1" presStyleIdx="2" presStyleCnt="7">
+    <dgm:pt modelId="{22DDD3E9-96BB-4665-B5E0-2785AFC1DB6A}" type="pres">
+      <dgm:prSet presAssocID="{305D4DB3-C9E2-4CAC-964F-2FC3EFC99D07}" presName="parentShp" presStyleLbl="node1" presStyleIdx="1" presStyleCnt="4">
         <dgm:presLayoutVars>
           <dgm:bulletEnabled val="1"/>
         </dgm:presLayoutVars>
       </dgm:prSet>
       <dgm:spPr/>
     </dgm:pt>
-    <dgm:pt modelId="{E2463675-0C6D-459E-91C1-867E4C522CFA}" type="pres">
-      <dgm:prSet presAssocID="{EC500CDF-EDD8-4AD5-91D3-A5AAD8B8B2C9}" presName="spacing" presStyleCnt="0"/>
-      <dgm:spPr/>
-    </dgm:pt>
-    <dgm:pt modelId="{EA078D24-9080-444C-918F-05EECD92E041}" type="pres">
-      <dgm:prSet presAssocID="{001551F9-4153-41E2-BB91-873E080BF1A8}" presName="composite" presStyleCnt="0"/>
-      <dgm:spPr/>
-    </dgm:pt>
-    <dgm:pt modelId="{540C2DCD-91E3-4AAB-80FB-113F15E8C29E}" type="pres">
-      <dgm:prSet presAssocID="{001551F9-4153-41E2-BB91-873E080BF1A8}" presName="imgShp" presStyleLbl="fgImgPlace1" presStyleIdx="3" presStyleCnt="7"/>
-      <dgm:spPr>
-        <a:blipFill>
-          <a:blip xmlns:r="http://schemas.openxmlformats.org/officeDocument/2006/relationships" r:embed="rId4"/>
-          <a:srcRect/>
-          <a:stretch>
-            <a:fillRect l="-46000" r="-46000"/>
-          </a:stretch>
-        </a:blipFill>
-      </dgm:spPr>
-    </dgm:pt>
-    <dgm:pt modelId="{D97F5191-D5EC-4334-BFB7-80BAB2E341E4}" type="pres">
-      <dgm:prSet presAssocID="{001551F9-4153-41E2-BB91-873E080BF1A8}" presName="txShp" presStyleLbl="node1" presStyleIdx="3" presStyleCnt="7">
+    <dgm:pt modelId="{725B8A8A-1836-4062-9BAF-1B67F29E354C}" type="pres">
+      <dgm:prSet presAssocID="{305D4DB3-C9E2-4CAC-964F-2FC3EFC99D07}" presName="childShp" presStyleLbl="bgAccFollowNode1" presStyleIdx="1" presStyleCnt="4">
         <dgm:presLayoutVars>
           <dgm:bulletEnabled val="1"/>
         </dgm:presLayoutVars>
       </dgm:prSet>
       <dgm:spPr/>
     </dgm:pt>
-    <dgm:pt modelId="{FF90F8EF-8ECD-49F4-BD10-D4ED1DD385B3}" type="pres">
-      <dgm:prSet presAssocID="{7C065CB3-3CF2-4E6B-A5F7-4BE6808F2F8E}" presName="spacing" presStyleCnt="0"/>
+    <dgm:pt modelId="{1BFE5378-C529-4285-A7CA-7CF6CF2E154C}" type="pres">
+      <dgm:prSet presAssocID="{43D30BBD-8316-4CE3-B7B1-25328778EA5A}" presName="spacing" presStyleCnt="0"/>
       <dgm:spPr/>
     </dgm:pt>
-    <dgm:pt modelId="{33A1206C-F3A9-4C95-889C-D5ED2C4D851E}" type="pres">
-      <dgm:prSet presAssocID="{A6B2FD3F-BCFD-4C84-990A-66A5F998D59C}" presName="composite" presStyleCnt="0"/>
+    <dgm:pt modelId="{8A386499-FEFB-419E-B30B-5E2613A46AF1}" type="pres">
+      <dgm:prSet presAssocID="{98090697-D1B9-4D62-B05A-9EBACD6A90FC}" presName="linNode" presStyleCnt="0"/>
       <dgm:spPr/>
     </dgm:pt>
-    <dgm:pt modelId="{766B4B76-9AAF-4157-8CCF-E29079F9092F}" type="pres">
-      <dgm:prSet presAssocID="{A6B2FD3F-BCFD-4C84-990A-66A5F998D59C}" presName="imgShp" presStyleLbl="fgImgPlace1" presStyleIdx="4" presStyleCnt="7"/>
-      <dgm:spPr>
-        <a:blipFill>
-          <a:blip xmlns:r="http://schemas.openxmlformats.org/officeDocument/2006/relationships" r:embed="rId5"/>
-          <a:srcRect/>
-          <a:stretch>
-            <a:fillRect l="-53000" r="-53000"/>
-          </a:stretch>
-        </a:blipFill>
-      </dgm:spPr>
-    </dgm:pt>
-    <dgm:pt modelId="{250AE124-7761-4BE0-878F-1A0FB3F7ED93}" type="pres">
-      <dgm:prSet presAssocID="{A6B2FD3F-BCFD-4C84-990A-66A5F998D59C}" presName="txShp" presStyleLbl="node1" presStyleIdx="4" presStyleCnt="7">
+    <dgm:pt modelId="{4F8AA02C-712B-47CD-A9F1-79C631E4A633}" type="pres">
+      <dgm:prSet presAssocID="{98090697-D1B9-4D62-B05A-9EBACD6A90FC}" presName="parentShp" presStyleLbl="node1" presStyleIdx="2" presStyleCnt="4">
         <dgm:presLayoutVars>
           <dgm:bulletEnabled val="1"/>
         </dgm:presLayoutVars>
       </dgm:prSet>
       <dgm:spPr/>
     </dgm:pt>
-    <dgm:pt modelId="{BC4DD5C3-F93E-4BC5-8B96-C00BDFA95F24}" type="pres">
-      <dgm:prSet presAssocID="{6D2A6A22-8598-4DA0-AAEB-D049CEF10B11}" presName="spacing" presStyleCnt="0"/>
-      <dgm:spPr/>
-    </dgm:pt>
-    <dgm:pt modelId="{2309078D-B5B8-4BBA-A5C4-681A8243F72C}" type="pres">
-      <dgm:prSet presAssocID="{E9A87741-34E4-4FAC-A561-82B7E84AC37A}" presName="composite" presStyleCnt="0"/>
-      <dgm:spPr/>
-    </dgm:pt>
-    <dgm:pt modelId="{898E8C1B-0E57-4BEB-B0BA-7B21AF01DD63}" type="pres">
-      <dgm:prSet presAssocID="{E9A87741-34E4-4FAC-A561-82B7E84AC37A}" presName="imgShp" presStyleLbl="fgImgPlace1" presStyleIdx="5" presStyleCnt="7"/>
-      <dgm:spPr>
-        <a:blipFill>
-          <a:blip xmlns:r="http://schemas.openxmlformats.org/officeDocument/2006/relationships" r:embed="rId6"/>
-          <a:srcRect/>
-          <a:stretch>
-            <a:fillRect/>
-          </a:stretch>
-        </a:blipFill>
-      </dgm:spPr>
-    </dgm:pt>
-    <dgm:pt modelId="{2961A4F6-FAD4-45F4-8BDD-790BB5505690}" type="pres">
-      <dgm:prSet presAssocID="{E9A87741-34E4-4FAC-A561-82B7E84AC37A}" presName="txShp" presStyleLbl="node1" presStyleIdx="5" presStyleCnt="7">
+    <dgm:pt modelId="{656CCFFC-38D4-48CA-B9AD-3B38A11C3EB7}" type="pres">
+      <dgm:prSet presAssocID="{98090697-D1B9-4D62-B05A-9EBACD6A90FC}" presName="childShp" presStyleLbl="bgAccFollowNode1" presStyleIdx="2" presStyleCnt="4">
         <dgm:presLayoutVars>
           <dgm:bulletEnabled val="1"/>
         </dgm:presLayoutVars>
       </dgm:prSet>
       <dgm:spPr/>
     </dgm:pt>
-    <dgm:pt modelId="{545897FF-ADDF-4878-9000-CBEC3AD4373C}" type="pres">
-      <dgm:prSet presAssocID="{A987926D-279A-47D0-9F12-FDEC0548CF98}" presName="spacing" presStyleCnt="0"/>
+    <dgm:pt modelId="{9CA92225-1110-4B49-B583-1F92DDCE9D92}" type="pres">
+      <dgm:prSet presAssocID="{EA3BA6EE-4422-4966-89A9-D4D513416CE5}" presName="spacing" presStyleCnt="0"/>
       <dgm:spPr/>
     </dgm:pt>
-    <dgm:pt modelId="{F7FCC5D5-E638-47AF-81E3-C3B7FDDE7EF1}" type="pres">
-      <dgm:prSet presAssocID="{49D928C3-F9B6-4015-9326-97F6AA167007}" presName="composite" presStyleCnt="0"/>
+    <dgm:pt modelId="{08FCEA14-048D-4FD3-B12B-542895A4C9AA}" type="pres">
+      <dgm:prSet presAssocID="{BB43073B-3EAF-4DA8-B7D2-545BE8B4C1F0}" presName="linNode" presStyleCnt="0"/>
       <dgm:spPr/>
     </dgm:pt>
-    <dgm:pt modelId="{6791ABAD-AF58-45BA-A28A-028AD8C2D688}" type="pres">
-      <dgm:prSet presAssocID="{49D928C3-F9B6-4015-9326-97F6AA167007}" presName="imgShp" presStyleLbl="fgImgPlace1" presStyleIdx="6" presStyleCnt="7"/>
-      <dgm:spPr>
-        <a:blipFill>
-          <a:blip xmlns:r="http://schemas.openxmlformats.org/officeDocument/2006/relationships" r:embed="rId7"/>
-          <a:srcRect/>
-          <a:stretch>
-            <a:fillRect l="-25000" r="-25000"/>
-          </a:stretch>
-        </a:blipFill>
-      </dgm:spPr>
+    <dgm:pt modelId="{B4E50A43-0F26-4A5B-8C00-A40E3E51D8A8}" type="pres">
+      <dgm:prSet presAssocID="{BB43073B-3EAF-4DA8-B7D2-545BE8B4C1F0}" presName="parentShp" presStyleLbl="node1" presStyleIdx="3" presStyleCnt="4">
+        <dgm:presLayoutVars>
+          <dgm:bulletEnabled val="1"/>
+        </dgm:presLayoutVars>
+      </dgm:prSet>
+      <dgm:spPr/>
     </dgm:pt>
-    <dgm:pt modelId="{A3482D4E-913F-4560-9B97-59E2226AEC68}" type="pres">
-      <dgm:prSet presAssocID="{49D928C3-F9B6-4015-9326-97F6AA167007}" presName="txShp" presStyleLbl="node1" presStyleIdx="6" presStyleCnt="7">
+    <dgm:pt modelId="{004895FA-F9E7-41FB-BC29-8E5DAB74E152}" type="pres">
+      <dgm:prSet presAssocID="{BB43073B-3EAF-4DA8-B7D2-545BE8B4C1F0}" presName="childShp" presStyleLbl="bgAccFollowNode1" presStyleIdx="3" presStyleCnt="4">
         <dgm:presLayoutVars>
           <dgm:bulletEnabled val="1"/>
         </dgm:presLayoutVars>
@@ -6284,48 +6956,411 @@
     </dgm:pt>
   </dgm:ptLst>
   <dgm:cxnLst>
-    <dgm:cxn modelId="{1B3E4F1E-32B0-408F-A625-5EAA3CFAB033}" type="presOf" srcId="{13CAD186-45C4-4284-AA22-16DCF784B857}" destId="{5B387760-1C91-48BC-B267-D1F9AD2207C0}" srcOrd="0" destOrd="0" presId="urn:microsoft.com/office/officeart/2005/8/layout/vList3"/>
-    <dgm:cxn modelId="{C32A084E-25E0-49FA-9D77-6D5C6ED88D5F}" srcId="{F3F17486-E65A-4A6D-86E4-9A690FD8901F}" destId="{77124773-69AB-4786-AF11-1AD87DD51A21}" srcOrd="0" destOrd="0" parTransId="{7DEF27F2-015B-407E-B0CE-C8BF0A0C3242}" sibTransId="{BAC25221-E140-4216-B1A4-677AA0F83958}"/>
-    <dgm:cxn modelId="{C1597370-5C45-4E2B-8A97-A03BA2ACB303}" type="presOf" srcId="{F3F17486-E65A-4A6D-86E4-9A690FD8901F}" destId="{DA29C126-A5C8-4ED8-ACBA-B86482F15046}" srcOrd="0" destOrd="0" presId="urn:microsoft.com/office/officeart/2005/8/layout/vList3"/>
-    <dgm:cxn modelId="{47395474-A97A-4682-BA99-5EE0CC5ACCB4}" srcId="{F3F17486-E65A-4A6D-86E4-9A690FD8901F}" destId="{9686D7E0-373E-4524-9A17-1B078EBBF6EC}" srcOrd="1" destOrd="0" parTransId="{DB9010C9-88A9-4895-8BE4-BBD428D02BEE}" sibTransId="{D2E2A003-D761-4684-A072-2AF346DF025E}"/>
-    <dgm:cxn modelId="{020EC08D-BC03-4057-9054-48BCF071C4CC}" type="presOf" srcId="{A6B2FD3F-BCFD-4C84-990A-66A5F998D59C}" destId="{250AE124-7761-4BE0-878F-1A0FB3F7ED93}" srcOrd="0" destOrd="0" presId="urn:microsoft.com/office/officeart/2005/8/layout/vList3"/>
-    <dgm:cxn modelId="{E7E8E78D-20D6-4AE3-A173-1A7B53C6EA5E}" srcId="{F3F17486-E65A-4A6D-86E4-9A690FD8901F}" destId="{49D928C3-F9B6-4015-9326-97F6AA167007}" srcOrd="6" destOrd="0" parTransId="{EF2F1AD6-09D6-48DF-9CF9-DE749D8852FC}" sibTransId="{2B823965-5159-4606-A7FF-F700C52A9DAE}"/>
-    <dgm:cxn modelId="{7FD5B38F-6E9B-47B0-9FED-AB0D1A45F3D1}" srcId="{F3F17486-E65A-4A6D-86E4-9A690FD8901F}" destId="{13CAD186-45C4-4284-AA22-16DCF784B857}" srcOrd="2" destOrd="0" parTransId="{05686F49-DC03-4A2E-A4D6-65403EA2427F}" sibTransId="{EC500CDF-EDD8-4AD5-91D3-A5AAD8B8B2C9}"/>
-    <dgm:cxn modelId="{DE55C191-ADCB-4164-9823-243C43B1FB6B}" srcId="{F3F17486-E65A-4A6D-86E4-9A690FD8901F}" destId="{001551F9-4153-41E2-BB91-873E080BF1A8}" srcOrd="3" destOrd="0" parTransId="{FFA0532B-CE41-48BD-BCCE-54CBEE382958}" sibTransId="{7C065CB3-3CF2-4E6B-A5F7-4BE6808F2F8E}"/>
-    <dgm:cxn modelId="{6B88CD95-C14C-493C-A8C9-DBF0BB3657E8}" srcId="{F3F17486-E65A-4A6D-86E4-9A690FD8901F}" destId="{E9A87741-34E4-4FAC-A561-82B7E84AC37A}" srcOrd="5" destOrd="0" parTransId="{D6F1A017-C05A-4194-9FA0-425DB219AE0A}" sibTransId="{A987926D-279A-47D0-9F12-FDEC0548CF98}"/>
-    <dgm:cxn modelId="{4001D39A-45A6-4F79-85C0-B481FC0E5EB4}" type="presOf" srcId="{49D928C3-F9B6-4015-9326-97F6AA167007}" destId="{A3482D4E-913F-4560-9B97-59E2226AEC68}" srcOrd="0" destOrd="0" presId="urn:microsoft.com/office/officeart/2005/8/layout/vList3"/>
-    <dgm:cxn modelId="{C1B410AD-A906-45A8-AB5C-7E650631A307}" type="presOf" srcId="{E9A87741-34E4-4FAC-A561-82B7E84AC37A}" destId="{2961A4F6-FAD4-45F4-8BDD-790BB5505690}" srcOrd="0" destOrd="0" presId="urn:microsoft.com/office/officeart/2005/8/layout/vList3"/>
-    <dgm:cxn modelId="{CC121AB8-21BA-4562-967E-7CE693F27E36}" type="presOf" srcId="{001551F9-4153-41E2-BB91-873E080BF1A8}" destId="{D97F5191-D5EC-4334-BFB7-80BAB2E341E4}" srcOrd="0" destOrd="0" presId="urn:microsoft.com/office/officeart/2005/8/layout/vList3"/>
-    <dgm:cxn modelId="{95CC3CC7-B55F-457E-832C-D61956FCC15A}" type="presOf" srcId="{9686D7E0-373E-4524-9A17-1B078EBBF6EC}" destId="{867E0C81-4C02-4373-AAF9-1CCB461A16A2}" srcOrd="0" destOrd="0" presId="urn:microsoft.com/office/officeart/2005/8/layout/vList3"/>
-    <dgm:cxn modelId="{C2DEDBCC-D980-42C9-B41F-F522BE2E8D2E}" type="presOf" srcId="{77124773-69AB-4786-AF11-1AD87DD51A21}" destId="{FCB9524D-CB0F-4217-B90D-EE0F5594532A}" srcOrd="0" destOrd="0" presId="urn:microsoft.com/office/officeart/2005/8/layout/vList3"/>
-    <dgm:cxn modelId="{418FFCFE-FF1B-480E-8CEE-046055FE2B58}" srcId="{F3F17486-E65A-4A6D-86E4-9A690FD8901F}" destId="{A6B2FD3F-BCFD-4C84-990A-66A5F998D59C}" srcOrd="4" destOrd="0" parTransId="{50D7C0BA-6BC6-4B2B-ADDD-5CE296667832}" sibTransId="{6D2A6A22-8598-4DA0-AAEB-D049CEF10B11}"/>
-    <dgm:cxn modelId="{06BCED2C-927C-46B4-AFCD-366B3A942DFD}" type="presParOf" srcId="{DA29C126-A5C8-4ED8-ACBA-B86482F15046}" destId="{268BD2C6-93D1-4DFA-BAF9-97CA361B0468}" srcOrd="0" destOrd="0" presId="urn:microsoft.com/office/officeart/2005/8/layout/vList3"/>
-    <dgm:cxn modelId="{9AC84542-81C7-40FE-B982-8A2BE23DF470}" type="presParOf" srcId="{268BD2C6-93D1-4DFA-BAF9-97CA361B0468}" destId="{2A7B1BB9-B3F2-498E-9B90-3CEE6498E8B5}" srcOrd="0" destOrd="0" presId="urn:microsoft.com/office/officeart/2005/8/layout/vList3"/>
-    <dgm:cxn modelId="{3E6DB055-1109-49B8-B672-26F61F1E2B1C}" type="presParOf" srcId="{268BD2C6-93D1-4DFA-BAF9-97CA361B0468}" destId="{FCB9524D-CB0F-4217-B90D-EE0F5594532A}" srcOrd="1" destOrd="0" presId="urn:microsoft.com/office/officeart/2005/8/layout/vList3"/>
-    <dgm:cxn modelId="{628FDBF1-A99A-49A9-9E29-7B97DCAADE0A}" type="presParOf" srcId="{DA29C126-A5C8-4ED8-ACBA-B86482F15046}" destId="{08E3BF0D-A673-423C-8995-BFAF4436552A}" srcOrd="1" destOrd="0" presId="urn:microsoft.com/office/officeart/2005/8/layout/vList3"/>
-    <dgm:cxn modelId="{60F3F30B-105E-485A-99FF-CF9BFCF76E74}" type="presParOf" srcId="{DA29C126-A5C8-4ED8-ACBA-B86482F15046}" destId="{B765626A-BC30-412A-BA92-CAEE51FEEEEC}" srcOrd="2" destOrd="0" presId="urn:microsoft.com/office/officeart/2005/8/layout/vList3"/>
-    <dgm:cxn modelId="{5D4B8FE1-6E31-47CF-9752-7D5D1A7D9532}" type="presParOf" srcId="{B765626A-BC30-412A-BA92-CAEE51FEEEEC}" destId="{B5950770-C71F-4A08-993C-2471C53B76CD}" srcOrd="0" destOrd="0" presId="urn:microsoft.com/office/officeart/2005/8/layout/vList3"/>
-    <dgm:cxn modelId="{E10BAF23-9D0A-4955-8304-34B9E2B786D6}" type="presParOf" srcId="{B765626A-BC30-412A-BA92-CAEE51FEEEEC}" destId="{867E0C81-4C02-4373-AAF9-1CCB461A16A2}" srcOrd="1" destOrd="0" presId="urn:microsoft.com/office/officeart/2005/8/layout/vList3"/>
-    <dgm:cxn modelId="{6669FAB6-3033-469D-9EFC-4A59FA1E7DC5}" type="presParOf" srcId="{DA29C126-A5C8-4ED8-ACBA-B86482F15046}" destId="{95CD21D4-3012-48CC-9E66-FBC387ABC450}" srcOrd="3" destOrd="0" presId="urn:microsoft.com/office/officeart/2005/8/layout/vList3"/>
-    <dgm:cxn modelId="{70243A00-8AD9-4951-A492-DA03FE8885BA}" type="presParOf" srcId="{DA29C126-A5C8-4ED8-ACBA-B86482F15046}" destId="{41A503E2-3A4A-45EF-9432-FAC8CC685188}" srcOrd="4" destOrd="0" presId="urn:microsoft.com/office/officeart/2005/8/layout/vList3"/>
-    <dgm:cxn modelId="{D96B9469-5CB4-4052-9256-B5B096594512}" type="presParOf" srcId="{41A503E2-3A4A-45EF-9432-FAC8CC685188}" destId="{57C78D20-E6D9-4940-96CE-48BB21BB6D83}" srcOrd="0" destOrd="0" presId="urn:microsoft.com/office/officeart/2005/8/layout/vList3"/>
-    <dgm:cxn modelId="{B7B67D03-B208-46F5-A5FF-9D20DC12846A}" type="presParOf" srcId="{41A503E2-3A4A-45EF-9432-FAC8CC685188}" destId="{5B387760-1C91-48BC-B267-D1F9AD2207C0}" srcOrd="1" destOrd="0" presId="urn:microsoft.com/office/officeart/2005/8/layout/vList3"/>
-    <dgm:cxn modelId="{CA3AD5EE-E2F7-419F-8757-90527A7CDEA4}" type="presParOf" srcId="{DA29C126-A5C8-4ED8-ACBA-B86482F15046}" destId="{E2463675-0C6D-459E-91C1-867E4C522CFA}" srcOrd="5" destOrd="0" presId="urn:microsoft.com/office/officeart/2005/8/layout/vList3"/>
-    <dgm:cxn modelId="{8A3E286F-43C9-4600-9E5F-1C852789D23F}" type="presParOf" srcId="{DA29C126-A5C8-4ED8-ACBA-B86482F15046}" destId="{EA078D24-9080-444C-918F-05EECD92E041}" srcOrd="6" destOrd="0" presId="urn:microsoft.com/office/officeart/2005/8/layout/vList3"/>
-    <dgm:cxn modelId="{A16C5A71-D9E8-468A-BBF4-DBC0AF688D68}" type="presParOf" srcId="{EA078D24-9080-444C-918F-05EECD92E041}" destId="{540C2DCD-91E3-4AAB-80FB-113F15E8C29E}" srcOrd="0" destOrd="0" presId="urn:microsoft.com/office/officeart/2005/8/layout/vList3"/>
-    <dgm:cxn modelId="{550A7969-5B12-405B-808C-AD3DAFF6E84E}" type="presParOf" srcId="{EA078D24-9080-444C-918F-05EECD92E041}" destId="{D97F5191-D5EC-4334-BFB7-80BAB2E341E4}" srcOrd="1" destOrd="0" presId="urn:microsoft.com/office/officeart/2005/8/layout/vList3"/>
-    <dgm:cxn modelId="{C7F98AA1-61A2-4B5C-9EA3-D7A57F032E09}" type="presParOf" srcId="{DA29C126-A5C8-4ED8-ACBA-B86482F15046}" destId="{FF90F8EF-8ECD-49F4-BD10-D4ED1DD385B3}" srcOrd="7" destOrd="0" presId="urn:microsoft.com/office/officeart/2005/8/layout/vList3"/>
-    <dgm:cxn modelId="{4EA75056-6FE0-41CD-860B-D895EDD0DB03}" type="presParOf" srcId="{DA29C126-A5C8-4ED8-ACBA-B86482F15046}" destId="{33A1206C-F3A9-4C95-889C-D5ED2C4D851E}" srcOrd="8" destOrd="0" presId="urn:microsoft.com/office/officeart/2005/8/layout/vList3"/>
-    <dgm:cxn modelId="{74EE8C88-EC04-401E-8DDF-3F8DE66B02ED}" type="presParOf" srcId="{33A1206C-F3A9-4C95-889C-D5ED2C4D851E}" destId="{766B4B76-9AAF-4157-8CCF-E29079F9092F}" srcOrd="0" destOrd="0" presId="urn:microsoft.com/office/officeart/2005/8/layout/vList3"/>
-    <dgm:cxn modelId="{A554B68E-734C-466D-80E4-E95BA810D3ED}" type="presParOf" srcId="{33A1206C-F3A9-4C95-889C-D5ED2C4D851E}" destId="{250AE124-7761-4BE0-878F-1A0FB3F7ED93}" srcOrd="1" destOrd="0" presId="urn:microsoft.com/office/officeart/2005/8/layout/vList3"/>
-    <dgm:cxn modelId="{9DFD3D74-6BD4-4E5A-B326-A5E630FB93E3}" type="presParOf" srcId="{DA29C126-A5C8-4ED8-ACBA-B86482F15046}" destId="{BC4DD5C3-F93E-4BC5-8B96-C00BDFA95F24}" srcOrd="9" destOrd="0" presId="urn:microsoft.com/office/officeart/2005/8/layout/vList3"/>
-    <dgm:cxn modelId="{AE052D99-EAD8-444B-AD0E-7FB8C1BBA2F0}" type="presParOf" srcId="{DA29C126-A5C8-4ED8-ACBA-B86482F15046}" destId="{2309078D-B5B8-4BBA-A5C4-681A8243F72C}" srcOrd="10" destOrd="0" presId="urn:microsoft.com/office/officeart/2005/8/layout/vList3"/>
-    <dgm:cxn modelId="{BBAE45F4-A141-41BF-BEC1-05BABD4631DB}" type="presParOf" srcId="{2309078D-B5B8-4BBA-A5C4-681A8243F72C}" destId="{898E8C1B-0E57-4BEB-B0BA-7B21AF01DD63}" srcOrd="0" destOrd="0" presId="urn:microsoft.com/office/officeart/2005/8/layout/vList3"/>
-    <dgm:cxn modelId="{18AD12BD-8B15-42DC-9164-959F0B2BEA20}" type="presParOf" srcId="{2309078D-B5B8-4BBA-A5C4-681A8243F72C}" destId="{2961A4F6-FAD4-45F4-8BDD-790BB5505690}" srcOrd="1" destOrd="0" presId="urn:microsoft.com/office/officeart/2005/8/layout/vList3"/>
-    <dgm:cxn modelId="{CEE7DFF9-411E-4DAF-8E49-846B875949C0}" type="presParOf" srcId="{DA29C126-A5C8-4ED8-ACBA-B86482F15046}" destId="{545897FF-ADDF-4878-9000-CBEC3AD4373C}" srcOrd="11" destOrd="0" presId="urn:microsoft.com/office/officeart/2005/8/layout/vList3"/>
-    <dgm:cxn modelId="{37B56C58-A24E-45EC-B398-6E38C47296B9}" type="presParOf" srcId="{DA29C126-A5C8-4ED8-ACBA-B86482F15046}" destId="{F7FCC5D5-E638-47AF-81E3-C3B7FDDE7EF1}" srcOrd="12" destOrd="0" presId="urn:microsoft.com/office/officeart/2005/8/layout/vList3"/>
-    <dgm:cxn modelId="{07E90D10-FE0E-44B4-84E5-FC252C996486}" type="presParOf" srcId="{F7FCC5D5-E638-47AF-81E3-C3B7FDDE7EF1}" destId="{6791ABAD-AF58-45BA-A28A-028AD8C2D688}" srcOrd="0" destOrd="0" presId="urn:microsoft.com/office/officeart/2005/8/layout/vList3"/>
-    <dgm:cxn modelId="{084E713A-BA52-4470-81B7-377E8E3D50D0}" type="presParOf" srcId="{F7FCC5D5-E638-47AF-81E3-C3B7FDDE7EF1}" destId="{A3482D4E-913F-4560-9B97-59E2226AEC68}" srcOrd="1" destOrd="0" presId="urn:microsoft.com/office/officeart/2005/8/layout/vList3"/>
+    <dgm:cxn modelId="{9AF56601-58B7-4D51-8ACE-705C57CC63C4}" type="presOf" srcId="{50F5F7DE-59E8-4C17-A425-18725C015A4D}" destId="{57091525-31DF-42C8-B702-27C64C8CBE78}" srcOrd="0" destOrd="0" presId="urn:microsoft.com/office/officeart/2005/8/layout/vList6"/>
+    <dgm:cxn modelId="{F20F4C13-5B6B-4D6C-9B68-11AB7B302484}" type="presOf" srcId="{98090697-D1B9-4D62-B05A-9EBACD6A90FC}" destId="{4F8AA02C-712B-47CD-A9F1-79C631E4A633}" srcOrd="0" destOrd="0" presId="urn:microsoft.com/office/officeart/2005/8/layout/vList6"/>
+    <dgm:cxn modelId="{D57E3915-8257-46B4-884F-DBAAC7A3BB9E}" type="presOf" srcId="{B0660870-4F6F-4B02-AF03-3034B3714048}" destId="{004895FA-F9E7-41FB-BC29-8E5DAB74E152}" srcOrd="0" destOrd="0" presId="urn:microsoft.com/office/officeart/2005/8/layout/vList6"/>
+    <dgm:cxn modelId="{24AD4D18-3AF1-4FBD-8521-D3DF6FC7A770}" srcId="{A6D0E641-8BDD-4642-9426-C6758DA93154}" destId="{98090697-D1B9-4D62-B05A-9EBACD6A90FC}" srcOrd="2" destOrd="0" parTransId="{3E6C1DC0-8892-442D-9CCE-79F1E3A149C2}" sibTransId="{EA3BA6EE-4422-4966-89A9-D4D513416CE5}"/>
+    <dgm:cxn modelId="{053FE82B-16BB-448A-908B-0FBC78927953}" srcId="{A6D0E641-8BDD-4642-9426-C6758DA93154}" destId="{F66B4742-8012-41F7-8378-AB1CAD99F5FE}" srcOrd="0" destOrd="0" parTransId="{394AD23D-0D6A-4924-AE50-CFF4D0AAC1A3}" sibTransId="{577E861D-D78B-44B7-B325-DB5AB2E11B09}"/>
+    <dgm:cxn modelId="{B57E1261-4F53-46A9-8B7C-007757E2D462}" type="presOf" srcId="{305D4DB3-C9E2-4CAC-964F-2FC3EFC99D07}" destId="{22DDD3E9-96BB-4665-B5E0-2785AFC1DB6A}" srcOrd="0" destOrd="0" presId="urn:microsoft.com/office/officeart/2005/8/layout/vList6"/>
+    <dgm:cxn modelId="{A05C6064-A358-44EF-8F16-A0459C034C60}" type="presOf" srcId="{398C7B25-0732-4C4A-A8FC-624346FF3BF6}" destId="{656CCFFC-38D4-48CA-B9AD-3B38A11C3EB7}" srcOrd="0" destOrd="0" presId="urn:microsoft.com/office/officeart/2005/8/layout/vList6"/>
+    <dgm:cxn modelId="{5C45824E-7B8D-4864-9D43-8852E9507840}" srcId="{BB43073B-3EAF-4DA8-B7D2-545BE8B4C1F0}" destId="{B0660870-4F6F-4B02-AF03-3034B3714048}" srcOrd="0" destOrd="0" parTransId="{1F409341-1C21-48CC-AB96-0C0307C90240}" sibTransId="{10792D89-C1F7-41CF-9BBB-0256201F892E}"/>
+    <dgm:cxn modelId="{9276F64F-733F-4197-A65B-E12379D813CA}" type="presOf" srcId="{F66B4742-8012-41F7-8378-AB1CAD99F5FE}" destId="{835984CA-0C6E-4A2C-A1AF-7FC558C7F7E2}" srcOrd="0" destOrd="0" presId="urn:microsoft.com/office/officeart/2005/8/layout/vList6"/>
+    <dgm:cxn modelId="{057C5378-0185-4264-ADA1-4C8049A600C4}" type="presOf" srcId="{A6D0E641-8BDD-4642-9426-C6758DA93154}" destId="{0B5BC505-A9C7-4342-8340-AE2BD348EA13}" srcOrd="0" destOrd="0" presId="urn:microsoft.com/office/officeart/2005/8/layout/vList6"/>
+    <dgm:cxn modelId="{B05FF87E-FBD5-4657-A83C-17D6EA32E505}" type="presOf" srcId="{BB43073B-3EAF-4DA8-B7D2-545BE8B4C1F0}" destId="{B4E50A43-0F26-4A5B-8C00-A40E3E51D8A8}" srcOrd="0" destOrd="0" presId="urn:microsoft.com/office/officeart/2005/8/layout/vList6"/>
+    <dgm:cxn modelId="{DA90D98D-803C-4B8C-B670-E2EECB987B20}" type="presOf" srcId="{1DF117E7-ED77-457A-B67C-E9D3154A93A6}" destId="{725B8A8A-1836-4062-9BAF-1B67F29E354C}" srcOrd="0" destOrd="0" presId="urn:microsoft.com/office/officeart/2005/8/layout/vList6"/>
+    <dgm:cxn modelId="{9501C697-2571-45BC-9180-1F8C557EB0A9}" srcId="{F66B4742-8012-41F7-8378-AB1CAD99F5FE}" destId="{50F5F7DE-59E8-4C17-A425-18725C015A4D}" srcOrd="0" destOrd="0" parTransId="{8662A2F6-BE23-40ED-93C1-2EC92A4CADCF}" sibTransId="{90F0D123-2BC4-41F1-AE40-78F347FB0A09}"/>
+    <dgm:cxn modelId="{7FAA8FC5-6C91-4B2B-8BAC-19FE4FC94A60}" srcId="{A6D0E641-8BDD-4642-9426-C6758DA93154}" destId="{305D4DB3-C9E2-4CAC-964F-2FC3EFC99D07}" srcOrd="1" destOrd="0" parTransId="{9EC40EAD-876D-4B53-998D-3BB29E423867}" sibTransId="{43D30BBD-8316-4CE3-B7B1-25328778EA5A}"/>
+    <dgm:cxn modelId="{A53D4BD1-E323-4000-B131-59E7B726BEF1}" srcId="{A6D0E641-8BDD-4642-9426-C6758DA93154}" destId="{BB43073B-3EAF-4DA8-B7D2-545BE8B4C1F0}" srcOrd="3" destOrd="0" parTransId="{CF06B580-CD2A-4F91-8397-9F27715F8008}" sibTransId="{749DA2F1-6E5D-4EBB-85BD-4E6CAEE32C49}"/>
+    <dgm:cxn modelId="{6BDF54F0-6788-4804-B5CF-EDB1228C80C6}" srcId="{98090697-D1B9-4D62-B05A-9EBACD6A90FC}" destId="{398C7B25-0732-4C4A-A8FC-624346FF3BF6}" srcOrd="0" destOrd="0" parTransId="{9B0F42BA-44CB-47DA-8738-F15B10162241}" sibTransId="{ED6E75D4-4FFF-4392-90A0-FAF3391E6890}"/>
+    <dgm:cxn modelId="{AD2B83F1-272F-4A89-9E91-2FB19A876AA9}" srcId="{305D4DB3-C9E2-4CAC-964F-2FC3EFC99D07}" destId="{1DF117E7-ED77-457A-B67C-E9D3154A93A6}" srcOrd="0" destOrd="0" parTransId="{0D0A4B22-61C5-4980-9A6D-3BADCB4C30B1}" sibTransId="{FE553C6E-837C-4111-BC95-2CA42EF0CE5E}"/>
+    <dgm:cxn modelId="{EAA3F4A3-BF63-4DCB-A35A-44D8944C2E16}" type="presParOf" srcId="{0B5BC505-A9C7-4342-8340-AE2BD348EA13}" destId="{1D9655AF-E182-4489-A014-29ECFFBDD3F5}" srcOrd="0" destOrd="0" presId="urn:microsoft.com/office/officeart/2005/8/layout/vList6"/>
+    <dgm:cxn modelId="{9D54EE1C-6EC5-4CD1-83B5-D8AB742F0A59}" type="presParOf" srcId="{1D9655AF-E182-4489-A014-29ECFFBDD3F5}" destId="{835984CA-0C6E-4A2C-A1AF-7FC558C7F7E2}" srcOrd="0" destOrd="0" presId="urn:microsoft.com/office/officeart/2005/8/layout/vList6"/>
+    <dgm:cxn modelId="{9988C58E-BB63-4D34-9DE9-AEFA09F6EFB7}" type="presParOf" srcId="{1D9655AF-E182-4489-A014-29ECFFBDD3F5}" destId="{57091525-31DF-42C8-B702-27C64C8CBE78}" srcOrd="1" destOrd="0" presId="urn:microsoft.com/office/officeart/2005/8/layout/vList6"/>
+    <dgm:cxn modelId="{279577E8-E653-4D8A-9BB4-13C400A5060F}" type="presParOf" srcId="{0B5BC505-A9C7-4342-8340-AE2BD348EA13}" destId="{5E5E8A1C-5CF5-4109-BEB0-5D3BFD8A4645}" srcOrd="1" destOrd="0" presId="urn:microsoft.com/office/officeart/2005/8/layout/vList6"/>
+    <dgm:cxn modelId="{67C1F369-C3BA-4809-A773-C938CCB7A210}" type="presParOf" srcId="{0B5BC505-A9C7-4342-8340-AE2BD348EA13}" destId="{50FB19EC-25B1-45B0-A3C1-3258946D7F2A}" srcOrd="2" destOrd="0" presId="urn:microsoft.com/office/officeart/2005/8/layout/vList6"/>
+    <dgm:cxn modelId="{AC53ACB4-4D3E-456F-977A-197FB77E2636}" type="presParOf" srcId="{50FB19EC-25B1-45B0-A3C1-3258946D7F2A}" destId="{22DDD3E9-96BB-4665-B5E0-2785AFC1DB6A}" srcOrd="0" destOrd="0" presId="urn:microsoft.com/office/officeart/2005/8/layout/vList6"/>
+    <dgm:cxn modelId="{C5ECBD9E-6734-4F85-9FDF-CF78FD0C8E71}" type="presParOf" srcId="{50FB19EC-25B1-45B0-A3C1-3258946D7F2A}" destId="{725B8A8A-1836-4062-9BAF-1B67F29E354C}" srcOrd="1" destOrd="0" presId="urn:microsoft.com/office/officeart/2005/8/layout/vList6"/>
+    <dgm:cxn modelId="{F57A7FDE-D43B-449D-8F46-2FE41AB03393}" type="presParOf" srcId="{0B5BC505-A9C7-4342-8340-AE2BD348EA13}" destId="{1BFE5378-C529-4285-A7CA-7CF6CF2E154C}" srcOrd="3" destOrd="0" presId="urn:microsoft.com/office/officeart/2005/8/layout/vList6"/>
+    <dgm:cxn modelId="{3FE72AC3-9179-4E4F-976E-CBB85C99D932}" type="presParOf" srcId="{0B5BC505-A9C7-4342-8340-AE2BD348EA13}" destId="{8A386499-FEFB-419E-B30B-5E2613A46AF1}" srcOrd="4" destOrd="0" presId="urn:microsoft.com/office/officeart/2005/8/layout/vList6"/>
+    <dgm:cxn modelId="{6515B55F-0298-4B90-B5E7-9BCE196499BE}" type="presParOf" srcId="{8A386499-FEFB-419E-B30B-5E2613A46AF1}" destId="{4F8AA02C-712B-47CD-A9F1-79C631E4A633}" srcOrd="0" destOrd="0" presId="urn:microsoft.com/office/officeart/2005/8/layout/vList6"/>
+    <dgm:cxn modelId="{B82105F9-30F3-4BD4-B55C-8C9559B91DF0}" type="presParOf" srcId="{8A386499-FEFB-419E-B30B-5E2613A46AF1}" destId="{656CCFFC-38D4-48CA-B9AD-3B38A11C3EB7}" srcOrd="1" destOrd="0" presId="urn:microsoft.com/office/officeart/2005/8/layout/vList6"/>
+    <dgm:cxn modelId="{EBF9923B-9844-44E2-A008-072DEBB25482}" type="presParOf" srcId="{0B5BC505-A9C7-4342-8340-AE2BD348EA13}" destId="{9CA92225-1110-4B49-B583-1F92DDCE9D92}" srcOrd="5" destOrd="0" presId="urn:microsoft.com/office/officeart/2005/8/layout/vList6"/>
+    <dgm:cxn modelId="{2FF43739-CD50-4EF5-9AD2-3411BF56E18E}" type="presParOf" srcId="{0B5BC505-A9C7-4342-8340-AE2BD348EA13}" destId="{08FCEA14-048D-4FD3-B12B-542895A4C9AA}" srcOrd="6" destOrd="0" presId="urn:microsoft.com/office/officeart/2005/8/layout/vList6"/>
+    <dgm:cxn modelId="{2F185596-6011-4BD3-95A8-7CA56DA22A53}" type="presParOf" srcId="{08FCEA14-048D-4FD3-B12B-542895A4C9AA}" destId="{B4E50A43-0F26-4A5B-8C00-A40E3E51D8A8}" srcOrd="0" destOrd="0" presId="urn:microsoft.com/office/officeart/2005/8/layout/vList6"/>
+    <dgm:cxn modelId="{1C29EBA1-4634-40BC-B8D3-E2A64FD743DD}" type="presParOf" srcId="{08FCEA14-048D-4FD3-B12B-542895A4C9AA}" destId="{004895FA-F9E7-41FB-BC29-8E5DAB74E152}" srcOrd="1" destOrd="0" presId="urn:microsoft.com/office/officeart/2005/8/layout/vList6"/>
+  </dgm:cxnLst>
+  <dgm:bg/>
+  <dgm:whole/>
+  <dgm:extLst>
+    <a:ext uri="http://schemas.microsoft.com/office/drawing/2008/diagram">
+      <dsp:dataModelExt xmlns:dsp="http://schemas.microsoft.com/office/drawing/2008/diagram" relId="rId8" minVer="http://schemas.openxmlformats.org/drawingml/2006/diagram"/>
+    </a:ext>
+  </dgm:extLst>
+</dgm:dataModel>
+</file>
+
+<file path=ppt/diagrams/data6.xml><?xml version="1.0" encoding="utf-8"?>
+<dgm:dataModel xmlns:dgm="http://schemas.openxmlformats.org/drawingml/2006/diagram" xmlns:a="http://schemas.openxmlformats.org/drawingml/2006/main">
+  <dgm:ptLst>
+    <dgm:pt modelId="{A6D0E641-8BDD-4642-9426-C6758DA93154}" type="doc">
+      <dgm:prSet loTypeId="urn:microsoft.com/office/officeart/2005/8/layout/vList6" loCatId="list" qsTypeId="urn:microsoft.com/office/officeart/2005/8/quickstyle/simple2" qsCatId="simple" csTypeId="urn:microsoft.com/office/officeart/2005/8/colors/accent1_2" csCatId="accent1" phldr="1"/>
+      <dgm:spPr/>
+      <dgm:t>
+        <a:bodyPr/>
+        <a:lstStyle/>
+        <a:p>
+          <a:endParaRPr lang="en-US"/>
+        </a:p>
+      </dgm:t>
+    </dgm:pt>
+    <dgm:pt modelId="{50F5F7DE-59E8-4C17-A425-18725C015A4D}">
+      <dgm:prSet phldrT="[Text]" custT="1"/>
+      <dgm:spPr/>
+      <dgm:t>
+        <a:bodyPr/>
+        <a:lstStyle/>
+        <a:p>
+          <a:pPr algn="just">
+            <a:buFontTx/>
+            <a:buNone/>
+          </a:pPr>
+          <a:r>
+            <a:rPr lang="en-US" sz="1300" dirty="0"/>
+            <a:t>	Brand identity is particularly important for frequent purchase that carry a higher per unit cost for the customers. New entrants face significant difficulties in building brand identity because for that they have to commit substantial resources for a longer period of time.</a:t>
+          </a:r>
+        </a:p>
+      </dgm:t>
+    </dgm:pt>
+    <dgm:pt modelId="{8662A2F6-BE23-40ED-93C1-2EC92A4CADCF}" type="parTrans" cxnId="{9501C697-2571-45BC-9180-1F8C557EB0A9}">
+      <dgm:prSet/>
+      <dgm:spPr/>
+      <dgm:t>
+        <a:bodyPr/>
+        <a:lstStyle/>
+        <a:p>
+          <a:endParaRPr lang="en-US"/>
+        </a:p>
+      </dgm:t>
+    </dgm:pt>
+    <dgm:pt modelId="{90F0D123-2BC4-41F1-AE40-78F347FB0A09}" type="sibTrans" cxnId="{9501C697-2571-45BC-9180-1F8C557EB0A9}">
+      <dgm:prSet/>
+      <dgm:spPr/>
+      <dgm:t>
+        <a:bodyPr/>
+        <a:lstStyle/>
+        <a:p>
+          <a:endParaRPr lang="en-US"/>
+        </a:p>
+      </dgm:t>
+    </dgm:pt>
+    <dgm:pt modelId="{305D4DB3-C9E2-4CAC-964F-2FC3EFC99D07}">
+      <dgm:prSet phldrT="[Text]"/>
+      <dgm:spPr>
+        <a:solidFill>
+          <a:schemeClr val="tx2">
+            <a:lumMod val="50000"/>
+          </a:schemeClr>
+        </a:solidFill>
+      </dgm:spPr>
+      <dgm:t>
+        <a:bodyPr/>
+        <a:lstStyle/>
+        <a:p>
+          <a:r>
+            <a:rPr lang="en-US" b="1" dirty="0"/>
+            <a:t>Switching Cost.</a:t>
+          </a:r>
+        </a:p>
+      </dgm:t>
+    </dgm:pt>
+    <dgm:pt modelId="{9EC40EAD-876D-4B53-998D-3BB29E423867}" type="parTrans" cxnId="{7FAA8FC5-6C91-4B2B-8BAC-19FE4FC94A60}">
+      <dgm:prSet/>
+      <dgm:spPr/>
+      <dgm:t>
+        <a:bodyPr/>
+        <a:lstStyle/>
+        <a:p>
+          <a:endParaRPr lang="en-US"/>
+        </a:p>
+      </dgm:t>
+    </dgm:pt>
+    <dgm:pt modelId="{43D30BBD-8316-4CE3-B7B1-25328778EA5A}" type="sibTrans" cxnId="{7FAA8FC5-6C91-4B2B-8BAC-19FE4FC94A60}">
+      <dgm:prSet/>
+      <dgm:spPr/>
+      <dgm:t>
+        <a:bodyPr/>
+        <a:lstStyle/>
+        <a:p>
+          <a:endParaRPr lang="en-US"/>
+        </a:p>
+      </dgm:t>
+    </dgm:pt>
+    <dgm:pt modelId="{1DF117E7-ED77-457A-B67C-E9D3154A93A6}">
+      <dgm:prSet phldrT="[Text]"/>
+      <dgm:spPr/>
+      <dgm:t>
+        <a:bodyPr/>
+        <a:lstStyle/>
+        <a:p>
+          <a:pPr algn="just">
+            <a:buNone/>
+          </a:pPr>
+          <a:r>
+            <a:rPr lang="en-US" dirty="0"/>
+            <a:t>	To make a switch buyer has to incur cost, make adjustments and which is known as switching cost. New entrant can succeed in industry by persuading to switch to its product. When switching cost high it make reluctant to the buyer to switch. For example, Microsoft Windows.</a:t>
+          </a:r>
+        </a:p>
+      </dgm:t>
+    </dgm:pt>
+    <dgm:pt modelId="{0D0A4B22-61C5-4980-9A6D-3BADCB4C30B1}" type="parTrans" cxnId="{AD2B83F1-272F-4A89-9E91-2FB19A876AA9}">
+      <dgm:prSet/>
+      <dgm:spPr/>
+      <dgm:t>
+        <a:bodyPr/>
+        <a:lstStyle/>
+        <a:p>
+          <a:endParaRPr lang="en-US"/>
+        </a:p>
+      </dgm:t>
+    </dgm:pt>
+    <dgm:pt modelId="{FE553C6E-837C-4111-BC95-2CA42EF0CE5E}" type="sibTrans" cxnId="{AD2B83F1-272F-4A89-9E91-2FB19A876AA9}">
+      <dgm:prSet/>
+      <dgm:spPr/>
+      <dgm:t>
+        <a:bodyPr/>
+        <a:lstStyle/>
+        <a:p>
+          <a:endParaRPr lang="en-US"/>
+        </a:p>
+      </dgm:t>
+    </dgm:pt>
+    <dgm:pt modelId="{398C7B25-0732-4C4A-A8FC-624346FF3BF6}">
+      <dgm:prSet phldrT="[Text]"/>
+      <dgm:spPr/>
+      <dgm:t>
+        <a:bodyPr/>
+        <a:lstStyle/>
+        <a:p>
+          <a:pPr algn="just">
+            <a:buNone/>
+          </a:pPr>
+          <a:r>
+            <a:rPr lang="en-US" dirty="0"/>
+            <a:t>	Existing firms control the physical distribution channels to create barrier to entry. They have significant influence over these channels. The unavailability of these distribution channels for new entrant make it difficult to them.</a:t>
+          </a:r>
+        </a:p>
+      </dgm:t>
+    </dgm:pt>
+    <dgm:pt modelId="{9B0F42BA-44CB-47DA-8738-F15B10162241}" type="parTrans" cxnId="{6BDF54F0-6788-4804-B5CF-EDB1228C80C6}">
+      <dgm:prSet/>
+      <dgm:spPr/>
+      <dgm:t>
+        <a:bodyPr/>
+        <a:lstStyle/>
+        <a:p>
+          <a:endParaRPr lang="en-US"/>
+        </a:p>
+      </dgm:t>
+    </dgm:pt>
+    <dgm:pt modelId="{ED6E75D4-4FFF-4392-90A0-FAF3391E6890}" type="sibTrans" cxnId="{6BDF54F0-6788-4804-B5CF-EDB1228C80C6}">
+      <dgm:prSet/>
+      <dgm:spPr/>
+      <dgm:t>
+        <a:bodyPr/>
+        <a:lstStyle/>
+        <a:p>
+          <a:endParaRPr lang="en-US"/>
+        </a:p>
+      </dgm:t>
+    </dgm:pt>
+    <dgm:pt modelId="{F66B4742-8012-41F7-8378-AB1CAD99F5FE}">
+      <dgm:prSet phldrT="[Text]"/>
+      <dgm:spPr>
+        <a:solidFill>
+          <a:schemeClr val="tx2">
+            <a:lumMod val="50000"/>
+          </a:schemeClr>
+        </a:solidFill>
+      </dgm:spPr>
+      <dgm:t>
+        <a:bodyPr/>
+        <a:lstStyle/>
+        <a:p>
+          <a:r>
+            <a:rPr lang="en-US" b="1" dirty="0"/>
+            <a:t>Brand Identity.</a:t>
+          </a:r>
+        </a:p>
+      </dgm:t>
+    </dgm:pt>
+    <dgm:pt modelId="{577E861D-D78B-44B7-B325-DB5AB2E11B09}" type="sibTrans" cxnId="{053FE82B-16BB-448A-908B-0FBC78927953}">
+      <dgm:prSet/>
+      <dgm:spPr/>
+      <dgm:t>
+        <a:bodyPr/>
+        <a:lstStyle/>
+        <a:p>
+          <a:endParaRPr lang="en-US"/>
+        </a:p>
+      </dgm:t>
+    </dgm:pt>
+    <dgm:pt modelId="{394AD23D-0D6A-4924-AE50-CFF4D0AAC1A3}" type="parTrans" cxnId="{053FE82B-16BB-448A-908B-0FBC78927953}">
+      <dgm:prSet/>
+      <dgm:spPr/>
+      <dgm:t>
+        <a:bodyPr/>
+        <a:lstStyle/>
+        <a:p>
+          <a:endParaRPr lang="en-US"/>
+        </a:p>
+      </dgm:t>
+    </dgm:pt>
+    <dgm:pt modelId="{98090697-D1B9-4D62-B05A-9EBACD6A90FC}">
+      <dgm:prSet phldrT="[Text]"/>
+      <dgm:spPr>
+        <a:solidFill>
+          <a:schemeClr val="tx2">
+            <a:lumMod val="50000"/>
+          </a:schemeClr>
+        </a:solidFill>
+      </dgm:spPr>
+      <dgm:t>
+        <a:bodyPr/>
+        <a:lstStyle/>
+        <a:p>
+          <a:r>
+            <a:rPr lang="en-US" b="1" dirty="0"/>
+            <a:t>Access to distribution Channel</a:t>
+          </a:r>
+        </a:p>
+      </dgm:t>
+    </dgm:pt>
+    <dgm:pt modelId="{EA3BA6EE-4422-4966-89A9-D4D513416CE5}" type="sibTrans" cxnId="{24AD4D18-3AF1-4FBD-8521-D3DF6FC7A770}">
+      <dgm:prSet/>
+      <dgm:spPr/>
+      <dgm:t>
+        <a:bodyPr/>
+        <a:lstStyle/>
+        <a:p>
+          <a:endParaRPr lang="en-US"/>
+        </a:p>
+      </dgm:t>
+    </dgm:pt>
+    <dgm:pt modelId="{3E6C1DC0-8892-442D-9CCE-79F1E3A149C2}" type="parTrans" cxnId="{24AD4D18-3AF1-4FBD-8521-D3DF6FC7A770}">
+      <dgm:prSet/>
+      <dgm:spPr/>
+      <dgm:t>
+        <a:bodyPr/>
+        <a:lstStyle/>
+        <a:p>
+          <a:endParaRPr lang="en-US"/>
+        </a:p>
+      </dgm:t>
+    </dgm:pt>
+    <dgm:pt modelId="{0B5BC505-A9C7-4342-8340-AE2BD348EA13}" type="pres">
+      <dgm:prSet presAssocID="{A6D0E641-8BDD-4642-9426-C6758DA93154}" presName="Name0" presStyleCnt="0">
+        <dgm:presLayoutVars>
+          <dgm:dir/>
+          <dgm:animLvl val="lvl"/>
+          <dgm:resizeHandles/>
+        </dgm:presLayoutVars>
+      </dgm:prSet>
+      <dgm:spPr/>
+    </dgm:pt>
+    <dgm:pt modelId="{1D9655AF-E182-4489-A014-29ECFFBDD3F5}" type="pres">
+      <dgm:prSet presAssocID="{F66B4742-8012-41F7-8378-AB1CAD99F5FE}" presName="linNode" presStyleCnt="0"/>
+      <dgm:spPr/>
+    </dgm:pt>
+    <dgm:pt modelId="{835984CA-0C6E-4A2C-A1AF-7FC558C7F7E2}" type="pres">
+      <dgm:prSet presAssocID="{F66B4742-8012-41F7-8378-AB1CAD99F5FE}" presName="parentShp" presStyleLbl="node1" presStyleIdx="0" presStyleCnt="3">
+        <dgm:presLayoutVars>
+          <dgm:bulletEnabled val="1"/>
+        </dgm:presLayoutVars>
+      </dgm:prSet>
+      <dgm:spPr/>
+    </dgm:pt>
+    <dgm:pt modelId="{57091525-31DF-42C8-B702-27C64C8CBE78}" type="pres">
+      <dgm:prSet presAssocID="{F66B4742-8012-41F7-8378-AB1CAD99F5FE}" presName="childShp" presStyleLbl="bgAccFollowNode1" presStyleIdx="0" presStyleCnt="3">
+        <dgm:presLayoutVars>
+          <dgm:bulletEnabled val="1"/>
+        </dgm:presLayoutVars>
+      </dgm:prSet>
+      <dgm:spPr/>
+    </dgm:pt>
+    <dgm:pt modelId="{5E5E8A1C-5CF5-4109-BEB0-5D3BFD8A4645}" type="pres">
+      <dgm:prSet presAssocID="{577E861D-D78B-44B7-B325-DB5AB2E11B09}" presName="spacing" presStyleCnt="0"/>
+      <dgm:spPr/>
+    </dgm:pt>
+    <dgm:pt modelId="{50FB19EC-25B1-45B0-A3C1-3258946D7F2A}" type="pres">
+      <dgm:prSet presAssocID="{305D4DB3-C9E2-4CAC-964F-2FC3EFC99D07}" presName="linNode" presStyleCnt="0"/>
+      <dgm:spPr/>
+    </dgm:pt>
+    <dgm:pt modelId="{22DDD3E9-96BB-4665-B5E0-2785AFC1DB6A}" type="pres">
+      <dgm:prSet presAssocID="{305D4DB3-C9E2-4CAC-964F-2FC3EFC99D07}" presName="parentShp" presStyleLbl="node1" presStyleIdx="1" presStyleCnt="3">
+        <dgm:presLayoutVars>
+          <dgm:bulletEnabled val="1"/>
+        </dgm:presLayoutVars>
+      </dgm:prSet>
+      <dgm:spPr/>
+    </dgm:pt>
+    <dgm:pt modelId="{725B8A8A-1836-4062-9BAF-1B67F29E354C}" type="pres">
+      <dgm:prSet presAssocID="{305D4DB3-C9E2-4CAC-964F-2FC3EFC99D07}" presName="childShp" presStyleLbl="bgAccFollowNode1" presStyleIdx="1" presStyleCnt="3">
+        <dgm:presLayoutVars>
+          <dgm:bulletEnabled val="1"/>
+        </dgm:presLayoutVars>
+      </dgm:prSet>
+      <dgm:spPr/>
+    </dgm:pt>
+    <dgm:pt modelId="{1BFE5378-C529-4285-A7CA-7CF6CF2E154C}" type="pres">
+      <dgm:prSet presAssocID="{43D30BBD-8316-4CE3-B7B1-25328778EA5A}" presName="spacing" presStyleCnt="0"/>
+      <dgm:spPr/>
+    </dgm:pt>
+    <dgm:pt modelId="{8A386499-FEFB-419E-B30B-5E2613A46AF1}" type="pres">
+      <dgm:prSet presAssocID="{98090697-D1B9-4D62-B05A-9EBACD6A90FC}" presName="linNode" presStyleCnt="0"/>
+      <dgm:spPr/>
+    </dgm:pt>
+    <dgm:pt modelId="{4F8AA02C-712B-47CD-A9F1-79C631E4A633}" type="pres">
+      <dgm:prSet presAssocID="{98090697-D1B9-4D62-B05A-9EBACD6A90FC}" presName="parentShp" presStyleLbl="node1" presStyleIdx="2" presStyleCnt="3">
+        <dgm:presLayoutVars>
+          <dgm:bulletEnabled val="1"/>
+        </dgm:presLayoutVars>
+      </dgm:prSet>
+      <dgm:spPr/>
+    </dgm:pt>
+    <dgm:pt modelId="{656CCFFC-38D4-48CA-B9AD-3B38A11C3EB7}" type="pres">
+      <dgm:prSet presAssocID="{98090697-D1B9-4D62-B05A-9EBACD6A90FC}" presName="childShp" presStyleLbl="bgAccFollowNode1" presStyleIdx="2" presStyleCnt="3">
+        <dgm:presLayoutVars>
+          <dgm:bulletEnabled val="1"/>
+        </dgm:presLayoutVars>
+      </dgm:prSet>
+      <dgm:spPr/>
+    </dgm:pt>
+  </dgm:ptLst>
+  <dgm:cxnLst>
+    <dgm:cxn modelId="{9AF56601-58B7-4D51-8ACE-705C57CC63C4}" type="presOf" srcId="{50F5F7DE-59E8-4C17-A425-18725C015A4D}" destId="{57091525-31DF-42C8-B702-27C64C8CBE78}" srcOrd="0" destOrd="0" presId="urn:microsoft.com/office/officeart/2005/8/layout/vList6"/>
+    <dgm:cxn modelId="{F20F4C13-5B6B-4D6C-9B68-11AB7B302484}" type="presOf" srcId="{98090697-D1B9-4D62-B05A-9EBACD6A90FC}" destId="{4F8AA02C-712B-47CD-A9F1-79C631E4A633}" srcOrd="0" destOrd="0" presId="urn:microsoft.com/office/officeart/2005/8/layout/vList6"/>
+    <dgm:cxn modelId="{24AD4D18-3AF1-4FBD-8521-D3DF6FC7A770}" srcId="{A6D0E641-8BDD-4642-9426-C6758DA93154}" destId="{98090697-D1B9-4D62-B05A-9EBACD6A90FC}" srcOrd="2" destOrd="0" parTransId="{3E6C1DC0-8892-442D-9CCE-79F1E3A149C2}" sibTransId="{EA3BA6EE-4422-4966-89A9-D4D513416CE5}"/>
+    <dgm:cxn modelId="{053FE82B-16BB-448A-908B-0FBC78927953}" srcId="{A6D0E641-8BDD-4642-9426-C6758DA93154}" destId="{F66B4742-8012-41F7-8378-AB1CAD99F5FE}" srcOrd="0" destOrd="0" parTransId="{394AD23D-0D6A-4924-AE50-CFF4D0AAC1A3}" sibTransId="{577E861D-D78B-44B7-B325-DB5AB2E11B09}"/>
+    <dgm:cxn modelId="{B57E1261-4F53-46A9-8B7C-007757E2D462}" type="presOf" srcId="{305D4DB3-C9E2-4CAC-964F-2FC3EFC99D07}" destId="{22DDD3E9-96BB-4665-B5E0-2785AFC1DB6A}" srcOrd="0" destOrd="0" presId="urn:microsoft.com/office/officeart/2005/8/layout/vList6"/>
+    <dgm:cxn modelId="{A05C6064-A358-44EF-8F16-A0459C034C60}" type="presOf" srcId="{398C7B25-0732-4C4A-A8FC-624346FF3BF6}" destId="{656CCFFC-38D4-48CA-B9AD-3B38A11C3EB7}" srcOrd="0" destOrd="0" presId="urn:microsoft.com/office/officeart/2005/8/layout/vList6"/>
+    <dgm:cxn modelId="{9276F64F-733F-4197-A65B-E12379D813CA}" type="presOf" srcId="{F66B4742-8012-41F7-8378-AB1CAD99F5FE}" destId="{835984CA-0C6E-4A2C-A1AF-7FC558C7F7E2}" srcOrd="0" destOrd="0" presId="urn:microsoft.com/office/officeart/2005/8/layout/vList6"/>
+    <dgm:cxn modelId="{057C5378-0185-4264-ADA1-4C8049A600C4}" type="presOf" srcId="{A6D0E641-8BDD-4642-9426-C6758DA93154}" destId="{0B5BC505-A9C7-4342-8340-AE2BD348EA13}" srcOrd="0" destOrd="0" presId="urn:microsoft.com/office/officeart/2005/8/layout/vList6"/>
+    <dgm:cxn modelId="{DA90D98D-803C-4B8C-B670-E2EECB987B20}" type="presOf" srcId="{1DF117E7-ED77-457A-B67C-E9D3154A93A6}" destId="{725B8A8A-1836-4062-9BAF-1B67F29E354C}" srcOrd="0" destOrd="0" presId="urn:microsoft.com/office/officeart/2005/8/layout/vList6"/>
+    <dgm:cxn modelId="{9501C697-2571-45BC-9180-1F8C557EB0A9}" srcId="{F66B4742-8012-41F7-8378-AB1CAD99F5FE}" destId="{50F5F7DE-59E8-4C17-A425-18725C015A4D}" srcOrd="0" destOrd="0" parTransId="{8662A2F6-BE23-40ED-93C1-2EC92A4CADCF}" sibTransId="{90F0D123-2BC4-41F1-AE40-78F347FB0A09}"/>
+    <dgm:cxn modelId="{7FAA8FC5-6C91-4B2B-8BAC-19FE4FC94A60}" srcId="{A6D0E641-8BDD-4642-9426-C6758DA93154}" destId="{305D4DB3-C9E2-4CAC-964F-2FC3EFC99D07}" srcOrd="1" destOrd="0" parTransId="{9EC40EAD-876D-4B53-998D-3BB29E423867}" sibTransId="{43D30BBD-8316-4CE3-B7B1-25328778EA5A}"/>
+    <dgm:cxn modelId="{6BDF54F0-6788-4804-B5CF-EDB1228C80C6}" srcId="{98090697-D1B9-4D62-B05A-9EBACD6A90FC}" destId="{398C7B25-0732-4C4A-A8FC-624346FF3BF6}" srcOrd="0" destOrd="0" parTransId="{9B0F42BA-44CB-47DA-8738-F15B10162241}" sibTransId="{ED6E75D4-4FFF-4392-90A0-FAF3391E6890}"/>
+    <dgm:cxn modelId="{AD2B83F1-272F-4A89-9E91-2FB19A876AA9}" srcId="{305D4DB3-C9E2-4CAC-964F-2FC3EFC99D07}" destId="{1DF117E7-ED77-457A-B67C-E9D3154A93A6}" srcOrd="0" destOrd="0" parTransId="{0D0A4B22-61C5-4980-9A6D-3BADCB4C30B1}" sibTransId="{FE553C6E-837C-4111-BC95-2CA42EF0CE5E}"/>
+    <dgm:cxn modelId="{EAA3F4A3-BF63-4DCB-A35A-44D8944C2E16}" type="presParOf" srcId="{0B5BC505-A9C7-4342-8340-AE2BD348EA13}" destId="{1D9655AF-E182-4489-A014-29ECFFBDD3F5}" srcOrd="0" destOrd="0" presId="urn:microsoft.com/office/officeart/2005/8/layout/vList6"/>
+    <dgm:cxn modelId="{9D54EE1C-6EC5-4CD1-83B5-D8AB742F0A59}" type="presParOf" srcId="{1D9655AF-E182-4489-A014-29ECFFBDD3F5}" destId="{835984CA-0C6E-4A2C-A1AF-7FC558C7F7E2}" srcOrd="0" destOrd="0" presId="urn:microsoft.com/office/officeart/2005/8/layout/vList6"/>
+    <dgm:cxn modelId="{9988C58E-BB63-4D34-9DE9-AEFA09F6EFB7}" type="presParOf" srcId="{1D9655AF-E182-4489-A014-29ECFFBDD3F5}" destId="{57091525-31DF-42C8-B702-27C64C8CBE78}" srcOrd="1" destOrd="0" presId="urn:microsoft.com/office/officeart/2005/8/layout/vList6"/>
+    <dgm:cxn modelId="{279577E8-E653-4D8A-9BB4-13C400A5060F}" type="presParOf" srcId="{0B5BC505-A9C7-4342-8340-AE2BD348EA13}" destId="{5E5E8A1C-5CF5-4109-BEB0-5D3BFD8A4645}" srcOrd="1" destOrd="0" presId="urn:microsoft.com/office/officeart/2005/8/layout/vList6"/>
+    <dgm:cxn modelId="{67C1F369-C3BA-4809-A773-C938CCB7A210}" type="presParOf" srcId="{0B5BC505-A9C7-4342-8340-AE2BD348EA13}" destId="{50FB19EC-25B1-45B0-A3C1-3258946D7F2A}" srcOrd="2" destOrd="0" presId="urn:microsoft.com/office/officeart/2005/8/layout/vList6"/>
+    <dgm:cxn modelId="{AC53ACB4-4D3E-456F-977A-197FB77E2636}" type="presParOf" srcId="{50FB19EC-25B1-45B0-A3C1-3258946D7F2A}" destId="{22DDD3E9-96BB-4665-B5E0-2785AFC1DB6A}" srcOrd="0" destOrd="0" presId="urn:microsoft.com/office/officeart/2005/8/layout/vList6"/>
+    <dgm:cxn modelId="{C5ECBD9E-6734-4F85-9FDF-CF78FD0C8E71}" type="presParOf" srcId="{50FB19EC-25B1-45B0-A3C1-3258946D7F2A}" destId="{725B8A8A-1836-4062-9BAF-1B67F29E354C}" srcOrd="1" destOrd="0" presId="urn:microsoft.com/office/officeart/2005/8/layout/vList6"/>
+    <dgm:cxn modelId="{F57A7FDE-D43B-449D-8F46-2FE41AB03393}" type="presParOf" srcId="{0B5BC505-A9C7-4342-8340-AE2BD348EA13}" destId="{1BFE5378-C529-4285-A7CA-7CF6CF2E154C}" srcOrd="3" destOrd="0" presId="urn:microsoft.com/office/officeart/2005/8/layout/vList6"/>
+    <dgm:cxn modelId="{3FE72AC3-9179-4E4F-976E-CBB85C99D932}" type="presParOf" srcId="{0B5BC505-A9C7-4342-8340-AE2BD348EA13}" destId="{8A386499-FEFB-419E-B30B-5E2613A46AF1}" srcOrd="4" destOrd="0" presId="urn:microsoft.com/office/officeart/2005/8/layout/vList6"/>
+    <dgm:cxn modelId="{6515B55F-0298-4B90-B5E7-9BCE196499BE}" type="presParOf" srcId="{8A386499-FEFB-419E-B30B-5E2613A46AF1}" destId="{4F8AA02C-712B-47CD-A9F1-79C631E4A633}" srcOrd="0" destOrd="0" presId="urn:microsoft.com/office/officeart/2005/8/layout/vList6"/>
+    <dgm:cxn modelId="{B82105F9-30F3-4BD4-B55C-8C9559B91DF0}" type="presParOf" srcId="{8A386499-FEFB-419E-B30B-5E2613A46AF1}" destId="{656CCFFC-38D4-48CA-B9AD-3B38A11C3EB7}" srcOrd="1" destOrd="0" presId="urn:microsoft.com/office/officeart/2005/8/layout/vList6"/>
   </dgm:cxnLst>
   <dgm:bg/>
   <dgm:whole/>
@@ -10298,25 +11333,105 @@
       <dsp:cNvGrpSpPr/>
     </dsp:nvGrpSpPr>
     <dsp:grpSpPr/>
-    <dsp:sp modelId="{FCB9524D-CB0F-4217-B90D-EE0F5594532A}">
+    <dsp:sp modelId="{57091525-31DF-42C8-B702-27C64C8CBE78}">
       <dsp:nvSpPr>
         <dsp:cNvPr id="0" name=""/>
         <dsp:cNvSpPr/>
       </dsp:nvSpPr>
       <dsp:spPr>
-        <a:xfrm rot="10800000">
-          <a:off x="800014" y="341"/>
-          <a:ext cx="2853299" cy="325304"/>
+        <a:xfrm>
+          <a:off x="2623385" y="1280"/>
+          <a:ext cx="3935078" cy="1016220"/>
         </a:xfrm>
-        <a:prstGeom prst="homePlate">
-          <a:avLst/>
+        <a:prstGeom prst="rightArrow">
+          <a:avLst>
+            <a:gd name="adj1" fmla="val 75000"/>
+            <a:gd name="adj2" fmla="val 50000"/>
+          </a:avLst>
         </a:prstGeom>
         <a:solidFill>
-          <a:schemeClr val="accent2">
+          <a:schemeClr val="accent1">
+            <a:alpha val="90000"/>
+            <a:tint val="40000"/>
             <a:hueOff val="0"/>
             <a:satOff val="0"/>
             <a:lumOff val="0"/>
             <a:alphaOff val="0"/>
+          </a:schemeClr>
+        </a:solidFill>
+        <a:ln w="25400" cap="flat" cmpd="sng" algn="ctr">
+          <a:solidFill>
+            <a:schemeClr val="accent1">
+              <a:alpha val="90000"/>
+              <a:tint val="40000"/>
+              <a:hueOff val="0"/>
+              <a:satOff val="0"/>
+              <a:lumOff val="0"/>
+              <a:alphaOff val="0"/>
+            </a:schemeClr>
+          </a:solidFill>
+          <a:prstDash val="solid"/>
+        </a:ln>
+        <a:effectLst/>
+      </dsp:spPr>
+      <dsp:style>
+        <a:lnRef idx="2">
+          <a:scrgbClr r="0" g="0" b="0"/>
+        </a:lnRef>
+        <a:fillRef idx="1">
+          <a:scrgbClr r="0" g="0" b="0"/>
+        </a:fillRef>
+        <a:effectRef idx="0">
+          <a:scrgbClr r="0" g="0" b="0"/>
+        </a:effectRef>
+        <a:fontRef idx="minor"/>
+      </dsp:style>
+      <dsp:txBody>
+        <a:bodyPr spcFirstLastPara="0" vert="horz" wrap="square" lIns="8255" tIns="8255" rIns="8255" bIns="8255" numCol="1" spcCol="1270" anchor="t" anchorCtr="0">
+          <a:noAutofit/>
+        </a:bodyPr>
+        <a:lstStyle/>
+        <a:p>
+          <a:pPr marL="114300" lvl="1" indent="-114300" algn="just" defTabSz="577850">
+            <a:lnSpc>
+              <a:spcPct val="90000"/>
+            </a:lnSpc>
+            <a:spcBef>
+              <a:spcPct val="0"/>
+            </a:spcBef>
+            <a:spcAft>
+              <a:spcPct val="15000"/>
+            </a:spcAft>
+            <a:buFontTx/>
+            <a:buNone/>
+          </a:pPr>
+          <a:r>
+            <a:rPr lang="en-US" sz="1300" kern="1200" dirty="0"/>
+            <a:t>	Firm lacking fund effectively barred from the industry which require huge capital to enter. For example, Automobile Industry.</a:t>
+          </a:r>
+        </a:p>
+      </dsp:txBody>
+      <dsp:txXfrm>
+        <a:off x="2623385" y="128308"/>
+        <a:ext cx="3553996" cy="762165"/>
+      </dsp:txXfrm>
+    </dsp:sp>
+    <dsp:sp modelId="{835984CA-0C6E-4A2C-A1AF-7FC558C7F7E2}">
+      <dsp:nvSpPr>
+        <dsp:cNvPr id="0" name=""/>
+        <dsp:cNvSpPr/>
+      </dsp:nvSpPr>
+      <dsp:spPr>
+        <a:xfrm>
+          <a:off x="0" y="1280"/>
+          <a:ext cx="2623385" cy="1016220"/>
+        </a:xfrm>
+        <a:prstGeom prst="roundRect">
+          <a:avLst/>
+        </a:prstGeom>
+        <a:solidFill>
+          <a:schemeClr val="tx2">
+            <a:lumMod val="50000"/>
           </a:schemeClr>
         </a:solidFill>
         <a:ln w="38100" cap="flat" cmpd="sng" algn="ctr">
@@ -10353,12 +11468,12 @@
         </a:fontRef>
       </dsp:style>
       <dsp:txBody>
-        <a:bodyPr spcFirstLastPara="0" vert="horz" wrap="square" lIns="143450" tIns="49530" rIns="92456" bIns="49530" numCol="1" spcCol="1270" anchor="ctr" anchorCtr="0">
+        <a:bodyPr spcFirstLastPara="0" vert="horz" wrap="square" lIns="76200" tIns="38100" rIns="76200" bIns="38100" numCol="1" spcCol="1270" anchor="ctr" anchorCtr="0">
           <a:noAutofit/>
         </a:bodyPr>
         <a:lstStyle/>
         <a:p>
-          <a:pPr marL="0" lvl="0" indent="0" algn="ctr" defTabSz="577850">
+          <a:pPr marL="0" lvl="0" indent="0" algn="ctr" defTabSz="889000">
             <a:lnSpc>
               <a:spcPct val="90000"/>
             </a:lnSpc>
@@ -10371,39 +11486,47 @@
             <a:buNone/>
           </a:pPr>
           <a:r>
-            <a:rPr lang="en-US" sz="1300" kern="1200" dirty="0"/>
+            <a:rPr lang="en-US" sz="2000" b="1" kern="1200" dirty="0"/>
             <a:t>Capital Requirement.</a:t>
           </a:r>
         </a:p>
       </dsp:txBody>
-      <dsp:txXfrm rot="10800000">
-        <a:off x="881340" y="341"/>
-        <a:ext cx="2771973" cy="325304"/>
+      <dsp:txXfrm>
+        <a:off x="49608" y="50888"/>
+        <a:ext cx="2524169" cy="917004"/>
       </dsp:txXfrm>
     </dsp:sp>
-    <dsp:sp modelId="{2A7B1BB9-B3F2-498E-9B90-3CEE6498E8B5}">
+    <dsp:sp modelId="{725B8A8A-1836-4062-9BAF-1B67F29E354C}">
       <dsp:nvSpPr>
         <dsp:cNvPr id="0" name=""/>
         <dsp:cNvSpPr/>
       </dsp:nvSpPr>
       <dsp:spPr>
         <a:xfrm>
-          <a:off x="637362" y="341"/>
-          <a:ext cx="325304" cy="325304"/>
+          <a:off x="2623385" y="1119122"/>
+          <a:ext cx="3935078" cy="1016220"/>
         </a:xfrm>
-        <a:prstGeom prst="ellipse">
-          <a:avLst/>
+        <a:prstGeom prst="rightArrow">
+          <a:avLst>
+            <a:gd name="adj1" fmla="val 75000"/>
+            <a:gd name="adj2" fmla="val 50000"/>
+          </a:avLst>
         </a:prstGeom>
-        <a:blipFill>
-          <a:blip xmlns:r="http://schemas.openxmlformats.org/officeDocument/2006/relationships" r:embed="rId1"/>
-          <a:srcRect/>
-          <a:stretch>
-            <a:fillRect l="-7000" r="-7000"/>
-          </a:stretch>
-        </a:blipFill>
-        <a:ln w="38100" cap="flat" cmpd="sng" algn="ctr">
+        <a:solidFill>
+          <a:schemeClr val="accent1">
+            <a:alpha val="90000"/>
+            <a:tint val="40000"/>
+            <a:hueOff val="0"/>
+            <a:satOff val="0"/>
+            <a:lumOff val="0"/>
+            <a:alphaOff val="0"/>
+          </a:schemeClr>
+        </a:solidFill>
+        <a:ln w="25400" cap="flat" cmpd="sng" algn="ctr">
           <a:solidFill>
-            <a:schemeClr val="lt1">
+            <a:schemeClr val="accent1">
+              <a:alpha val="90000"/>
+              <a:tint val="40000"/>
               <a:hueOff val="0"/>
               <a:satOff val="0"/>
               <a:lumOff val="0"/>
@@ -10412,46 +11535,65 @@
           </a:solidFill>
           <a:prstDash val="solid"/>
         </a:ln>
-        <a:effectLst>
-          <a:outerShdw blurRad="40000" dist="20000" dir="5400000" rotWithShape="0">
-            <a:srgbClr val="000000">
-              <a:alpha val="38000"/>
-            </a:srgbClr>
-          </a:outerShdw>
-        </a:effectLst>
+        <a:effectLst/>
       </dsp:spPr>
       <dsp:style>
-        <a:lnRef idx="3">
+        <a:lnRef idx="2">
           <a:scrgbClr r="0" g="0" b="0"/>
         </a:lnRef>
         <a:fillRef idx="1">
           <a:scrgbClr r="0" g="0" b="0"/>
         </a:fillRef>
-        <a:effectRef idx="1">
+        <a:effectRef idx="0">
           <a:scrgbClr r="0" g="0" b="0"/>
         </a:effectRef>
         <a:fontRef idx="minor"/>
       </dsp:style>
+      <dsp:txBody>
+        <a:bodyPr spcFirstLastPara="0" vert="horz" wrap="square" lIns="6985" tIns="6985" rIns="6985" bIns="6985" numCol="1" spcCol="1270" anchor="t" anchorCtr="0">
+          <a:noAutofit/>
+        </a:bodyPr>
+        <a:lstStyle/>
+        <a:p>
+          <a:pPr marL="57150" lvl="1" indent="-57150" algn="just" defTabSz="488950">
+            <a:lnSpc>
+              <a:spcPct val="90000"/>
+            </a:lnSpc>
+            <a:spcBef>
+              <a:spcPct val="0"/>
+            </a:spcBef>
+            <a:spcAft>
+              <a:spcPct val="15000"/>
+            </a:spcAft>
+            <a:buNone/>
+          </a:pPr>
+          <a:r>
+            <a:rPr lang="en-US" sz="1100" kern="1200" dirty="0"/>
+            <a:t>	EOS means decline in per unit cost of production due to huge production of goods. New entrant having higher per unit cost bared from entering the industry.</a:t>
+          </a:r>
+        </a:p>
+      </dsp:txBody>
+      <dsp:txXfrm>
+        <a:off x="2623385" y="1246150"/>
+        <a:ext cx="3553996" cy="762165"/>
+      </dsp:txXfrm>
     </dsp:sp>
-    <dsp:sp modelId="{867E0C81-4C02-4373-AAF9-1CCB461A16A2}">
+    <dsp:sp modelId="{22DDD3E9-96BB-4665-B5E0-2785AFC1DB6A}">
       <dsp:nvSpPr>
         <dsp:cNvPr id="0" name=""/>
         <dsp:cNvSpPr/>
       </dsp:nvSpPr>
       <dsp:spPr>
-        <a:xfrm rot="10800000">
-          <a:off x="800014" y="422752"/>
-          <a:ext cx="2853299" cy="325304"/>
+        <a:xfrm>
+          <a:off x="0" y="1119122"/>
+          <a:ext cx="2623385" cy="1016220"/>
         </a:xfrm>
-        <a:prstGeom prst="homePlate">
+        <a:prstGeom prst="roundRect">
           <a:avLst/>
         </a:prstGeom>
         <a:solidFill>
-          <a:schemeClr val="accent2">
-            <a:hueOff val="780253"/>
-            <a:satOff val="-973"/>
-            <a:lumOff val="229"/>
-            <a:alphaOff val="0"/>
+          <a:schemeClr val="tx2">
+            <a:lumMod val="50000"/>
           </a:schemeClr>
         </a:solidFill>
         <a:ln w="38100" cap="flat" cmpd="sng" algn="ctr">
@@ -10488,12 +11630,12 @@
         </a:fontRef>
       </dsp:style>
       <dsp:txBody>
-        <a:bodyPr spcFirstLastPara="0" vert="horz" wrap="square" lIns="143450" tIns="49530" rIns="92456" bIns="49530" numCol="1" spcCol="1270" anchor="ctr" anchorCtr="0">
+        <a:bodyPr spcFirstLastPara="0" vert="horz" wrap="square" lIns="76200" tIns="38100" rIns="76200" bIns="38100" numCol="1" spcCol="1270" anchor="ctr" anchorCtr="0">
           <a:noAutofit/>
         </a:bodyPr>
         <a:lstStyle/>
         <a:p>
-          <a:pPr marL="0" lvl="0" indent="0" algn="ctr" defTabSz="577850">
+          <a:pPr marL="0" lvl="0" indent="0" algn="ctr" defTabSz="889000">
             <a:lnSpc>
               <a:spcPct val="90000"/>
             </a:lnSpc>
@@ -10506,45 +11648,47 @@
             <a:buNone/>
           </a:pPr>
           <a:r>
-            <a:rPr lang="en-US" sz="1300" kern="1200" dirty="0"/>
+            <a:rPr lang="en-US" sz="2000" b="1" kern="1200" dirty="0"/>
             <a:t>Economies of Scale.</a:t>
           </a:r>
         </a:p>
       </dsp:txBody>
-      <dsp:txXfrm rot="10800000">
-        <a:off x="881340" y="422752"/>
-        <a:ext cx="2771973" cy="325304"/>
+      <dsp:txXfrm>
+        <a:off x="49608" y="1168730"/>
+        <a:ext cx="2524169" cy="917004"/>
       </dsp:txXfrm>
     </dsp:sp>
-    <dsp:sp modelId="{B5950770-C71F-4A08-993C-2471C53B76CD}">
+    <dsp:sp modelId="{656CCFFC-38D4-48CA-B9AD-3B38A11C3EB7}">
       <dsp:nvSpPr>
         <dsp:cNvPr id="0" name=""/>
         <dsp:cNvSpPr/>
       </dsp:nvSpPr>
       <dsp:spPr>
         <a:xfrm>
-          <a:off x="637362" y="422752"/>
-          <a:ext cx="325304" cy="325304"/>
+          <a:off x="2623385" y="2236965"/>
+          <a:ext cx="3935078" cy="1016220"/>
         </a:xfrm>
-        <a:prstGeom prst="ellipse">
-          <a:avLst/>
+        <a:prstGeom prst="rightArrow">
+          <a:avLst>
+            <a:gd name="adj1" fmla="val 75000"/>
+            <a:gd name="adj2" fmla="val 50000"/>
+          </a:avLst>
         </a:prstGeom>
-        <a:blipFill>
-          <a:blip xmlns:r="http://schemas.openxmlformats.org/officeDocument/2006/relationships" r:embed="rId2" cstate="print">
-            <a:extLst>
-              <a:ext uri="{28A0092B-C50C-407E-A947-70E740481C1C}">
-                <a14:useLocalDpi xmlns:a14="http://schemas.microsoft.com/office/drawing/2010/main" val="0"/>
-              </a:ext>
-            </a:extLst>
-          </a:blip>
-          <a:srcRect/>
-          <a:stretch>
-            <a:fillRect l="-23000" r="-23000"/>
-          </a:stretch>
-        </a:blipFill>
-        <a:ln w="38100" cap="flat" cmpd="sng" algn="ctr">
+        <a:solidFill>
+          <a:schemeClr val="accent1">
+            <a:alpha val="90000"/>
+            <a:tint val="40000"/>
+            <a:hueOff val="0"/>
+            <a:satOff val="0"/>
+            <a:lumOff val="0"/>
+            <a:alphaOff val="0"/>
+          </a:schemeClr>
+        </a:solidFill>
+        <a:ln w="25400" cap="flat" cmpd="sng" algn="ctr">
           <a:solidFill>
-            <a:schemeClr val="lt1">
+            <a:schemeClr val="accent1">
+              <a:alpha val="90000"/>
+              <a:tint val="40000"/>
               <a:hueOff val="0"/>
               <a:satOff val="0"/>
               <a:lumOff val="0"/>
@@ -10553,46 +11697,65 @@
           </a:solidFill>
           <a:prstDash val="solid"/>
         </a:ln>
-        <a:effectLst>
-          <a:outerShdw blurRad="40000" dist="20000" dir="5400000" rotWithShape="0">
-            <a:srgbClr val="000000">
-              <a:alpha val="38000"/>
-            </a:srgbClr>
-          </a:outerShdw>
-        </a:effectLst>
+        <a:effectLst/>
       </dsp:spPr>
       <dsp:style>
-        <a:lnRef idx="3">
+        <a:lnRef idx="2">
           <a:scrgbClr r="0" g="0" b="0"/>
         </a:lnRef>
         <a:fillRef idx="1">
           <a:scrgbClr r="0" g="0" b="0"/>
         </a:fillRef>
-        <a:effectRef idx="1">
+        <a:effectRef idx="0">
           <a:scrgbClr r="0" g="0" b="0"/>
         </a:effectRef>
         <a:fontRef idx="minor"/>
       </dsp:style>
+      <dsp:txBody>
+        <a:bodyPr spcFirstLastPara="0" vert="horz" wrap="square" lIns="6985" tIns="6985" rIns="6985" bIns="6985" numCol="1" spcCol="1270" anchor="t" anchorCtr="0">
+          <a:noAutofit/>
+        </a:bodyPr>
+        <a:lstStyle/>
+        <a:p>
+          <a:pPr marL="57150" lvl="1" indent="-57150" algn="just" defTabSz="488950">
+            <a:lnSpc>
+              <a:spcPct val="90000"/>
+            </a:lnSpc>
+            <a:spcBef>
+              <a:spcPct val="0"/>
+            </a:spcBef>
+            <a:spcAft>
+              <a:spcPct val="15000"/>
+            </a:spcAft>
+            <a:buNone/>
+          </a:pPr>
+          <a:r>
+            <a:rPr lang="en-US" sz="1100" kern="1200" dirty="0"/>
+            <a:t>	Product differentiation is the physical or perceptual difference or enhancement that make product unique in the eyes of the customers. Generally, cost of producing differentiated product is high for new entrants.</a:t>
+          </a:r>
+        </a:p>
+      </dsp:txBody>
+      <dsp:txXfrm>
+        <a:off x="2623385" y="2363993"/>
+        <a:ext cx="3553996" cy="762165"/>
+      </dsp:txXfrm>
     </dsp:sp>
-    <dsp:sp modelId="{5B387760-1C91-48BC-B267-D1F9AD2207C0}">
+    <dsp:sp modelId="{4F8AA02C-712B-47CD-A9F1-79C631E4A633}">
       <dsp:nvSpPr>
         <dsp:cNvPr id="0" name=""/>
         <dsp:cNvSpPr/>
       </dsp:nvSpPr>
       <dsp:spPr>
-        <a:xfrm rot="10800000">
-          <a:off x="800014" y="845163"/>
-          <a:ext cx="2853299" cy="325304"/>
+        <a:xfrm>
+          <a:off x="0" y="2236965"/>
+          <a:ext cx="2623385" cy="1016220"/>
         </a:xfrm>
-        <a:prstGeom prst="homePlate">
+        <a:prstGeom prst="roundRect">
           <a:avLst/>
         </a:prstGeom>
         <a:solidFill>
-          <a:schemeClr val="accent2">
-            <a:hueOff val="1560506"/>
-            <a:satOff val="-1946"/>
-            <a:lumOff val="458"/>
-            <a:alphaOff val="0"/>
+          <a:schemeClr val="tx2">
+            <a:lumMod val="50000"/>
           </a:schemeClr>
         </a:solidFill>
         <a:ln w="38100" cap="flat" cmpd="sng" algn="ctr">
@@ -10629,12 +11792,12 @@
         </a:fontRef>
       </dsp:style>
       <dsp:txBody>
-        <a:bodyPr spcFirstLastPara="0" vert="horz" wrap="square" lIns="143450" tIns="49530" rIns="92456" bIns="49530" numCol="1" spcCol="1270" anchor="ctr" anchorCtr="0">
+        <a:bodyPr spcFirstLastPara="0" vert="horz" wrap="square" lIns="76200" tIns="38100" rIns="76200" bIns="38100" numCol="1" spcCol="1270" anchor="ctr" anchorCtr="0">
           <a:noAutofit/>
         </a:bodyPr>
         <a:lstStyle/>
         <a:p>
-          <a:pPr marL="0" lvl="0" indent="0" algn="ctr" defTabSz="577850">
+          <a:pPr marL="0" lvl="0" indent="0" algn="ctr" defTabSz="889000">
             <a:lnSpc>
               <a:spcPct val="90000"/>
             </a:lnSpc>
@@ -10647,45 +11810,40 @@
             <a:buNone/>
           </a:pPr>
           <a:r>
-            <a:rPr lang="en-US" sz="1300" kern="1200" dirty="0"/>
+            <a:rPr lang="en-US" sz="2000" b="1" kern="1200" dirty="0"/>
             <a:t>Product Differentiation.</a:t>
           </a:r>
         </a:p>
       </dsp:txBody>
-      <dsp:txXfrm rot="10800000">
-        <a:off x="881340" y="845163"/>
-        <a:ext cx="2771973" cy="325304"/>
+      <dsp:txXfrm>
+        <a:off x="49608" y="2286573"/>
+        <a:ext cx="2524169" cy="917004"/>
       </dsp:txXfrm>
     </dsp:sp>
-    <dsp:sp modelId="{57C78D20-E6D9-4940-96CE-48BB21BB6D83}">
+    <dsp:sp modelId="{004895FA-F9E7-41FB-BC29-8E5DAB74E152}">
       <dsp:nvSpPr>
         <dsp:cNvPr id="0" name=""/>
         <dsp:cNvSpPr/>
       </dsp:nvSpPr>
       <dsp:spPr>
         <a:xfrm>
-          <a:off x="637362" y="845163"/>
-          <a:ext cx="325304" cy="325304"/>
+          <a:off x="2623385" y="3354807"/>
+          <a:ext cx="3935078" cy="1016220"/>
         </a:xfrm>
-        <a:prstGeom prst="ellipse">
-          <a:avLst/>
+        <a:prstGeom prst="rightArrow">
+          <a:avLst>
+            <a:gd name="adj1" fmla="val 75000"/>
+            <a:gd name="adj2" fmla="val 50000"/>
+          </a:avLst>
         </a:prstGeom>
-        <a:blipFill>
-          <a:blip xmlns:r="http://schemas.openxmlformats.org/officeDocument/2006/relationships" r:embed="rId3">
-            <a:extLst>
-              <a:ext uri="{28A0092B-C50C-407E-A947-70E740481C1C}">
-                <a14:useLocalDpi xmlns:a14="http://schemas.microsoft.com/office/drawing/2010/main" val="0"/>
-              </a:ext>
-            </a:extLst>
-          </a:blip>
-          <a:srcRect/>
-          <a:stretch>
-            <a:fillRect l="-40000" r="-40000"/>
-          </a:stretch>
-        </a:blipFill>
-        <a:ln w="38100" cap="flat" cmpd="sng" algn="ctr">
+        <a:solidFill>
+          <a:srgbClr val="95B3D7"/>
+        </a:solidFill>
+        <a:ln w="25400" cap="flat" cmpd="sng" algn="ctr">
           <a:solidFill>
-            <a:schemeClr val="lt1">
+            <a:schemeClr val="accent1">
+              <a:alpha val="90000"/>
+              <a:tint val="40000"/>
               <a:hueOff val="0"/>
               <a:satOff val="0"/>
               <a:lumOff val="0"/>
@@ -10694,46 +11852,62 @@
           </a:solidFill>
           <a:prstDash val="solid"/>
         </a:ln>
-        <a:effectLst>
-          <a:outerShdw blurRad="40000" dist="20000" dir="5400000" rotWithShape="0">
-            <a:srgbClr val="000000">
-              <a:alpha val="38000"/>
-            </a:srgbClr>
-          </a:outerShdw>
-        </a:effectLst>
+        <a:effectLst/>
       </dsp:spPr>
       <dsp:style>
-        <a:lnRef idx="3">
+        <a:lnRef idx="2">
           <a:scrgbClr r="0" g="0" b="0"/>
         </a:lnRef>
         <a:fillRef idx="1">
           <a:scrgbClr r="0" g="0" b="0"/>
         </a:fillRef>
-        <a:effectRef idx="1">
+        <a:effectRef idx="0">
           <a:scrgbClr r="0" g="0" b="0"/>
         </a:effectRef>
         <a:fontRef idx="minor"/>
       </dsp:style>
+      <dsp:txBody>
+        <a:bodyPr spcFirstLastPara="0" vert="horz" wrap="square" lIns="6985" tIns="6985" rIns="6985" bIns="6985" numCol="1" spcCol="1270" anchor="t" anchorCtr="0">
+          <a:noAutofit/>
+        </a:bodyPr>
+        <a:lstStyle/>
+        <a:p>
+          <a:pPr marL="57150" lvl="1" indent="-57150" algn="ctr" defTabSz="488950">
+            <a:lnSpc>
+              <a:spcPct val="90000"/>
+            </a:lnSpc>
+            <a:spcBef>
+              <a:spcPct val="0"/>
+            </a:spcBef>
+            <a:spcAft>
+              <a:spcPct val="15000"/>
+            </a:spcAft>
+            <a:buNone/>
+          </a:pPr>
+          <a:endParaRPr lang="en-US" sz="1100" b="1" kern="1200" dirty="0"/>
+        </a:p>
+      </dsp:txBody>
+      <dsp:txXfrm>
+        <a:off x="2623385" y="3481835"/>
+        <a:ext cx="3553996" cy="762165"/>
+      </dsp:txXfrm>
     </dsp:sp>
-    <dsp:sp modelId="{D97F5191-D5EC-4334-BFB7-80BAB2E341E4}">
+    <dsp:sp modelId="{B4E50A43-0F26-4A5B-8C00-A40E3E51D8A8}">
       <dsp:nvSpPr>
         <dsp:cNvPr id="0" name=""/>
         <dsp:cNvSpPr/>
       </dsp:nvSpPr>
       <dsp:spPr>
-        <a:xfrm rot="10800000">
-          <a:off x="800014" y="1267573"/>
-          <a:ext cx="2853299" cy="325304"/>
+        <a:xfrm>
+          <a:off x="0" y="3354807"/>
+          <a:ext cx="2623385" cy="1016220"/>
         </a:xfrm>
-        <a:prstGeom prst="homePlate">
+        <a:prstGeom prst="roundRect">
           <a:avLst/>
         </a:prstGeom>
         <a:solidFill>
-          <a:schemeClr val="accent2">
-            <a:hueOff val="2340759"/>
-            <a:satOff val="-2919"/>
-            <a:lumOff val="686"/>
-            <a:alphaOff val="0"/>
+          <a:schemeClr val="tx2">
+            <a:lumMod val="50000"/>
           </a:schemeClr>
         </a:solidFill>
         <a:ln w="38100" cap="flat" cmpd="sng" algn="ctr">
@@ -10770,12 +11944,12 @@
         </a:fontRef>
       </dsp:style>
       <dsp:txBody>
-        <a:bodyPr spcFirstLastPara="0" vert="horz" wrap="square" lIns="143450" tIns="49530" rIns="92456" bIns="49530" numCol="1" spcCol="1270" anchor="ctr" anchorCtr="0">
+        <a:bodyPr spcFirstLastPara="0" vert="horz" wrap="square" lIns="76200" tIns="38100" rIns="76200" bIns="38100" numCol="1" spcCol="1270" anchor="ctr" anchorCtr="0">
           <a:noAutofit/>
         </a:bodyPr>
         <a:lstStyle/>
         <a:p>
-          <a:pPr marL="0" lvl="0" indent="0" algn="ctr" defTabSz="577850">
+          <a:pPr marL="0" lvl="0" indent="0" algn="ctr" defTabSz="889000">
             <a:lnSpc>
               <a:spcPct val="90000"/>
             </a:lnSpc>
@@ -10788,39 +11962,59 @@
             <a:buNone/>
           </a:pPr>
           <a:r>
-            <a:rPr lang="en-US" sz="1300" kern="1200" dirty="0"/>
-            <a:t>Brand Identity.</a:t>
+            <a:rPr lang="en-US" sz="2000" b="1" kern="1200" dirty="0"/>
+            <a:t>Possibility of Aggressive Retaliation.</a:t>
           </a:r>
         </a:p>
       </dsp:txBody>
-      <dsp:txXfrm rot="10800000">
-        <a:off x="881340" y="1267573"/>
-        <a:ext cx="2771973" cy="325304"/>
+      <dsp:txXfrm>
+        <a:off x="49608" y="3404415"/>
+        <a:ext cx="2524169" cy="917004"/>
       </dsp:txXfrm>
     </dsp:sp>
-    <dsp:sp modelId="{540C2DCD-91E3-4AAB-80FB-113F15E8C29E}">
+  </dsp:spTree>
+</dsp:drawing>
+</file>
+
+<file path=ppt/diagrams/drawing6.xml><?xml version="1.0" encoding="utf-8"?>
+<dsp:drawing xmlns:dgm="http://schemas.openxmlformats.org/drawingml/2006/diagram" xmlns:dsp="http://schemas.microsoft.com/office/drawing/2008/diagram" xmlns:a="http://schemas.openxmlformats.org/drawingml/2006/main">
+  <dsp:spTree>
+    <dsp:nvGrpSpPr>
+      <dsp:cNvPr id="0" name=""/>
+      <dsp:cNvGrpSpPr/>
+    </dsp:nvGrpSpPr>
+    <dsp:grpSpPr/>
+    <dsp:sp modelId="{57091525-31DF-42C8-B702-27C64C8CBE78}">
       <dsp:nvSpPr>
         <dsp:cNvPr id="0" name=""/>
         <dsp:cNvSpPr/>
       </dsp:nvSpPr>
       <dsp:spPr>
         <a:xfrm>
-          <a:off x="637362" y="1267573"/>
-          <a:ext cx="325304" cy="325304"/>
+          <a:off x="2743533" y="0"/>
+          <a:ext cx="4115300" cy="1428923"/>
         </a:xfrm>
-        <a:prstGeom prst="ellipse">
-          <a:avLst/>
+        <a:prstGeom prst="rightArrow">
+          <a:avLst>
+            <a:gd name="adj1" fmla="val 75000"/>
+            <a:gd name="adj2" fmla="val 50000"/>
+          </a:avLst>
         </a:prstGeom>
-        <a:blipFill>
-          <a:blip xmlns:r="http://schemas.openxmlformats.org/officeDocument/2006/relationships" r:embed="rId4"/>
-          <a:srcRect/>
-          <a:stretch>
-            <a:fillRect l="-46000" r="-46000"/>
-          </a:stretch>
-        </a:blipFill>
-        <a:ln w="38100" cap="flat" cmpd="sng" algn="ctr">
+        <a:solidFill>
+          <a:schemeClr val="accent1">
+            <a:alpha val="90000"/>
+            <a:tint val="40000"/>
+            <a:hueOff val="0"/>
+            <a:satOff val="0"/>
+            <a:lumOff val="0"/>
+            <a:alphaOff val="0"/>
+          </a:schemeClr>
+        </a:solidFill>
+        <a:ln w="25400" cap="flat" cmpd="sng" algn="ctr">
           <a:solidFill>
-            <a:schemeClr val="lt1">
+            <a:schemeClr val="accent1">
+              <a:alpha val="90000"/>
+              <a:tint val="40000"/>
               <a:hueOff val="0"/>
               <a:satOff val="0"/>
               <a:lumOff val="0"/>
@@ -10829,46 +12023,66 @@
           </a:solidFill>
           <a:prstDash val="solid"/>
         </a:ln>
-        <a:effectLst>
-          <a:outerShdw blurRad="40000" dist="20000" dir="5400000" rotWithShape="0">
-            <a:srgbClr val="000000">
-              <a:alpha val="38000"/>
-            </a:srgbClr>
-          </a:outerShdw>
-        </a:effectLst>
+        <a:effectLst/>
       </dsp:spPr>
       <dsp:style>
-        <a:lnRef idx="3">
+        <a:lnRef idx="2">
           <a:scrgbClr r="0" g="0" b="0"/>
         </a:lnRef>
         <a:fillRef idx="1">
           <a:scrgbClr r="0" g="0" b="0"/>
         </a:fillRef>
-        <a:effectRef idx="1">
+        <a:effectRef idx="0">
           <a:scrgbClr r="0" g="0" b="0"/>
         </a:effectRef>
         <a:fontRef idx="minor"/>
       </dsp:style>
+      <dsp:txBody>
+        <a:bodyPr spcFirstLastPara="0" vert="horz" wrap="square" lIns="8255" tIns="8255" rIns="8255" bIns="8255" numCol="1" spcCol="1270" anchor="t" anchorCtr="0">
+          <a:noAutofit/>
+        </a:bodyPr>
+        <a:lstStyle/>
+        <a:p>
+          <a:pPr marL="114300" lvl="1" indent="-114300" algn="just" defTabSz="577850">
+            <a:lnSpc>
+              <a:spcPct val="90000"/>
+            </a:lnSpc>
+            <a:spcBef>
+              <a:spcPct val="0"/>
+            </a:spcBef>
+            <a:spcAft>
+              <a:spcPct val="15000"/>
+            </a:spcAft>
+            <a:buFontTx/>
+            <a:buNone/>
+          </a:pPr>
+          <a:r>
+            <a:rPr lang="en-US" sz="1300" kern="1200" dirty="0"/>
+            <a:t>	Brand identity is particularly important for frequent purchase that carry a higher per unit cost for the customers. New entrants face significant difficulties in building brand identity because for that they have to commit substantial resources for a longer period of time.</a:t>
+          </a:r>
+        </a:p>
+      </dsp:txBody>
+      <dsp:txXfrm>
+        <a:off x="2743533" y="178615"/>
+        <a:ext cx="3579454" cy="1071693"/>
+      </dsp:txXfrm>
     </dsp:sp>
-    <dsp:sp modelId="{250AE124-7761-4BE0-878F-1A0FB3F7ED93}">
+    <dsp:sp modelId="{835984CA-0C6E-4A2C-A1AF-7FC558C7F7E2}">
       <dsp:nvSpPr>
         <dsp:cNvPr id="0" name=""/>
         <dsp:cNvSpPr/>
       </dsp:nvSpPr>
       <dsp:spPr>
-        <a:xfrm rot="10800000">
-          <a:off x="800014" y="1689984"/>
-          <a:ext cx="2853299" cy="325304"/>
+        <a:xfrm>
+          <a:off x="0" y="0"/>
+          <a:ext cx="2743533" cy="1428923"/>
         </a:xfrm>
-        <a:prstGeom prst="homePlate">
+        <a:prstGeom prst="roundRect">
           <a:avLst/>
         </a:prstGeom>
         <a:solidFill>
-          <a:schemeClr val="accent2">
-            <a:hueOff val="3121013"/>
-            <a:satOff val="-3893"/>
-            <a:lumOff val="915"/>
-            <a:alphaOff val="0"/>
+          <a:schemeClr val="tx2">
+            <a:lumMod val="50000"/>
           </a:schemeClr>
         </a:solidFill>
         <a:ln w="38100" cap="flat" cmpd="sng" algn="ctr">
@@ -10905,12 +12119,12 @@
         </a:fontRef>
       </dsp:style>
       <dsp:txBody>
-        <a:bodyPr spcFirstLastPara="0" vert="horz" wrap="square" lIns="143450" tIns="49530" rIns="92456" bIns="49530" numCol="1" spcCol="1270" anchor="ctr" anchorCtr="0">
+        <a:bodyPr spcFirstLastPara="0" vert="horz" wrap="square" lIns="106680" tIns="53340" rIns="106680" bIns="53340" numCol="1" spcCol="1270" anchor="ctr" anchorCtr="0">
           <a:noAutofit/>
         </a:bodyPr>
         <a:lstStyle/>
         <a:p>
-          <a:pPr marL="0" lvl="0" indent="0" algn="ctr" defTabSz="577850">
+          <a:pPr marL="0" lvl="0" indent="0" algn="ctr" defTabSz="1244600">
             <a:lnSpc>
               <a:spcPct val="90000"/>
             </a:lnSpc>
@@ -10923,39 +12137,47 @@
             <a:buNone/>
           </a:pPr>
           <a:r>
-            <a:rPr lang="en-US" sz="1300" kern="1200" dirty="0"/>
-            <a:t>Switching Cost.</a:t>
+            <a:rPr lang="en-US" sz="2800" b="1" kern="1200" dirty="0"/>
+            <a:t>Brand Identity.</a:t>
           </a:r>
         </a:p>
       </dsp:txBody>
-      <dsp:txXfrm rot="10800000">
-        <a:off x="881340" y="1689984"/>
-        <a:ext cx="2771973" cy="325304"/>
+      <dsp:txXfrm>
+        <a:off x="69754" y="69754"/>
+        <a:ext cx="2604025" cy="1289415"/>
       </dsp:txXfrm>
     </dsp:sp>
-    <dsp:sp modelId="{766B4B76-9AAF-4157-8CCF-E29079F9092F}">
+    <dsp:sp modelId="{725B8A8A-1836-4062-9BAF-1B67F29E354C}">
       <dsp:nvSpPr>
         <dsp:cNvPr id="0" name=""/>
         <dsp:cNvSpPr/>
       </dsp:nvSpPr>
       <dsp:spPr>
         <a:xfrm>
-          <a:off x="637362" y="1689984"/>
-          <a:ext cx="325304" cy="325304"/>
+          <a:off x="2743533" y="1571815"/>
+          <a:ext cx="4115300" cy="1428923"/>
         </a:xfrm>
-        <a:prstGeom prst="ellipse">
-          <a:avLst/>
+        <a:prstGeom prst="rightArrow">
+          <a:avLst>
+            <a:gd name="adj1" fmla="val 75000"/>
+            <a:gd name="adj2" fmla="val 50000"/>
+          </a:avLst>
         </a:prstGeom>
-        <a:blipFill>
-          <a:blip xmlns:r="http://schemas.openxmlformats.org/officeDocument/2006/relationships" r:embed="rId5"/>
-          <a:srcRect/>
-          <a:stretch>
-            <a:fillRect l="-53000" r="-53000"/>
-          </a:stretch>
-        </a:blipFill>
-        <a:ln w="38100" cap="flat" cmpd="sng" algn="ctr">
+        <a:solidFill>
+          <a:schemeClr val="accent1">
+            <a:alpha val="90000"/>
+            <a:tint val="40000"/>
+            <a:hueOff val="0"/>
+            <a:satOff val="0"/>
+            <a:lumOff val="0"/>
+            <a:alphaOff val="0"/>
+          </a:schemeClr>
+        </a:solidFill>
+        <a:ln w="25400" cap="flat" cmpd="sng" algn="ctr">
           <a:solidFill>
-            <a:schemeClr val="lt1">
+            <a:schemeClr val="accent1">
+              <a:alpha val="90000"/>
+              <a:tint val="40000"/>
               <a:hueOff val="0"/>
               <a:satOff val="0"/>
               <a:lumOff val="0"/>
@@ -10964,46 +12186,65 @@
           </a:solidFill>
           <a:prstDash val="solid"/>
         </a:ln>
-        <a:effectLst>
-          <a:outerShdw blurRad="40000" dist="20000" dir="5400000" rotWithShape="0">
-            <a:srgbClr val="000000">
-              <a:alpha val="38000"/>
-            </a:srgbClr>
-          </a:outerShdw>
-        </a:effectLst>
+        <a:effectLst/>
       </dsp:spPr>
       <dsp:style>
-        <a:lnRef idx="3">
+        <a:lnRef idx="2">
           <a:scrgbClr r="0" g="0" b="0"/>
         </a:lnRef>
         <a:fillRef idx="1">
           <a:scrgbClr r="0" g="0" b="0"/>
         </a:fillRef>
-        <a:effectRef idx="1">
+        <a:effectRef idx="0">
           <a:scrgbClr r="0" g="0" b="0"/>
         </a:effectRef>
         <a:fontRef idx="minor"/>
       </dsp:style>
+      <dsp:txBody>
+        <a:bodyPr spcFirstLastPara="0" vert="horz" wrap="square" lIns="7620" tIns="7620" rIns="7620" bIns="7620" numCol="1" spcCol="1270" anchor="t" anchorCtr="0">
+          <a:noAutofit/>
+        </a:bodyPr>
+        <a:lstStyle/>
+        <a:p>
+          <a:pPr marL="114300" lvl="1" indent="-114300" algn="just" defTabSz="533400">
+            <a:lnSpc>
+              <a:spcPct val="90000"/>
+            </a:lnSpc>
+            <a:spcBef>
+              <a:spcPct val="0"/>
+            </a:spcBef>
+            <a:spcAft>
+              <a:spcPct val="15000"/>
+            </a:spcAft>
+            <a:buNone/>
+          </a:pPr>
+          <a:r>
+            <a:rPr lang="en-US" sz="1200" kern="1200" dirty="0"/>
+            <a:t>	To make a switch buyer has to incur cost, make adjustments and which is known as switching cost. New entrant can succeed in industry by persuading to switch to its product. When switching cost high it make reluctant to the buyer to switch. For example, Microsoft Windows.</a:t>
+          </a:r>
+        </a:p>
+      </dsp:txBody>
+      <dsp:txXfrm>
+        <a:off x="2743533" y="1750430"/>
+        <a:ext cx="3579454" cy="1071693"/>
+      </dsp:txXfrm>
     </dsp:sp>
-    <dsp:sp modelId="{2961A4F6-FAD4-45F4-8BDD-790BB5505690}">
+    <dsp:sp modelId="{22DDD3E9-96BB-4665-B5E0-2785AFC1DB6A}">
       <dsp:nvSpPr>
         <dsp:cNvPr id="0" name=""/>
         <dsp:cNvSpPr/>
       </dsp:nvSpPr>
       <dsp:spPr>
-        <a:xfrm rot="10800000">
-          <a:off x="800014" y="2112394"/>
-          <a:ext cx="2853299" cy="325304"/>
+        <a:xfrm>
+          <a:off x="0" y="1571815"/>
+          <a:ext cx="2743533" cy="1428923"/>
         </a:xfrm>
-        <a:prstGeom prst="homePlate">
+        <a:prstGeom prst="roundRect">
           <a:avLst/>
         </a:prstGeom>
         <a:solidFill>
-          <a:schemeClr val="accent2">
-            <a:hueOff val="3901266"/>
-            <a:satOff val="-4866"/>
-            <a:lumOff val="1144"/>
-            <a:alphaOff val="0"/>
+          <a:schemeClr val="tx2">
+            <a:lumMod val="50000"/>
           </a:schemeClr>
         </a:solidFill>
         <a:ln w="38100" cap="flat" cmpd="sng" algn="ctr">
@@ -11040,12 +12281,12 @@
         </a:fontRef>
       </dsp:style>
       <dsp:txBody>
-        <a:bodyPr spcFirstLastPara="0" vert="horz" wrap="square" lIns="143450" tIns="49530" rIns="92456" bIns="49530" numCol="1" spcCol="1270" anchor="ctr" anchorCtr="0">
+        <a:bodyPr spcFirstLastPara="0" vert="horz" wrap="square" lIns="106680" tIns="53340" rIns="106680" bIns="53340" numCol="1" spcCol="1270" anchor="ctr" anchorCtr="0">
           <a:noAutofit/>
         </a:bodyPr>
         <a:lstStyle/>
         <a:p>
-          <a:pPr marL="0" lvl="0" indent="0" algn="ctr" defTabSz="577850">
+          <a:pPr marL="0" lvl="0" indent="0" algn="ctr" defTabSz="1244600">
             <a:lnSpc>
               <a:spcPct val="90000"/>
             </a:lnSpc>
@@ -11058,39 +12299,47 @@
             <a:buNone/>
           </a:pPr>
           <a:r>
-            <a:rPr lang="en-US" sz="1300" kern="1200" dirty="0"/>
-            <a:t>Possibility of Aggressive Retaliation.</a:t>
+            <a:rPr lang="en-US" sz="2800" b="1" kern="1200" dirty="0"/>
+            <a:t>Switching Cost.</a:t>
           </a:r>
         </a:p>
       </dsp:txBody>
-      <dsp:txXfrm rot="10800000">
-        <a:off x="881340" y="2112394"/>
-        <a:ext cx="2771973" cy="325304"/>
+      <dsp:txXfrm>
+        <a:off x="69754" y="1641569"/>
+        <a:ext cx="2604025" cy="1289415"/>
       </dsp:txXfrm>
     </dsp:sp>
-    <dsp:sp modelId="{898E8C1B-0E57-4BEB-B0BA-7B21AF01DD63}">
+    <dsp:sp modelId="{656CCFFC-38D4-48CA-B9AD-3B38A11C3EB7}">
       <dsp:nvSpPr>
         <dsp:cNvPr id="0" name=""/>
         <dsp:cNvSpPr/>
       </dsp:nvSpPr>
       <dsp:spPr>
         <a:xfrm>
-          <a:off x="637362" y="2112394"/>
-          <a:ext cx="325304" cy="325304"/>
+          <a:off x="2743533" y="3143630"/>
+          <a:ext cx="4115300" cy="1428923"/>
         </a:xfrm>
-        <a:prstGeom prst="ellipse">
-          <a:avLst/>
+        <a:prstGeom prst="rightArrow">
+          <a:avLst>
+            <a:gd name="adj1" fmla="val 75000"/>
+            <a:gd name="adj2" fmla="val 50000"/>
+          </a:avLst>
         </a:prstGeom>
-        <a:blipFill>
-          <a:blip xmlns:r="http://schemas.openxmlformats.org/officeDocument/2006/relationships" r:embed="rId6"/>
-          <a:srcRect/>
-          <a:stretch>
-            <a:fillRect/>
-          </a:stretch>
-        </a:blipFill>
-        <a:ln w="38100" cap="flat" cmpd="sng" algn="ctr">
+        <a:solidFill>
+          <a:schemeClr val="accent1">
+            <a:alpha val="90000"/>
+            <a:tint val="40000"/>
+            <a:hueOff val="0"/>
+            <a:satOff val="0"/>
+            <a:lumOff val="0"/>
+            <a:alphaOff val="0"/>
+          </a:schemeClr>
+        </a:solidFill>
+        <a:ln w="25400" cap="flat" cmpd="sng" algn="ctr">
           <a:solidFill>
-            <a:schemeClr val="lt1">
+            <a:schemeClr val="accent1">
+              <a:alpha val="90000"/>
+              <a:tint val="40000"/>
               <a:hueOff val="0"/>
               <a:satOff val="0"/>
               <a:lumOff val="0"/>
@@ -11099,46 +12348,65 @@
           </a:solidFill>
           <a:prstDash val="solid"/>
         </a:ln>
-        <a:effectLst>
-          <a:outerShdw blurRad="40000" dist="20000" dir="5400000" rotWithShape="0">
-            <a:srgbClr val="000000">
-              <a:alpha val="38000"/>
-            </a:srgbClr>
-          </a:outerShdw>
-        </a:effectLst>
+        <a:effectLst/>
       </dsp:spPr>
       <dsp:style>
-        <a:lnRef idx="3">
+        <a:lnRef idx="2">
           <a:scrgbClr r="0" g="0" b="0"/>
         </a:lnRef>
         <a:fillRef idx="1">
           <a:scrgbClr r="0" g="0" b="0"/>
         </a:fillRef>
-        <a:effectRef idx="1">
+        <a:effectRef idx="0">
           <a:scrgbClr r="0" g="0" b="0"/>
         </a:effectRef>
         <a:fontRef idx="minor"/>
       </dsp:style>
+      <dsp:txBody>
+        <a:bodyPr spcFirstLastPara="0" vert="horz" wrap="square" lIns="7620" tIns="7620" rIns="7620" bIns="7620" numCol="1" spcCol="1270" anchor="t" anchorCtr="0">
+          <a:noAutofit/>
+        </a:bodyPr>
+        <a:lstStyle/>
+        <a:p>
+          <a:pPr marL="114300" lvl="1" indent="-114300" algn="just" defTabSz="533400">
+            <a:lnSpc>
+              <a:spcPct val="90000"/>
+            </a:lnSpc>
+            <a:spcBef>
+              <a:spcPct val="0"/>
+            </a:spcBef>
+            <a:spcAft>
+              <a:spcPct val="15000"/>
+            </a:spcAft>
+            <a:buNone/>
+          </a:pPr>
+          <a:r>
+            <a:rPr lang="en-US" sz="1200" kern="1200" dirty="0"/>
+            <a:t>	Existing firms control the physical distribution channels to create barrier to entry. They have significant influence over these channels. The unavailability of these distribution channels for new entrant make it difficult to them.</a:t>
+          </a:r>
+        </a:p>
+      </dsp:txBody>
+      <dsp:txXfrm>
+        <a:off x="2743533" y="3322245"/>
+        <a:ext cx="3579454" cy="1071693"/>
+      </dsp:txXfrm>
     </dsp:sp>
-    <dsp:sp modelId="{A3482D4E-913F-4560-9B97-59E2226AEC68}">
+    <dsp:sp modelId="{4F8AA02C-712B-47CD-A9F1-79C631E4A633}">
       <dsp:nvSpPr>
         <dsp:cNvPr id="0" name=""/>
         <dsp:cNvSpPr/>
       </dsp:nvSpPr>
       <dsp:spPr>
-        <a:xfrm rot="10800000">
-          <a:off x="800014" y="2534805"/>
-          <a:ext cx="2853299" cy="325304"/>
+        <a:xfrm>
+          <a:off x="0" y="3143630"/>
+          <a:ext cx="2743533" cy="1428923"/>
         </a:xfrm>
-        <a:prstGeom prst="homePlate">
+        <a:prstGeom prst="roundRect">
           <a:avLst/>
         </a:prstGeom>
         <a:solidFill>
-          <a:schemeClr val="accent2">
-            <a:hueOff val="4681519"/>
-            <a:satOff val="-5839"/>
-            <a:lumOff val="1373"/>
-            <a:alphaOff val="0"/>
+          <a:schemeClr val="tx2">
+            <a:lumMod val="50000"/>
           </a:schemeClr>
         </a:solidFill>
         <a:ln w="38100" cap="flat" cmpd="sng" algn="ctr">
@@ -11175,12 +12443,12 @@
         </a:fontRef>
       </dsp:style>
       <dsp:txBody>
-        <a:bodyPr spcFirstLastPara="0" vert="horz" wrap="square" lIns="143450" tIns="49530" rIns="92456" bIns="49530" numCol="1" spcCol="1270" anchor="ctr" anchorCtr="0">
+        <a:bodyPr spcFirstLastPara="0" vert="horz" wrap="square" lIns="106680" tIns="53340" rIns="106680" bIns="53340" numCol="1" spcCol="1270" anchor="ctr" anchorCtr="0">
           <a:noAutofit/>
         </a:bodyPr>
         <a:lstStyle/>
         <a:p>
-          <a:pPr marL="0" lvl="0" indent="0" algn="ctr" defTabSz="577850">
+          <a:pPr marL="0" lvl="0" indent="0" algn="ctr" defTabSz="1244600">
             <a:lnSpc>
               <a:spcPct val="90000"/>
             </a:lnSpc>
@@ -11193,67 +12461,15 @@
             <a:buNone/>
           </a:pPr>
           <a:r>
-            <a:rPr lang="en-US" sz="1300" kern="1200" dirty="0"/>
-            <a:t>Access to Distribution Channel.</a:t>
+            <a:rPr lang="en-US" sz="2800" b="1" kern="1200" dirty="0"/>
+            <a:t>Access to distribution Channel</a:t>
           </a:r>
         </a:p>
       </dsp:txBody>
-      <dsp:txXfrm rot="10800000">
-        <a:off x="881340" y="2534805"/>
-        <a:ext cx="2771973" cy="325304"/>
+      <dsp:txXfrm>
+        <a:off x="69754" y="3213384"/>
+        <a:ext cx="2604025" cy="1289415"/>
       </dsp:txXfrm>
-    </dsp:sp>
-    <dsp:sp modelId="{6791ABAD-AF58-45BA-A28A-028AD8C2D688}">
-      <dsp:nvSpPr>
-        <dsp:cNvPr id="0" name=""/>
-        <dsp:cNvSpPr/>
-      </dsp:nvSpPr>
-      <dsp:spPr>
-        <a:xfrm>
-          <a:off x="637362" y="2534805"/>
-          <a:ext cx="325304" cy="325304"/>
-        </a:xfrm>
-        <a:prstGeom prst="ellipse">
-          <a:avLst/>
-        </a:prstGeom>
-        <a:blipFill>
-          <a:blip xmlns:r="http://schemas.openxmlformats.org/officeDocument/2006/relationships" r:embed="rId7"/>
-          <a:srcRect/>
-          <a:stretch>
-            <a:fillRect l="-25000" r="-25000"/>
-          </a:stretch>
-        </a:blipFill>
-        <a:ln w="38100" cap="flat" cmpd="sng" algn="ctr">
-          <a:solidFill>
-            <a:schemeClr val="lt1">
-              <a:hueOff val="0"/>
-              <a:satOff val="0"/>
-              <a:lumOff val="0"/>
-              <a:alphaOff val="0"/>
-            </a:schemeClr>
-          </a:solidFill>
-          <a:prstDash val="solid"/>
-        </a:ln>
-        <a:effectLst>
-          <a:outerShdw blurRad="40000" dist="20000" dir="5400000" rotWithShape="0">
-            <a:srgbClr val="000000">
-              <a:alpha val="38000"/>
-            </a:srgbClr>
-          </a:outerShdw>
-        </a:effectLst>
-      </dsp:spPr>
-      <dsp:style>
-        <a:lnRef idx="3">
-          <a:scrgbClr r="0" g="0" b="0"/>
-        </a:lnRef>
-        <a:fillRef idx="1">
-          <a:scrgbClr r="0" g="0" b="0"/>
-        </a:fillRef>
-        <a:effectRef idx="1">
-          <a:scrgbClr r="0" g="0" b="0"/>
-        </a:effectRef>
-        <a:fontRef idx="minor"/>
-      </dsp:style>
     </dsp:sp>
   </dsp:spTree>
 </dsp:drawing>
@@ -16697,18 +17913,44 @@
 </file>
 
 <file path=ppt/diagrams/layout5.xml><?xml version="1.0" encoding="utf-8"?>
-<dgm:layoutDef xmlns:dgm="http://schemas.openxmlformats.org/drawingml/2006/diagram" xmlns:a="http://schemas.openxmlformats.org/drawingml/2006/main" uniqueId="urn:microsoft.com/office/officeart/2005/8/layout/vList3">
+<dgm:layoutDef xmlns:dgm="http://schemas.openxmlformats.org/drawingml/2006/diagram" xmlns:a="http://schemas.openxmlformats.org/drawingml/2006/main" uniqueId="urn:microsoft.com/office/officeart/2005/8/layout/vList6">
   <dgm:title val=""/>
   <dgm:desc val=""/>
   <dgm:catLst>
-    <dgm:cat type="list" pri="14000"/>
-    <dgm:cat type="convert" pri="3000"/>
-    <dgm:cat type="picture" pri="27000"/>
-    <dgm:cat type="pictureconvert" pri="27000"/>
+    <dgm:cat type="process" pri="22000"/>
+    <dgm:cat type="list" pri="17000"/>
   </dgm:catLst>
-  <dgm:sampData useDef="1">
+  <dgm:sampData>
     <dgm:dataModel>
-      <dgm:ptLst/>
+      <dgm:ptLst>
+        <dgm:pt modelId="0" type="doc"/>
+        <dgm:pt modelId="1">
+          <dgm:prSet phldr="1"/>
+        </dgm:pt>
+        <dgm:pt modelId="11">
+          <dgm:prSet phldr="1"/>
+        </dgm:pt>
+        <dgm:pt modelId="12">
+          <dgm:prSet phldr="1"/>
+        </dgm:pt>
+        <dgm:pt modelId="2">
+          <dgm:prSet phldr="1"/>
+        </dgm:pt>
+        <dgm:pt modelId="21">
+          <dgm:prSet phldr="1"/>
+        </dgm:pt>
+        <dgm:pt modelId="22">
+          <dgm:prSet phldr="1"/>
+        </dgm:pt>
+      </dgm:ptLst>
+      <dgm:cxnLst>
+        <dgm:cxn modelId="4" srcId="0" destId="1" srcOrd="0" destOrd="0"/>
+        <dgm:cxn modelId="5" srcId="0" destId="2" srcOrd="1" destOrd="0"/>
+        <dgm:cxn modelId="13" srcId="1" destId="11" srcOrd="0" destOrd="0"/>
+        <dgm:cxn modelId="14" srcId="1" destId="12" srcOrd="0" destOrd="0"/>
+        <dgm:cxn modelId="23" srcId="2" destId="21" srcOrd="0" destOrd="0"/>
+        <dgm:cxn modelId="24" srcId="2" destId="22" srcOrd="0" destOrd="0"/>
+      </dgm:cxnLst>
       <dgm:bg/>
       <dgm:whole/>
     </dgm:dataModel>
@@ -16747,109 +17989,332 @@
       <dgm:whole/>
     </dgm:dataModel>
   </dgm:clrData>
-  <dgm:layoutNode name="linearFlow">
+  <dgm:layoutNode name="Name0">
     <dgm:varLst>
       <dgm:dir/>
-      <dgm:resizeHandles val="exact"/>
+      <dgm:animLvl val="lvl"/>
+      <dgm:resizeHandles/>
     </dgm:varLst>
     <dgm:alg type="lin">
       <dgm:param type="linDir" val="fromT"/>
-      <dgm:param type="vertAlign" val="mid"/>
-      <dgm:param type="horzAlign" val="ctr"/>
     </dgm:alg>
     <dgm:shape xmlns:r="http://schemas.openxmlformats.org/officeDocument/2006/relationships" r:blip="">
       <dgm:adjLst/>
     </dgm:shape>
     <dgm:presOf/>
     <dgm:constrLst>
-      <dgm:constr type="w" for="ch" forName="composite" refType="w"/>
-      <dgm:constr type="h" for="ch" forName="composite" refType="h"/>
-      <dgm:constr type="h" for="ch" forName="spacing" refType="h" refFor="ch" refForName="composite" fact="0.25"/>
-      <dgm:constr type="h" for="ch" forName="spacing" refType="w" op="lte" fact="0.1"/>
-      <dgm:constr type="primFontSz" for="des" ptType="node" op="equ" val="65"/>
+      <dgm:constr type="w" for="ch" forName="linNode" refType="w"/>
+      <dgm:constr type="h" for="ch" forName="linNode" refType="h"/>
+      <dgm:constr type="h" for="ch" forName="spacing" refType="h" refFor="ch" refForName="linNode" fact="0.1"/>
+      <dgm:constr type="primFontSz" for="des" forName="parentShp" op="equ" val="65"/>
+      <dgm:constr type="primFontSz" for="des" forName="childShp" op="equ" val="65"/>
     </dgm:constrLst>
     <dgm:ruleLst/>
-    <dgm:forEach name="Name0" axis="ch" ptType="node">
-      <dgm:layoutNode name="composite">
-        <dgm:alg type="composite"/>
+    <dgm:forEach name="Name1" axis="ch" ptType="node">
+      <dgm:layoutNode name="linNode">
+        <dgm:choose name="Name2">
+          <dgm:if name="Name3" func="var" arg="dir" op="equ" val="norm">
+            <dgm:alg type="lin">
+              <dgm:param type="linDir" val="fromL"/>
+            </dgm:alg>
+          </dgm:if>
+          <dgm:else name="Name4">
+            <dgm:alg type="lin">
+              <dgm:param type="linDir" val="fromR"/>
+            </dgm:alg>
+          </dgm:else>
+        </dgm:choose>
         <dgm:shape xmlns:r="http://schemas.openxmlformats.org/officeDocument/2006/relationships" r:blip="">
           <dgm:adjLst/>
         </dgm:shape>
         <dgm:presOf/>
-        <dgm:choose name="Name1">
-          <dgm:if name="Name2" func="var" arg="dir" op="equ" val="norm">
+        <dgm:choose name="Name5">
+          <dgm:if name="Name6" func="var" arg="dir" op="equ" val="norm">
             <dgm:constrLst>
-              <dgm:constr type="w" for="ch" forName="imgShp" refType="w" fact="0.335"/>
-              <dgm:constr type="h" for="ch" forName="imgShp" refType="w" refFor="ch" refForName="imgShp" op="equ"/>
-              <dgm:constr type="h" for="ch" forName="imgShp" refType="h" op="lte"/>
-              <dgm:constr type="ctrY" for="ch" forName="imgShp" refType="h" fact="0.5"/>
-              <dgm:constr type="l" for="ch" forName="imgShp"/>
-              <dgm:constr type="w" for="ch" forName="txShp" refType="w" op="equ" fact="0.665"/>
-              <dgm:constr type="h" for="ch" forName="txShp" refType="h" refFor="ch" refForName="imgShp" op="equ"/>
-              <dgm:constr type="ctrY" for="ch" forName="txShp" refType="h" fact="0.5"/>
-              <dgm:constr type="l" for="ch" forName="txShp" refType="w" refFor="ch" refForName="imgShp" fact="0.5"/>
-              <dgm:constr type="lMarg" for="ch" forName="txShp" refType="w" refFor="ch" refForName="imgShp" fact="1.25"/>
+              <dgm:constr type="w" for="ch" forName="parentShp" refType="w" fact="0.4"/>
+              <dgm:constr type="h" for="ch" forName="parentShp" refType="h"/>
+              <dgm:constr type="w" for="ch" forName="childShp" refType="w" fact="0.6"/>
+              <dgm:constr type="h" for="ch" forName="childShp" refType="h" refFor="ch" refForName="parentShp"/>
             </dgm:constrLst>
           </dgm:if>
-          <dgm:else name="Name3">
+          <dgm:else name="Name7">
             <dgm:constrLst>
-              <dgm:constr type="w" for="ch" forName="imgShp" refType="w" fact="0.335"/>
-              <dgm:constr type="h" for="ch" forName="imgShp" refType="w" refFor="ch" refForName="imgShp" op="equ"/>
-              <dgm:constr type="h" for="ch" forName="imgShp" refType="h" op="lte"/>
-              <dgm:constr type="ctrY" for="ch" forName="imgShp" refType="h" fact="0.5"/>
-              <dgm:constr type="r" for="ch" forName="imgShp" refType="w"/>
-              <dgm:constr type="w" for="ch" forName="txShp" refType="w" op="equ" fact="0.665"/>
-              <dgm:constr type="h" for="ch" forName="txShp" refType="h" refFor="ch" refForName="imgShp" op="equ"/>
-              <dgm:constr type="ctrY" for="ch" forName="txShp" refType="h" fact="0.5"/>
-              <dgm:constr type="r" for="ch" forName="txShp" refType="ctrX" refFor="ch" refForName="imgShp"/>
-              <dgm:constr type="rMarg" for="ch" forName="txShp" refType="w" refFor="ch" refForName="imgShp" fact="1.25"/>
+              <dgm:constr type="w" for="ch" forName="parentShp" refType="w" fact="0.4"/>
+              <dgm:constr type="h" for="ch" forName="parentShp" refType="h"/>
+              <dgm:constr type="w" for="ch" forName="childShp" refType="w" fact="0.6"/>
+              <dgm:constr type="h" for="ch" forName="childShp" refType="h" refFor="ch" refForName="parentShp"/>
             </dgm:constrLst>
           </dgm:else>
         </dgm:choose>
         <dgm:ruleLst/>
-        <dgm:layoutNode name="imgShp" styleLbl="fgImgPlace1">
+        <dgm:layoutNode name="parentShp" styleLbl="node1">
+          <dgm:varLst>
+            <dgm:bulletEnabled val="1"/>
+          </dgm:varLst>
+          <dgm:alg type="tx"/>
+          <dgm:shape xmlns:r="http://schemas.openxmlformats.org/officeDocument/2006/relationships" type="roundRect" r:blip="">
+            <dgm:adjLst/>
+          </dgm:shape>
+          <dgm:presOf axis="self" ptType="node"/>
+          <dgm:constrLst>
+            <dgm:constr type="tMarg" refType="primFontSz" fact="0.15"/>
+            <dgm:constr type="bMarg" refType="primFontSz" fact="0.15"/>
+            <dgm:constr type="lMarg" refType="primFontSz" fact="0.3"/>
+            <dgm:constr type="rMarg" refType="primFontSz" fact="0.3"/>
+          </dgm:constrLst>
+          <dgm:ruleLst>
+            <dgm:rule type="primFontSz" val="5" fact="NaN" max="NaN"/>
+          </dgm:ruleLst>
+        </dgm:layoutNode>
+        <dgm:layoutNode name="childShp" styleLbl="bgAccFollowNode1">
+          <dgm:varLst>
+            <dgm:bulletEnabled val="1"/>
+          </dgm:varLst>
+          <dgm:alg type="tx">
+            <dgm:param type="stBulletLvl" val="1"/>
+          </dgm:alg>
+          <dgm:choose name="Name8">
+            <dgm:if name="Name9" func="var" arg="dir" op="equ" val="norm">
+              <dgm:shape xmlns:r="http://schemas.openxmlformats.org/officeDocument/2006/relationships" type="rightArrow" r:blip="" zOrderOff="-2">
+                <dgm:adjLst>
+                  <dgm:adj idx="1" val="0.75"/>
+                </dgm:adjLst>
+              </dgm:shape>
+            </dgm:if>
+            <dgm:else name="Name10">
+              <dgm:shape xmlns:r="http://schemas.openxmlformats.org/officeDocument/2006/relationships" rot="180" type="rightArrow" r:blip="" zOrderOff="-2">
+                <dgm:adjLst>
+                  <dgm:adj idx="1" val="0.75"/>
+                </dgm:adjLst>
+              </dgm:shape>
+            </dgm:else>
+          </dgm:choose>
+          <dgm:presOf axis="des" ptType="node"/>
+          <dgm:constrLst>
+            <dgm:constr type="secFontSz" refType="primFontSz"/>
+            <dgm:constr type="tMarg" refType="primFontSz" fact="0.05"/>
+            <dgm:constr type="bMarg" refType="primFontSz" fact="0.05"/>
+            <dgm:constr type="lMarg" refType="primFontSz" fact="0.05"/>
+            <dgm:constr type="rMarg" refType="primFontSz" fact="0.05"/>
+          </dgm:constrLst>
+          <dgm:ruleLst>
+            <dgm:rule type="primFontSz" val="5" fact="NaN" max="NaN"/>
+          </dgm:ruleLst>
+        </dgm:layoutNode>
+      </dgm:layoutNode>
+      <dgm:forEach name="Name11" axis="followSib" ptType="sibTrans" cnt="1">
+        <dgm:layoutNode name="spacing">
           <dgm:alg type="sp"/>
-          <dgm:shape xmlns:r="http://schemas.openxmlformats.org/officeDocument/2006/relationships" type="ellipse" r:blip="" blipPhldr="1">
+          <dgm:shape xmlns:r="http://schemas.openxmlformats.org/officeDocument/2006/relationships" r:blip="">
             <dgm:adjLst/>
           </dgm:shape>
           <dgm:presOf/>
           <dgm:constrLst/>
           <dgm:ruleLst/>
         </dgm:layoutNode>
-        <dgm:layoutNode name="txShp">
+      </dgm:forEach>
+    </dgm:forEach>
+  </dgm:layoutNode>
+</dgm:layoutDef>
+</file>
+
+<file path=ppt/diagrams/layout6.xml><?xml version="1.0" encoding="utf-8"?>
+<dgm:layoutDef xmlns:dgm="http://schemas.openxmlformats.org/drawingml/2006/diagram" xmlns:a="http://schemas.openxmlformats.org/drawingml/2006/main" uniqueId="urn:microsoft.com/office/officeart/2005/8/layout/vList6">
+  <dgm:title val=""/>
+  <dgm:desc val=""/>
+  <dgm:catLst>
+    <dgm:cat type="process" pri="22000"/>
+    <dgm:cat type="list" pri="17000"/>
+  </dgm:catLst>
+  <dgm:sampData>
+    <dgm:dataModel>
+      <dgm:ptLst>
+        <dgm:pt modelId="0" type="doc"/>
+        <dgm:pt modelId="1">
+          <dgm:prSet phldr="1"/>
+        </dgm:pt>
+        <dgm:pt modelId="11">
+          <dgm:prSet phldr="1"/>
+        </dgm:pt>
+        <dgm:pt modelId="12">
+          <dgm:prSet phldr="1"/>
+        </dgm:pt>
+        <dgm:pt modelId="2">
+          <dgm:prSet phldr="1"/>
+        </dgm:pt>
+        <dgm:pt modelId="21">
+          <dgm:prSet phldr="1"/>
+        </dgm:pt>
+        <dgm:pt modelId="22">
+          <dgm:prSet phldr="1"/>
+        </dgm:pt>
+      </dgm:ptLst>
+      <dgm:cxnLst>
+        <dgm:cxn modelId="4" srcId="0" destId="1" srcOrd="0" destOrd="0"/>
+        <dgm:cxn modelId="5" srcId="0" destId="2" srcOrd="1" destOrd="0"/>
+        <dgm:cxn modelId="13" srcId="1" destId="11" srcOrd="0" destOrd="0"/>
+        <dgm:cxn modelId="14" srcId="1" destId="12" srcOrd="0" destOrd="0"/>
+        <dgm:cxn modelId="23" srcId="2" destId="21" srcOrd="0" destOrd="0"/>
+        <dgm:cxn modelId="24" srcId="2" destId="22" srcOrd="0" destOrd="0"/>
+      </dgm:cxnLst>
+      <dgm:bg/>
+      <dgm:whole/>
+    </dgm:dataModel>
+  </dgm:sampData>
+  <dgm:styleData>
+    <dgm:dataModel>
+      <dgm:ptLst>
+        <dgm:pt modelId="0" type="doc"/>
+        <dgm:pt modelId="1"/>
+        <dgm:pt modelId="2"/>
+      </dgm:ptLst>
+      <dgm:cxnLst>
+        <dgm:cxn modelId="3" srcId="0" destId="1" srcOrd="0" destOrd="0"/>
+        <dgm:cxn modelId="4" srcId="0" destId="2" srcOrd="1" destOrd="0"/>
+      </dgm:cxnLst>
+      <dgm:bg/>
+      <dgm:whole/>
+    </dgm:dataModel>
+  </dgm:styleData>
+  <dgm:clrData>
+    <dgm:dataModel>
+      <dgm:ptLst>
+        <dgm:pt modelId="0" type="doc"/>
+        <dgm:pt modelId="1"/>
+        <dgm:pt modelId="2"/>
+        <dgm:pt modelId="3"/>
+        <dgm:pt modelId="4"/>
+      </dgm:ptLst>
+      <dgm:cxnLst>
+        <dgm:cxn modelId="5" srcId="0" destId="1" srcOrd="0" destOrd="0"/>
+        <dgm:cxn modelId="6" srcId="0" destId="2" srcOrd="1" destOrd="0"/>
+        <dgm:cxn modelId="7" srcId="0" destId="3" srcOrd="2" destOrd="0"/>
+        <dgm:cxn modelId="8" srcId="0" destId="4" srcOrd="3" destOrd="0"/>
+      </dgm:cxnLst>
+      <dgm:bg/>
+      <dgm:whole/>
+    </dgm:dataModel>
+  </dgm:clrData>
+  <dgm:layoutNode name="Name0">
+    <dgm:varLst>
+      <dgm:dir/>
+      <dgm:animLvl val="lvl"/>
+      <dgm:resizeHandles/>
+    </dgm:varLst>
+    <dgm:alg type="lin">
+      <dgm:param type="linDir" val="fromT"/>
+    </dgm:alg>
+    <dgm:shape xmlns:r="http://schemas.openxmlformats.org/officeDocument/2006/relationships" r:blip="">
+      <dgm:adjLst/>
+    </dgm:shape>
+    <dgm:presOf/>
+    <dgm:constrLst>
+      <dgm:constr type="w" for="ch" forName="linNode" refType="w"/>
+      <dgm:constr type="h" for="ch" forName="linNode" refType="h"/>
+      <dgm:constr type="h" for="ch" forName="spacing" refType="h" refFor="ch" refForName="linNode" fact="0.1"/>
+      <dgm:constr type="primFontSz" for="des" forName="parentShp" op="equ" val="65"/>
+      <dgm:constr type="primFontSz" for="des" forName="childShp" op="equ" val="65"/>
+    </dgm:constrLst>
+    <dgm:ruleLst/>
+    <dgm:forEach name="Name1" axis="ch" ptType="node">
+      <dgm:layoutNode name="linNode">
+        <dgm:choose name="Name2">
+          <dgm:if name="Name3" func="var" arg="dir" op="equ" val="norm">
+            <dgm:alg type="lin">
+              <dgm:param type="linDir" val="fromL"/>
+            </dgm:alg>
+          </dgm:if>
+          <dgm:else name="Name4">
+            <dgm:alg type="lin">
+              <dgm:param type="linDir" val="fromR"/>
+            </dgm:alg>
+          </dgm:else>
+        </dgm:choose>
+        <dgm:shape xmlns:r="http://schemas.openxmlformats.org/officeDocument/2006/relationships" r:blip="">
+          <dgm:adjLst/>
+        </dgm:shape>
+        <dgm:presOf/>
+        <dgm:choose name="Name5">
+          <dgm:if name="Name6" func="var" arg="dir" op="equ" val="norm">
+            <dgm:constrLst>
+              <dgm:constr type="w" for="ch" forName="parentShp" refType="w" fact="0.4"/>
+              <dgm:constr type="h" for="ch" forName="parentShp" refType="h"/>
+              <dgm:constr type="w" for="ch" forName="childShp" refType="w" fact="0.6"/>
+              <dgm:constr type="h" for="ch" forName="childShp" refType="h" refFor="ch" refForName="parentShp"/>
+            </dgm:constrLst>
+          </dgm:if>
+          <dgm:else name="Name7">
+            <dgm:constrLst>
+              <dgm:constr type="w" for="ch" forName="parentShp" refType="w" fact="0.4"/>
+              <dgm:constr type="h" for="ch" forName="parentShp" refType="h"/>
+              <dgm:constr type="w" for="ch" forName="childShp" refType="w" fact="0.6"/>
+              <dgm:constr type="h" for="ch" forName="childShp" refType="h" refFor="ch" refForName="parentShp"/>
+            </dgm:constrLst>
+          </dgm:else>
+        </dgm:choose>
+        <dgm:ruleLst/>
+        <dgm:layoutNode name="parentShp" styleLbl="node1">
           <dgm:varLst>
             <dgm:bulletEnabled val="1"/>
           </dgm:varLst>
           <dgm:alg type="tx"/>
-          <dgm:choose name="Name4">
-            <dgm:if name="Name5" func="var" arg="dir" op="equ" val="norm">
-              <dgm:shape xmlns:r="http://schemas.openxmlformats.org/officeDocument/2006/relationships" rot="180" type="homePlate" r:blip="" zOrderOff="-1">
-                <dgm:adjLst/>
+          <dgm:shape xmlns:r="http://schemas.openxmlformats.org/officeDocument/2006/relationships" type="roundRect" r:blip="">
+            <dgm:adjLst/>
+          </dgm:shape>
+          <dgm:presOf axis="self" ptType="node"/>
+          <dgm:constrLst>
+            <dgm:constr type="tMarg" refType="primFontSz" fact="0.15"/>
+            <dgm:constr type="bMarg" refType="primFontSz" fact="0.15"/>
+            <dgm:constr type="lMarg" refType="primFontSz" fact="0.3"/>
+            <dgm:constr type="rMarg" refType="primFontSz" fact="0.3"/>
+          </dgm:constrLst>
+          <dgm:ruleLst>
+            <dgm:rule type="primFontSz" val="5" fact="NaN" max="NaN"/>
+          </dgm:ruleLst>
+        </dgm:layoutNode>
+        <dgm:layoutNode name="childShp" styleLbl="bgAccFollowNode1">
+          <dgm:varLst>
+            <dgm:bulletEnabled val="1"/>
+          </dgm:varLst>
+          <dgm:alg type="tx">
+            <dgm:param type="stBulletLvl" val="1"/>
+          </dgm:alg>
+          <dgm:choose name="Name8">
+            <dgm:if name="Name9" func="var" arg="dir" op="equ" val="norm">
+              <dgm:shape xmlns:r="http://schemas.openxmlformats.org/officeDocument/2006/relationships" type="rightArrow" r:blip="" zOrderOff="-2">
+                <dgm:adjLst>
+                  <dgm:adj idx="1" val="0.75"/>
+                </dgm:adjLst>
               </dgm:shape>
             </dgm:if>
-            <dgm:else name="Name6">
-              <dgm:shape xmlns:r="http://schemas.openxmlformats.org/officeDocument/2006/relationships" type="homePlate" r:blip="" zOrderOff="-1">
-                <dgm:adjLst/>
+            <dgm:else name="Name10">
+              <dgm:shape xmlns:r="http://schemas.openxmlformats.org/officeDocument/2006/relationships" rot="180" type="rightArrow" r:blip="" zOrderOff="-2">
+                <dgm:adjLst>
+                  <dgm:adj idx="1" val="0.75"/>
+                </dgm:adjLst>
               </dgm:shape>
             </dgm:else>
           </dgm:choose>
-          <dgm:presOf axis="desOrSelf" ptType="node"/>
+          <dgm:presOf axis="des" ptType="node"/>
           <dgm:constrLst>
-            <dgm:constr type="tMarg" refType="primFontSz" fact="0.3"/>
-            <dgm:constr type="bMarg" refType="primFontSz" fact="0.3"/>
+            <dgm:constr type="secFontSz" refType="primFontSz"/>
+            <dgm:constr type="tMarg" refType="primFontSz" fact="0.05"/>
+            <dgm:constr type="bMarg" refType="primFontSz" fact="0.05"/>
+            <dgm:constr type="lMarg" refType="primFontSz" fact="0.05"/>
+            <dgm:constr type="rMarg" refType="primFontSz" fact="0.05"/>
           </dgm:constrLst>
           <dgm:ruleLst>
             <dgm:rule type="primFontSz" val="5" fact="NaN" max="NaN"/>
           </dgm:ruleLst>
         </dgm:layoutNode>
       </dgm:layoutNode>
-      <dgm:forEach name="Name7" axis="followSib" ptType="sibTrans" cnt="1">
+      <dgm:forEach name="Name11" axis="followSib" ptType="sibTrans" cnt="1">
         <dgm:layoutNode name="spacing">
           <dgm:alg type="sp"/>
           <dgm:shape xmlns:r="http://schemas.openxmlformats.org/officeDocument/2006/relationships" r:blip="">
             <dgm:adjLst/>
           </dgm:shape>
-          <dgm:presOf axis="self"/>
+          <dgm:presOf/>
           <dgm:constrLst/>
           <dgm:ruleLst/>
         </dgm:layoutNode>
@@ -21250,6 +22715,1040 @@
 </file>
 
 <file path=ppt/diagrams/quickStyle5.xml><?xml version="1.0" encoding="utf-8"?>
+<dgm:styleDef xmlns:dgm="http://schemas.openxmlformats.org/drawingml/2006/diagram" xmlns:a="http://schemas.openxmlformats.org/drawingml/2006/main" uniqueId="urn:microsoft.com/office/officeart/2005/8/quickstyle/simple2">
+  <dgm:title val=""/>
+  <dgm:desc val=""/>
+  <dgm:catLst>
+    <dgm:cat type="simple" pri="10200"/>
+  </dgm:catLst>
+  <dgm:scene3d>
+    <a:camera prst="orthographicFront"/>
+    <a:lightRig rig="threePt" dir="t"/>
+  </dgm:scene3d>
+  <dgm:styleLbl name="node0">
+    <dgm:scene3d>
+      <a:camera prst="orthographicFront"/>
+      <a:lightRig rig="threePt" dir="t"/>
+    </dgm:scene3d>
+    <dgm:sp3d/>
+    <dgm:txPr/>
+    <dgm:style>
+      <a:lnRef idx="3">
+        <a:scrgbClr r="0" g="0" b="0"/>
+      </a:lnRef>
+      <a:fillRef idx="1">
+        <a:scrgbClr r="0" g="0" b="0"/>
+      </a:fillRef>
+      <a:effectRef idx="1">
+        <a:scrgbClr r="0" g="0" b="0"/>
+      </a:effectRef>
+      <a:fontRef idx="minor">
+        <a:schemeClr val="lt1"/>
+      </a:fontRef>
+    </dgm:style>
+  </dgm:styleLbl>
+  <dgm:styleLbl name="lnNode1">
+    <dgm:scene3d>
+      <a:camera prst="orthographicFront"/>
+      <a:lightRig rig="threePt" dir="t"/>
+    </dgm:scene3d>
+    <dgm:sp3d/>
+    <dgm:txPr/>
+    <dgm:style>
+      <a:lnRef idx="3">
+        <a:scrgbClr r="0" g="0" b="0"/>
+      </a:lnRef>
+      <a:fillRef idx="1">
+        <a:scrgbClr r="0" g="0" b="0"/>
+      </a:fillRef>
+      <a:effectRef idx="1">
+        <a:scrgbClr r="0" g="0" b="0"/>
+      </a:effectRef>
+      <a:fontRef idx="minor">
+        <a:schemeClr val="lt1"/>
+      </a:fontRef>
+    </dgm:style>
+  </dgm:styleLbl>
+  <dgm:styleLbl name="vennNode1">
+    <dgm:scene3d>
+      <a:camera prst="orthographicFront"/>
+      <a:lightRig rig="threePt" dir="t"/>
+    </dgm:scene3d>
+    <dgm:sp3d/>
+    <dgm:txPr/>
+    <dgm:style>
+      <a:lnRef idx="3">
+        <a:scrgbClr r="0" g="0" b="0"/>
+      </a:lnRef>
+      <a:fillRef idx="1">
+        <a:scrgbClr r="0" g="0" b="0"/>
+      </a:fillRef>
+      <a:effectRef idx="0">
+        <a:scrgbClr r="0" g="0" b="0"/>
+      </a:effectRef>
+      <a:fontRef idx="minor">
+        <a:schemeClr val="tx1"/>
+      </a:fontRef>
+    </dgm:style>
+  </dgm:styleLbl>
+  <dgm:styleLbl name="alignNode1">
+    <dgm:scene3d>
+      <a:camera prst="orthographicFront"/>
+      <a:lightRig rig="threePt" dir="t"/>
+    </dgm:scene3d>
+    <dgm:sp3d/>
+    <dgm:txPr/>
+    <dgm:style>
+      <a:lnRef idx="2">
+        <a:scrgbClr r="0" g="0" b="0"/>
+      </a:lnRef>
+      <a:fillRef idx="1">
+        <a:scrgbClr r="0" g="0" b="0"/>
+      </a:fillRef>
+      <a:effectRef idx="1">
+        <a:scrgbClr r="0" g="0" b="0"/>
+      </a:effectRef>
+      <a:fontRef idx="minor">
+        <a:schemeClr val="lt1"/>
+      </a:fontRef>
+    </dgm:style>
+  </dgm:styleLbl>
+  <dgm:styleLbl name="node1">
+    <dgm:scene3d>
+      <a:camera prst="orthographicFront"/>
+      <a:lightRig rig="threePt" dir="t"/>
+    </dgm:scene3d>
+    <dgm:sp3d/>
+    <dgm:txPr/>
+    <dgm:style>
+      <a:lnRef idx="3">
+        <a:scrgbClr r="0" g="0" b="0"/>
+      </a:lnRef>
+      <a:fillRef idx="1">
+        <a:scrgbClr r="0" g="0" b="0"/>
+      </a:fillRef>
+      <a:effectRef idx="1">
+        <a:scrgbClr r="0" g="0" b="0"/>
+      </a:effectRef>
+      <a:fontRef idx="minor">
+        <a:schemeClr val="lt1"/>
+      </a:fontRef>
+    </dgm:style>
+  </dgm:styleLbl>
+  <dgm:styleLbl name="node2">
+    <dgm:scene3d>
+      <a:camera prst="orthographicFront"/>
+      <a:lightRig rig="threePt" dir="t"/>
+    </dgm:scene3d>
+    <dgm:sp3d/>
+    <dgm:txPr/>
+    <dgm:style>
+      <a:lnRef idx="3">
+        <a:scrgbClr r="0" g="0" b="0"/>
+      </a:lnRef>
+      <a:fillRef idx="1">
+        <a:scrgbClr r="0" g="0" b="0"/>
+      </a:fillRef>
+      <a:effectRef idx="1">
+        <a:scrgbClr r="0" g="0" b="0"/>
+      </a:effectRef>
+      <a:fontRef idx="minor">
+        <a:schemeClr val="lt1"/>
+      </a:fontRef>
+    </dgm:style>
+  </dgm:styleLbl>
+  <dgm:styleLbl name="node3">
+    <dgm:scene3d>
+      <a:camera prst="orthographicFront"/>
+      <a:lightRig rig="threePt" dir="t"/>
+    </dgm:scene3d>
+    <dgm:sp3d/>
+    <dgm:txPr/>
+    <dgm:style>
+      <a:lnRef idx="3">
+        <a:scrgbClr r="0" g="0" b="0"/>
+      </a:lnRef>
+      <a:fillRef idx="1">
+        <a:scrgbClr r="0" g="0" b="0"/>
+      </a:fillRef>
+      <a:effectRef idx="1">
+        <a:scrgbClr r="0" g="0" b="0"/>
+      </a:effectRef>
+      <a:fontRef idx="minor">
+        <a:schemeClr val="lt1"/>
+      </a:fontRef>
+    </dgm:style>
+  </dgm:styleLbl>
+  <dgm:styleLbl name="node4">
+    <dgm:scene3d>
+      <a:camera prst="orthographicFront"/>
+      <a:lightRig rig="threePt" dir="t"/>
+    </dgm:scene3d>
+    <dgm:sp3d/>
+    <dgm:txPr/>
+    <dgm:style>
+      <a:lnRef idx="3">
+        <a:scrgbClr r="0" g="0" b="0"/>
+      </a:lnRef>
+      <a:fillRef idx="1">
+        <a:scrgbClr r="0" g="0" b="0"/>
+      </a:fillRef>
+      <a:effectRef idx="1">
+        <a:scrgbClr r="0" g="0" b="0"/>
+      </a:effectRef>
+      <a:fontRef idx="minor">
+        <a:schemeClr val="lt1"/>
+      </a:fontRef>
+    </dgm:style>
+  </dgm:styleLbl>
+  <dgm:styleLbl name="fgImgPlace1">
+    <dgm:scene3d>
+      <a:camera prst="orthographicFront"/>
+      <a:lightRig rig="threePt" dir="t"/>
+    </dgm:scene3d>
+    <dgm:sp3d/>
+    <dgm:txPr/>
+    <dgm:style>
+      <a:lnRef idx="3">
+        <a:scrgbClr r="0" g="0" b="0"/>
+      </a:lnRef>
+      <a:fillRef idx="1">
+        <a:scrgbClr r="0" g="0" b="0"/>
+      </a:fillRef>
+      <a:effectRef idx="1">
+        <a:scrgbClr r="0" g="0" b="0"/>
+      </a:effectRef>
+      <a:fontRef idx="minor"/>
+    </dgm:style>
+  </dgm:styleLbl>
+  <dgm:styleLbl name="alignImgPlace1">
+    <dgm:scene3d>
+      <a:camera prst="orthographicFront"/>
+      <a:lightRig rig="threePt" dir="t"/>
+    </dgm:scene3d>
+    <dgm:sp3d/>
+    <dgm:txPr/>
+    <dgm:style>
+      <a:lnRef idx="3">
+        <a:scrgbClr r="0" g="0" b="0"/>
+      </a:lnRef>
+      <a:fillRef idx="1">
+        <a:scrgbClr r="0" g="0" b="0"/>
+      </a:fillRef>
+      <a:effectRef idx="1">
+        <a:scrgbClr r="0" g="0" b="0"/>
+      </a:effectRef>
+      <a:fontRef idx="minor"/>
+    </dgm:style>
+  </dgm:styleLbl>
+  <dgm:styleLbl name="bgImgPlace1">
+    <dgm:scene3d>
+      <a:camera prst="orthographicFront"/>
+      <a:lightRig rig="threePt" dir="t"/>
+    </dgm:scene3d>
+    <dgm:sp3d/>
+    <dgm:txPr/>
+    <dgm:style>
+      <a:lnRef idx="3">
+        <a:scrgbClr r="0" g="0" b="0"/>
+      </a:lnRef>
+      <a:fillRef idx="1">
+        <a:scrgbClr r="0" g="0" b="0"/>
+      </a:fillRef>
+      <a:effectRef idx="1">
+        <a:scrgbClr r="0" g="0" b="0"/>
+      </a:effectRef>
+      <a:fontRef idx="minor"/>
+    </dgm:style>
+  </dgm:styleLbl>
+  <dgm:styleLbl name="sibTrans2D1">
+    <dgm:scene3d>
+      <a:camera prst="orthographicFront"/>
+      <a:lightRig rig="threePt" dir="t"/>
+    </dgm:scene3d>
+    <dgm:sp3d/>
+    <dgm:txPr/>
+    <dgm:style>
+      <a:lnRef idx="0">
+        <a:scrgbClr r="0" g="0" b="0"/>
+      </a:lnRef>
+      <a:fillRef idx="1">
+        <a:scrgbClr r="0" g="0" b="0"/>
+      </a:fillRef>
+      <a:effectRef idx="1">
+        <a:scrgbClr r="0" g="0" b="0"/>
+      </a:effectRef>
+      <a:fontRef idx="minor">
+        <a:schemeClr val="lt1"/>
+      </a:fontRef>
+    </dgm:style>
+  </dgm:styleLbl>
+  <dgm:styleLbl name="fgSibTrans2D1">
+    <dgm:scene3d>
+      <a:camera prst="orthographicFront"/>
+      <a:lightRig rig="threePt" dir="t"/>
+    </dgm:scene3d>
+    <dgm:sp3d/>
+    <dgm:txPr/>
+    <dgm:style>
+      <a:lnRef idx="0">
+        <a:scrgbClr r="0" g="0" b="0"/>
+      </a:lnRef>
+      <a:fillRef idx="1">
+        <a:scrgbClr r="0" g="0" b="0"/>
+      </a:fillRef>
+      <a:effectRef idx="1">
+        <a:scrgbClr r="0" g="0" b="0"/>
+      </a:effectRef>
+      <a:fontRef idx="minor">
+        <a:schemeClr val="lt1"/>
+      </a:fontRef>
+    </dgm:style>
+  </dgm:styleLbl>
+  <dgm:styleLbl name="bgSibTrans2D1">
+    <dgm:scene3d>
+      <a:camera prst="orthographicFront"/>
+      <a:lightRig rig="threePt" dir="t"/>
+    </dgm:scene3d>
+    <dgm:sp3d/>
+    <dgm:txPr/>
+    <dgm:style>
+      <a:lnRef idx="0">
+        <a:scrgbClr r="0" g="0" b="0"/>
+      </a:lnRef>
+      <a:fillRef idx="1">
+        <a:scrgbClr r="0" g="0" b="0"/>
+      </a:fillRef>
+      <a:effectRef idx="1">
+        <a:scrgbClr r="0" g="0" b="0"/>
+      </a:effectRef>
+      <a:fontRef idx="minor">
+        <a:schemeClr val="lt1"/>
+      </a:fontRef>
+    </dgm:style>
+  </dgm:styleLbl>
+  <dgm:styleLbl name="sibTrans1D1">
+    <dgm:scene3d>
+      <a:camera prst="orthographicFront"/>
+      <a:lightRig rig="threePt" dir="t"/>
+    </dgm:scene3d>
+    <dgm:sp3d/>
+    <dgm:txPr/>
+    <dgm:style>
+      <a:lnRef idx="1">
+        <a:scrgbClr r="0" g="0" b="0"/>
+      </a:lnRef>
+      <a:fillRef idx="0">
+        <a:scrgbClr r="0" g="0" b="0"/>
+      </a:fillRef>
+      <a:effectRef idx="0">
+        <a:scrgbClr r="0" g="0" b="0"/>
+      </a:effectRef>
+      <a:fontRef idx="minor"/>
+    </dgm:style>
+  </dgm:styleLbl>
+  <dgm:styleLbl name="callout">
+    <dgm:scene3d>
+      <a:camera prst="orthographicFront"/>
+      <a:lightRig rig="threePt" dir="t"/>
+    </dgm:scene3d>
+    <dgm:sp3d/>
+    <dgm:txPr/>
+    <dgm:style>
+      <a:lnRef idx="2">
+        <a:scrgbClr r="0" g="0" b="0"/>
+      </a:lnRef>
+      <a:fillRef idx="1">
+        <a:scrgbClr r="0" g="0" b="0"/>
+      </a:fillRef>
+      <a:effectRef idx="1">
+        <a:scrgbClr r="0" g="0" b="0"/>
+      </a:effectRef>
+      <a:fontRef idx="minor"/>
+    </dgm:style>
+  </dgm:styleLbl>
+  <dgm:styleLbl name="asst0">
+    <dgm:scene3d>
+      <a:camera prst="orthographicFront"/>
+      <a:lightRig rig="threePt" dir="t"/>
+    </dgm:scene3d>
+    <dgm:sp3d/>
+    <dgm:txPr/>
+    <dgm:style>
+      <a:lnRef idx="3">
+        <a:scrgbClr r="0" g="0" b="0"/>
+      </a:lnRef>
+      <a:fillRef idx="1">
+        <a:scrgbClr r="0" g="0" b="0"/>
+      </a:fillRef>
+      <a:effectRef idx="1">
+        <a:scrgbClr r="0" g="0" b="0"/>
+      </a:effectRef>
+      <a:fontRef idx="minor">
+        <a:schemeClr val="lt1"/>
+      </a:fontRef>
+    </dgm:style>
+  </dgm:styleLbl>
+  <dgm:styleLbl name="asst1">
+    <dgm:scene3d>
+      <a:camera prst="orthographicFront"/>
+      <a:lightRig rig="threePt" dir="t"/>
+    </dgm:scene3d>
+    <dgm:sp3d/>
+    <dgm:txPr/>
+    <dgm:style>
+      <a:lnRef idx="3">
+        <a:scrgbClr r="0" g="0" b="0"/>
+      </a:lnRef>
+      <a:fillRef idx="1">
+        <a:scrgbClr r="0" g="0" b="0"/>
+      </a:fillRef>
+      <a:effectRef idx="1">
+        <a:scrgbClr r="0" g="0" b="0"/>
+      </a:effectRef>
+      <a:fontRef idx="minor">
+        <a:schemeClr val="lt1"/>
+      </a:fontRef>
+    </dgm:style>
+  </dgm:styleLbl>
+  <dgm:styleLbl name="asst2">
+    <dgm:scene3d>
+      <a:camera prst="orthographicFront"/>
+      <a:lightRig rig="threePt" dir="t"/>
+    </dgm:scene3d>
+    <dgm:sp3d/>
+    <dgm:txPr/>
+    <dgm:style>
+      <a:lnRef idx="3">
+        <a:scrgbClr r="0" g="0" b="0"/>
+      </a:lnRef>
+      <a:fillRef idx="1">
+        <a:scrgbClr r="0" g="0" b="0"/>
+      </a:fillRef>
+      <a:effectRef idx="1">
+        <a:scrgbClr r="0" g="0" b="0"/>
+      </a:effectRef>
+      <a:fontRef idx="minor">
+        <a:schemeClr val="lt1"/>
+      </a:fontRef>
+    </dgm:style>
+  </dgm:styleLbl>
+  <dgm:styleLbl name="asst3">
+    <dgm:scene3d>
+      <a:camera prst="orthographicFront"/>
+      <a:lightRig rig="threePt" dir="t"/>
+    </dgm:scene3d>
+    <dgm:sp3d/>
+    <dgm:txPr/>
+    <dgm:style>
+      <a:lnRef idx="3">
+        <a:scrgbClr r="0" g="0" b="0"/>
+      </a:lnRef>
+      <a:fillRef idx="1">
+        <a:scrgbClr r="0" g="0" b="0"/>
+      </a:fillRef>
+      <a:effectRef idx="1">
+        <a:scrgbClr r="0" g="0" b="0"/>
+      </a:effectRef>
+      <a:fontRef idx="minor">
+        <a:schemeClr val="lt1"/>
+      </a:fontRef>
+    </dgm:style>
+  </dgm:styleLbl>
+  <dgm:styleLbl name="asst4">
+    <dgm:scene3d>
+      <a:camera prst="orthographicFront"/>
+      <a:lightRig rig="threePt" dir="t"/>
+    </dgm:scene3d>
+    <dgm:sp3d/>
+    <dgm:txPr/>
+    <dgm:style>
+      <a:lnRef idx="3">
+        <a:scrgbClr r="0" g="0" b="0"/>
+      </a:lnRef>
+      <a:fillRef idx="1">
+        <a:scrgbClr r="0" g="0" b="0"/>
+      </a:fillRef>
+      <a:effectRef idx="1">
+        <a:scrgbClr r="0" g="0" b="0"/>
+      </a:effectRef>
+      <a:fontRef idx="minor">
+        <a:schemeClr val="lt1"/>
+      </a:fontRef>
+    </dgm:style>
+  </dgm:styleLbl>
+  <dgm:styleLbl name="parChTrans2D1">
+    <dgm:scene3d>
+      <a:camera prst="orthographicFront"/>
+      <a:lightRig rig="threePt" dir="t"/>
+    </dgm:scene3d>
+    <dgm:sp3d/>
+    <dgm:txPr/>
+    <dgm:style>
+      <a:lnRef idx="3">
+        <a:scrgbClr r="0" g="0" b="0"/>
+      </a:lnRef>
+      <a:fillRef idx="1">
+        <a:scrgbClr r="0" g="0" b="0"/>
+      </a:fillRef>
+      <a:effectRef idx="1">
+        <a:scrgbClr r="0" g="0" b="0"/>
+      </a:effectRef>
+      <a:fontRef idx="minor">
+        <a:schemeClr val="lt1"/>
+      </a:fontRef>
+    </dgm:style>
+  </dgm:styleLbl>
+  <dgm:styleLbl name="parChTrans2D2">
+    <dgm:scene3d>
+      <a:camera prst="orthographicFront"/>
+      <a:lightRig rig="threePt" dir="t"/>
+    </dgm:scene3d>
+    <dgm:sp3d/>
+    <dgm:txPr/>
+    <dgm:style>
+      <a:lnRef idx="3">
+        <a:scrgbClr r="0" g="0" b="0"/>
+      </a:lnRef>
+      <a:fillRef idx="1">
+        <a:scrgbClr r="0" g="0" b="0"/>
+      </a:fillRef>
+      <a:effectRef idx="1">
+        <a:scrgbClr r="0" g="0" b="0"/>
+      </a:effectRef>
+      <a:fontRef idx="minor">
+        <a:schemeClr val="lt1"/>
+      </a:fontRef>
+    </dgm:style>
+  </dgm:styleLbl>
+  <dgm:styleLbl name="parChTrans2D3">
+    <dgm:scene3d>
+      <a:camera prst="orthographicFront"/>
+      <a:lightRig rig="threePt" dir="t"/>
+    </dgm:scene3d>
+    <dgm:sp3d/>
+    <dgm:txPr/>
+    <dgm:style>
+      <a:lnRef idx="3">
+        <a:scrgbClr r="0" g="0" b="0"/>
+      </a:lnRef>
+      <a:fillRef idx="1">
+        <a:scrgbClr r="0" g="0" b="0"/>
+      </a:fillRef>
+      <a:effectRef idx="1">
+        <a:scrgbClr r="0" g="0" b="0"/>
+      </a:effectRef>
+      <a:fontRef idx="minor">
+        <a:schemeClr val="lt1"/>
+      </a:fontRef>
+    </dgm:style>
+  </dgm:styleLbl>
+  <dgm:styleLbl name="parChTrans2D4">
+    <dgm:scene3d>
+      <a:camera prst="orthographicFront"/>
+      <a:lightRig rig="threePt" dir="t"/>
+    </dgm:scene3d>
+    <dgm:sp3d/>
+    <dgm:txPr/>
+    <dgm:style>
+      <a:lnRef idx="3">
+        <a:scrgbClr r="0" g="0" b="0"/>
+      </a:lnRef>
+      <a:fillRef idx="1">
+        <a:scrgbClr r="0" g="0" b="0"/>
+      </a:fillRef>
+      <a:effectRef idx="1">
+        <a:scrgbClr r="0" g="0" b="0"/>
+      </a:effectRef>
+      <a:fontRef idx="minor">
+        <a:schemeClr val="lt1"/>
+      </a:fontRef>
+    </dgm:style>
+  </dgm:styleLbl>
+  <dgm:styleLbl name="parChTrans1D1">
+    <dgm:scene3d>
+      <a:camera prst="orthographicFront"/>
+      <a:lightRig rig="threePt" dir="t"/>
+    </dgm:scene3d>
+    <dgm:sp3d/>
+    <dgm:txPr/>
+    <dgm:style>
+      <a:lnRef idx="2">
+        <a:scrgbClr r="0" g="0" b="0"/>
+      </a:lnRef>
+      <a:fillRef idx="0">
+        <a:scrgbClr r="0" g="0" b="0"/>
+      </a:fillRef>
+      <a:effectRef idx="0">
+        <a:scrgbClr r="0" g="0" b="0"/>
+      </a:effectRef>
+      <a:fontRef idx="minor"/>
+    </dgm:style>
+  </dgm:styleLbl>
+  <dgm:styleLbl name="parChTrans1D2">
+    <dgm:scene3d>
+      <a:camera prst="orthographicFront"/>
+      <a:lightRig rig="threePt" dir="t"/>
+    </dgm:scene3d>
+    <dgm:sp3d/>
+    <dgm:txPr/>
+    <dgm:style>
+      <a:lnRef idx="2">
+        <a:scrgbClr r="0" g="0" b="0"/>
+      </a:lnRef>
+      <a:fillRef idx="0">
+        <a:scrgbClr r="0" g="0" b="0"/>
+      </a:fillRef>
+      <a:effectRef idx="0">
+        <a:scrgbClr r="0" g="0" b="0"/>
+      </a:effectRef>
+      <a:fontRef idx="minor"/>
+    </dgm:style>
+  </dgm:styleLbl>
+  <dgm:styleLbl name="parChTrans1D3">
+    <dgm:scene3d>
+      <a:camera prst="orthographicFront"/>
+      <a:lightRig rig="threePt" dir="t"/>
+    </dgm:scene3d>
+    <dgm:sp3d/>
+    <dgm:txPr/>
+    <dgm:style>
+      <a:lnRef idx="2">
+        <a:scrgbClr r="0" g="0" b="0"/>
+      </a:lnRef>
+      <a:fillRef idx="0">
+        <a:scrgbClr r="0" g="0" b="0"/>
+      </a:fillRef>
+      <a:effectRef idx="0">
+        <a:scrgbClr r="0" g="0" b="0"/>
+      </a:effectRef>
+      <a:fontRef idx="minor"/>
+    </dgm:style>
+  </dgm:styleLbl>
+  <dgm:styleLbl name="parChTrans1D4">
+    <dgm:scene3d>
+      <a:camera prst="orthographicFront"/>
+      <a:lightRig rig="threePt" dir="t"/>
+    </dgm:scene3d>
+    <dgm:sp3d/>
+    <dgm:txPr/>
+    <dgm:style>
+      <a:lnRef idx="2">
+        <a:scrgbClr r="0" g="0" b="0"/>
+      </a:lnRef>
+      <a:fillRef idx="0">
+        <a:scrgbClr r="0" g="0" b="0"/>
+      </a:fillRef>
+      <a:effectRef idx="0">
+        <a:scrgbClr r="0" g="0" b="0"/>
+      </a:effectRef>
+      <a:fontRef idx="minor"/>
+    </dgm:style>
+  </dgm:styleLbl>
+  <dgm:styleLbl name="fgAcc1">
+    <dgm:scene3d>
+      <a:camera prst="orthographicFront"/>
+      <a:lightRig rig="threePt" dir="t"/>
+    </dgm:scene3d>
+    <dgm:sp3d/>
+    <dgm:txPr/>
+    <dgm:style>
+      <a:lnRef idx="2">
+        <a:scrgbClr r="0" g="0" b="0"/>
+      </a:lnRef>
+      <a:fillRef idx="1">
+        <a:scrgbClr r="0" g="0" b="0"/>
+      </a:fillRef>
+      <a:effectRef idx="0">
+        <a:scrgbClr r="0" g="0" b="0"/>
+      </a:effectRef>
+      <a:fontRef idx="minor"/>
+    </dgm:style>
+  </dgm:styleLbl>
+  <dgm:styleLbl name="conFgAcc1">
+    <dgm:scene3d>
+      <a:camera prst="orthographicFront"/>
+      <a:lightRig rig="threePt" dir="t"/>
+    </dgm:scene3d>
+    <dgm:sp3d/>
+    <dgm:txPr/>
+    <dgm:style>
+      <a:lnRef idx="2">
+        <a:scrgbClr r="0" g="0" b="0"/>
+      </a:lnRef>
+      <a:fillRef idx="1">
+        <a:scrgbClr r="0" g="0" b="0"/>
+      </a:fillRef>
+      <a:effectRef idx="0">
+        <a:scrgbClr r="0" g="0" b="0"/>
+      </a:effectRef>
+      <a:fontRef idx="minor"/>
+    </dgm:style>
+  </dgm:styleLbl>
+  <dgm:styleLbl name="alignAcc1">
+    <dgm:scene3d>
+      <a:camera prst="orthographicFront"/>
+      <a:lightRig rig="threePt" dir="t"/>
+    </dgm:scene3d>
+    <dgm:sp3d/>
+    <dgm:txPr/>
+    <dgm:style>
+      <a:lnRef idx="2">
+        <a:scrgbClr r="0" g="0" b="0"/>
+      </a:lnRef>
+      <a:fillRef idx="1">
+        <a:scrgbClr r="0" g="0" b="0"/>
+      </a:fillRef>
+      <a:effectRef idx="0">
+        <a:scrgbClr r="0" g="0" b="0"/>
+      </a:effectRef>
+      <a:fontRef idx="minor"/>
+    </dgm:style>
+  </dgm:styleLbl>
+  <dgm:styleLbl name="trAlignAcc1">
+    <dgm:scene3d>
+      <a:camera prst="orthographicFront"/>
+      <a:lightRig rig="threePt" dir="t"/>
+    </dgm:scene3d>
+    <dgm:sp3d/>
+    <dgm:txPr/>
+    <dgm:style>
+      <a:lnRef idx="1">
+        <a:scrgbClr r="0" g="0" b="0"/>
+      </a:lnRef>
+      <a:fillRef idx="1">
+        <a:scrgbClr r="0" g="0" b="0"/>
+      </a:fillRef>
+      <a:effectRef idx="0">
+        <a:scrgbClr r="0" g="0" b="0"/>
+      </a:effectRef>
+      <a:fontRef idx="minor"/>
+    </dgm:style>
+  </dgm:styleLbl>
+  <dgm:styleLbl name="bgAcc1">
+    <dgm:scene3d>
+      <a:camera prst="orthographicFront"/>
+      <a:lightRig rig="threePt" dir="t"/>
+    </dgm:scene3d>
+    <dgm:sp3d/>
+    <dgm:txPr/>
+    <dgm:style>
+      <a:lnRef idx="2">
+        <a:scrgbClr r="0" g="0" b="0"/>
+      </a:lnRef>
+      <a:fillRef idx="1">
+        <a:scrgbClr r="0" g="0" b="0"/>
+      </a:fillRef>
+      <a:effectRef idx="0">
+        <a:scrgbClr r="0" g="0" b="0"/>
+      </a:effectRef>
+      <a:fontRef idx="minor"/>
+    </dgm:style>
+  </dgm:styleLbl>
+  <dgm:styleLbl name="solidFgAcc1">
+    <dgm:scene3d>
+      <a:camera prst="orthographicFront"/>
+      <a:lightRig rig="threePt" dir="t"/>
+    </dgm:scene3d>
+    <dgm:sp3d/>
+    <dgm:txPr/>
+    <dgm:style>
+      <a:lnRef idx="2">
+        <a:scrgbClr r="0" g="0" b="0"/>
+      </a:lnRef>
+      <a:fillRef idx="1">
+        <a:scrgbClr r="0" g="0" b="0"/>
+      </a:fillRef>
+      <a:effectRef idx="0">
+        <a:scrgbClr r="0" g="0" b="0"/>
+      </a:effectRef>
+      <a:fontRef idx="minor"/>
+    </dgm:style>
+  </dgm:styleLbl>
+  <dgm:styleLbl name="solidAlignAcc1">
+    <dgm:scene3d>
+      <a:camera prst="orthographicFront"/>
+      <a:lightRig rig="threePt" dir="t"/>
+    </dgm:scene3d>
+    <dgm:sp3d/>
+    <dgm:txPr/>
+    <dgm:style>
+      <a:lnRef idx="2">
+        <a:scrgbClr r="0" g="0" b="0"/>
+      </a:lnRef>
+      <a:fillRef idx="1">
+        <a:scrgbClr r="0" g="0" b="0"/>
+      </a:fillRef>
+      <a:effectRef idx="0">
+        <a:scrgbClr r="0" g="0" b="0"/>
+      </a:effectRef>
+      <a:fontRef idx="minor"/>
+    </dgm:style>
+  </dgm:styleLbl>
+  <dgm:styleLbl name="solidBgAcc1">
+    <dgm:scene3d>
+      <a:camera prst="orthographicFront"/>
+      <a:lightRig rig="threePt" dir="t"/>
+    </dgm:scene3d>
+    <dgm:sp3d/>
+    <dgm:txPr/>
+    <dgm:style>
+      <a:lnRef idx="2">
+        <a:scrgbClr r="0" g="0" b="0"/>
+      </a:lnRef>
+      <a:fillRef idx="1">
+        <a:scrgbClr r="0" g="0" b="0"/>
+      </a:fillRef>
+      <a:effectRef idx="0">
+        <a:scrgbClr r="0" g="0" b="0"/>
+      </a:effectRef>
+      <a:fontRef idx="minor"/>
+    </dgm:style>
+  </dgm:styleLbl>
+  <dgm:styleLbl name="fgAccFollowNode1">
+    <dgm:scene3d>
+      <a:camera prst="orthographicFront"/>
+      <a:lightRig rig="threePt" dir="t"/>
+    </dgm:scene3d>
+    <dgm:sp3d/>
+    <dgm:txPr/>
+    <dgm:style>
+      <a:lnRef idx="2">
+        <a:scrgbClr r="0" g="0" b="0"/>
+      </a:lnRef>
+      <a:fillRef idx="1">
+        <a:scrgbClr r="0" g="0" b="0"/>
+      </a:fillRef>
+      <a:effectRef idx="0">
+        <a:scrgbClr r="0" g="0" b="0"/>
+      </a:effectRef>
+      <a:fontRef idx="minor"/>
+    </dgm:style>
+  </dgm:styleLbl>
+  <dgm:styleLbl name="alignAccFollowNode1">
+    <dgm:scene3d>
+      <a:camera prst="orthographicFront"/>
+      <a:lightRig rig="threePt" dir="t"/>
+    </dgm:scene3d>
+    <dgm:sp3d/>
+    <dgm:txPr/>
+    <dgm:style>
+      <a:lnRef idx="2">
+        <a:scrgbClr r="0" g="0" b="0"/>
+      </a:lnRef>
+      <a:fillRef idx="1">
+        <a:scrgbClr r="0" g="0" b="0"/>
+      </a:fillRef>
+      <a:effectRef idx="0">
+        <a:scrgbClr r="0" g="0" b="0"/>
+      </a:effectRef>
+      <a:fontRef idx="minor"/>
+    </dgm:style>
+  </dgm:styleLbl>
+  <dgm:styleLbl name="bgAccFollowNode1">
+    <dgm:scene3d>
+      <a:camera prst="orthographicFront"/>
+      <a:lightRig rig="threePt" dir="t"/>
+    </dgm:scene3d>
+    <dgm:sp3d/>
+    <dgm:txPr/>
+    <dgm:style>
+      <a:lnRef idx="2">
+        <a:scrgbClr r="0" g="0" b="0"/>
+      </a:lnRef>
+      <a:fillRef idx="1">
+        <a:scrgbClr r="0" g="0" b="0"/>
+      </a:fillRef>
+      <a:effectRef idx="0">
+        <a:scrgbClr r="0" g="0" b="0"/>
+      </a:effectRef>
+      <a:fontRef idx="minor"/>
+    </dgm:style>
+  </dgm:styleLbl>
+  <dgm:styleLbl name="fgAcc0">
+    <dgm:scene3d>
+      <a:camera prst="orthographicFront"/>
+      <a:lightRig rig="threePt" dir="t"/>
+    </dgm:scene3d>
+    <dgm:sp3d/>
+    <dgm:txPr/>
+    <dgm:style>
+      <a:lnRef idx="2">
+        <a:scrgbClr r="0" g="0" b="0"/>
+      </a:lnRef>
+      <a:fillRef idx="1">
+        <a:scrgbClr r="0" g="0" b="0"/>
+      </a:fillRef>
+      <a:effectRef idx="0">
+        <a:scrgbClr r="0" g="0" b="0"/>
+      </a:effectRef>
+      <a:fontRef idx="minor"/>
+    </dgm:style>
+  </dgm:styleLbl>
+  <dgm:styleLbl name="fgAcc2">
+    <dgm:scene3d>
+      <a:camera prst="orthographicFront"/>
+      <a:lightRig rig="threePt" dir="t"/>
+    </dgm:scene3d>
+    <dgm:sp3d/>
+    <dgm:txPr/>
+    <dgm:style>
+      <a:lnRef idx="2">
+        <a:scrgbClr r="0" g="0" b="0"/>
+      </a:lnRef>
+      <a:fillRef idx="1">
+        <a:scrgbClr r="0" g="0" b="0"/>
+      </a:fillRef>
+      <a:effectRef idx="0">
+        <a:scrgbClr r="0" g="0" b="0"/>
+      </a:effectRef>
+      <a:fontRef idx="minor"/>
+    </dgm:style>
+  </dgm:styleLbl>
+  <dgm:styleLbl name="fgAcc3">
+    <dgm:scene3d>
+      <a:camera prst="orthographicFront"/>
+      <a:lightRig rig="threePt" dir="t"/>
+    </dgm:scene3d>
+    <dgm:sp3d/>
+    <dgm:txPr/>
+    <dgm:style>
+      <a:lnRef idx="2">
+        <a:scrgbClr r="0" g="0" b="0"/>
+      </a:lnRef>
+      <a:fillRef idx="1">
+        <a:scrgbClr r="0" g="0" b="0"/>
+      </a:fillRef>
+      <a:effectRef idx="0">
+        <a:scrgbClr r="0" g="0" b="0"/>
+      </a:effectRef>
+      <a:fontRef idx="minor"/>
+    </dgm:style>
+  </dgm:styleLbl>
+  <dgm:styleLbl name="fgAcc4">
+    <dgm:scene3d>
+      <a:camera prst="orthographicFront"/>
+      <a:lightRig rig="threePt" dir="t"/>
+    </dgm:scene3d>
+    <dgm:sp3d/>
+    <dgm:txPr/>
+    <dgm:style>
+      <a:lnRef idx="2">
+        <a:scrgbClr r="0" g="0" b="0"/>
+      </a:lnRef>
+      <a:fillRef idx="1">
+        <a:scrgbClr r="0" g="0" b="0"/>
+      </a:fillRef>
+      <a:effectRef idx="0">
+        <a:scrgbClr r="0" g="0" b="0"/>
+      </a:effectRef>
+      <a:fontRef idx="minor"/>
+    </dgm:style>
+  </dgm:styleLbl>
+  <dgm:styleLbl name="bgShp">
+    <dgm:scene3d>
+      <a:camera prst="orthographicFront"/>
+      <a:lightRig rig="threePt" dir="t"/>
+    </dgm:scene3d>
+    <dgm:sp3d/>
+    <dgm:txPr/>
+    <dgm:style>
+      <a:lnRef idx="0">
+        <a:scrgbClr r="0" g="0" b="0"/>
+      </a:lnRef>
+      <a:fillRef idx="1">
+        <a:scrgbClr r="0" g="0" b="0"/>
+      </a:fillRef>
+      <a:effectRef idx="0">
+        <a:scrgbClr r="0" g="0" b="0"/>
+      </a:effectRef>
+      <a:fontRef idx="minor"/>
+    </dgm:style>
+  </dgm:styleLbl>
+  <dgm:styleLbl name="dkBgShp">
+    <dgm:scene3d>
+      <a:camera prst="orthographicFront"/>
+      <a:lightRig rig="threePt" dir="t"/>
+    </dgm:scene3d>
+    <dgm:sp3d/>
+    <dgm:txPr/>
+    <dgm:style>
+      <a:lnRef idx="0">
+        <a:scrgbClr r="0" g="0" b="0"/>
+      </a:lnRef>
+      <a:fillRef idx="1">
+        <a:scrgbClr r="0" g="0" b="0"/>
+      </a:fillRef>
+      <a:effectRef idx="0">
+        <a:scrgbClr r="0" g="0" b="0"/>
+      </a:effectRef>
+      <a:fontRef idx="minor"/>
+    </dgm:style>
+  </dgm:styleLbl>
+  <dgm:styleLbl name="trBgShp">
+    <dgm:scene3d>
+      <a:camera prst="orthographicFront"/>
+      <a:lightRig rig="threePt" dir="t"/>
+    </dgm:scene3d>
+    <dgm:sp3d/>
+    <dgm:txPr/>
+    <dgm:style>
+      <a:lnRef idx="0">
+        <a:scrgbClr r="0" g="0" b="0"/>
+      </a:lnRef>
+      <a:fillRef idx="1">
+        <a:scrgbClr r="0" g="0" b="0"/>
+      </a:fillRef>
+      <a:effectRef idx="0">
+        <a:scrgbClr r="0" g="0" b="0"/>
+      </a:effectRef>
+      <a:fontRef idx="minor"/>
+    </dgm:style>
+  </dgm:styleLbl>
+  <dgm:styleLbl name="fgShp">
+    <dgm:scene3d>
+      <a:camera prst="orthographicFront"/>
+      <a:lightRig rig="threePt" dir="t"/>
+    </dgm:scene3d>
+    <dgm:sp3d/>
+    <dgm:txPr/>
+    <dgm:style>
+      <a:lnRef idx="3">
+        <a:scrgbClr r="0" g="0" b="0"/>
+      </a:lnRef>
+      <a:fillRef idx="1">
+        <a:scrgbClr r="0" g="0" b="0"/>
+      </a:fillRef>
+      <a:effectRef idx="1">
+        <a:scrgbClr r="0" g="0" b="0"/>
+      </a:effectRef>
+      <a:fontRef idx="minor"/>
+    </dgm:style>
+  </dgm:styleLbl>
+  <dgm:styleLbl name="revTx">
+    <dgm:scene3d>
+      <a:camera prst="orthographicFront"/>
+      <a:lightRig rig="threePt" dir="t"/>
+    </dgm:scene3d>
+    <dgm:sp3d/>
+    <dgm:txPr/>
+    <dgm:style>
+      <a:lnRef idx="0">
+        <a:scrgbClr r="0" g="0" b="0"/>
+      </a:lnRef>
+      <a:fillRef idx="0">
+        <a:scrgbClr r="0" g="0" b="0"/>
+      </a:fillRef>
+      <a:effectRef idx="0">
+        <a:scrgbClr r="0" g="0" b="0"/>
+      </a:effectRef>
+      <a:fontRef idx="minor"/>
+    </dgm:style>
+  </dgm:styleLbl>
+</dgm:styleDef>
+</file>
+
+<file path=ppt/diagrams/quickStyle6.xml><?xml version="1.0" encoding="utf-8"?>
 <dgm:styleDef xmlns:dgm="http://schemas.openxmlformats.org/drawingml/2006/diagram" xmlns:a="http://schemas.openxmlformats.org/drawingml/2006/main" uniqueId="urn:microsoft.com/office/officeart/2005/8/quickstyle/simple2">
   <dgm:title val=""/>
   <dgm:desc val=""/>
@@ -22464,7 +24963,7 @@
           <a:p>
             <a:fld id="{E5FA19B5-20F2-4A2C-8821-6413C163DB59}" type="datetimeFigureOut">
               <a:rPr lang="en-IN" smtClean="0"/>
-              <a:t>26-06-2022</a:t>
+              <a:t>27-06-2022</a:t>
             </a:fld>
             <a:endParaRPr lang="en-IN"/>
           </a:p>
@@ -22634,7 +25133,7 @@
           <a:p>
             <a:fld id="{E5FA19B5-20F2-4A2C-8821-6413C163DB59}" type="datetimeFigureOut">
               <a:rPr lang="en-IN" smtClean="0"/>
-              <a:t>26-06-2022</a:t>
+              <a:t>27-06-2022</a:t>
             </a:fld>
             <a:endParaRPr lang="en-IN"/>
           </a:p>
@@ -22814,7 +25313,7 @@
           <a:p>
             <a:fld id="{E5FA19B5-20F2-4A2C-8821-6413C163DB59}" type="datetimeFigureOut">
               <a:rPr lang="en-IN" smtClean="0"/>
-              <a:t>26-06-2022</a:t>
+              <a:t>27-06-2022</a:t>
             </a:fld>
             <a:endParaRPr lang="en-IN"/>
           </a:p>
@@ -22984,7 +25483,7 @@
           <a:p>
             <a:fld id="{E5FA19B5-20F2-4A2C-8821-6413C163DB59}" type="datetimeFigureOut">
               <a:rPr lang="en-IN" smtClean="0"/>
-              <a:t>26-06-2022</a:t>
+              <a:t>27-06-2022</a:t>
             </a:fld>
             <a:endParaRPr lang="en-IN"/>
           </a:p>
@@ -23230,7 +25729,7 @@
           <a:p>
             <a:fld id="{E5FA19B5-20F2-4A2C-8821-6413C163DB59}" type="datetimeFigureOut">
               <a:rPr lang="en-IN" smtClean="0"/>
-              <a:t>26-06-2022</a:t>
+              <a:t>27-06-2022</a:t>
             </a:fld>
             <a:endParaRPr lang="en-IN"/>
           </a:p>
@@ -23518,7 +26017,7 @@
           <a:p>
             <a:fld id="{E5FA19B5-20F2-4A2C-8821-6413C163DB59}" type="datetimeFigureOut">
               <a:rPr lang="en-IN" smtClean="0"/>
-              <a:t>26-06-2022</a:t>
+              <a:t>27-06-2022</a:t>
             </a:fld>
             <a:endParaRPr lang="en-IN"/>
           </a:p>
@@ -23940,7 +26439,7 @@
           <a:p>
             <a:fld id="{E5FA19B5-20F2-4A2C-8821-6413C163DB59}" type="datetimeFigureOut">
               <a:rPr lang="en-IN" smtClean="0"/>
-              <a:t>26-06-2022</a:t>
+              <a:t>27-06-2022</a:t>
             </a:fld>
             <a:endParaRPr lang="en-IN"/>
           </a:p>
@@ -24058,7 +26557,7 @@
           <a:p>
             <a:fld id="{E5FA19B5-20F2-4A2C-8821-6413C163DB59}" type="datetimeFigureOut">
               <a:rPr lang="en-IN" smtClean="0"/>
-              <a:t>26-06-2022</a:t>
+              <a:t>27-06-2022</a:t>
             </a:fld>
             <a:endParaRPr lang="en-IN"/>
           </a:p>
@@ -24153,7 +26652,7 @@
           <a:p>
             <a:fld id="{E5FA19B5-20F2-4A2C-8821-6413C163DB59}" type="datetimeFigureOut">
               <a:rPr lang="en-IN" smtClean="0"/>
-              <a:t>26-06-2022</a:t>
+              <a:t>27-06-2022</a:t>
             </a:fld>
             <a:endParaRPr lang="en-IN"/>
           </a:p>
@@ -24430,7 +26929,7 @@
           <a:p>
             <a:fld id="{E5FA19B5-20F2-4A2C-8821-6413C163DB59}" type="datetimeFigureOut">
               <a:rPr lang="en-IN" smtClean="0"/>
-              <a:t>26-06-2022</a:t>
+              <a:t>27-06-2022</a:t>
             </a:fld>
             <a:endParaRPr lang="en-IN"/>
           </a:p>
@@ -24683,7 +27182,7 @@
           <a:p>
             <a:fld id="{E5FA19B5-20F2-4A2C-8821-6413C163DB59}" type="datetimeFigureOut">
               <a:rPr lang="en-IN" smtClean="0"/>
-              <a:t>26-06-2022</a:t>
+              <a:t>27-06-2022</a:t>
             </a:fld>
             <a:endParaRPr lang="en-IN"/>
           </a:p>
@@ -24896,7 +27395,7 @@
           <a:p>
             <a:fld id="{E5FA19B5-20F2-4A2C-8821-6413C163DB59}" type="datetimeFigureOut">
               <a:rPr lang="en-IN" smtClean="0"/>
-              <a:t>26-06-2022</a:t>
+              <a:t>27-06-2022</a:t>
             </a:fld>
             <a:endParaRPr lang="en-IN"/>
           </a:p>
@@ -29444,10 +31943,207 @@
       </p:sp>
       <p:sp>
         <p:nvSpPr>
-          <p:cNvPr id="44" name="TextBox 43">
+          <p:cNvPr id="11" name="Oval 10">
             <a:extLst>
               <a:ext uri="{FF2B5EF4-FFF2-40B4-BE49-F238E27FC236}">
-                <a16:creationId xmlns:a16="http://schemas.microsoft.com/office/drawing/2014/main" id="{A5B88C19-CBAB-4B44-9909-6B2C0EE40ED1}"/>
+                <a16:creationId xmlns:a16="http://schemas.microsoft.com/office/drawing/2014/main" id="{2666DC98-93D0-4E09-982B-AB26A7417FBA}"/>
+              </a:ext>
+            </a:extLst>
+          </p:cNvPr>
+          <p:cNvSpPr/>
+          <p:nvPr/>
+        </p:nvSpPr>
+        <p:spPr>
+          <a:xfrm>
+            <a:off x="449941" y="565476"/>
+            <a:ext cx="1241740" cy="1243054"/>
+          </a:xfrm>
+          <a:prstGeom prst="ellipse">
+            <a:avLst/>
+          </a:prstGeom>
+          <a:noFill/>
+          <a:ln>
+            <a:solidFill>
+              <a:schemeClr val="tx2">
+                <a:lumMod val="60000"/>
+                <a:lumOff val="40000"/>
+              </a:schemeClr>
+            </a:solidFill>
+          </a:ln>
+        </p:spPr>
+        <p:style>
+          <a:lnRef idx="2">
+            <a:schemeClr val="accent1">
+              <a:shade val="50000"/>
+            </a:schemeClr>
+          </a:lnRef>
+          <a:fillRef idx="1">
+            <a:schemeClr val="accent1"/>
+          </a:fillRef>
+          <a:effectRef idx="0">
+            <a:schemeClr val="accent1"/>
+          </a:effectRef>
+          <a:fontRef idx="minor">
+            <a:schemeClr val="lt1"/>
+          </a:fontRef>
+        </p:style>
+        <p:txBody>
+          <a:bodyPr rtlCol="0" anchor="ctr"/>
+          <a:lstStyle/>
+          <a:p>
+            <a:pPr algn="ctr"/>
+            <a:endParaRPr lang="en-IN"/>
+          </a:p>
+        </p:txBody>
+      </p:sp>
+      <p:sp>
+        <p:nvSpPr>
+          <p:cNvPr id="12" name="Oval 11">
+            <a:extLst>
+              <a:ext uri="{FF2B5EF4-FFF2-40B4-BE49-F238E27FC236}">
+                <a16:creationId xmlns:a16="http://schemas.microsoft.com/office/drawing/2014/main" id="{2666DC98-93D0-4E09-982B-AB26A7417FBA}"/>
+              </a:ext>
+            </a:extLst>
+          </p:cNvPr>
+          <p:cNvSpPr/>
+          <p:nvPr/>
+        </p:nvSpPr>
+        <p:spPr>
+          <a:xfrm>
+            <a:off x="305926" y="457172"/>
+            <a:ext cx="1529770" cy="1459660"/>
+          </a:xfrm>
+          <a:prstGeom prst="ellipse">
+            <a:avLst/>
+          </a:prstGeom>
+          <a:noFill/>
+          <a:ln>
+            <a:solidFill>
+              <a:schemeClr val="tx2">
+                <a:lumMod val="60000"/>
+                <a:lumOff val="40000"/>
+              </a:schemeClr>
+            </a:solidFill>
+          </a:ln>
+        </p:spPr>
+        <p:style>
+          <a:lnRef idx="2">
+            <a:schemeClr val="accent1">
+              <a:shade val="50000"/>
+            </a:schemeClr>
+          </a:lnRef>
+          <a:fillRef idx="1">
+            <a:schemeClr val="accent1"/>
+          </a:fillRef>
+          <a:effectRef idx="0">
+            <a:schemeClr val="accent1"/>
+          </a:effectRef>
+          <a:fontRef idx="minor">
+            <a:schemeClr val="lt1"/>
+          </a:fontRef>
+        </p:style>
+        <p:txBody>
+          <a:bodyPr rtlCol="0" anchor="ctr"/>
+          <a:lstStyle/>
+          <a:p>
+            <a:pPr algn="ctr"/>
+            <a:endParaRPr lang="en-IN"/>
+          </a:p>
+        </p:txBody>
+      </p:sp>
+      <p:pic>
+        <p:nvPicPr>
+          <p:cNvPr id="2" name="Picture 1"/>
+          <p:cNvPicPr>
+            <a:picLocks noChangeAspect="1"/>
+          </p:cNvPicPr>
+          <p:nvPr/>
+        </p:nvPicPr>
+        <p:blipFill>
+          <a:blip r:embed="rId2" cstate="print">
+            <a:duotone>
+              <a:schemeClr val="bg2">
+                <a:shade val="45000"/>
+                <a:satMod val="135000"/>
+              </a:schemeClr>
+              <a:prstClr val="white"/>
+            </a:duotone>
+            <a:extLst>
+              <a:ext uri="{BEBA8EAE-BF5A-486C-A8C5-ECC9F3942E4B}">
+                <a14:imgProps xmlns:a14="http://schemas.microsoft.com/office/drawing/2010/main">
+                  <a14:imgLayer r:embed="rId3">
+                    <a14:imgEffect>
+                      <a14:backgroundRemoval t="0" b="99843" l="9753" r="89973"/>
+                    </a14:imgEffect>
+                    <a14:imgEffect>
+                      <a14:saturation sat="0"/>
+                    </a14:imgEffect>
+                  </a14:imgLayer>
+                </a14:imgProps>
+              </a:ext>
+              <a:ext uri="{28A0092B-C50C-407E-A947-70E740481C1C}">
+                <a14:useLocalDpi xmlns:a14="http://schemas.microsoft.com/office/drawing/2010/main" val="0"/>
+              </a:ext>
+            </a:extLst>
+          </a:blip>
+          <a:stretch>
+            <a:fillRect/>
+          </a:stretch>
+        </p:blipFill>
+        <p:spPr>
+          <a:xfrm rot="5400000">
+            <a:off x="545772" y="690625"/>
+            <a:ext cx="1003246" cy="876462"/>
+          </a:xfrm>
+          <a:prstGeom prst="rect">
+            <a:avLst/>
+          </a:prstGeom>
+          <a:ln>
+            <a:noFill/>
+          </a:ln>
+          <a:effectLst>
+            <a:outerShdw blurRad="292100" dist="139700" dir="2700000" algn="tl" rotWithShape="0">
+              <a:srgbClr val="333333">
+                <a:alpha val="65000"/>
+              </a:srgbClr>
+            </a:outerShdw>
+          </a:effectLst>
+        </p:spPr>
+      </p:pic>
+      <p:graphicFrame>
+        <p:nvGraphicFramePr>
+          <p:cNvPr id="4" name="Diagram 3">
+            <a:extLst>
+              <a:ext uri="{FF2B5EF4-FFF2-40B4-BE49-F238E27FC236}">
+                <a16:creationId xmlns:a16="http://schemas.microsoft.com/office/drawing/2014/main" id="{95664092-45FC-47FE-88B8-CCBF58E68800}"/>
+              </a:ext>
+            </a:extLst>
+          </p:cNvPr>
+          <p:cNvGraphicFramePr/>
+          <p:nvPr>
+            <p:extLst>
+              <p:ext uri="{D42A27DB-BD31-4B8C-83A1-F6EECF244321}">
+                <p14:modId xmlns:p14="http://schemas.microsoft.com/office/powerpoint/2010/main" val="353027672"/>
+              </p:ext>
+            </p:extLst>
+          </p:nvPr>
+        </p:nvGraphicFramePr>
+        <p:xfrm>
+          <a:off x="1979712" y="1908653"/>
+          <a:ext cx="6558464" cy="4372308"/>
+        </p:xfrm>
+        <a:graphic>
+          <a:graphicData uri="http://schemas.openxmlformats.org/drawingml/2006/diagram">
+            <dgm:relIds xmlns:dgm="http://schemas.openxmlformats.org/drawingml/2006/diagram" xmlns:r="http://schemas.openxmlformats.org/officeDocument/2006/relationships" r:dm="rId4" r:lo="rId5" r:qs="rId6" r:cs="rId7"/>
+          </a:graphicData>
+        </a:graphic>
+      </p:graphicFrame>
+      <p:sp>
+        <p:nvSpPr>
+          <p:cNvPr id="16" name="TextBox 15">
+            <a:extLst>
+              <a:ext uri="{FF2B5EF4-FFF2-40B4-BE49-F238E27FC236}">
+                <a16:creationId xmlns:a16="http://schemas.microsoft.com/office/drawing/2014/main" id="{01997CD3-1AE0-4644-AB63-AB701D321B87}"/>
               </a:ext>
             </a:extLst>
           </p:cNvPr>
@@ -29456,8 +32152,8 @@
         </p:nvSpPr>
         <p:spPr>
           <a:xfrm>
-            <a:off x="2061526" y="659653"/>
-            <a:ext cx="6284695" cy="1200329"/>
+            <a:off x="2699792" y="577039"/>
+            <a:ext cx="4657724" cy="1077218"/>
           </a:xfrm>
           <a:prstGeom prst="rect">
             <a:avLst/>
@@ -29465,14 +32161,14 @@
           <a:noFill/>
         </p:spPr>
         <p:txBody>
-          <a:bodyPr wrap="square" rtlCol="0">
+          <a:bodyPr wrap="square">
             <a:spAutoFit/>
           </a:bodyPr>
           <a:lstStyle/>
           <a:p>
             <a:pPr algn="ctr"/>
             <a:r>
-              <a:rPr lang="en-IN" sz="3600" b="1" dirty="0">
+              <a:rPr lang="en-IN" sz="3200" b="1" dirty="0">
                 <a:solidFill>
                   <a:schemeClr val="bg1">
                     <a:lumMod val="50000"/>
@@ -29482,7 +32178,7 @@
               <a:t>How To </a:t>
             </a:r>
             <a:r>
-              <a:rPr lang="en-US" sz="3600" b="1" dirty="0">
+              <a:rPr lang="en-US" sz="3200" b="1" dirty="0">
                 <a:solidFill>
                   <a:schemeClr val="bg1">
                     <a:lumMod val="50000"/>
@@ -29492,7 +32188,7 @@
               <a:t>Discourage</a:t>
             </a:r>
             <a:r>
-              <a:rPr lang="en-IN" sz="3600" b="1" dirty="0">
+              <a:rPr lang="en-IN" sz="3200" b="1" dirty="0">
                 <a:solidFill>
                   <a:schemeClr val="bg1">
                     <a:lumMod val="50000"/>
@@ -29501,6 +32197,202 @@
               </a:rPr>
               <a:t> New Entrant.</a:t>
             </a:r>
+          </a:p>
+        </p:txBody>
+      </p:sp>
+    </p:spTree>
+    <p:extLst>
+      <p:ext uri="{BB962C8B-B14F-4D97-AF65-F5344CB8AC3E}">
+        <p14:creationId xmlns:p14="http://schemas.microsoft.com/office/powerpoint/2010/main" val="197305476"/>
+      </p:ext>
+    </p:extLst>
+  </p:cSld>
+  <p:clrMapOvr>
+    <a:masterClrMapping/>
+  </p:clrMapOvr>
+</p:sld>
+</file>
+
+<file path=ppt/slides/slide9.xml><?xml version="1.0" encoding="utf-8"?>
+<p:sld xmlns:a="http://schemas.openxmlformats.org/drawingml/2006/main" xmlns:r="http://schemas.openxmlformats.org/officeDocument/2006/relationships" xmlns:p="http://schemas.openxmlformats.org/presentationml/2006/main">
+  <p:cSld>
+    <p:spTree>
+      <p:nvGrpSpPr>
+        <p:cNvPr id="1" name=""/>
+        <p:cNvGrpSpPr/>
+        <p:nvPr/>
+      </p:nvGrpSpPr>
+      <p:grpSpPr>
+        <a:xfrm>
+          <a:off x="0" y="0"/>
+          <a:ext cx="0" cy="0"/>
+          <a:chOff x="0" y="0"/>
+          <a:chExt cx="0" cy="0"/>
+        </a:xfrm>
+      </p:grpSpPr>
+      <p:sp>
+        <p:nvSpPr>
+          <p:cNvPr id="7" name="Rectangle: Rounded Corners 6">
+            <a:extLst>
+              <a:ext uri="{FF2B5EF4-FFF2-40B4-BE49-F238E27FC236}">
+                <a16:creationId xmlns:a16="http://schemas.microsoft.com/office/drawing/2014/main" id="{F6CD8F76-5800-4491-B5FC-96211E50F874}"/>
+              </a:ext>
+            </a:extLst>
+          </p:cNvPr>
+          <p:cNvSpPr/>
+          <p:nvPr/>
+        </p:nvSpPr>
+        <p:spPr>
+          <a:xfrm>
+            <a:off x="-108519" y="-171400"/>
+            <a:ext cx="1174138" cy="7128792"/>
+          </a:xfrm>
+          <a:prstGeom prst="roundRect">
+            <a:avLst/>
+          </a:prstGeom>
+          <a:solidFill>
+            <a:srgbClr val="000000"/>
+          </a:solidFill>
+          <a:ln/>
+        </p:spPr>
+        <p:style>
+          <a:lnRef idx="0">
+            <a:schemeClr val="dk1"/>
+          </a:lnRef>
+          <a:fillRef idx="3">
+            <a:schemeClr val="dk1"/>
+          </a:fillRef>
+          <a:effectRef idx="3">
+            <a:schemeClr val="dk1"/>
+          </a:effectRef>
+          <a:fontRef idx="minor">
+            <a:schemeClr val="lt1"/>
+          </a:fontRef>
+        </p:style>
+        <p:txBody>
+          <a:bodyPr rtlCol="0" anchor="ctr"/>
+          <a:lstStyle/>
+          <a:p>
+            <a:pPr algn="ctr"/>
+            <a:endParaRPr lang="en-US"/>
+          </a:p>
+        </p:txBody>
+      </p:sp>
+      <p:sp>
+        <p:nvSpPr>
+          <p:cNvPr id="40" name="Oval 39">
+            <a:extLst>
+              <a:ext uri="{FF2B5EF4-FFF2-40B4-BE49-F238E27FC236}">
+                <a16:creationId xmlns:a16="http://schemas.microsoft.com/office/drawing/2014/main" id="{2666DC98-93D0-4E09-982B-AB26A7417FBA}"/>
+              </a:ext>
+            </a:extLst>
+          </p:cNvPr>
+          <p:cNvSpPr/>
+          <p:nvPr/>
+        </p:nvSpPr>
+        <p:spPr>
+          <a:xfrm>
+            <a:off x="539552" y="692696"/>
+            <a:ext cx="1062517" cy="1008111"/>
+          </a:xfrm>
+          <a:prstGeom prst="ellipse">
+            <a:avLst/>
+          </a:prstGeom>
+          <a:gradFill flip="none" rotWithShape="1">
+            <a:gsLst>
+              <a:gs pos="0">
+                <a:schemeClr val="tx2">
+                  <a:lumMod val="52000"/>
+                  <a:lumOff val="48000"/>
+                </a:schemeClr>
+              </a:gs>
+              <a:gs pos="100000">
+                <a:srgbClr val="95B3D7">
+                  <a:lumMod val="88000"/>
+                </a:srgbClr>
+              </a:gs>
+            </a:gsLst>
+            <a:lin ang="5400000" scaled="1"/>
+            <a:tileRect/>
+          </a:gradFill>
+          <a:ln>
+            <a:noFill/>
+          </a:ln>
+        </p:spPr>
+        <p:style>
+          <a:lnRef idx="2">
+            <a:schemeClr val="accent1">
+              <a:shade val="50000"/>
+            </a:schemeClr>
+          </a:lnRef>
+          <a:fillRef idx="1">
+            <a:schemeClr val="accent1"/>
+          </a:fillRef>
+          <a:effectRef idx="0">
+            <a:schemeClr val="accent1"/>
+          </a:effectRef>
+          <a:fontRef idx="minor">
+            <a:schemeClr val="lt1"/>
+          </a:fontRef>
+        </p:style>
+        <p:txBody>
+          <a:bodyPr rtlCol="0" anchor="ctr"/>
+          <a:lstStyle/>
+          <a:p>
+            <a:pPr algn="ctr"/>
+            <a:endParaRPr lang="en-IN"/>
+          </a:p>
+        </p:txBody>
+      </p:sp>
+      <p:sp>
+        <p:nvSpPr>
+          <p:cNvPr id="43" name="Title 1">
+            <a:extLst>
+              <a:ext uri="{FF2B5EF4-FFF2-40B4-BE49-F238E27FC236}">
+                <a16:creationId xmlns:a16="http://schemas.microsoft.com/office/drawing/2014/main" id="{C555DA6B-3372-49A0-A0CC-34F47DD8FB7C}"/>
+              </a:ext>
+            </a:extLst>
+          </p:cNvPr>
+          <p:cNvSpPr txBox="1">
+            <a:spLocks/>
+          </p:cNvSpPr>
+          <p:nvPr/>
+        </p:nvSpPr>
+        <p:spPr>
+          <a:xfrm>
+            <a:off x="522065" y="908721"/>
+            <a:ext cx="1050660" cy="576063"/>
+          </a:xfrm>
+          <a:prstGeom prst="rect">
+            <a:avLst/>
+          </a:prstGeom>
+        </p:spPr>
+        <p:txBody>
+          <a:bodyPr vert="horz" lIns="91440" tIns="45720" rIns="91440" bIns="45720" rtlCol="0" anchor="ctr">
+            <a:noAutofit/>
+          </a:bodyPr>
+          <a:lstStyle>
+            <a:lvl1pPr algn="ctr" defTabSz="914400" rtl="0" eaLnBrk="1" latinLnBrk="0" hangingPunct="1">
+              <a:spcBef>
+                <a:spcPct val="0"/>
+              </a:spcBef>
+              <a:buNone/>
+              <a:defRPr sz="4400" kern="1200">
+                <a:solidFill>
+                  <a:schemeClr val="tx1"/>
+                </a:solidFill>
+                <a:latin typeface="+mj-lt"/>
+                <a:ea typeface="+mj-ea"/>
+                <a:cs typeface="+mj-cs"/>
+              </a:defRPr>
+            </a:lvl1pPr>
+          </a:lstStyle>
+          <a:p>
+            <a:endParaRPr lang="en-IN" sz="2800" dirty="0">
+              <a:solidFill>
+                <a:schemeClr val="bg1"/>
+              </a:solidFill>
+            </a:endParaRPr>
           </a:p>
         </p:txBody>
       </p:sp>
@@ -29673,12 +32565,40 @@
           </a:effectLst>
         </p:spPr>
       </p:pic>
+      <p:graphicFrame>
+        <p:nvGraphicFramePr>
+          <p:cNvPr id="4" name="Diagram 3">
+            <a:extLst>
+              <a:ext uri="{FF2B5EF4-FFF2-40B4-BE49-F238E27FC236}">
+                <a16:creationId xmlns:a16="http://schemas.microsoft.com/office/drawing/2014/main" id="{95664092-45FC-47FE-88B8-CCBF58E68800}"/>
+              </a:ext>
+            </a:extLst>
+          </p:cNvPr>
+          <p:cNvGraphicFramePr/>
+          <p:nvPr>
+            <p:extLst>
+              <p:ext uri="{D42A27DB-BD31-4B8C-83A1-F6EECF244321}">
+                <p14:modId xmlns:p14="http://schemas.microsoft.com/office/powerpoint/2010/main" val="841922022"/>
+              </p:ext>
+            </p:extLst>
+          </p:nvPr>
+        </p:nvGraphicFramePr>
+        <p:xfrm>
+          <a:off x="1829527" y="1808530"/>
+          <a:ext cx="6858834" cy="4572554"/>
+        </p:xfrm>
+        <a:graphic>
+          <a:graphicData uri="http://schemas.openxmlformats.org/drawingml/2006/diagram">
+            <dgm:relIds xmlns:dgm="http://schemas.openxmlformats.org/drawingml/2006/diagram" xmlns:r="http://schemas.openxmlformats.org/officeDocument/2006/relationships" r:dm="rId4" r:lo="rId5" r:qs="rId6" r:cs="rId7"/>
+          </a:graphicData>
+        </a:graphic>
+      </p:graphicFrame>
       <p:sp>
         <p:nvSpPr>
-          <p:cNvPr id="6" name="TextBox 5">
+          <p:cNvPr id="16" name="TextBox 15">
             <a:extLst>
               <a:ext uri="{FF2B5EF4-FFF2-40B4-BE49-F238E27FC236}">
-                <a16:creationId xmlns:a16="http://schemas.microsoft.com/office/drawing/2014/main" id="{30DFC8B8-C8D0-466E-A44E-81517A4A6F4A}"/>
+                <a16:creationId xmlns:a16="http://schemas.microsoft.com/office/drawing/2014/main" id="{01997CD3-1AE0-4644-AB63-AB701D321B87}"/>
               </a:ext>
             </a:extLst>
           </p:cNvPr>
@@ -29687,8 +32607,8 @@
         </p:nvSpPr>
         <p:spPr>
           <a:xfrm>
-            <a:off x="2155872" y="2276872"/>
-            <a:ext cx="6284695" cy="830997"/>
+            <a:off x="2699792" y="577039"/>
+            <a:ext cx="4657724" cy="1077218"/>
           </a:xfrm>
           <a:prstGeom prst="rect">
             <a:avLst/>
@@ -29696,150 +32616,49 @@
           <a:noFill/>
         </p:spPr>
         <p:txBody>
-          <a:bodyPr wrap="square" rtlCol="0">
+          <a:bodyPr wrap="square">
             <a:spAutoFit/>
           </a:bodyPr>
           <a:lstStyle/>
           <a:p>
+            <a:pPr algn="ctr"/>
             <a:r>
-              <a:rPr lang="en-US" sz="1600" b="1" dirty="0">
+              <a:rPr lang="en-IN" sz="3200" b="1" dirty="0">
                 <a:solidFill>
-                  <a:schemeClr val="accent1">
-                    <a:lumMod val="75000"/>
+                  <a:schemeClr val="bg1">
+                    <a:lumMod val="50000"/>
                   </a:schemeClr>
                 </a:solidFill>
               </a:rPr>
-              <a:t>According to Porter </a:t>
+              <a:t>How To </a:t>
             </a:r>
             <a:r>
-              <a:rPr lang="en-US" sz="1600" dirty="0">
+              <a:rPr lang="en-US" sz="3200" b="1" dirty="0">
                 <a:solidFill>
-                  <a:schemeClr val="accent1">
-                    <a:lumMod val="75000"/>
+                  <a:schemeClr val="bg1">
+                    <a:lumMod val="50000"/>
                   </a:schemeClr>
                 </a:solidFill>
               </a:rPr>
-              <a:t>– To discourage the new entrants, existing firms can raise the barriers to entry. Barriers to entry is a economic forces or hurdles that slow down or impede the entry of new firm.</a:t>
+              <a:t>Discourage</a:t>
+            </a:r>
+            <a:r>
+              <a:rPr lang="en-IN" sz="3200" b="1" dirty="0">
+                <a:solidFill>
+                  <a:schemeClr val="bg1">
+                    <a:lumMod val="50000"/>
+                  </a:schemeClr>
+                </a:solidFill>
+              </a:rPr>
+              <a:t> New Entrant.</a:t>
             </a:r>
           </a:p>
         </p:txBody>
       </p:sp>
-      <p:cxnSp>
-        <p:nvCxnSpPr>
-          <p:cNvPr id="20" name="Straight Connector 19">
-            <a:extLst>
-              <a:ext uri="{FF2B5EF4-FFF2-40B4-BE49-F238E27FC236}">
-                <a16:creationId xmlns:a16="http://schemas.microsoft.com/office/drawing/2014/main" id="{396A7B0D-8C10-49A9-8ED3-05C6E3E52B40}"/>
-              </a:ext>
-            </a:extLst>
-          </p:cNvPr>
-          <p:cNvCxnSpPr/>
-          <p:nvPr/>
-        </p:nvCxnSpPr>
-        <p:spPr>
-          <a:xfrm>
-            <a:off x="1979712" y="2132856"/>
-            <a:ext cx="6366509" cy="0"/>
-          </a:xfrm>
-          <a:prstGeom prst="line">
-            <a:avLst/>
-          </a:prstGeom>
-          <a:ln w="9525" cap="flat" cmpd="sng" algn="ctr">
-            <a:solidFill>
-              <a:schemeClr val="accent5"/>
-            </a:solidFill>
-            <a:prstDash val="dash"/>
-            <a:round/>
-            <a:headEnd type="none" w="med" len="med"/>
-            <a:tailEnd type="none" w="med" len="med"/>
-          </a:ln>
-        </p:spPr>
-        <p:style>
-          <a:lnRef idx="0">
-            <a:scrgbClr r="0" g="0" b="0"/>
-          </a:lnRef>
-          <a:fillRef idx="0">
-            <a:scrgbClr r="0" g="0" b="0"/>
-          </a:fillRef>
-          <a:effectRef idx="0">
-            <a:scrgbClr r="0" g="0" b="0"/>
-          </a:effectRef>
-          <a:fontRef idx="minor">
-            <a:schemeClr val="tx1"/>
-          </a:fontRef>
-        </p:style>
-      </p:cxnSp>
-      <p:cxnSp>
-        <p:nvCxnSpPr>
-          <p:cNvPr id="24" name="Straight Connector 23">
-            <a:extLst>
-              <a:ext uri="{FF2B5EF4-FFF2-40B4-BE49-F238E27FC236}">
-                <a16:creationId xmlns:a16="http://schemas.microsoft.com/office/drawing/2014/main" id="{EE93A6FE-CAD1-4495-BE0F-6285D2B6B256}"/>
-              </a:ext>
-            </a:extLst>
-          </p:cNvPr>
-          <p:cNvCxnSpPr/>
-          <p:nvPr/>
-        </p:nvCxnSpPr>
-        <p:spPr>
-          <a:xfrm>
-            <a:off x="1979712" y="3284984"/>
-            <a:ext cx="6366509" cy="0"/>
-          </a:xfrm>
-          <a:prstGeom prst="line">
-            <a:avLst/>
-          </a:prstGeom>
-          <a:ln w="9525" cap="flat" cmpd="sng" algn="ctr">
-            <a:solidFill>
-              <a:schemeClr val="accent5"/>
-            </a:solidFill>
-            <a:prstDash val="dash"/>
-            <a:round/>
-            <a:headEnd type="none" w="med" len="med"/>
-            <a:tailEnd type="none" w="med" len="med"/>
-          </a:ln>
-        </p:spPr>
-        <p:style>
-          <a:lnRef idx="0">
-            <a:scrgbClr r="0" g="0" b="0"/>
-          </a:lnRef>
-          <a:fillRef idx="0">
-            <a:scrgbClr r="0" g="0" b="0"/>
-          </a:fillRef>
-          <a:effectRef idx="0">
-            <a:scrgbClr r="0" g="0" b="0"/>
-          </a:effectRef>
-          <a:fontRef idx="minor">
-            <a:schemeClr val="tx1"/>
-          </a:fontRef>
-        </p:style>
-      </p:cxnSp>
-      <p:graphicFrame>
-        <p:nvGraphicFramePr>
-          <p:cNvPr id="21" name="Diagram 20">
-            <a:extLst>
-              <a:ext uri="{FF2B5EF4-FFF2-40B4-BE49-F238E27FC236}">
-                <a16:creationId xmlns:a16="http://schemas.microsoft.com/office/drawing/2014/main" id="{CD61B2AA-6677-455F-8231-AD73C43E5212}"/>
-              </a:ext>
-            </a:extLst>
-          </p:cNvPr>
-          <p:cNvGraphicFramePr/>
-          <p:nvPr/>
-        </p:nvGraphicFramePr>
-        <p:xfrm>
-          <a:off x="3017628" y="3392996"/>
-          <a:ext cx="4290676" cy="2860452"/>
-        </p:xfrm>
-        <a:graphic>
-          <a:graphicData uri="http://schemas.openxmlformats.org/drawingml/2006/diagram">
-            <dgm:relIds xmlns:dgm="http://schemas.openxmlformats.org/drawingml/2006/diagram" xmlns:r="http://schemas.openxmlformats.org/officeDocument/2006/relationships" r:dm="rId4" r:lo="rId5" r:qs="rId6" r:cs="rId7"/>
-          </a:graphicData>
-        </a:graphic>
-      </p:graphicFrame>
     </p:spTree>
     <p:extLst>
       <p:ext uri="{BB962C8B-B14F-4D97-AF65-F5344CB8AC3E}">
-        <p14:creationId xmlns:p14="http://schemas.microsoft.com/office/powerpoint/2010/main" val="197305476"/>
+        <p14:creationId xmlns:p14="http://schemas.microsoft.com/office/powerpoint/2010/main" val="2064984092"/>
       </p:ext>
     </p:extLst>
   </p:cSld>

--- a/Five Forces of Competitive Ananlysis.pptx
+++ b/Five Forces of Competitive Ananlysis.pptx
@@ -14,6 +14,7 @@
     <p:sldId id="264" r:id="rId8"/>
     <p:sldId id="267" r:id="rId9"/>
     <p:sldId id="268" r:id="rId10"/>
+    <p:sldId id="269" r:id="rId11"/>
   </p:sldIdLst>
   <p:sldSz cx="9144000" cy="6858000" type="screen4x3"/>
   <p:notesSz cx="6858000" cy="9144000"/>
@@ -3937,6 +3938,753 @@
 </file>
 
 <file path=ppt/diagrams/colors6.xml><?xml version="1.0" encoding="utf-8"?>
+<dgm:colorsDef xmlns:dgm="http://schemas.openxmlformats.org/drawingml/2006/diagram" xmlns:a="http://schemas.openxmlformats.org/drawingml/2006/main" uniqueId="urn:microsoft.com/office/officeart/2005/8/colors/accent1_2">
+  <dgm:title val=""/>
+  <dgm:desc val=""/>
+  <dgm:catLst>
+    <dgm:cat type="accent1" pri="11200"/>
+  </dgm:catLst>
+  <dgm:styleLbl name="node0">
+    <dgm:fillClrLst meth="repeat">
+      <a:schemeClr val="accent1"/>
+    </dgm:fillClrLst>
+    <dgm:linClrLst meth="repeat">
+      <a:schemeClr val="lt1"/>
+    </dgm:linClrLst>
+    <dgm:effectClrLst/>
+    <dgm:txLinClrLst/>
+    <dgm:txFillClrLst/>
+    <dgm:txEffectClrLst/>
+  </dgm:styleLbl>
+  <dgm:styleLbl name="alignNode1">
+    <dgm:fillClrLst meth="repeat">
+      <a:schemeClr val="accent1"/>
+    </dgm:fillClrLst>
+    <dgm:linClrLst meth="repeat">
+      <a:schemeClr val="accent1"/>
+    </dgm:linClrLst>
+    <dgm:effectClrLst/>
+    <dgm:txLinClrLst/>
+    <dgm:txFillClrLst/>
+    <dgm:txEffectClrLst/>
+  </dgm:styleLbl>
+  <dgm:styleLbl name="node1">
+    <dgm:fillClrLst meth="repeat">
+      <a:schemeClr val="accent1"/>
+    </dgm:fillClrLst>
+    <dgm:linClrLst meth="repeat">
+      <a:schemeClr val="lt1"/>
+    </dgm:linClrLst>
+    <dgm:effectClrLst/>
+    <dgm:txLinClrLst/>
+    <dgm:txFillClrLst/>
+    <dgm:txEffectClrLst/>
+  </dgm:styleLbl>
+  <dgm:styleLbl name="lnNode1">
+    <dgm:fillClrLst meth="repeat">
+      <a:schemeClr val="accent1"/>
+    </dgm:fillClrLst>
+    <dgm:linClrLst meth="repeat">
+      <a:schemeClr val="lt1"/>
+    </dgm:linClrLst>
+    <dgm:effectClrLst/>
+    <dgm:txLinClrLst/>
+    <dgm:txFillClrLst/>
+    <dgm:txEffectClrLst/>
+  </dgm:styleLbl>
+  <dgm:styleLbl name="vennNode1">
+    <dgm:fillClrLst meth="repeat">
+      <a:schemeClr val="accent1">
+        <a:alpha val="50000"/>
+      </a:schemeClr>
+    </dgm:fillClrLst>
+    <dgm:linClrLst meth="repeat">
+      <a:schemeClr val="lt1"/>
+    </dgm:linClrLst>
+    <dgm:effectClrLst/>
+    <dgm:txLinClrLst/>
+    <dgm:txFillClrLst/>
+    <dgm:txEffectClrLst/>
+  </dgm:styleLbl>
+  <dgm:styleLbl name="node2">
+    <dgm:fillClrLst meth="repeat">
+      <a:schemeClr val="accent1"/>
+    </dgm:fillClrLst>
+    <dgm:linClrLst meth="repeat">
+      <a:schemeClr val="lt1"/>
+    </dgm:linClrLst>
+    <dgm:effectClrLst/>
+    <dgm:txLinClrLst/>
+    <dgm:txFillClrLst/>
+    <dgm:txEffectClrLst/>
+  </dgm:styleLbl>
+  <dgm:styleLbl name="node3">
+    <dgm:fillClrLst meth="repeat">
+      <a:schemeClr val="accent1"/>
+    </dgm:fillClrLst>
+    <dgm:linClrLst meth="repeat">
+      <a:schemeClr val="lt1"/>
+    </dgm:linClrLst>
+    <dgm:effectClrLst/>
+    <dgm:txLinClrLst/>
+    <dgm:txFillClrLst/>
+    <dgm:txEffectClrLst/>
+  </dgm:styleLbl>
+  <dgm:styleLbl name="node4">
+    <dgm:fillClrLst meth="repeat">
+      <a:schemeClr val="accent1"/>
+    </dgm:fillClrLst>
+    <dgm:linClrLst meth="repeat">
+      <a:schemeClr val="lt1"/>
+    </dgm:linClrLst>
+    <dgm:effectClrLst/>
+    <dgm:txLinClrLst/>
+    <dgm:txFillClrLst/>
+    <dgm:txEffectClrLst/>
+  </dgm:styleLbl>
+  <dgm:styleLbl name="fgImgPlace1">
+    <dgm:fillClrLst meth="repeat">
+      <a:schemeClr val="accent1">
+        <a:tint val="50000"/>
+      </a:schemeClr>
+    </dgm:fillClrLst>
+    <dgm:linClrLst meth="repeat">
+      <a:schemeClr val="lt1"/>
+    </dgm:linClrLst>
+    <dgm:effectClrLst/>
+    <dgm:txLinClrLst/>
+    <dgm:txFillClrLst meth="repeat">
+      <a:schemeClr val="lt1"/>
+    </dgm:txFillClrLst>
+    <dgm:txEffectClrLst/>
+  </dgm:styleLbl>
+  <dgm:styleLbl name="alignImgPlace1">
+    <dgm:fillClrLst meth="repeat">
+      <a:schemeClr val="accent1">
+        <a:tint val="50000"/>
+      </a:schemeClr>
+    </dgm:fillClrLst>
+    <dgm:linClrLst meth="repeat">
+      <a:schemeClr val="lt1"/>
+    </dgm:linClrLst>
+    <dgm:effectClrLst/>
+    <dgm:txLinClrLst/>
+    <dgm:txFillClrLst meth="repeat">
+      <a:schemeClr val="lt1"/>
+    </dgm:txFillClrLst>
+    <dgm:txEffectClrLst/>
+  </dgm:styleLbl>
+  <dgm:styleLbl name="bgImgPlace1">
+    <dgm:fillClrLst meth="repeat">
+      <a:schemeClr val="accent1">
+        <a:tint val="50000"/>
+      </a:schemeClr>
+    </dgm:fillClrLst>
+    <dgm:linClrLst meth="repeat">
+      <a:schemeClr val="lt1"/>
+    </dgm:linClrLst>
+    <dgm:effectClrLst/>
+    <dgm:txLinClrLst/>
+    <dgm:txFillClrLst meth="repeat">
+      <a:schemeClr val="lt1"/>
+    </dgm:txFillClrLst>
+    <dgm:txEffectClrLst/>
+  </dgm:styleLbl>
+  <dgm:styleLbl name="sibTrans2D1">
+    <dgm:fillClrLst meth="repeat">
+      <a:schemeClr val="accent1">
+        <a:tint val="60000"/>
+      </a:schemeClr>
+    </dgm:fillClrLst>
+    <dgm:linClrLst meth="repeat">
+      <a:schemeClr val="accent1">
+        <a:tint val="60000"/>
+      </a:schemeClr>
+    </dgm:linClrLst>
+    <dgm:effectClrLst/>
+    <dgm:txLinClrLst/>
+    <dgm:txFillClrLst/>
+    <dgm:txEffectClrLst/>
+  </dgm:styleLbl>
+  <dgm:styleLbl name="fgSibTrans2D1">
+    <dgm:fillClrLst meth="repeat">
+      <a:schemeClr val="accent1">
+        <a:tint val="60000"/>
+      </a:schemeClr>
+    </dgm:fillClrLst>
+    <dgm:linClrLst meth="repeat">
+      <a:schemeClr val="accent1">
+        <a:tint val="60000"/>
+      </a:schemeClr>
+    </dgm:linClrLst>
+    <dgm:effectClrLst/>
+    <dgm:txLinClrLst/>
+    <dgm:txFillClrLst/>
+    <dgm:txEffectClrLst/>
+  </dgm:styleLbl>
+  <dgm:styleLbl name="bgSibTrans2D1">
+    <dgm:fillClrLst meth="repeat">
+      <a:schemeClr val="accent1">
+        <a:tint val="60000"/>
+      </a:schemeClr>
+    </dgm:fillClrLst>
+    <dgm:linClrLst meth="repeat">
+      <a:schemeClr val="accent1">
+        <a:tint val="60000"/>
+      </a:schemeClr>
+    </dgm:linClrLst>
+    <dgm:effectClrLst/>
+    <dgm:txLinClrLst/>
+    <dgm:txFillClrLst/>
+    <dgm:txEffectClrLst/>
+  </dgm:styleLbl>
+  <dgm:styleLbl name="sibTrans1D1">
+    <dgm:fillClrLst meth="repeat">
+      <a:schemeClr val="accent1"/>
+    </dgm:fillClrLst>
+    <dgm:linClrLst meth="repeat">
+      <a:schemeClr val="accent1"/>
+    </dgm:linClrLst>
+    <dgm:effectClrLst/>
+    <dgm:txLinClrLst/>
+    <dgm:txFillClrLst meth="repeat">
+      <a:schemeClr val="tx1"/>
+    </dgm:txFillClrLst>
+    <dgm:txEffectClrLst/>
+  </dgm:styleLbl>
+  <dgm:styleLbl name="callout">
+    <dgm:fillClrLst meth="repeat">
+      <a:schemeClr val="accent1"/>
+    </dgm:fillClrLst>
+    <dgm:linClrLst meth="repeat">
+      <a:schemeClr val="accent1">
+        <a:tint val="50000"/>
+      </a:schemeClr>
+    </dgm:linClrLst>
+    <dgm:effectClrLst/>
+    <dgm:txLinClrLst/>
+    <dgm:txFillClrLst meth="repeat">
+      <a:schemeClr val="tx1"/>
+    </dgm:txFillClrLst>
+    <dgm:txEffectClrLst/>
+  </dgm:styleLbl>
+  <dgm:styleLbl name="asst0">
+    <dgm:fillClrLst meth="repeat">
+      <a:schemeClr val="accent1"/>
+    </dgm:fillClrLst>
+    <dgm:linClrLst meth="repeat">
+      <a:schemeClr val="lt1"/>
+    </dgm:linClrLst>
+    <dgm:effectClrLst/>
+    <dgm:txLinClrLst/>
+    <dgm:txFillClrLst/>
+    <dgm:txEffectClrLst/>
+  </dgm:styleLbl>
+  <dgm:styleLbl name="asst1">
+    <dgm:fillClrLst meth="repeat">
+      <a:schemeClr val="accent1"/>
+    </dgm:fillClrLst>
+    <dgm:linClrLst meth="repeat">
+      <a:schemeClr val="lt1"/>
+    </dgm:linClrLst>
+    <dgm:effectClrLst/>
+    <dgm:txLinClrLst/>
+    <dgm:txFillClrLst/>
+    <dgm:txEffectClrLst/>
+  </dgm:styleLbl>
+  <dgm:styleLbl name="asst2">
+    <dgm:fillClrLst meth="repeat">
+      <a:schemeClr val="accent1"/>
+    </dgm:fillClrLst>
+    <dgm:linClrLst meth="repeat">
+      <a:schemeClr val="lt1"/>
+    </dgm:linClrLst>
+    <dgm:effectClrLst/>
+    <dgm:txLinClrLst/>
+    <dgm:txFillClrLst/>
+    <dgm:txEffectClrLst/>
+  </dgm:styleLbl>
+  <dgm:styleLbl name="asst3">
+    <dgm:fillClrLst meth="repeat">
+      <a:schemeClr val="accent1"/>
+    </dgm:fillClrLst>
+    <dgm:linClrLst meth="repeat">
+      <a:schemeClr val="lt1"/>
+    </dgm:linClrLst>
+    <dgm:effectClrLst/>
+    <dgm:txLinClrLst/>
+    <dgm:txFillClrLst/>
+    <dgm:txEffectClrLst/>
+  </dgm:styleLbl>
+  <dgm:styleLbl name="asst4">
+    <dgm:fillClrLst meth="repeat">
+      <a:schemeClr val="accent1"/>
+    </dgm:fillClrLst>
+    <dgm:linClrLst meth="repeat">
+      <a:schemeClr val="lt1"/>
+    </dgm:linClrLst>
+    <dgm:effectClrLst/>
+    <dgm:txLinClrLst/>
+    <dgm:txFillClrLst/>
+    <dgm:txEffectClrLst/>
+  </dgm:styleLbl>
+  <dgm:styleLbl name="parChTrans2D1">
+    <dgm:fillClrLst meth="repeat">
+      <a:schemeClr val="accent1">
+        <a:tint val="60000"/>
+      </a:schemeClr>
+    </dgm:fillClrLst>
+    <dgm:linClrLst meth="repeat">
+      <a:schemeClr val="accent1">
+        <a:tint val="60000"/>
+      </a:schemeClr>
+    </dgm:linClrLst>
+    <dgm:effectClrLst/>
+    <dgm:txLinClrLst/>
+    <dgm:txFillClrLst meth="repeat">
+      <a:schemeClr val="lt1"/>
+    </dgm:txFillClrLst>
+    <dgm:txEffectClrLst/>
+  </dgm:styleLbl>
+  <dgm:styleLbl name="parChTrans2D2">
+    <dgm:fillClrLst meth="repeat">
+      <a:schemeClr val="accent1"/>
+    </dgm:fillClrLst>
+    <dgm:linClrLst meth="repeat">
+      <a:schemeClr val="accent1"/>
+    </dgm:linClrLst>
+    <dgm:effectClrLst/>
+    <dgm:txLinClrLst/>
+    <dgm:txFillClrLst meth="repeat">
+      <a:schemeClr val="lt1"/>
+    </dgm:txFillClrLst>
+    <dgm:txEffectClrLst/>
+  </dgm:styleLbl>
+  <dgm:styleLbl name="parChTrans2D3">
+    <dgm:fillClrLst meth="repeat">
+      <a:schemeClr val="accent1"/>
+    </dgm:fillClrLst>
+    <dgm:linClrLst meth="repeat">
+      <a:schemeClr val="accent1"/>
+    </dgm:linClrLst>
+    <dgm:effectClrLst/>
+    <dgm:txLinClrLst/>
+    <dgm:txFillClrLst meth="repeat">
+      <a:schemeClr val="lt1"/>
+    </dgm:txFillClrLst>
+    <dgm:txEffectClrLst/>
+  </dgm:styleLbl>
+  <dgm:styleLbl name="parChTrans2D4">
+    <dgm:fillClrLst meth="repeat">
+      <a:schemeClr val="accent1"/>
+    </dgm:fillClrLst>
+    <dgm:linClrLst meth="repeat">
+      <a:schemeClr val="accent1"/>
+    </dgm:linClrLst>
+    <dgm:effectClrLst/>
+    <dgm:txLinClrLst/>
+    <dgm:txFillClrLst meth="repeat">
+      <a:schemeClr val="lt1"/>
+    </dgm:txFillClrLst>
+    <dgm:txEffectClrLst/>
+  </dgm:styleLbl>
+  <dgm:styleLbl name="parChTrans1D1">
+    <dgm:fillClrLst meth="repeat">
+      <a:schemeClr val="accent1"/>
+    </dgm:fillClrLst>
+    <dgm:linClrLst meth="repeat">
+      <a:schemeClr val="accent1">
+        <a:shade val="60000"/>
+      </a:schemeClr>
+    </dgm:linClrLst>
+    <dgm:effectClrLst/>
+    <dgm:txLinClrLst/>
+    <dgm:txFillClrLst meth="repeat">
+      <a:schemeClr val="tx1"/>
+    </dgm:txFillClrLst>
+    <dgm:txEffectClrLst/>
+  </dgm:styleLbl>
+  <dgm:styleLbl name="parChTrans1D2">
+    <dgm:fillClrLst meth="repeat">
+      <a:schemeClr val="accent1"/>
+    </dgm:fillClrLst>
+    <dgm:linClrLst meth="repeat">
+      <a:schemeClr val="accent1">
+        <a:shade val="60000"/>
+      </a:schemeClr>
+    </dgm:linClrLst>
+    <dgm:effectClrLst/>
+    <dgm:txLinClrLst/>
+    <dgm:txFillClrLst meth="repeat">
+      <a:schemeClr val="tx1"/>
+    </dgm:txFillClrLst>
+    <dgm:txEffectClrLst/>
+  </dgm:styleLbl>
+  <dgm:styleLbl name="parChTrans1D3">
+    <dgm:fillClrLst meth="repeat">
+      <a:schemeClr val="accent1"/>
+    </dgm:fillClrLst>
+    <dgm:linClrLst meth="repeat">
+      <a:schemeClr val="accent1">
+        <a:shade val="80000"/>
+      </a:schemeClr>
+    </dgm:linClrLst>
+    <dgm:effectClrLst/>
+    <dgm:txLinClrLst/>
+    <dgm:txFillClrLst meth="repeat">
+      <a:schemeClr val="tx1"/>
+    </dgm:txFillClrLst>
+    <dgm:txEffectClrLst/>
+  </dgm:styleLbl>
+  <dgm:styleLbl name="parChTrans1D4">
+    <dgm:fillClrLst meth="repeat">
+      <a:schemeClr val="accent1"/>
+    </dgm:fillClrLst>
+    <dgm:linClrLst meth="repeat">
+      <a:schemeClr val="accent1">
+        <a:shade val="80000"/>
+      </a:schemeClr>
+    </dgm:linClrLst>
+    <dgm:effectClrLst/>
+    <dgm:txLinClrLst/>
+    <dgm:txFillClrLst meth="repeat">
+      <a:schemeClr val="tx1"/>
+    </dgm:txFillClrLst>
+    <dgm:txEffectClrLst/>
+  </dgm:styleLbl>
+  <dgm:styleLbl name="fgAcc1">
+    <dgm:fillClrLst meth="repeat">
+      <a:schemeClr val="lt1">
+        <a:alpha val="90000"/>
+      </a:schemeClr>
+    </dgm:fillClrLst>
+    <dgm:linClrLst meth="repeat">
+      <a:schemeClr val="accent1"/>
+    </dgm:linClrLst>
+    <dgm:effectClrLst/>
+    <dgm:txLinClrLst/>
+    <dgm:txFillClrLst meth="repeat">
+      <a:schemeClr val="dk1"/>
+    </dgm:txFillClrLst>
+    <dgm:txEffectClrLst/>
+  </dgm:styleLbl>
+  <dgm:styleLbl name="conFgAcc1">
+    <dgm:fillClrLst meth="repeat">
+      <a:schemeClr val="lt1">
+        <a:alpha val="90000"/>
+      </a:schemeClr>
+    </dgm:fillClrLst>
+    <dgm:linClrLst meth="repeat">
+      <a:schemeClr val="accent1"/>
+    </dgm:linClrLst>
+    <dgm:effectClrLst/>
+    <dgm:txLinClrLst/>
+    <dgm:txFillClrLst meth="repeat">
+      <a:schemeClr val="dk1"/>
+    </dgm:txFillClrLst>
+    <dgm:txEffectClrLst/>
+  </dgm:styleLbl>
+  <dgm:styleLbl name="alignAcc1">
+    <dgm:fillClrLst meth="repeat">
+      <a:schemeClr val="lt1">
+        <a:alpha val="90000"/>
+      </a:schemeClr>
+    </dgm:fillClrLst>
+    <dgm:linClrLst meth="repeat">
+      <a:schemeClr val="accent1"/>
+    </dgm:linClrLst>
+    <dgm:effectClrLst/>
+    <dgm:txLinClrLst/>
+    <dgm:txFillClrLst meth="repeat">
+      <a:schemeClr val="dk1"/>
+    </dgm:txFillClrLst>
+    <dgm:txEffectClrLst/>
+  </dgm:styleLbl>
+  <dgm:styleLbl name="trAlignAcc1">
+    <dgm:fillClrLst meth="repeat">
+      <a:schemeClr val="lt1">
+        <a:alpha val="40000"/>
+      </a:schemeClr>
+    </dgm:fillClrLst>
+    <dgm:linClrLst meth="repeat">
+      <a:schemeClr val="accent1"/>
+    </dgm:linClrLst>
+    <dgm:effectClrLst/>
+    <dgm:txLinClrLst/>
+    <dgm:txFillClrLst meth="repeat">
+      <a:schemeClr val="dk1"/>
+    </dgm:txFillClrLst>
+    <dgm:txEffectClrLst/>
+  </dgm:styleLbl>
+  <dgm:styleLbl name="bgAcc1">
+    <dgm:fillClrLst meth="repeat">
+      <a:schemeClr val="lt1">
+        <a:alpha val="90000"/>
+      </a:schemeClr>
+    </dgm:fillClrLst>
+    <dgm:linClrLst meth="repeat">
+      <a:schemeClr val="accent1"/>
+    </dgm:linClrLst>
+    <dgm:effectClrLst/>
+    <dgm:txLinClrLst/>
+    <dgm:txFillClrLst meth="repeat">
+      <a:schemeClr val="dk1"/>
+    </dgm:txFillClrLst>
+    <dgm:txEffectClrLst/>
+  </dgm:styleLbl>
+  <dgm:styleLbl name="solidFgAcc1">
+    <dgm:fillClrLst meth="repeat">
+      <a:schemeClr val="lt1"/>
+    </dgm:fillClrLst>
+    <dgm:linClrLst meth="repeat">
+      <a:schemeClr val="accent1"/>
+    </dgm:linClrLst>
+    <dgm:effectClrLst/>
+    <dgm:txLinClrLst/>
+    <dgm:txFillClrLst meth="repeat">
+      <a:schemeClr val="dk1"/>
+    </dgm:txFillClrLst>
+    <dgm:txEffectClrLst/>
+  </dgm:styleLbl>
+  <dgm:styleLbl name="solidAlignAcc1">
+    <dgm:fillClrLst meth="repeat">
+      <a:schemeClr val="lt1"/>
+    </dgm:fillClrLst>
+    <dgm:linClrLst meth="repeat">
+      <a:schemeClr val="accent1"/>
+    </dgm:linClrLst>
+    <dgm:effectClrLst/>
+    <dgm:txLinClrLst/>
+    <dgm:txFillClrLst meth="repeat">
+      <a:schemeClr val="dk1"/>
+    </dgm:txFillClrLst>
+    <dgm:txEffectClrLst/>
+  </dgm:styleLbl>
+  <dgm:styleLbl name="solidBgAcc1">
+    <dgm:fillClrLst meth="repeat">
+      <a:schemeClr val="lt1"/>
+    </dgm:fillClrLst>
+    <dgm:linClrLst meth="repeat">
+      <a:schemeClr val="accent1"/>
+    </dgm:linClrLst>
+    <dgm:effectClrLst/>
+    <dgm:txLinClrLst/>
+    <dgm:txFillClrLst meth="repeat">
+      <a:schemeClr val="dk1"/>
+    </dgm:txFillClrLst>
+    <dgm:txEffectClrLst/>
+  </dgm:styleLbl>
+  <dgm:styleLbl name="fgAccFollowNode1">
+    <dgm:fillClrLst meth="repeat">
+      <a:schemeClr val="accent1">
+        <a:alpha val="90000"/>
+        <a:tint val="40000"/>
+      </a:schemeClr>
+    </dgm:fillClrLst>
+    <dgm:linClrLst meth="repeat">
+      <a:schemeClr val="accent1">
+        <a:alpha val="90000"/>
+        <a:tint val="40000"/>
+      </a:schemeClr>
+    </dgm:linClrLst>
+    <dgm:effectClrLst/>
+    <dgm:txLinClrLst/>
+    <dgm:txFillClrLst meth="repeat">
+      <a:schemeClr val="dk1"/>
+    </dgm:txFillClrLst>
+    <dgm:txEffectClrLst/>
+  </dgm:styleLbl>
+  <dgm:styleLbl name="alignAccFollowNode1">
+    <dgm:fillClrLst meth="repeat">
+      <a:schemeClr val="accent1">
+        <a:alpha val="90000"/>
+        <a:tint val="40000"/>
+      </a:schemeClr>
+    </dgm:fillClrLst>
+    <dgm:linClrLst meth="repeat">
+      <a:schemeClr val="accent1">
+        <a:alpha val="90000"/>
+        <a:tint val="40000"/>
+      </a:schemeClr>
+    </dgm:linClrLst>
+    <dgm:effectClrLst/>
+    <dgm:txLinClrLst/>
+    <dgm:txFillClrLst meth="repeat">
+      <a:schemeClr val="dk1"/>
+    </dgm:txFillClrLst>
+    <dgm:txEffectClrLst/>
+  </dgm:styleLbl>
+  <dgm:styleLbl name="bgAccFollowNode1">
+    <dgm:fillClrLst meth="repeat">
+      <a:schemeClr val="accent1">
+        <a:alpha val="90000"/>
+        <a:tint val="40000"/>
+      </a:schemeClr>
+    </dgm:fillClrLst>
+    <dgm:linClrLst meth="repeat">
+      <a:schemeClr val="accent1">
+        <a:alpha val="90000"/>
+        <a:tint val="40000"/>
+      </a:schemeClr>
+    </dgm:linClrLst>
+    <dgm:effectClrLst/>
+    <dgm:txLinClrLst/>
+    <dgm:txFillClrLst meth="repeat">
+      <a:schemeClr val="dk1"/>
+    </dgm:txFillClrLst>
+    <dgm:txEffectClrLst/>
+  </dgm:styleLbl>
+  <dgm:styleLbl name="fgAcc0">
+    <dgm:fillClrLst meth="repeat">
+      <a:schemeClr val="lt1">
+        <a:alpha val="90000"/>
+      </a:schemeClr>
+    </dgm:fillClrLst>
+    <dgm:linClrLst meth="repeat">
+      <a:schemeClr val="accent1"/>
+    </dgm:linClrLst>
+    <dgm:effectClrLst/>
+    <dgm:txLinClrLst/>
+    <dgm:txFillClrLst meth="repeat">
+      <a:schemeClr val="dk1"/>
+    </dgm:txFillClrLst>
+    <dgm:txEffectClrLst/>
+  </dgm:styleLbl>
+  <dgm:styleLbl name="fgAcc2">
+    <dgm:fillClrLst meth="repeat">
+      <a:schemeClr val="lt1">
+        <a:alpha val="90000"/>
+      </a:schemeClr>
+    </dgm:fillClrLst>
+    <dgm:linClrLst meth="repeat">
+      <a:schemeClr val="accent1"/>
+    </dgm:linClrLst>
+    <dgm:effectClrLst/>
+    <dgm:txLinClrLst/>
+    <dgm:txFillClrLst meth="repeat">
+      <a:schemeClr val="dk1"/>
+    </dgm:txFillClrLst>
+    <dgm:txEffectClrLst/>
+  </dgm:styleLbl>
+  <dgm:styleLbl name="fgAcc3">
+    <dgm:fillClrLst meth="repeat">
+      <a:schemeClr val="lt1">
+        <a:alpha val="90000"/>
+      </a:schemeClr>
+    </dgm:fillClrLst>
+    <dgm:linClrLst meth="repeat">
+      <a:schemeClr val="accent1"/>
+    </dgm:linClrLst>
+    <dgm:effectClrLst/>
+    <dgm:txLinClrLst/>
+    <dgm:txFillClrLst meth="repeat">
+      <a:schemeClr val="dk1"/>
+    </dgm:txFillClrLst>
+    <dgm:txEffectClrLst/>
+  </dgm:styleLbl>
+  <dgm:styleLbl name="fgAcc4">
+    <dgm:fillClrLst meth="repeat">
+      <a:schemeClr val="lt1">
+        <a:alpha val="90000"/>
+      </a:schemeClr>
+    </dgm:fillClrLst>
+    <dgm:linClrLst meth="repeat">
+      <a:schemeClr val="accent1"/>
+    </dgm:linClrLst>
+    <dgm:effectClrLst/>
+    <dgm:txLinClrLst/>
+    <dgm:txFillClrLst meth="repeat">
+      <a:schemeClr val="dk1"/>
+    </dgm:txFillClrLst>
+    <dgm:txEffectClrLst/>
+  </dgm:styleLbl>
+  <dgm:styleLbl name="bgShp">
+    <dgm:fillClrLst meth="repeat">
+      <a:schemeClr val="accent1">
+        <a:tint val="40000"/>
+      </a:schemeClr>
+    </dgm:fillClrLst>
+    <dgm:linClrLst meth="repeat">
+      <a:schemeClr val="accent1"/>
+    </dgm:linClrLst>
+    <dgm:effectClrLst/>
+    <dgm:txLinClrLst/>
+    <dgm:txFillClrLst meth="repeat">
+      <a:schemeClr val="dk1"/>
+    </dgm:txFillClrLst>
+    <dgm:txEffectClrLst/>
+  </dgm:styleLbl>
+  <dgm:styleLbl name="dkBgShp">
+    <dgm:fillClrLst meth="repeat">
+      <a:schemeClr val="accent1">
+        <a:shade val="80000"/>
+      </a:schemeClr>
+    </dgm:fillClrLst>
+    <dgm:linClrLst meth="repeat">
+      <a:schemeClr val="accent1"/>
+    </dgm:linClrLst>
+    <dgm:effectClrLst/>
+    <dgm:txLinClrLst/>
+    <dgm:txFillClrLst meth="repeat">
+      <a:schemeClr val="lt1"/>
+    </dgm:txFillClrLst>
+    <dgm:txEffectClrLst/>
+  </dgm:styleLbl>
+  <dgm:styleLbl name="trBgShp">
+    <dgm:fillClrLst meth="repeat">
+      <a:schemeClr val="accent1">
+        <a:tint val="50000"/>
+        <a:alpha val="40000"/>
+      </a:schemeClr>
+    </dgm:fillClrLst>
+    <dgm:linClrLst meth="repeat">
+      <a:schemeClr val="accent1"/>
+    </dgm:linClrLst>
+    <dgm:effectClrLst/>
+    <dgm:txLinClrLst/>
+    <dgm:txFillClrLst meth="repeat">
+      <a:schemeClr val="lt1"/>
+    </dgm:txFillClrLst>
+    <dgm:txEffectClrLst/>
+  </dgm:styleLbl>
+  <dgm:styleLbl name="fgShp">
+    <dgm:fillClrLst meth="repeat">
+      <a:schemeClr val="accent1">
+        <a:tint val="60000"/>
+      </a:schemeClr>
+    </dgm:fillClrLst>
+    <dgm:linClrLst meth="repeat">
+      <a:schemeClr val="lt1"/>
+    </dgm:linClrLst>
+    <dgm:effectClrLst/>
+    <dgm:txLinClrLst/>
+    <dgm:txFillClrLst meth="repeat">
+      <a:schemeClr val="dk1"/>
+    </dgm:txFillClrLst>
+    <dgm:txEffectClrLst/>
+  </dgm:styleLbl>
+  <dgm:styleLbl name="revTx">
+    <dgm:fillClrLst meth="repeat">
+      <a:schemeClr val="lt1">
+        <a:alpha val="0"/>
+      </a:schemeClr>
+    </dgm:fillClrLst>
+    <dgm:linClrLst meth="repeat">
+      <a:schemeClr val="dk1">
+        <a:alpha val="0"/>
+      </a:schemeClr>
+    </dgm:linClrLst>
+    <dgm:effectClrLst/>
+    <dgm:txLinClrLst/>
+    <dgm:txFillClrLst meth="repeat">
+      <a:schemeClr val="tx1"/>
+    </dgm:txFillClrLst>
+    <dgm:txEffectClrLst/>
+  </dgm:styleLbl>
+</dgm:colorsDef>
+</file>
+
+<file path=ppt/diagrams/colors7.xml><?xml version="1.0" encoding="utf-8"?>
 <dgm:colorsDef xmlns:dgm="http://schemas.openxmlformats.org/drawingml/2006/diagram" xmlns:a="http://schemas.openxmlformats.org/drawingml/2006/main" uniqueId="urn:microsoft.com/office/officeart/2005/8/colors/accent1_2">
   <dgm:title val=""/>
   <dgm:desc val=""/>
@@ -6662,8 +7410,12 @@
       </dgm:t>
     </dgm:pt>
     <dgm:pt modelId="{1DF117E7-ED77-457A-B67C-E9D3154A93A6}">
-      <dgm:prSet phldrT="[Text]"/>
-      <dgm:spPr/>
+      <dgm:prSet phldrT="[Text]" custT="1"/>
+      <dgm:spPr>
+        <a:solidFill>
+          <a:srgbClr val="D5DCEA"/>
+        </a:solidFill>
+      </dgm:spPr>
       <dgm:t>
         <a:bodyPr/>
         <a:lstStyle/>
@@ -6672,7 +7424,7 @@
             <a:buNone/>
           </a:pPr>
           <a:r>
-            <a:rPr lang="en-US" dirty="0"/>
+            <a:rPr lang="en-US" sz="1300" dirty="0"/>
             <a:t>	EOS means decline in per unit cost of production due to huge production of goods. New entrant having higher per unit cost bared from entering the industry.</a:t>
           </a:r>
         </a:p>
@@ -6743,7 +7495,7 @@
       </dgm:t>
     </dgm:pt>
     <dgm:pt modelId="{398C7B25-0732-4C4A-A8FC-624346FF3BF6}">
-      <dgm:prSet phldrT="[Text]"/>
+      <dgm:prSet phldrT="[Text]" custT="1"/>
       <dgm:spPr/>
       <dgm:t>
         <a:bodyPr/>
@@ -6753,7 +7505,7 @@
             <a:buNone/>
           </a:pPr>
           <a:r>
-            <a:rPr lang="en-US" dirty="0"/>
+            <a:rPr lang="en-US" sz="1100" dirty="0"/>
             <a:t>	Product differentiation is the physical or perceptual difference or enhancement that make product unique in the eyes of the customers. Generally, cost of producing differentiated product is high for new entrants.</a:t>
           </a:r>
         </a:p>
@@ -6827,30 +7579,47 @@
       </dgm:t>
     </dgm:pt>
     <dgm:pt modelId="{B0660870-4F6F-4B02-AF03-3034B3714048}">
-      <dgm:prSet phldrT="[Text]"/>
+      <dgm:prSet phldrT="[Text]" custT="1"/>
       <dgm:spPr>
         <a:solidFill>
-          <a:srgbClr val="95B3D7"/>
+          <a:srgbClr val="D5DCEA"/>
         </a:solidFill>
       </dgm:spPr>
       <dgm:t>
         <a:bodyPr/>
         <a:lstStyle/>
         <a:p>
-          <a:pPr algn="ctr">
+          <a:pPr algn="just">
             <a:buNone/>
           </a:pPr>
-          <a:endParaRPr lang="en-US" b="1" dirty="0"/>
+          <a:r>
+            <a:rPr lang="en-US" sz="1100" b="0" dirty="0"/>
+            <a:t>	Sometime mere threat of aggressive retaliation from existing firm can be great barrier to entry and can deter the new entrant.</a:t>
+          </a:r>
         </a:p>
       </dgm:t>
     </dgm:pt>
     <dgm:pt modelId="{1F409341-1C21-48CC-AB96-0C0307C90240}" type="parTrans" cxnId="{5C45824E-7B8D-4864-9D43-8852E9507840}">
       <dgm:prSet/>
       <dgm:spPr/>
+      <dgm:t>
+        <a:bodyPr/>
+        <a:lstStyle/>
+        <a:p>
+          <a:endParaRPr lang="en-US"/>
+        </a:p>
+      </dgm:t>
     </dgm:pt>
     <dgm:pt modelId="{10792D89-C1F7-41CF-9BBB-0256201F892E}" type="sibTrans" cxnId="{5C45824E-7B8D-4864-9D43-8852E9507840}">
       <dgm:prSet/>
       <dgm:spPr/>
+      <dgm:t>
+        <a:bodyPr/>
+        <a:lstStyle/>
+        <a:p>
+          <a:endParaRPr lang="en-US"/>
+        </a:p>
+      </dgm:t>
     </dgm:pt>
     <dgm:pt modelId="{0B5BC505-A9C7-4342-8340-AE2BD348EA13}" type="pres">
       <dgm:prSet presAssocID="{A6D0E641-8BDD-4642-9426-C6758DA93154}" presName="Name0" presStyleCnt="0">
@@ -6899,7 +7668,7 @@
       <dgm:spPr/>
     </dgm:pt>
     <dgm:pt modelId="{725B8A8A-1836-4062-9BAF-1B67F29E354C}" type="pres">
-      <dgm:prSet presAssocID="{305D4DB3-C9E2-4CAC-964F-2FC3EFC99D07}" presName="childShp" presStyleLbl="bgAccFollowNode1" presStyleIdx="1" presStyleCnt="4">
+      <dgm:prSet presAssocID="{305D4DB3-C9E2-4CAC-964F-2FC3EFC99D07}" presName="childShp" presStyleLbl="bgAccFollowNode1" presStyleIdx="1" presStyleCnt="4" custLinFactNeighborX="-1185" custLinFactNeighborY="-3033">
         <dgm:presLayoutVars>
           <dgm:bulletEnabled val="1"/>
         </dgm:presLayoutVars>
@@ -6947,7 +7716,7 @@
       <dgm:spPr/>
     </dgm:pt>
     <dgm:pt modelId="{004895FA-F9E7-41FB-BC29-8E5DAB74E152}" type="pres">
-      <dgm:prSet presAssocID="{BB43073B-3EAF-4DA8-B7D2-545BE8B4C1F0}" presName="childShp" presStyleLbl="bgAccFollowNode1" presStyleIdx="3" presStyleCnt="4">
+      <dgm:prSet presAssocID="{BB43073B-3EAF-4DA8-B7D2-545BE8B4C1F0}" presName="childShp" presStyleLbl="bgAccFollowNode1" presStyleIdx="3" presStyleCnt="4" custLinFactNeighborX="1559" custLinFactNeighborY="126">
         <dgm:presLayoutVars>
           <dgm:bulletEnabled val="1"/>
         </dgm:presLayoutVars>
@@ -7361,6 +8130,474 @@
     <dgm:cxn modelId="{3FE72AC3-9179-4E4F-976E-CBB85C99D932}" type="presParOf" srcId="{0B5BC505-A9C7-4342-8340-AE2BD348EA13}" destId="{8A386499-FEFB-419E-B30B-5E2613A46AF1}" srcOrd="4" destOrd="0" presId="urn:microsoft.com/office/officeart/2005/8/layout/vList6"/>
     <dgm:cxn modelId="{6515B55F-0298-4B90-B5E7-9BCE196499BE}" type="presParOf" srcId="{8A386499-FEFB-419E-B30B-5E2613A46AF1}" destId="{4F8AA02C-712B-47CD-A9F1-79C631E4A633}" srcOrd="0" destOrd="0" presId="urn:microsoft.com/office/officeart/2005/8/layout/vList6"/>
     <dgm:cxn modelId="{B82105F9-30F3-4BD4-B55C-8C9559B91DF0}" type="presParOf" srcId="{8A386499-FEFB-419E-B30B-5E2613A46AF1}" destId="{656CCFFC-38D4-48CA-B9AD-3B38A11C3EB7}" srcOrd="1" destOrd="0" presId="urn:microsoft.com/office/officeart/2005/8/layout/vList6"/>
+  </dgm:cxnLst>
+  <dgm:bg/>
+  <dgm:whole/>
+  <dgm:extLst>
+    <a:ext uri="http://schemas.microsoft.com/office/drawing/2008/diagram">
+      <dsp:dataModelExt xmlns:dsp="http://schemas.microsoft.com/office/drawing/2008/diagram" relId="rId8" minVer="http://schemas.openxmlformats.org/drawingml/2006/diagram"/>
+    </a:ext>
+  </dgm:extLst>
+</dgm:dataModel>
+</file>
+
+<file path=ppt/diagrams/data7.xml><?xml version="1.0" encoding="utf-8"?>
+<dgm:dataModel xmlns:dgm="http://schemas.openxmlformats.org/drawingml/2006/diagram" xmlns:a="http://schemas.openxmlformats.org/drawingml/2006/main">
+  <dgm:ptLst>
+    <dgm:pt modelId="{581E063E-F5D9-4263-BE16-508E972E5799}" type="doc">
+      <dgm:prSet loTypeId="urn:diagrams.loki3.com/BracketList" loCatId="list" qsTypeId="urn:microsoft.com/office/officeart/2005/8/quickstyle/simple4" qsCatId="simple" csTypeId="urn:microsoft.com/office/officeart/2005/8/colors/accent1_2" csCatId="accent1" phldr="1"/>
+      <dgm:spPr/>
+      <dgm:t>
+        <a:bodyPr/>
+        <a:lstStyle/>
+        <a:p>
+          <a:endParaRPr lang="en-US"/>
+        </a:p>
+      </dgm:t>
+    </dgm:pt>
+    <dgm:pt modelId="{0B837F7D-5069-438F-ACF9-3A61413E9413}">
+      <dgm:prSet phldrT="[Text]" custT="1"/>
+      <dgm:spPr/>
+      <dgm:t>
+        <a:bodyPr/>
+        <a:lstStyle/>
+        <a:p>
+          <a:r>
+            <a:rPr lang="en-US" sz="1600" b="1">
+              <a:solidFill>
+                <a:schemeClr val="tx1">
+                  <a:lumMod val="65000"/>
+                  <a:lumOff val="35000"/>
+                </a:schemeClr>
+              </a:solidFill>
+            </a:rPr>
+            <a:t>When the possibility of  bargaining power increases or it become heavier ?</a:t>
+          </a:r>
+          <a:endParaRPr lang="en-US" sz="1600" b="1" dirty="0">
+            <a:solidFill>
+              <a:schemeClr val="tx1">
+                <a:lumMod val="65000"/>
+                <a:lumOff val="35000"/>
+              </a:schemeClr>
+            </a:solidFill>
+          </a:endParaRPr>
+        </a:p>
+      </dgm:t>
+    </dgm:pt>
+    <dgm:pt modelId="{7363B0BC-7C2F-4CB8-9BB8-9B0155E6A711}" type="parTrans" cxnId="{32E7D067-3EBF-4F26-A69D-83287B93459B}">
+      <dgm:prSet/>
+      <dgm:spPr/>
+      <dgm:t>
+        <a:bodyPr/>
+        <a:lstStyle/>
+        <a:p>
+          <a:endParaRPr lang="en-US"/>
+        </a:p>
+      </dgm:t>
+    </dgm:pt>
+    <dgm:pt modelId="{C1A63B66-DE4F-4A3C-9A06-BD6345DE5479}" type="sibTrans" cxnId="{32E7D067-3EBF-4F26-A69D-83287B93459B}">
+      <dgm:prSet/>
+      <dgm:spPr/>
+      <dgm:t>
+        <a:bodyPr/>
+        <a:lstStyle/>
+        <a:p>
+          <a:endParaRPr lang="en-US"/>
+        </a:p>
+      </dgm:t>
+    </dgm:pt>
+    <dgm:pt modelId="{71BBFF30-DB69-446A-9623-8C644532D3D4}">
+      <dgm:prSet phldrT="[Text]" custT="1"/>
+      <dgm:spPr/>
+      <dgm:t>
+        <a:bodyPr/>
+        <a:lstStyle/>
+        <a:p>
+          <a:r>
+            <a:rPr lang="en-US" sz="1600" b="1">
+              <a:solidFill>
+                <a:schemeClr val="tx1">
+                  <a:lumMod val="65000"/>
+                  <a:lumOff val="35000"/>
+                </a:schemeClr>
+              </a:solidFill>
+            </a:rPr>
+            <a:t>The Forces become heavier depending on the possibility of buyer form groups or cartel. They come together formally or informally.</a:t>
+          </a:r>
+          <a:endParaRPr lang="en-US" sz="1600" b="1" dirty="0">
+            <a:solidFill>
+              <a:schemeClr val="tx1">
+                <a:lumMod val="65000"/>
+                <a:lumOff val="35000"/>
+              </a:schemeClr>
+            </a:solidFill>
+          </a:endParaRPr>
+        </a:p>
+      </dgm:t>
+    </dgm:pt>
+    <dgm:pt modelId="{8C56879C-5A34-4737-9173-858B4C2B700A}" type="parTrans" cxnId="{751EFEE9-57A0-4551-A6CB-DAD9880C520E}">
+      <dgm:prSet/>
+      <dgm:spPr/>
+      <dgm:t>
+        <a:bodyPr/>
+        <a:lstStyle/>
+        <a:p>
+          <a:endParaRPr lang="en-US"/>
+        </a:p>
+      </dgm:t>
+    </dgm:pt>
+    <dgm:pt modelId="{904A734D-B0AE-4732-BB37-989E07E7144A}" type="sibTrans" cxnId="{751EFEE9-57A0-4551-A6CB-DAD9880C520E}">
+      <dgm:prSet/>
+      <dgm:spPr/>
+      <dgm:t>
+        <a:bodyPr/>
+        <a:lstStyle/>
+        <a:p>
+          <a:endParaRPr lang="en-US"/>
+        </a:p>
+      </dgm:t>
+    </dgm:pt>
+    <dgm:pt modelId="{CE3CCAA6-FADD-4B03-894F-077E6EF0DD89}">
+      <dgm:prSet phldrT="[Text]" custT="1"/>
+      <dgm:spPr/>
+      <dgm:t>
+        <a:bodyPr/>
+        <a:lstStyle/>
+        <a:p>
+          <a:r>
+            <a:rPr lang="en-US" sz="1600" b="1">
+              <a:solidFill>
+                <a:schemeClr val="tx1">
+                  <a:lumMod val="65000"/>
+                  <a:lumOff val="35000"/>
+                </a:schemeClr>
+              </a:solidFill>
+            </a:rPr>
+            <a:t>Why they form such Group ?</a:t>
+          </a:r>
+          <a:endParaRPr lang="en-US" sz="1600" b="1" dirty="0">
+            <a:solidFill>
+              <a:schemeClr val="tx1">
+                <a:lumMod val="65000"/>
+                <a:lumOff val="35000"/>
+              </a:schemeClr>
+            </a:solidFill>
+          </a:endParaRPr>
+        </a:p>
+      </dgm:t>
+    </dgm:pt>
+    <dgm:pt modelId="{1FB73784-6F12-491E-A97C-738DDFBDF26D}" type="parTrans" cxnId="{C29619F4-18B0-42FC-8D7E-B470DF2CF252}">
+      <dgm:prSet/>
+      <dgm:spPr/>
+      <dgm:t>
+        <a:bodyPr/>
+        <a:lstStyle/>
+        <a:p>
+          <a:endParaRPr lang="en-US"/>
+        </a:p>
+      </dgm:t>
+    </dgm:pt>
+    <dgm:pt modelId="{662310F0-CAE1-4A4E-AFC2-3B549EECF831}" type="sibTrans" cxnId="{C29619F4-18B0-42FC-8D7E-B470DF2CF252}">
+      <dgm:prSet/>
+      <dgm:spPr/>
+      <dgm:t>
+        <a:bodyPr/>
+        <a:lstStyle/>
+        <a:p>
+          <a:endParaRPr lang="en-US"/>
+        </a:p>
+      </dgm:t>
+    </dgm:pt>
+    <dgm:pt modelId="{C528B63E-2B4D-434C-8623-A494D71F0304}">
+      <dgm:prSet phldrT="[Text]" custT="1"/>
+      <dgm:spPr/>
+      <dgm:t>
+        <a:bodyPr/>
+        <a:lstStyle/>
+        <a:p>
+          <a:r>
+            <a:rPr lang="en-US" sz="1600" b="1">
+              <a:solidFill>
+                <a:schemeClr val="tx1">
+                  <a:lumMod val="65000"/>
+                  <a:lumOff val="35000"/>
+                </a:schemeClr>
+              </a:solidFill>
+            </a:rPr>
+            <a:t>To exert pressure on the producer.</a:t>
+          </a:r>
+          <a:endParaRPr lang="en-US" sz="1600" b="1" dirty="0">
+            <a:solidFill>
+              <a:schemeClr val="tx1">
+                <a:lumMod val="65000"/>
+                <a:lumOff val="35000"/>
+              </a:schemeClr>
+            </a:solidFill>
+          </a:endParaRPr>
+        </a:p>
+      </dgm:t>
+    </dgm:pt>
+    <dgm:pt modelId="{3C381DEE-2C8A-4D65-9723-4AF9E07D373E}" type="parTrans" cxnId="{F944AAC6-A1B0-4675-A1C7-C98AB27FA725}">
+      <dgm:prSet/>
+      <dgm:spPr/>
+      <dgm:t>
+        <a:bodyPr/>
+        <a:lstStyle/>
+        <a:p>
+          <a:endParaRPr lang="en-US"/>
+        </a:p>
+      </dgm:t>
+    </dgm:pt>
+    <dgm:pt modelId="{A232AF45-40F4-4CBB-BFF4-F72FC8088803}" type="sibTrans" cxnId="{F944AAC6-A1B0-4675-A1C7-C98AB27FA725}">
+      <dgm:prSet/>
+      <dgm:spPr/>
+      <dgm:t>
+        <a:bodyPr/>
+        <a:lstStyle/>
+        <a:p>
+          <a:endParaRPr lang="en-US"/>
+        </a:p>
+      </dgm:t>
+    </dgm:pt>
+    <dgm:pt modelId="{3DC2F478-ADA2-47F3-8B54-65A32B95DF25}">
+      <dgm:prSet phldrT="[Text]" custT="1"/>
+      <dgm:spPr/>
+      <dgm:t>
+        <a:bodyPr/>
+        <a:lstStyle/>
+        <a:p>
+          <a:r>
+            <a:rPr lang="en-US" sz="1600" b="1">
+              <a:solidFill>
+                <a:schemeClr val="tx1">
+                  <a:lumMod val="65000"/>
+                  <a:lumOff val="35000"/>
+                </a:schemeClr>
+              </a:solidFill>
+            </a:rPr>
+            <a:t>Where the bargaining power of buyer is higher.</a:t>
+          </a:r>
+          <a:endParaRPr lang="en-US" sz="1600" b="1" dirty="0">
+            <a:solidFill>
+              <a:schemeClr val="tx1">
+                <a:lumMod val="65000"/>
+                <a:lumOff val="35000"/>
+              </a:schemeClr>
+            </a:solidFill>
+          </a:endParaRPr>
+        </a:p>
+      </dgm:t>
+    </dgm:pt>
+    <dgm:pt modelId="{1972C16F-DC79-4A59-9054-D707480282AF}" type="parTrans" cxnId="{695F728B-E050-4531-B929-7FFDFF731E11}">
+      <dgm:prSet/>
+      <dgm:spPr/>
+      <dgm:t>
+        <a:bodyPr/>
+        <a:lstStyle/>
+        <a:p>
+          <a:endParaRPr lang="en-US"/>
+        </a:p>
+      </dgm:t>
+    </dgm:pt>
+    <dgm:pt modelId="{E94B5018-5689-4568-956A-BBC1C6C7F0CD}" type="sibTrans" cxnId="{695F728B-E050-4531-B929-7FFDFF731E11}">
+      <dgm:prSet/>
+      <dgm:spPr/>
+      <dgm:t>
+        <a:bodyPr/>
+        <a:lstStyle/>
+        <a:p>
+          <a:endParaRPr lang="en-US"/>
+        </a:p>
+      </dgm:t>
+    </dgm:pt>
+    <dgm:pt modelId="{43CFB5B5-2417-4D06-A402-80689C91F8E7}">
+      <dgm:prSet phldrT="[Text]" custT="1"/>
+      <dgm:spPr/>
+      <dgm:t>
+        <a:bodyPr/>
+        <a:lstStyle/>
+        <a:p>
+          <a:r>
+            <a:rPr lang="en-US" sz="1600" b="1">
+              <a:solidFill>
+                <a:schemeClr val="tx1">
+                  <a:lumMod val="65000"/>
+                  <a:lumOff val="35000"/>
+                </a:schemeClr>
+              </a:solidFill>
+            </a:rPr>
+            <a:t>In industrial Products.</a:t>
+          </a:r>
+          <a:endParaRPr lang="en-US" sz="1600" b="1" dirty="0">
+            <a:solidFill>
+              <a:schemeClr val="tx1">
+                <a:lumMod val="65000"/>
+                <a:lumOff val="35000"/>
+              </a:schemeClr>
+            </a:solidFill>
+          </a:endParaRPr>
+        </a:p>
+      </dgm:t>
+    </dgm:pt>
+    <dgm:pt modelId="{A775D1D0-B530-4AE0-A38E-AC5D6EA2A252}" type="parTrans" cxnId="{603EE031-2CE0-4538-969F-4C9499BD7898}">
+      <dgm:prSet/>
+      <dgm:spPr/>
+      <dgm:t>
+        <a:bodyPr/>
+        <a:lstStyle/>
+        <a:p>
+          <a:endParaRPr lang="en-US"/>
+        </a:p>
+      </dgm:t>
+    </dgm:pt>
+    <dgm:pt modelId="{D1CDF592-40C4-48FB-A3A1-E6D380824AAD}" type="sibTrans" cxnId="{603EE031-2CE0-4538-969F-4C9499BD7898}">
+      <dgm:prSet/>
+      <dgm:spPr/>
+      <dgm:t>
+        <a:bodyPr/>
+        <a:lstStyle/>
+        <a:p>
+          <a:endParaRPr lang="en-US"/>
+        </a:p>
+      </dgm:t>
+    </dgm:pt>
+    <dgm:pt modelId="{D16539A9-736F-4359-9DAA-5802090F2B90}" type="pres">
+      <dgm:prSet presAssocID="{581E063E-F5D9-4263-BE16-508E972E5799}" presName="Name0" presStyleCnt="0">
+        <dgm:presLayoutVars>
+          <dgm:dir/>
+          <dgm:animLvl val="lvl"/>
+          <dgm:resizeHandles val="exact"/>
+        </dgm:presLayoutVars>
+      </dgm:prSet>
+      <dgm:spPr/>
+    </dgm:pt>
+    <dgm:pt modelId="{E0DC3311-1DF1-4D38-9F13-E7DF045D2A84}" type="pres">
+      <dgm:prSet presAssocID="{0B837F7D-5069-438F-ACF9-3A61413E9413}" presName="linNode" presStyleCnt="0"/>
+      <dgm:spPr/>
+    </dgm:pt>
+    <dgm:pt modelId="{A594DA7B-5BD2-414C-8447-AB59C522C0B5}" type="pres">
+      <dgm:prSet presAssocID="{0B837F7D-5069-438F-ACF9-3A61413E9413}" presName="parTx" presStyleLbl="revTx" presStyleIdx="0" presStyleCnt="3" custScaleX="101484">
+        <dgm:presLayoutVars>
+          <dgm:chMax val="1"/>
+          <dgm:bulletEnabled val="1"/>
+        </dgm:presLayoutVars>
+      </dgm:prSet>
+      <dgm:spPr/>
+    </dgm:pt>
+    <dgm:pt modelId="{705D5B48-A0D8-403A-8CCD-65192929D1FD}" type="pres">
+      <dgm:prSet presAssocID="{0B837F7D-5069-438F-ACF9-3A61413E9413}" presName="bracket" presStyleLbl="parChTrans1D1" presStyleIdx="0" presStyleCnt="3"/>
+      <dgm:spPr/>
+    </dgm:pt>
+    <dgm:pt modelId="{E0677DE4-E38C-4F4E-BB12-9DA4E7CA1F1E}" type="pres">
+      <dgm:prSet presAssocID="{0B837F7D-5069-438F-ACF9-3A61413E9413}" presName="spH" presStyleCnt="0"/>
+      <dgm:spPr/>
+    </dgm:pt>
+    <dgm:pt modelId="{B7602608-FF4C-435D-BB69-3280099D7314}" type="pres">
+      <dgm:prSet presAssocID="{0B837F7D-5069-438F-ACF9-3A61413E9413}" presName="desTx" presStyleLbl="node1" presStyleIdx="0" presStyleCnt="3">
+        <dgm:presLayoutVars>
+          <dgm:bulletEnabled val="1"/>
+        </dgm:presLayoutVars>
+      </dgm:prSet>
+      <dgm:spPr/>
+    </dgm:pt>
+    <dgm:pt modelId="{1275D1D9-9081-4338-96C2-05D8CA9B74A3}" type="pres">
+      <dgm:prSet presAssocID="{C1A63B66-DE4F-4A3C-9A06-BD6345DE5479}" presName="spV" presStyleCnt="0"/>
+      <dgm:spPr/>
+    </dgm:pt>
+    <dgm:pt modelId="{4967A812-1BC7-4036-BEAC-7BA0CE8C40D7}" type="pres">
+      <dgm:prSet presAssocID="{CE3CCAA6-FADD-4B03-894F-077E6EF0DD89}" presName="linNode" presStyleCnt="0"/>
+      <dgm:spPr/>
+    </dgm:pt>
+    <dgm:pt modelId="{6518A65C-25C6-4E97-8CF9-9035E5D862EA}" type="pres">
+      <dgm:prSet presAssocID="{CE3CCAA6-FADD-4B03-894F-077E6EF0DD89}" presName="parTx" presStyleLbl="revTx" presStyleIdx="1" presStyleCnt="3">
+        <dgm:presLayoutVars>
+          <dgm:chMax val="1"/>
+          <dgm:bulletEnabled val="1"/>
+        </dgm:presLayoutVars>
+      </dgm:prSet>
+      <dgm:spPr/>
+    </dgm:pt>
+    <dgm:pt modelId="{538930A2-852C-433B-973B-93F07458950D}" type="pres">
+      <dgm:prSet presAssocID="{CE3CCAA6-FADD-4B03-894F-077E6EF0DD89}" presName="bracket" presStyleLbl="parChTrans1D1" presStyleIdx="1" presStyleCnt="3"/>
+      <dgm:spPr/>
+    </dgm:pt>
+    <dgm:pt modelId="{0ABA37DA-7380-49FB-9CF0-A8236F48D369}" type="pres">
+      <dgm:prSet presAssocID="{CE3CCAA6-FADD-4B03-894F-077E6EF0DD89}" presName="spH" presStyleCnt="0"/>
+      <dgm:spPr/>
+    </dgm:pt>
+    <dgm:pt modelId="{D0E40D7B-E7E1-46C4-98CB-53E1DBC9FADB}" type="pres">
+      <dgm:prSet presAssocID="{CE3CCAA6-FADD-4B03-894F-077E6EF0DD89}" presName="desTx" presStyleLbl="node1" presStyleIdx="1" presStyleCnt="3">
+        <dgm:presLayoutVars>
+          <dgm:bulletEnabled val="1"/>
+        </dgm:presLayoutVars>
+      </dgm:prSet>
+      <dgm:spPr/>
+    </dgm:pt>
+    <dgm:pt modelId="{8639A522-351B-422C-8D59-2C93BE0FB467}" type="pres">
+      <dgm:prSet presAssocID="{662310F0-CAE1-4A4E-AFC2-3B549EECF831}" presName="spV" presStyleCnt="0"/>
+      <dgm:spPr/>
+    </dgm:pt>
+    <dgm:pt modelId="{007F881F-376B-4EF6-AD50-46498245C753}" type="pres">
+      <dgm:prSet presAssocID="{3DC2F478-ADA2-47F3-8B54-65A32B95DF25}" presName="linNode" presStyleCnt="0"/>
+      <dgm:spPr/>
+    </dgm:pt>
+    <dgm:pt modelId="{0342239F-3AB3-49D1-A9B3-E749514C064C}" type="pres">
+      <dgm:prSet presAssocID="{3DC2F478-ADA2-47F3-8B54-65A32B95DF25}" presName="parTx" presStyleLbl="revTx" presStyleIdx="2" presStyleCnt="3">
+        <dgm:presLayoutVars>
+          <dgm:chMax val="1"/>
+          <dgm:bulletEnabled val="1"/>
+        </dgm:presLayoutVars>
+      </dgm:prSet>
+      <dgm:spPr/>
+    </dgm:pt>
+    <dgm:pt modelId="{5EDB7207-472E-49E7-BBCF-955A35055A99}" type="pres">
+      <dgm:prSet presAssocID="{3DC2F478-ADA2-47F3-8B54-65A32B95DF25}" presName="bracket" presStyleLbl="parChTrans1D1" presStyleIdx="2" presStyleCnt="3"/>
+      <dgm:spPr/>
+    </dgm:pt>
+    <dgm:pt modelId="{992EC27E-B364-423F-8145-056003CC0CE4}" type="pres">
+      <dgm:prSet presAssocID="{3DC2F478-ADA2-47F3-8B54-65A32B95DF25}" presName="spH" presStyleCnt="0"/>
+      <dgm:spPr/>
+    </dgm:pt>
+    <dgm:pt modelId="{379CF4B5-A6C7-4CD6-AD5C-0D70E9116CAF}" type="pres">
+      <dgm:prSet presAssocID="{3DC2F478-ADA2-47F3-8B54-65A32B95DF25}" presName="desTx" presStyleLbl="node1" presStyleIdx="2" presStyleCnt="3">
+        <dgm:presLayoutVars>
+          <dgm:bulletEnabled val="1"/>
+        </dgm:presLayoutVars>
+      </dgm:prSet>
+      <dgm:spPr/>
+    </dgm:pt>
+  </dgm:ptLst>
+  <dgm:cxnLst>
+    <dgm:cxn modelId="{C072BA24-D5EC-4DBE-89EC-298F950D4D10}" type="presOf" srcId="{C528B63E-2B4D-434C-8623-A494D71F0304}" destId="{D0E40D7B-E7E1-46C4-98CB-53E1DBC9FADB}" srcOrd="0" destOrd="0" presId="urn:diagrams.loki3.com/BracketList"/>
+    <dgm:cxn modelId="{603EE031-2CE0-4538-969F-4C9499BD7898}" srcId="{3DC2F478-ADA2-47F3-8B54-65A32B95DF25}" destId="{43CFB5B5-2417-4D06-A402-80689C91F8E7}" srcOrd="0" destOrd="0" parTransId="{A775D1D0-B530-4AE0-A38E-AC5D6EA2A252}" sibTransId="{D1CDF592-40C4-48FB-A3A1-E6D380824AAD}"/>
+    <dgm:cxn modelId="{32E7D067-3EBF-4F26-A69D-83287B93459B}" srcId="{581E063E-F5D9-4263-BE16-508E972E5799}" destId="{0B837F7D-5069-438F-ACF9-3A61413E9413}" srcOrd="0" destOrd="0" parTransId="{7363B0BC-7C2F-4CB8-9BB8-9B0155E6A711}" sibTransId="{C1A63B66-DE4F-4A3C-9A06-BD6345DE5479}"/>
+    <dgm:cxn modelId="{1879CC4F-0196-489C-AFCE-62C60B4578BC}" type="presOf" srcId="{43CFB5B5-2417-4D06-A402-80689C91F8E7}" destId="{379CF4B5-A6C7-4CD6-AD5C-0D70E9116CAF}" srcOrd="0" destOrd="0" presId="urn:diagrams.loki3.com/BracketList"/>
+    <dgm:cxn modelId="{4EE0AF86-1871-4FE7-B450-3D8D8F5E2C50}" type="presOf" srcId="{CE3CCAA6-FADD-4B03-894F-077E6EF0DD89}" destId="{6518A65C-25C6-4E97-8CF9-9035E5D862EA}" srcOrd="0" destOrd="0" presId="urn:diagrams.loki3.com/BracketList"/>
+    <dgm:cxn modelId="{695F728B-E050-4531-B929-7FFDFF731E11}" srcId="{581E063E-F5D9-4263-BE16-508E972E5799}" destId="{3DC2F478-ADA2-47F3-8B54-65A32B95DF25}" srcOrd="2" destOrd="0" parTransId="{1972C16F-DC79-4A59-9054-D707480282AF}" sibTransId="{E94B5018-5689-4568-956A-BBC1C6C7F0CD}"/>
+    <dgm:cxn modelId="{FF5C3E8E-A6E8-421F-A0FC-C66027635890}" type="presOf" srcId="{0B837F7D-5069-438F-ACF9-3A61413E9413}" destId="{A594DA7B-5BD2-414C-8447-AB59C522C0B5}" srcOrd="0" destOrd="0" presId="urn:diagrams.loki3.com/BracketList"/>
+    <dgm:cxn modelId="{28A0728E-B082-46D5-8760-77CBC30AD048}" type="presOf" srcId="{3DC2F478-ADA2-47F3-8B54-65A32B95DF25}" destId="{0342239F-3AB3-49D1-A9B3-E749514C064C}" srcOrd="0" destOrd="0" presId="urn:diagrams.loki3.com/BracketList"/>
+    <dgm:cxn modelId="{030E30BE-D811-4922-B49F-06E9629922ED}" type="presOf" srcId="{71BBFF30-DB69-446A-9623-8C644532D3D4}" destId="{B7602608-FF4C-435D-BB69-3280099D7314}" srcOrd="0" destOrd="0" presId="urn:diagrams.loki3.com/BracketList"/>
+    <dgm:cxn modelId="{F944AAC6-A1B0-4675-A1C7-C98AB27FA725}" srcId="{CE3CCAA6-FADD-4B03-894F-077E6EF0DD89}" destId="{C528B63E-2B4D-434C-8623-A494D71F0304}" srcOrd="0" destOrd="0" parTransId="{3C381DEE-2C8A-4D65-9723-4AF9E07D373E}" sibTransId="{A232AF45-40F4-4CBB-BFF4-F72FC8088803}"/>
+    <dgm:cxn modelId="{FC606AD9-F04D-4183-BC8C-DD0A1A5639C3}" type="presOf" srcId="{581E063E-F5D9-4263-BE16-508E972E5799}" destId="{D16539A9-736F-4359-9DAA-5802090F2B90}" srcOrd="0" destOrd="0" presId="urn:diagrams.loki3.com/BracketList"/>
+    <dgm:cxn modelId="{751EFEE9-57A0-4551-A6CB-DAD9880C520E}" srcId="{0B837F7D-5069-438F-ACF9-3A61413E9413}" destId="{71BBFF30-DB69-446A-9623-8C644532D3D4}" srcOrd="0" destOrd="0" parTransId="{8C56879C-5A34-4737-9173-858B4C2B700A}" sibTransId="{904A734D-B0AE-4732-BB37-989E07E7144A}"/>
+    <dgm:cxn modelId="{C29619F4-18B0-42FC-8D7E-B470DF2CF252}" srcId="{581E063E-F5D9-4263-BE16-508E972E5799}" destId="{CE3CCAA6-FADD-4B03-894F-077E6EF0DD89}" srcOrd="1" destOrd="0" parTransId="{1FB73784-6F12-491E-A97C-738DDFBDF26D}" sibTransId="{662310F0-CAE1-4A4E-AFC2-3B549EECF831}"/>
+    <dgm:cxn modelId="{8E682E48-D177-48C7-8AE9-B7425F1405DB}" type="presParOf" srcId="{D16539A9-736F-4359-9DAA-5802090F2B90}" destId="{E0DC3311-1DF1-4D38-9F13-E7DF045D2A84}" srcOrd="0" destOrd="0" presId="urn:diagrams.loki3.com/BracketList"/>
+    <dgm:cxn modelId="{02FD4457-DBB3-4CA2-A741-40AC3201C808}" type="presParOf" srcId="{E0DC3311-1DF1-4D38-9F13-E7DF045D2A84}" destId="{A594DA7B-5BD2-414C-8447-AB59C522C0B5}" srcOrd="0" destOrd="0" presId="urn:diagrams.loki3.com/BracketList"/>
+    <dgm:cxn modelId="{E8A30C8B-1D0F-41D9-80FA-B7DE43E31571}" type="presParOf" srcId="{E0DC3311-1DF1-4D38-9F13-E7DF045D2A84}" destId="{705D5B48-A0D8-403A-8CCD-65192929D1FD}" srcOrd="1" destOrd="0" presId="urn:diagrams.loki3.com/BracketList"/>
+    <dgm:cxn modelId="{0AA1DD25-251B-44F3-83C3-3CFBF8629C0B}" type="presParOf" srcId="{E0DC3311-1DF1-4D38-9F13-E7DF045D2A84}" destId="{E0677DE4-E38C-4F4E-BB12-9DA4E7CA1F1E}" srcOrd="2" destOrd="0" presId="urn:diagrams.loki3.com/BracketList"/>
+    <dgm:cxn modelId="{C60ED563-790F-4613-95B2-CF6071341521}" type="presParOf" srcId="{E0DC3311-1DF1-4D38-9F13-E7DF045D2A84}" destId="{B7602608-FF4C-435D-BB69-3280099D7314}" srcOrd="3" destOrd="0" presId="urn:diagrams.loki3.com/BracketList"/>
+    <dgm:cxn modelId="{62AA04C3-5A4B-437F-BAD6-384CB4310BA8}" type="presParOf" srcId="{D16539A9-736F-4359-9DAA-5802090F2B90}" destId="{1275D1D9-9081-4338-96C2-05D8CA9B74A3}" srcOrd="1" destOrd="0" presId="urn:diagrams.loki3.com/BracketList"/>
+    <dgm:cxn modelId="{01E688FE-1368-449E-A179-91DAB43A4A48}" type="presParOf" srcId="{D16539A9-736F-4359-9DAA-5802090F2B90}" destId="{4967A812-1BC7-4036-BEAC-7BA0CE8C40D7}" srcOrd="2" destOrd="0" presId="urn:diagrams.loki3.com/BracketList"/>
+    <dgm:cxn modelId="{AEF712C7-0D0D-4E4E-8803-D2CF07721D69}" type="presParOf" srcId="{4967A812-1BC7-4036-BEAC-7BA0CE8C40D7}" destId="{6518A65C-25C6-4E97-8CF9-9035E5D862EA}" srcOrd="0" destOrd="0" presId="urn:diagrams.loki3.com/BracketList"/>
+    <dgm:cxn modelId="{069B38EC-1B17-4BA1-B4D9-8409F49707D0}" type="presParOf" srcId="{4967A812-1BC7-4036-BEAC-7BA0CE8C40D7}" destId="{538930A2-852C-433B-973B-93F07458950D}" srcOrd="1" destOrd="0" presId="urn:diagrams.loki3.com/BracketList"/>
+    <dgm:cxn modelId="{E7B5C11A-22E9-4403-8D4D-C5E663F55650}" type="presParOf" srcId="{4967A812-1BC7-4036-BEAC-7BA0CE8C40D7}" destId="{0ABA37DA-7380-49FB-9CF0-A8236F48D369}" srcOrd="2" destOrd="0" presId="urn:diagrams.loki3.com/BracketList"/>
+    <dgm:cxn modelId="{F37DF052-2605-41B5-8E27-7494608E07E2}" type="presParOf" srcId="{4967A812-1BC7-4036-BEAC-7BA0CE8C40D7}" destId="{D0E40D7B-E7E1-46C4-98CB-53E1DBC9FADB}" srcOrd="3" destOrd="0" presId="urn:diagrams.loki3.com/BracketList"/>
+    <dgm:cxn modelId="{14BED582-CF7B-4B8C-9800-82D7FE6DC2C2}" type="presParOf" srcId="{D16539A9-736F-4359-9DAA-5802090F2B90}" destId="{8639A522-351B-422C-8D59-2C93BE0FB467}" srcOrd="3" destOrd="0" presId="urn:diagrams.loki3.com/BracketList"/>
+    <dgm:cxn modelId="{11057B5F-551F-403C-9268-45840C83FC88}" type="presParOf" srcId="{D16539A9-736F-4359-9DAA-5802090F2B90}" destId="{007F881F-376B-4EF6-AD50-46498245C753}" srcOrd="4" destOrd="0" presId="urn:diagrams.loki3.com/BracketList"/>
+    <dgm:cxn modelId="{825EC364-D8D2-48AA-A01E-C0DC6E7283C2}" type="presParOf" srcId="{007F881F-376B-4EF6-AD50-46498245C753}" destId="{0342239F-3AB3-49D1-A9B3-E749514C064C}" srcOrd="0" destOrd="0" presId="urn:diagrams.loki3.com/BracketList"/>
+    <dgm:cxn modelId="{3505F779-8C6E-48EA-B145-0949702C87DD}" type="presParOf" srcId="{007F881F-376B-4EF6-AD50-46498245C753}" destId="{5EDB7207-472E-49E7-BBCF-955A35055A99}" srcOrd="1" destOrd="0" presId="urn:diagrams.loki3.com/BracketList"/>
+    <dgm:cxn modelId="{1D1F107A-6090-4914-B72D-F85F2B2A4AA2}" type="presParOf" srcId="{007F881F-376B-4EF6-AD50-46498245C753}" destId="{992EC27E-B364-423F-8145-056003CC0CE4}" srcOrd="2" destOrd="0" presId="urn:diagrams.loki3.com/BracketList"/>
+    <dgm:cxn modelId="{00B423A8-2018-443F-9084-D1C12BE8B8C8}" type="presParOf" srcId="{007F881F-376B-4EF6-AD50-46498245C753}" destId="{379CF4B5-A6C7-4CD6-AD5C-0D70E9116CAF}" srcOrd="3" destOrd="0" presId="urn:diagrams.loki3.com/BracketList"/>
   </dgm:cxnLst>
   <dgm:bg/>
   <dgm:whole/>
@@ -11503,7 +12740,7 @@
       </dsp:nvSpPr>
       <dsp:spPr>
         <a:xfrm>
-          <a:off x="2623385" y="1119122"/>
+          <a:off x="2592298" y="1088301"/>
           <a:ext cx="3935078" cy="1016220"/>
         </a:xfrm>
         <a:prstGeom prst="rightArrow">
@@ -11513,14 +12750,7 @@
           </a:avLst>
         </a:prstGeom>
         <a:solidFill>
-          <a:schemeClr val="accent1">
-            <a:alpha val="90000"/>
-            <a:tint val="40000"/>
-            <a:hueOff val="0"/>
-            <a:satOff val="0"/>
-            <a:lumOff val="0"/>
-            <a:alphaOff val="0"/>
-          </a:schemeClr>
+          <a:srgbClr val="D5DCEA"/>
         </a:solidFill>
         <a:ln w="25400" cap="flat" cmpd="sng" algn="ctr">
           <a:solidFill>
@@ -11550,12 +12780,12 @@
         <a:fontRef idx="minor"/>
       </dsp:style>
       <dsp:txBody>
-        <a:bodyPr spcFirstLastPara="0" vert="horz" wrap="square" lIns="6985" tIns="6985" rIns="6985" bIns="6985" numCol="1" spcCol="1270" anchor="t" anchorCtr="0">
+        <a:bodyPr spcFirstLastPara="0" vert="horz" wrap="square" lIns="8255" tIns="8255" rIns="8255" bIns="8255" numCol="1" spcCol="1270" anchor="t" anchorCtr="0">
           <a:noAutofit/>
         </a:bodyPr>
         <a:lstStyle/>
         <a:p>
-          <a:pPr marL="57150" lvl="1" indent="-57150" algn="just" defTabSz="488950">
+          <a:pPr marL="114300" lvl="1" indent="-114300" algn="just" defTabSz="577850">
             <a:lnSpc>
               <a:spcPct val="90000"/>
             </a:lnSpc>
@@ -11568,13 +12798,13 @@
             <a:buNone/>
           </a:pPr>
           <a:r>
-            <a:rPr lang="en-US" sz="1100" kern="1200" dirty="0"/>
+            <a:rPr lang="en-US" sz="1300" kern="1200" dirty="0"/>
             <a:t>	EOS means decline in per unit cost of production due to huge production of goods. New entrant having higher per unit cost bared from entering the industry.</a:t>
           </a:r>
         </a:p>
       </dsp:txBody>
       <dsp:txXfrm>
-        <a:off x="2623385" y="1246150"/>
+        <a:off x="2592298" y="1215329"/>
         <a:ext cx="3553996" cy="762165"/>
       </dsp:txXfrm>
     </dsp:sp>
@@ -11827,7 +13057,7 @@
       </dsp:nvSpPr>
       <dsp:spPr>
         <a:xfrm>
-          <a:off x="2623385" y="3354807"/>
+          <a:off x="2623385" y="3356087"/>
           <a:ext cx="3935078" cy="1016220"/>
         </a:xfrm>
         <a:prstGeom prst="rightArrow">
@@ -11837,7 +13067,7 @@
           </a:avLst>
         </a:prstGeom>
         <a:solidFill>
-          <a:srgbClr val="95B3D7"/>
+          <a:srgbClr val="D5DCEA"/>
         </a:solidFill>
         <a:ln w="25400" cap="flat" cmpd="sng" algn="ctr">
           <a:solidFill>
@@ -11872,7 +13102,7 @@
         </a:bodyPr>
         <a:lstStyle/>
         <a:p>
-          <a:pPr marL="57150" lvl="1" indent="-57150" algn="ctr" defTabSz="488950">
+          <a:pPr marL="57150" lvl="1" indent="-57150" algn="just" defTabSz="488950">
             <a:lnSpc>
               <a:spcPct val="90000"/>
             </a:lnSpc>
@@ -11884,11 +13114,14 @@
             </a:spcAft>
             <a:buNone/>
           </a:pPr>
-          <a:endParaRPr lang="en-US" sz="1100" b="1" kern="1200" dirty="0"/>
+          <a:r>
+            <a:rPr lang="en-US" sz="1100" b="0" kern="1200" dirty="0"/>
+            <a:t>	Sometime mere threat of aggressive retaliation from existing firm can be great barrier to entry and can deter the new entrant.</a:t>
+          </a:r>
         </a:p>
       </dsp:txBody>
       <dsp:txXfrm>
-        <a:off x="2623385" y="3481835"/>
+        <a:off x="2623385" y="3483115"/>
         <a:ext cx="3553996" cy="762165"/>
       </dsp:txXfrm>
     </dsp:sp>
@@ -12469,6 +13702,726 @@
       <dsp:txXfrm>
         <a:off x="69754" y="3213384"/>
         <a:ext cx="2604025" cy="1289415"/>
+      </dsp:txXfrm>
+    </dsp:sp>
+  </dsp:spTree>
+</dsp:drawing>
+</file>
+
+<file path=ppt/diagrams/drawing7.xml><?xml version="1.0" encoding="utf-8"?>
+<dsp:drawing xmlns:dgm="http://schemas.openxmlformats.org/drawingml/2006/diagram" xmlns:dsp="http://schemas.microsoft.com/office/drawing/2008/diagram" xmlns:a="http://schemas.openxmlformats.org/drawingml/2006/main">
+  <dsp:spTree>
+    <dsp:nvGrpSpPr>
+      <dsp:cNvPr id="0" name=""/>
+      <dsp:cNvGrpSpPr/>
+    </dsp:nvGrpSpPr>
+    <dsp:grpSpPr/>
+    <dsp:sp modelId="{A594DA7B-5BD2-414C-8447-AB59C522C0B5}">
+      <dsp:nvSpPr>
+        <dsp:cNvPr id="0" name=""/>
+        <dsp:cNvSpPr/>
+      </dsp:nvSpPr>
+      <dsp:spPr>
+        <a:xfrm>
+          <a:off x="0" y="20113"/>
+          <a:ext cx="1430809" cy="1645875"/>
+        </a:xfrm>
+        <a:prstGeom prst="rect">
+          <a:avLst/>
+        </a:prstGeom>
+        <a:noFill/>
+        <a:ln>
+          <a:noFill/>
+        </a:ln>
+        <a:effectLst/>
+      </dsp:spPr>
+      <dsp:style>
+        <a:lnRef idx="0">
+          <a:scrgbClr r="0" g="0" b="0"/>
+        </a:lnRef>
+        <a:fillRef idx="0">
+          <a:scrgbClr r="0" g="0" b="0"/>
+        </a:fillRef>
+        <a:effectRef idx="0">
+          <a:scrgbClr r="0" g="0" b="0"/>
+        </a:effectRef>
+        <a:fontRef idx="minor"/>
+      </dsp:style>
+      <dsp:txBody>
+        <a:bodyPr spcFirstLastPara="0" vert="horz" wrap="square" lIns="113792" tIns="40640" rIns="113792" bIns="40640" numCol="1" spcCol="1270" anchor="ctr" anchorCtr="0">
+          <a:noAutofit/>
+        </a:bodyPr>
+        <a:lstStyle/>
+        <a:p>
+          <a:pPr marL="0" lvl="0" indent="0" algn="r" defTabSz="711200">
+            <a:lnSpc>
+              <a:spcPct val="90000"/>
+            </a:lnSpc>
+            <a:spcBef>
+              <a:spcPct val="0"/>
+            </a:spcBef>
+            <a:spcAft>
+              <a:spcPct val="35000"/>
+            </a:spcAft>
+            <a:buNone/>
+          </a:pPr>
+          <a:r>
+            <a:rPr lang="en-US" sz="1600" b="1" kern="1200">
+              <a:solidFill>
+                <a:schemeClr val="tx1">
+                  <a:lumMod val="65000"/>
+                  <a:lumOff val="35000"/>
+                </a:schemeClr>
+              </a:solidFill>
+            </a:rPr>
+            <a:t>When the possibility of  bargaining power increases or it become heavier ?</a:t>
+          </a:r>
+          <a:endParaRPr lang="en-US" sz="1600" b="1" kern="1200" dirty="0">
+            <a:solidFill>
+              <a:schemeClr val="tx1">
+                <a:lumMod val="65000"/>
+                <a:lumOff val="35000"/>
+              </a:schemeClr>
+            </a:solidFill>
+          </a:endParaRPr>
+        </a:p>
+      </dsp:txBody>
+      <dsp:txXfrm>
+        <a:off x="0" y="20113"/>
+        <a:ext cx="1430809" cy="1645875"/>
+      </dsp:txXfrm>
+    </dsp:sp>
+    <dsp:sp modelId="{705D5B48-A0D8-403A-8CCD-65192929D1FD}">
+      <dsp:nvSpPr>
+        <dsp:cNvPr id="0" name=""/>
+        <dsp:cNvSpPr/>
+      </dsp:nvSpPr>
+      <dsp:spPr>
+        <a:xfrm>
+          <a:off x="1430809" y="20113"/>
+          <a:ext cx="281977" cy="1645875"/>
+        </a:xfrm>
+        <a:prstGeom prst="leftBrace">
+          <a:avLst>
+            <a:gd name="adj1" fmla="val 35000"/>
+            <a:gd name="adj2" fmla="val 50000"/>
+          </a:avLst>
+        </a:prstGeom>
+        <a:noFill/>
+        <a:ln w="9525" cap="flat" cmpd="sng" algn="ctr">
+          <a:solidFill>
+            <a:schemeClr val="accent1">
+              <a:shade val="60000"/>
+              <a:hueOff val="0"/>
+              <a:satOff val="0"/>
+              <a:lumOff val="0"/>
+              <a:alphaOff val="0"/>
+            </a:schemeClr>
+          </a:solidFill>
+          <a:prstDash val="solid"/>
+        </a:ln>
+        <a:effectLst/>
+      </dsp:spPr>
+      <dsp:style>
+        <a:lnRef idx="1">
+          <a:scrgbClr r="0" g="0" b="0"/>
+        </a:lnRef>
+        <a:fillRef idx="0">
+          <a:scrgbClr r="0" g="0" b="0"/>
+        </a:fillRef>
+        <a:effectRef idx="0">
+          <a:scrgbClr r="0" g="0" b="0"/>
+        </a:effectRef>
+        <a:fontRef idx="minor"/>
+      </dsp:style>
+    </dsp:sp>
+    <dsp:sp modelId="{B7602608-FF4C-435D-BB69-3280099D7314}">
+      <dsp:nvSpPr>
+        <dsp:cNvPr id="0" name=""/>
+        <dsp:cNvSpPr/>
+      </dsp:nvSpPr>
+      <dsp:spPr>
+        <a:xfrm>
+          <a:off x="1825577" y="20113"/>
+          <a:ext cx="3834891" cy="1645875"/>
+        </a:xfrm>
+        <a:prstGeom prst="rect">
+          <a:avLst/>
+        </a:prstGeom>
+        <a:gradFill rotWithShape="0">
+          <a:gsLst>
+            <a:gs pos="0">
+              <a:schemeClr val="accent1">
+                <a:hueOff val="0"/>
+                <a:satOff val="0"/>
+                <a:lumOff val="0"/>
+                <a:alphaOff val="0"/>
+                <a:shade val="51000"/>
+                <a:satMod val="130000"/>
+              </a:schemeClr>
+            </a:gs>
+            <a:gs pos="80000">
+              <a:schemeClr val="accent1">
+                <a:hueOff val="0"/>
+                <a:satOff val="0"/>
+                <a:lumOff val="0"/>
+                <a:alphaOff val="0"/>
+                <a:shade val="93000"/>
+                <a:satMod val="130000"/>
+              </a:schemeClr>
+            </a:gs>
+            <a:gs pos="100000">
+              <a:schemeClr val="accent1">
+                <a:hueOff val="0"/>
+                <a:satOff val="0"/>
+                <a:lumOff val="0"/>
+                <a:alphaOff val="0"/>
+                <a:shade val="94000"/>
+                <a:satMod val="135000"/>
+              </a:schemeClr>
+            </a:gs>
+          </a:gsLst>
+          <a:lin ang="16200000" scaled="0"/>
+        </a:gradFill>
+        <a:ln>
+          <a:noFill/>
+        </a:ln>
+        <a:effectLst>
+          <a:outerShdw blurRad="40000" dist="23000" dir="5400000" rotWithShape="0">
+            <a:srgbClr val="000000">
+              <a:alpha val="35000"/>
+            </a:srgbClr>
+          </a:outerShdw>
+        </a:effectLst>
+      </dsp:spPr>
+      <dsp:style>
+        <a:lnRef idx="0">
+          <a:scrgbClr r="0" g="0" b="0"/>
+        </a:lnRef>
+        <a:fillRef idx="3">
+          <a:scrgbClr r="0" g="0" b="0"/>
+        </a:fillRef>
+        <a:effectRef idx="2">
+          <a:scrgbClr r="0" g="0" b="0"/>
+        </a:effectRef>
+        <a:fontRef idx="minor">
+          <a:schemeClr val="lt1"/>
+        </a:fontRef>
+      </dsp:style>
+      <dsp:txBody>
+        <a:bodyPr spcFirstLastPara="0" vert="horz" wrap="square" lIns="60960" tIns="60960" rIns="60960" bIns="60960" numCol="1" spcCol="1270" anchor="ctr" anchorCtr="0">
+          <a:noAutofit/>
+        </a:bodyPr>
+        <a:lstStyle/>
+        <a:p>
+          <a:pPr marL="171450" lvl="1" indent="-171450" algn="l" defTabSz="711200">
+            <a:lnSpc>
+              <a:spcPct val="90000"/>
+            </a:lnSpc>
+            <a:spcBef>
+              <a:spcPct val="0"/>
+            </a:spcBef>
+            <a:spcAft>
+              <a:spcPct val="15000"/>
+            </a:spcAft>
+            <a:buChar char="•"/>
+          </a:pPr>
+          <a:r>
+            <a:rPr lang="en-US" sz="1600" b="1" kern="1200">
+              <a:solidFill>
+                <a:schemeClr val="tx1">
+                  <a:lumMod val="65000"/>
+                  <a:lumOff val="35000"/>
+                </a:schemeClr>
+              </a:solidFill>
+            </a:rPr>
+            <a:t>The Forces become heavier depending on the possibility of buyer form groups or cartel. They come together formally or informally.</a:t>
+          </a:r>
+          <a:endParaRPr lang="en-US" sz="1600" b="1" kern="1200" dirty="0">
+            <a:solidFill>
+              <a:schemeClr val="tx1">
+                <a:lumMod val="65000"/>
+                <a:lumOff val="35000"/>
+              </a:schemeClr>
+            </a:solidFill>
+          </a:endParaRPr>
+        </a:p>
+      </dsp:txBody>
+      <dsp:txXfrm>
+        <a:off x="1825577" y="20113"/>
+        <a:ext cx="3834891" cy="1645875"/>
+      </dsp:txXfrm>
+    </dsp:sp>
+    <dsp:sp modelId="{6518A65C-25C6-4E97-8CF9-9035E5D862EA}">
+      <dsp:nvSpPr>
+        <dsp:cNvPr id="0" name=""/>
+        <dsp:cNvSpPr/>
+      </dsp:nvSpPr>
+      <dsp:spPr>
+        <a:xfrm>
+          <a:off x="0" y="1734388"/>
+          <a:ext cx="1415415" cy="752400"/>
+        </a:xfrm>
+        <a:prstGeom prst="rect">
+          <a:avLst/>
+        </a:prstGeom>
+        <a:noFill/>
+        <a:ln>
+          <a:noFill/>
+        </a:ln>
+        <a:effectLst/>
+      </dsp:spPr>
+      <dsp:style>
+        <a:lnRef idx="0">
+          <a:scrgbClr r="0" g="0" b="0"/>
+        </a:lnRef>
+        <a:fillRef idx="0">
+          <a:scrgbClr r="0" g="0" b="0"/>
+        </a:fillRef>
+        <a:effectRef idx="0">
+          <a:scrgbClr r="0" g="0" b="0"/>
+        </a:effectRef>
+        <a:fontRef idx="minor"/>
+      </dsp:style>
+      <dsp:txBody>
+        <a:bodyPr spcFirstLastPara="0" vert="horz" wrap="square" lIns="113792" tIns="40640" rIns="113792" bIns="40640" numCol="1" spcCol="1270" anchor="ctr" anchorCtr="0">
+          <a:noAutofit/>
+        </a:bodyPr>
+        <a:lstStyle/>
+        <a:p>
+          <a:pPr marL="0" lvl="0" indent="0" algn="r" defTabSz="711200">
+            <a:lnSpc>
+              <a:spcPct val="90000"/>
+            </a:lnSpc>
+            <a:spcBef>
+              <a:spcPct val="0"/>
+            </a:spcBef>
+            <a:spcAft>
+              <a:spcPct val="35000"/>
+            </a:spcAft>
+            <a:buNone/>
+          </a:pPr>
+          <a:r>
+            <a:rPr lang="en-US" sz="1600" b="1" kern="1200">
+              <a:solidFill>
+                <a:schemeClr val="tx1">
+                  <a:lumMod val="65000"/>
+                  <a:lumOff val="35000"/>
+                </a:schemeClr>
+              </a:solidFill>
+            </a:rPr>
+            <a:t>Why they form such Group ?</a:t>
+          </a:r>
+          <a:endParaRPr lang="en-US" sz="1600" b="1" kern="1200" dirty="0">
+            <a:solidFill>
+              <a:schemeClr val="tx1">
+                <a:lumMod val="65000"/>
+                <a:lumOff val="35000"/>
+              </a:schemeClr>
+            </a:solidFill>
+          </a:endParaRPr>
+        </a:p>
+      </dsp:txBody>
+      <dsp:txXfrm>
+        <a:off x="0" y="1734388"/>
+        <a:ext cx="1415415" cy="752400"/>
+      </dsp:txXfrm>
+    </dsp:sp>
+    <dsp:sp modelId="{538930A2-852C-433B-973B-93F07458950D}">
+      <dsp:nvSpPr>
+        <dsp:cNvPr id="0" name=""/>
+        <dsp:cNvSpPr/>
+      </dsp:nvSpPr>
+      <dsp:spPr>
+        <a:xfrm>
+          <a:off x="1415415" y="1734388"/>
+          <a:ext cx="283083" cy="752400"/>
+        </a:xfrm>
+        <a:prstGeom prst="leftBrace">
+          <a:avLst>
+            <a:gd name="adj1" fmla="val 35000"/>
+            <a:gd name="adj2" fmla="val 50000"/>
+          </a:avLst>
+        </a:prstGeom>
+        <a:noFill/>
+        <a:ln w="9525" cap="flat" cmpd="sng" algn="ctr">
+          <a:solidFill>
+            <a:schemeClr val="accent1">
+              <a:shade val="60000"/>
+              <a:hueOff val="0"/>
+              <a:satOff val="0"/>
+              <a:lumOff val="0"/>
+              <a:alphaOff val="0"/>
+            </a:schemeClr>
+          </a:solidFill>
+          <a:prstDash val="solid"/>
+        </a:ln>
+        <a:effectLst/>
+      </dsp:spPr>
+      <dsp:style>
+        <a:lnRef idx="1">
+          <a:scrgbClr r="0" g="0" b="0"/>
+        </a:lnRef>
+        <a:fillRef idx="0">
+          <a:scrgbClr r="0" g="0" b="0"/>
+        </a:fillRef>
+        <a:effectRef idx="0">
+          <a:scrgbClr r="0" g="0" b="0"/>
+        </a:effectRef>
+        <a:fontRef idx="minor"/>
+      </dsp:style>
+    </dsp:sp>
+    <dsp:sp modelId="{D0E40D7B-E7E1-46C4-98CB-53E1DBC9FADB}">
+      <dsp:nvSpPr>
+        <dsp:cNvPr id="0" name=""/>
+        <dsp:cNvSpPr/>
+      </dsp:nvSpPr>
+      <dsp:spPr>
+        <a:xfrm>
+          <a:off x="1811731" y="1734388"/>
+          <a:ext cx="3849930" cy="752400"/>
+        </a:xfrm>
+        <a:prstGeom prst="rect">
+          <a:avLst/>
+        </a:prstGeom>
+        <a:gradFill rotWithShape="0">
+          <a:gsLst>
+            <a:gs pos="0">
+              <a:schemeClr val="accent1">
+                <a:hueOff val="0"/>
+                <a:satOff val="0"/>
+                <a:lumOff val="0"/>
+                <a:alphaOff val="0"/>
+                <a:shade val="51000"/>
+                <a:satMod val="130000"/>
+              </a:schemeClr>
+            </a:gs>
+            <a:gs pos="80000">
+              <a:schemeClr val="accent1">
+                <a:hueOff val="0"/>
+                <a:satOff val="0"/>
+                <a:lumOff val="0"/>
+                <a:alphaOff val="0"/>
+                <a:shade val="93000"/>
+                <a:satMod val="130000"/>
+              </a:schemeClr>
+            </a:gs>
+            <a:gs pos="100000">
+              <a:schemeClr val="accent1">
+                <a:hueOff val="0"/>
+                <a:satOff val="0"/>
+                <a:lumOff val="0"/>
+                <a:alphaOff val="0"/>
+                <a:shade val="94000"/>
+                <a:satMod val="135000"/>
+              </a:schemeClr>
+            </a:gs>
+          </a:gsLst>
+          <a:lin ang="16200000" scaled="0"/>
+        </a:gradFill>
+        <a:ln>
+          <a:noFill/>
+        </a:ln>
+        <a:effectLst>
+          <a:outerShdw blurRad="40000" dist="23000" dir="5400000" rotWithShape="0">
+            <a:srgbClr val="000000">
+              <a:alpha val="35000"/>
+            </a:srgbClr>
+          </a:outerShdw>
+        </a:effectLst>
+      </dsp:spPr>
+      <dsp:style>
+        <a:lnRef idx="0">
+          <a:scrgbClr r="0" g="0" b="0"/>
+        </a:lnRef>
+        <a:fillRef idx="3">
+          <a:scrgbClr r="0" g="0" b="0"/>
+        </a:fillRef>
+        <a:effectRef idx="2">
+          <a:scrgbClr r="0" g="0" b="0"/>
+        </a:effectRef>
+        <a:fontRef idx="minor">
+          <a:schemeClr val="lt1"/>
+        </a:fontRef>
+      </dsp:style>
+      <dsp:txBody>
+        <a:bodyPr spcFirstLastPara="0" vert="horz" wrap="square" lIns="60960" tIns="60960" rIns="60960" bIns="60960" numCol="1" spcCol="1270" anchor="ctr" anchorCtr="0">
+          <a:noAutofit/>
+        </a:bodyPr>
+        <a:lstStyle/>
+        <a:p>
+          <a:pPr marL="171450" lvl="1" indent="-171450" algn="l" defTabSz="711200">
+            <a:lnSpc>
+              <a:spcPct val="90000"/>
+            </a:lnSpc>
+            <a:spcBef>
+              <a:spcPct val="0"/>
+            </a:spcBef>
+            <a:spcAft>
+              <a:spcPct val="15000"/>
+            </a:spcAft>
+            <a:buChar char="•"/>
+          </a:pPr>
+          <a:r>
+            <a:rPr lang="en-US" sz="1600" b="1" kern="1200">
+              <a:solidFill>
+                <a:schemeClr val="tx1">
+                  <a:lumMod val="65000"/>
+                  <a:lumOff val="35000"/>
+                </a:schemeClr>
+              </a:solidFill>
+            </a:rPr>
+            <a:t>To exert pressure on the producer.</a:t>
+          </a:r>
+          <a:endParaRPr lang="en-US" sz="1600" b="1" kern="1200" dirty="0">
+            <a:solidFill>
+              <a:schemeClr val="tx1">
+                <a:lumMod val="65000"/>
+                <a:lumOff val="35000"/>
+              </a:schemeClr>
+            </a:solidFill>
+          </a:endParaRPr>
+        </a:p>
+      </dsp:txBody>
+      <dsp:txXfrm>
+        <a:off x="1811731" y="1734388"/>
+        <a:ext cx="3849930" cy="752400"/>
+      </dsp:txXfrm>
+    </dsp:sp>
+    <dsp:sp modelId="{0342239F-3AB3-49D1-A9B3-E749514C064C}">
+      <dsp:nvSpPr>
+        <dsp:cNvPr id="0" name=""/>
+        <dsp:cNvSpPr/>
+      </dsp:nvSpPr>
+      <dsp:spPr>
+        <a:xfrm>
+          <a:off x="0" y="2555188"/>
+          <a:ext cx="1415415" cy="1199137"/>
+        </a:xfrm>
+        <a:prstGeom prst="rect">
+          <a:avLst/>
+        </a:prstGeom>
+        <a:noFill/>
+        <a:ln>
+          <a:noFill/>
+        </a:ln>
+        <a:effectLst/>
+      </dsp:spPr>
+      <dsp:style>
+        <a:lnRef idx="0">
+          <a:scrgbClr r="0" g="0" b="0"/>
+        </a:lnRef>
+        <a:fillRef idx="0">
+          <a:scrgbClr r="0" g="0" b="0"/>
+        </a:fillRef>
+        <a:effectRef idx="0">
+          <a:scrgbClr r="0" g="0" b="0"/>
+        </a:effectRef>
+        <a:fontRef idx="minor"/>
+      </dsp:style>
+      <dsp:txBody>
+        <a:bodyPr spcFirstLastPara="0" vert="horz" wrap="square" lIns="113792" tIns="40640" rIns="113792" bIns="40640" numCol="1" spcCol="1270" anchor="ctr" anchorCtr="0">
+          <a:noAutofit/>
+        </a:bodyPr>
+        <a:lstStyle/>
+        <a:p>
+          <a:pPr marL="0" lvl="0" indent="0" algn="r" defTabSz="711200">
+            <a:lnSpc>
+              <a:spcPct val="90000"/>
+            </a:lnSpc>
+            <a:spcBef>
+              <a:spcPct val="0"/>
+            </a:spcBef>
+            <a:spcAft>
+              <a:spcPct val="35000"/>
+            </a:spcAft>
+            <a:buNone/>
+          </a:pPr>
+          <a:r>
+            <a:rPr lang="en-US" sz="1600" b="1" kern="1200">
+              <a:solidFill>
+                <a:schemeClr val="tx1">
+                  <a:lumMod val="65000"/>
+                  <a:lumOff val="35000"/>
+                </a:schemeClr>
+              </a:solidFill>
+            </a:rPr>
+            <a:t>Where the bargaining power of buyer is higher.</a:t>
+          </a:r>
+          <a:endParaRPr lang="en-US" sz="1600" b="1" kern="1200" dirty="0">
+            <a:solidFill>
+              <a:schemeClr val="tx1">
+                <a:lumMod val="65000"/>
+                <a:lumOff val="35000"/>
+              </a:schemeClr>
+            </a:solidFill>
+          </a:endParaRPr>
+        </a:p>
+      </dsp:txBody>
+      <dsp:txXfrm>
+        <a:off x="0" y="2555188"/>
+        <a:ext cx="1415415" cy="1199137"/>
+      </dsp:txXfrm>
+    </dsp:sp>
+    <dsp:sp modelId="{5EDB7207-472E-49E7-BBCF-955A35055A99}">
+      <dsp:nvSpPr>
+        <dsp:cNvPr id="0" name=""/>
+        <dsp:cNvSpPr/>
+      </dsp:nvSpPr>
+      <dsp:spPr>
+        <a:xfrm>
+          <a:off x="1415415" y="2555188"/>
+          <a:ext cx="283083" cy="1199137"/>
+        </a:xfrm>
+        <a:prstGeom prst="leftBrace">
+          <a:avLst>
+            <a:gd name="adj1" fmla="val 35000"/>
+            <a:gd name="adj2" fmla="val 50000"/>
+          </a:avLst>
+        </a:prstGeom>
+        <a:noFill/>
+        <a:ln w="9525" cap="flat" cmpd="sng" algn="ctr">
+          <a:solidFill>
+            <a:schemeClr val="accent1">
+              <a:shade val="60000"/>
+              <a:hueOff val="0"/>
+              <a:satOff val="0"/>
+              <a:lumOff val="0"/>
+              <a:alphaOff val="0"/>
+            </a:schemeClr>
+          </a:solidFill>
+          <a:prstDash val="solid"/>
+        </a:ln>
+        <a:effectLst/>
+      </dsp:spPr>
+      <dsp:style>
+        <a:lnRef idx="1">
+          <a:scrgbClr r="0" g="0" b="0"/>
+        </a:lnRef>
+        <a:fillRef idx="0">
+          <a:scrgbClr r="0" g="0" b="0"/>
+        </a:fillRef>
+        <a:effectRef idx="0">
+          <a:scrgbClr r="0" g="0" b="0"/>
+        </a:effectRef>
+        <a:fontRef idx="minor"/>
+      </dsp:style>
+    </dsp:sp>
+    <dsp:sp modelId="{379CF4B5-A6C7-4CD6-AD5C-0D70E9116CAF}">
+      <dsp:nvSpPr>
+        <dsp:cNvPr id="0" name=""/>
+        <dsp:cNvSpPr/>
+      </dsp:nvSpPr>
+      <dsp:spPr>
+        <a:xfrm>
+          <a:off x="1811731" y="2555188"/>
+          <a:ext cx="3849930" cy="1199137"/>
+        </a:xfrm>
+        <a:prstGeom prst="rect">
+          <a:avLst/>
+        </a:prstGeom>
+        <a:gradFill rotWithShape="0">
+          <a:gsLst>
+            <a:gs pos="0">
+              <a:schemeClr val="accent1">
+                <a:hueOff val="0"/>
+                <a:satOff val="0"/>
+                <a:lumOff val="0"/>
+                <a:alphaOff val="0"/>
+                <a:shade val="51000"/>
+                <a:satMod val="130000"/>
+              </a:schemeClr>
+            </a:gs>
+            <a:gs pos="80000">
+              <a:schemeClr val="accent1">
+                <a:hueOff val="0"/>
+                <a:satOff val="0"/>
+                <a:lumOff val="0"/>
+                <a:alphaOff val="0"/>
+                <a:shade val="93000"/>
+                <a:satMod val="130000"/>
+              </a:schemeClr>
+            </a:gs>
+            <a:gs pos="100000">
+              <a:schemeClr val="accent1">
+                <a:hueOff val="0"/>
+                <a:satOff val="0"/>
+                <a:lumOff val="0"/>
+                <a:alphaOff val="0"/>
+                <a:shade val="94000"/>
+                <a:satMod val="135000"/>
+              </a:schemeClr>
+            </a:gs>
+          </a:gsLst>
+          <a:lin ang="16200000" scaled="0"/>
+        </a:gradFill>
+        <a:ln>
+          <a:noFill/>
+        </a:ln>
+        <a:effectLst>
+          <a:outerShdw blurRad="40000" dist="23000" dir="5400000" rotWithShape="0">
+            <a:srgbClr val="000000">
+              <a:alpha val="35000"/>
+            </a:srgbClr>
+          </a:outerShdw>
+        </a:effectLst>
+      </dsp:spPr>
+      <dsp:style>
+        <a:lnRef idx="0">
+          <a:scrgbClr r="0" g="0" b="0"/>
+        </a:lnRef>
+        <a:fillRef idx="3">
+          <a:scrgbClr r="0" g="0" b="0"/>
+        </a:fillRef>
+        <a:effectRef idx="2">
+          <a:scrgbClr r="0" g="0" b="0"/>
+        </a:effectRef>
+        <a:fontRef idx="minor">
+          <a:schemeClr val="lt1"/>
+        </a:fontRef>
+      </dsp:style>
+      <dsp:txBody>
+        <a:bodyPr spcFirstLastPara="0" vert="horz" wrap="square" lIns="60960" tIns="60960" rIns="60960" bIns="60960" numCol="1" spcCol="1270" anchor="ctr" anchorCtr="0">
+          <a:noAutofit/>
+        </a:bodyPr>
+        <a:lstStyle/>
+        <a:p>
+          <a:pPr marL="171450" lvl="1" indent="-171450" algn="l" defTabSz="711200">
+            <a:lnSpc>
+              <a:spcPct val="90000"/>
+            </a:lnSpc>
+            <a:spcBef>
+              <a:spcPct val="0"/>
+            </a:spcBef>
+            <a:spcAft>
+              <a:spcPct val="15000"/>
+            </a:spcAft>
+            <a:buChar char="•"/>
+          </a:pPr>
+          <a:r>
+            <a:rPr lang="en-US" sz="1600" b="1" kern="1200">
+              <a:solidFill>
+                <a:schemeClr val="tx1">
+                  <a:lumMod val="65000"/>
+                  <a:lumOff val="35000"/>
+                </a:schemeClr>
+              </a:solidFill>
+            </a:rPr>
+            <a:t>In industrial Products.</a:t>
+          </a:r>
+          <a:endParaRPr lang="en-US" sz="1600" b="1" kern="1200" dirty="0">
+            <a:solidFill>
+              <a:schemeClr val="tx1">
+                <a:lumMod val="65000"/>
+                <a:lumOff val="35000"/>
+              </a:schemeClr>
+            </a:solidFill>
+          </a:endParaRPr>
+        </a:p>
+      </dsp:txBody>
+      <dsp:txXfrm>
+        <a:off x="1811731" y="2555188"/>
+        <a:ext cx="3849930" cy="1199137"/>
       </dsp:txXfrm>
     </dsp:sp>
   </dsp:spTree>
@@ -18324,6 +20277,211 @@
 </dgm:layoutDef>
 </file>
 
+<file path=ppt/diagrams/layout7.xml><?xml version="1.0" encoding="utf-8"?>
+<dgm:layoutDef xmlns:dgm="http://schemas.openxmlformats.org/drawingml/2006/diagram" xmlns:a="http://schemas.openxmlformats.org/drawingml/2006/main" uniqueId="urn:diagrams.loki3.com/BracketList">
+  <dgm:title val="Vertical Bracket List"/>
+  <dgm:desc val="Use to show grouped blocks of information.  Works well with large amounts of Level 2 text."/>
+  <dgm:catLst>
+    <dgm:cat type="list" pri="4110"/>
+    <dgm:cat type="officeonline" pri="3000"/>
+  </dgm:catLst>
+  <dgm:sampData>
+    <dgm:dataModel>
+      <dgm:ptLst>
+        <dgm:pt modelId="0" type="doc"/>
+        <dgm:pt modelId="1">
+          <dgm:prSet phldr="1"/>
+        </dgm:pt>
+        <dgm:pt modelId="11">
+          <dgm:prSet phldr="1"/>
+        </dgm:pt>
+        <dgm:pt modelId="2">
+          <dgm:prSet phldr="1"/>
+        </dgm:pt>
+        <dgm:pt modelId="21">
+          <dgm:prSet phldr="1"/>
+        </dgm:pt>
+      </dgm:ptLst>
+      <dgm:cxnLst>
+        <dgm:cxn modelId="3" srcId="0" destId="1" srcOrd="0" destOrd="0"/>
+        <dgm:cxn modelId="4" srcId="1" destId="11" srcOrd="0" destOrd="0"/>
+        <dgm:cxn modelId="5" srcId="0" destId="2" srcOrd="0" destOrd="0"/>
+        <dgm:cxn modelId="6" srcId="2" destId="21" srcOrd="0" destOrd="0"/>
+      </dgm:cxnLst>
+      <dgm:bg/>
+      <dgm:whole/>
+    </dgm:dataModel>
+  </dgm:sampData>
+  <dgm:styleData useDef="1">
+    <dgm:dataModel>
+      <dgm:ptLst/>
+      <dgm:bg/>
+      <dgm:whole/>
+    </dgm:dataModel>
+  </dgm:styleData>
+  <dgm:clrData useDef="1">
+    <dgm:dataModel>
+      <dgm:ptLst/>
+      <dgm:bg/>
+      <dgm:whole/>
+    </dgm:dataModel>
+  </dgm:clrData>
+  <dgm:layoutNode name="Name0">
+    <dgm:varLst>
+      <dgm:dir/>
+      <dgm:animLvl val="lvl"/>
+      <dgm:resizeHandles val="exact"/>
+    </dgm:varLst>
+    <dgm:choose name="Name1">
+      <dgm:if name="Name2" func="var" arg="dir" op="equ" val="norm">
+        <dgm:alg type="lin">
+          <dgm:param type="linDir" val="fromT"/>
+          <dgm:param type="nodeHorzAlign" val="l"/>
+        </dgm:alg>
+      </dgm:if>
+      <dgm:else name="Name3">
+        <dgm:alg type="lin">
+          <dgm:param type="linDir" val="fromT"/>
+          <dgm:param type="nodeHorzAlign" val="r"/>
+        </dgm:alg>
+      </dgm:else>
+    </dgm:choose>
+    <dgm:shape xmlns:r="http://schemas.openxmlformats.org/officeDocument/2006/relationships" r:blip="">
+      <dgm:adjLst/>
+    </dgm:shape>
+    <dgm:presOf/>
+    <dgm:constrLst>
+      <dgm:constr type="h" for="ch" forName="linNode" refType="h"/>
+      <dgm:constr type="w" for="ch" forName="linNode" refType="w"/>
+      <dgm:constr type="h" for="ch" forName="spV" refType="primFontSz" refFor="des" refForName="parTx" fact="0.1"/>
+      <dgm:constr type="primFontSz" for="des" forName="parTx" val="65"/>
+      <dgm:constr type="primFontSz" for="des" forName="desTx" refType="primFontSz" refFor="des" refForName="parTx"/>
+      <dgm:constr type="h" for="des" forName="parTx" refType="primFontSz" refFor="des" refForName="parTx" fact="0.55"/>
+      <dgm:constr type="h" for="des" forName="bracket" refType="primFontSz" refFor="des" refForName="parTx" fact="0.55"/>
+      <dgm:constr type="h" for="des" forName="desTx" refType="primFontSz" refFor="des" refForName="parTx" fact="0.55"/>
+    </dgm:constrLst>
+    <dgm:ruleLst>
+      <dgm:rule type="primFontSz" for="des" forName="parTx" val="5" fact="NaN" max="NaN"/>
+    </dgm:ruleLst>
+    <dgm:forEach name="Name4" axis="ch" ptType="node">
+      <dgm:layoutNode name="linNode">
+        <dgm:choose name="Name5">
+          <dgm:if name="Name6" func="var" arg="dir" op="equ" val="norm">
+            <dgm:alg type="lin">
+              <dgm:param type="linDir" val="fromL"/>
+            </dgm:alg>
+          </dgm:if>
+          <dgm:else name="Name7">
+            <dgm:alg type="lin">
+              <dgm:param type="linDir" val="fromR"/>
+            </dgm:alg>
+          </dgm:else>
+        </dgm:choose>
+        <dgm:shape xmlns:r="http://schemas.openxmlformats.org/officeDocument/2006/relationships" r:blip="">
+          <dgm:adjLst/>
+        </dgm:shape>
+        <dgm:presOf/>
+        <dgm:constrLst>
+          <dgm:constr type="w" for="ch" forName="parTx" refType="w" fact="0.25"/>
+          <dgm:constr type="w" for="ch" forName="bracket" refType="w" fact="0.05"/>
+          <dgm:constr type="w" for="ch" forName="spH" refType="w" fact="0.02"/>
+          <dgm:constr type="w" for="ch" forName="desTx" refType="w" fact="0.68"/>
+          <dgm:constr type="h" for="ch" forName="bracket" refType="h" refFor="ch" refForName="desTx" op="gte"/>
+          <dgm:constr type="h" for="ch" forName="bracket" refType="h" refFor="ch" refForName="parTx" op="gte"/>
+          <dgm:constr type="h" for="ch" forName="desTx" refType="h" refFor="ch" refForName="parTx" op="gte"/>
+        </dgm:constrLst>
+        <dgm:ruleLst/>
+        <dgm:layoutNode name="parTx" styleLbl="revTx">
+          <dgm:varLst>
+            <dgm:chMax val="1"/>
+            <dgm:bulletEnabled val="1"/>
+          </dgm:varLst>
+          <dgm:choose name="Name8">
+            <dgm:if name="Name9" func="var" arg="dir" op="equ" val="norm">
+              <dgm:alg type="tx">
+                <dgm:param type="parTxLTRAlign" val="r"/>
+              </dgm:alg>
+            </dgm:if>
+            <dgm:else name="Name10">
+              <dgm:alg type="tx">
+                <dgm:param type="parTxLTRAlign" val="l"/>
+              </dgm:alg>
+            </dgm:else>
+          </dgm:choose>
+          <dgm:shape xmlns:r="http://schemas.openxmlformats.org/officeDocument/2006/relationships" type="rect" r:blip="">
+            <dgm:adjLst/>
+          </dgm:shape>
+          <dgm:presOf axis="self" ptType="node"/>
+          <dgm:constrLst>
+            <dgm:constr type="tMarg" refType="primFontSz" fact="0.2"/>
+            <dgm:constr type="bMarg" refType="primFontSz" fact="0.2"/>
+          </dgm:constrLst>
+          <dgm:ruleLst>
+            <dgm:rule type="h" val="INF" fact="NaN" max="NaN"/>
+          </dgm:ruleLst>
+        </dgm:layoutNode>
+        <dgm:layoutNode name="bracket" styleLbl="parChTrans1D1">
+          <dgm:alg type="sp"/>
+          <dgm:choose name="Name11">
+            <dgm:if name="Name12" func="var" arg="dir" op="equ" val="norm">
+              <dgm:shape xmlns:r="http://schemas.openxmlformats.org/officeDocument/2006/relationships" type="leftBrace" r:blip="">
+                <dgm:adjLst>
+                  <dgm:adj idx="1" val="0.35"/>
+                </dgm:adjLst>
+              </dgm:shape>
+            </dgm:if>
+            <dgm:else name="Name13">
+              <dgm:shape xmlns:r="http://schemas.openxmlformats.org/officeDocument/2006/relationships" rot="180" type="leftBrace" r:blip="">
+                <dgm:adjLst>
+                  <dgm:adj idx="1" val="0.35"/>
+                </dgm:adjLst>
+              </dgm:shape>
+            </dgm:else>
+          </dgm:choose>
+          <dgm:presOf/>
+        </dgm:layoutNode>
+        <dgm:layoutNode name="spH">
+          <dgm:alg type="sp"/>
+        </dgm:layoutNode>
+        <dgm:choose name="Name14">
+          <dgm:if name="Name15" axis="ch" ptType="node" func="cnt" op="gte" val="1">
+            <dgm:layoutNode name="desTx" styleLbl="node1">
+              <dgm:varLst>
+                <dgm:bulletEnabled val="1"/>
+              </dgm:varLst>
+              <dgm:alg type="tx">
+                <dgm:param type="stBulletLvl" val="1"/>
+                <dgm:param type="txAnchorVertCh" val="mid"/>
+              </dgm:alg>
+              <dgm:shape xmlns:r="http://schemas.openxmlformats.org/officeDocument/2006/relationships" type="rect" r:blip="">
+                <dgm:adjLst/>
+              </dgm:shape>
+              <dgm:presOf axis="des" ptType="node"/>
+              <dgm:constrLst>
+                <dgm:constr type="secFontSz" refType="primFontSz"/>
+                <dgm:constr type="tMarg" refType="primFontSz" fact="0.3"/>
+                <dgm:constr type="bMarg" refType="primFontSz" fact="0.3"/>
+                <dgm:constr type="lMarg" refType="primFontSz" fact="0.3"/>
+                <dgm:constr type="rMarg" refType="primFontSz" fact="0.3"/>
+              </dgm:constrLst>
+              <dgm:ruleLst>
+                <dgm:rule type="h" val="INF" fact="NaN" max="NaN"/>
+              </dgm:ruleLst>
+            </dgm:layoutNode>
+          </dgm:if>
+          <dgm:else name="Name16"/>
+        </dgm:choose>
+      </dgm:layoutNode>
+      <dgm:forEach name="Name17" axis="followSib" ptType="sibTrans" cnt="1">
+        <dgm:layoutNode name="spV">
+          <dgm:alg type="sp"/>
+        </dgm:layoutNode>
+      </dgm:forEach>
+    </dgm:forEach>
+  </dgm:layoutNode>
+</dgm:layoutDef>
+</file>
+
 <file path=ppt/diagrams/quickStyle1.xml><?xml version="1.0" encoding="utf-8"?>
 <dgm:styleDef xmlns:dgm="http://schemas.openxmlformats.org/drawingml/2006/diagram" xmlns:a="http://schemas.openxmlformats.org/drawingml/2006/main" uniqueId="urn:microsoft.com/office/officeart/2005/8/quickstyle/simple4">
   <dgm:title val=""/>
@@ -24754,6 +26912,1040 @@
         <a:scrgbClr r="0" g="0" b="0"/>
       </a:fillRef>
       <a:effectRef idx="1">
+        <a:scrgbClr r="0" g="0" b="0"/>
+      </a:effectRef>
+      <a:fontRef idx="minor"/>
+    </dgm:style>
+  </dgm:styleLbl>
+  <dgm:styleLbl name="revTx">
+    <dgm:scene3d>
+      <a:camera prst="orthographicFront"/>
+      <a:lightRig rig="threePt" dir="t"/>
+    </dgm:scene3d>
+    <dgm:sp3d/>
+    <dgm:txPr/>
+    <dgm:style>
+      <a:lnRef idx="0">
+        <a:scrgbClr r="0" g="0" b="0"/>
+      </a:lnRef>
+      <a:fillRef idx="0">
+        <a:scrgbClr r="0" g="0" b="0"/>
+      </a:fillRef>
+      <a:effectRef idx="0">
+        <a:scrgbClr r="0" g="0" b="0"/>
+      </a:effectRef>
+      <a:fontRef idx="minor"/>
+    </dgm:style>
+  </dgm:styleLbl>
+</dgm:styleDef>
+</file>
+
+<file path=ppt/diagrams/quickStyle7.xml><?xml version="1.0" encoding="utf-8"?>
+<dgm:styleDef xmlns:dgm="http://schemas.openxmlformats.org/drawingml/2006/diagram" xmlns:a="http://schemas.openxmlformats.org/drawingml/2006/main" uniqueId="urn:microsoft.com/office/officeart/2005/8/quickstyle/simple4">
+  <dgm:title val=""/>
+  <dgm:desc val=""/>
+  <dgm:catLst>
+    <dgm:cat type="simple" pri="10400"/>
+  </dgm:catLst>
+  <dgm:scene3d>
+    <a:camera prst="orthographicFront"/>
+    <a:lightRig rig="threePt" dir="t"/>
+  </dgm:scene3d>
+  <dgm:styleLbl name="node0">
+    <dgm:scene3d>
+      <a:camera prst="orthographicFront"/>
+      <a:lightRig rig="threePt" dir="t"/>
+    </dgm:scene3d>
+    <dgm:sp3d/>
+    <dgm:txPr/>
+    <dgm:style>
+      <a:lnRef idx="0">
+        <a:scrgbClr r="0" g="0" b="0"/>
+      </a:lnRef>
+      <a:fillRef idx="3">
+        <a:scrgbClr r="0" g="0" b="0"/>
+      </a:fillRef>
+      <a:effectRef idx="2">
+        <a:scrgbClr r="0" g="0" b="0"/>
+      </a:effectRef>
+      <a:fontRef idx="minor">
+        <a:schemeClr val="lt1"/>
+      </a:fontRef>
+    </dgm:style>
+  </dgm:styleLbl>
+  <dgm:styleLbl name="lnNode1">
+    <dgm:scene3d>
+      <a:camera prst="orthographicFront"/>
+      <a:lightRig rig="threePt" dir="t"/>
+    </dgm:scene3d>
+    <dgm:sp3d/>
+    <dgm:txPr/>
+    <dgm:style>
+      <a:lnRef idx="1">
+        <a:scrgbClr r="0" g="0" b="0"/>
+      </a:lnRef>
+      <a:fillRef idx="3">
+        <a:scrgbClr r="0" g="0" b="0"/>
+      </a:fillRef>
+      <a:effectRef idx="2">
+        <a:scrgbClr r="0" g="0" b="0"/>
+      </a:effectRef>
+      <a:fontRef idx="minor">
+        <a:schemeClr val="lt1"/>
+      </a:fontRef>
+    </dgm:style>
+  </dgm:styleLbl>
+  <dgm:styleLbl name="vennNode1">
+    <dgm:scene3d>
+      <a:camera prst="orthographicFront"/>
+      <a:lightRig rig="threePt" dir="t"/>
+    </dgm:scene3d>
+    <dgm:sp3d/>
+    <dgm:txPr/>
+    <dgm:style>
+      <a:lnRef idx="0">
+        <a:scrgbClr r="0" g="0" b="0"/>
+      </a:lnRef>
+      <a:fillRef idx="3">
+        <a:scrgbClr r="0" g="0" b="0"/>
+      </a:fillRef>
+      <a:effectRef idx="0">
+        <a:scrgbClr r="0" g="0" b="0"/>
+      </a:effectRef>
+      <a:fontRef idx="minor">
+        <a:schemeClr val="tx1"/>
+      </a:fontRef>
+    </dgm:style>
+  </dgm:styleLbl>
+  <dgm:styleLbl name="alignNode1">
+    <dgm:scene3d>
+      <a:camera prst="orthographicFront"/>
+      <a:lightRig rig="threePt" dir="t"/>
+    </dgm:scene3d>
+    <dgm:sp3d/>
+    <dgm:txPr/>
+    <dgm:style>
+      <a:lnRef idx="1">
+        <a:scrgbClr r="0" g="0" b="0"/>
+      </a:lnRef>
+      <a:fillRef idx="3">
+        <a:scrgbClr r="0" g="0" b="0"/>
+      </a:fillRef>
+      <a:effectRef idx="2">
+        <a:scrgbClr r="0" g="0" b="0"/>
+      </a:effectRef>
+      <a:fontRef idx="minor">
+        <a:schemeClr val="lt1"/>
+      </a:fontRef>
+    </dgm:style>
+  </dgm:styleLbl>
+  <dgm:styleLbl name="node1">
+    <dgm:scene3d>
+      <a:camera prst="orthographicFront"/>
+      <a:lightRig rig="threePt" dir="t"/>
+    </dgm:scene3d>
+    <dgm:sp3d/>
+    <dgm:txPr/>
+    <dgm:style>
+      <a:lnRef idx="0">
+        <a:scrgbClr r="0" g="0" b="0"/>
+      </a:lnRef>
+      <a:fillRef idx="3">
+        <a:scrgbClr r="0" g="0" b="0"/>
+      </a:fillRef>
+      <a:effectRef idx="2">
+        <a:scrgbClr r="0" g="0" b="0"/>
+      </a:effectRef>
+      <a:fontRef idx="minor">
+        <a:schemeClr val="lt1"/>
+      </a:fontRef>
+    </dgm:style>
+  </dgm:styleLbl>
+  <dgm:styleLbl name="node2">
+    <dgm:scene3d>
+      <a:camera prst="orthographicFront"/>
+      <a:lightRig rig="threePt" dir="t"/>
+    </dgm:scene3d>
+    <dgm:sp3d/>
+    <dgm:txPr/>
+    <dgm:style>
+      <a:lnRef idx="0">
+        <a:scrgbClr r="0" g="0" b="0"/>
+      </a:lnRef>
+      <a:fillRef idx="3">
+        <a:scrgbClr r="0" g="0" b="0"/>
+      </a:fillRef>
+      <a:effectRef idx="2">
+        <a:scrgbClr r="0" g="0" b="0"/>
+      </a:effectRef>
+      <a:fontRef idx="minor">
+        <a:schemeClr val="lt1"/>
+      </a:fontRef>
+    </dgm:style>
+  </dgm:styleLbl>
+  <dgm:styleLbl name="node3">
+    <dgm:scene3d>
+      <a:camera prst="orthographicFront"/>
+      <a:lightRig rig="threePt" dir="t"/>
+    </dgm:scene3d>
+    <dgm:sp3d/>
+    <dgm:txPr/>
+    <dgm:style>
+      <a:lnRef idx="0">
+        <a:scrgbClr r="0" g="0" b="0"/>
+      </a:lnRef>
+      <a:fillRef idx="3">
+        <a:scrgbClr r="0" g="0" b="0"/>
+      </a:fillRef>
+      <a:effectRef idx="2">
+        <a:scrgbClr r="0" g="0" b="0"/>
+      </a:effectRef>
+      <a:fontRef idx="minor">
+        <a:schemeClr val="lt1"/>
+      </a:fontRef>
+    </dgm:style>
+  </dgm:styleLbl>
+  <dgm:styleLbl name="node4">
+    <dgm:scene3d>
+      <a:camera prst="orthographicFront"/>
+      <a:lightRig rig="threePt" dir="t"/>
+    </dgm:scene3d>
+    <dgm:sp3d/>
+    <dgm:txPr/>
+    <dgm:style>
+      <a:lnRef idx="0">
+        <a:scrgbClr r="0" g="0" b="0"/>
+      </a:lnRef>
+      <a:fillRef idx="3">
+        <a:scrgbClr r="0" g="0" b="0"/>
+      </a:fillRef>
+      <a:effectRef idx="2">
+        <a:scrgbClr r="0" g="0" b="0"/>
+      </a:effectRef>
+      <a:fontRef idx="minor">
+        <a:schemeClr val="lt1"/>
+      </a:fontRef>
+    </dgm:style>
+  </dgm:styleLbl>
+  <dgm:styleLbl name="fgImgPlace1">
+    <dgm:scene3d>
+      <a:camera prst="orthographicFront"/>
+      <a:lightRig rig="threePt" dir="t"/>
+    </dgm:scene3d>
+    <dgm:sp3d/>
+    <dgm:txPr/>
+    <dgm:style>
+      <a:lnRef idx="0">
+        <a:scrgbClr r="0" g="0" b="0"/>
+      </a:lnRef>
+      <a:fillRef idx="1">
+        <a:scrgbClr r="0" g="0" b="0"/>
+      </a:fillRef>
+      <a:effectRef idx="2">
+        <a:scrgbClr r="0" g="0" b="0"/>
+      </a:effectRef>
+      <a:fontRef idx="minor"/>
+    </dgm:style>
+  </dgm:styleLbl>
+  <dgm:styleLbl name="alignImgPlace1">
+    <dgm:scene3d>
+      <a:camera prst="orthographicFront"/>
+      <a:lightRig rig="threePt" dir="t"/>
+    </dgm:scene3d>
+    <dgm:sp3d/>
+    <dgm:txPr/>
+    <dgm:style>
+      <a:lnRef idx="0">
+        <a:scrgbClr r="0" g="0" b="0"/>
+      </a:lnRef>
+      <a:fillRef idx="1">
+        <a:scrgbClr r="0" g="0" b="0"/>
+      </a:fillRef>
+      <a:effectRef idx="2">
+        <a:scrgbClr r="0" g="0" b="0"/>
+      </a:effectRef>
+      <a:fontRef idx="minor"/>
+    </dgm:style>
+  </dgm:styleLbl>
+  <dgm:styleLbl name="bgImgPlace1">
+    <dgm:scene3d>
+      <a:camera prst="orthographicFront"/>
+      <a:lightRig rig="threePt" dir="t"/>
+    </dgm:scene3d>
+    <dgm:sp3d/>
+    <dgm:txPr/>
+    <dgm:style>
+      <a:lnRef idx="0">
+        <a:scrgbClr r="0" g="0" b="0"/>
+      </a:lnRef>
+      <a:fillRef idx="1">
+        <a:scrgbClr r="0" g="0" b="0"/>
+      </a:fillRef>
+      <a:effectRef idx="2">
+        <a:scrgbClr r="0" g="0" b="0"/>
+      </a:effectRef>
+      <a:fontRef idx="minor"/>
+    </dgm:style>
+  </dgm:styleLbl>
+  <dgm:styleLbl name="sibTrans2D1">
+    <dgm:scene3d>
+      <a:camera prst="orthographicFront"/>
+      <a:lightRig rig="threePt" dir="t"/>
+    </dgm:scene3d>
+    <dgm:sp3d/>
+    <dgm:txPr/>
+    <dgm:style>
+      <a:lnRef idx="0">
+        <a:scrgbClr r="0" g="0" b="0"/>
+      </a:lnRef>
+      <a:fillRef idx="3">
+        <a:scrgbClr r="0" g="0" b="0"/>
+      </a:fillRef>
+      <a:effectRef idx="2">
+        <a:scrgbClr r="0" g="0" b="0"/>
+      </a:effectRef>
+      <a:fontRef idx="minor">
+        <a:schemeClr val="lt1"/>
+      </a:fontRef>
+    </dgm:style>
+  </dgm:styleLbl>
+  <dgm:styleLbl name="fgSibTrans2D1">
+    <dgm:scene3d>
+      <a:camera prst="orthographicFront"/>
+      <a:lightRig rig="threePt" dir="t"/>
+    </dgm:scene3d>
+    <dgm:sp3d/>
+    <dgm:txPr/>
+    <dgm:style>
+      <a:lnRef idx="0">
+        <a:scrgbClr r="0" g="0" b="0"/>
+      </a:lnRef>
+      <a:fillRef idx="3">
+        <a:scrgbClr r="0" g="0" b="0"/>
+      </a:fillRef>
+      <a:effectRef idx="2">
+        <a:scrgbClr r="0" g="0" b="0"/>
+      </a:effectRef>
+      <a:fontRef idx="minor">
+        <a:schemeClr val="lt1"/>
+      </a:fontRef>
+    </dgm:style>
+  </dgm:styleLbl>
+  <dgm:styleLbl name="bgSibTrans2D1">
+    <dgm:scene3d>
+      <a:camera prst="orthographicFront"/>
+      <a:lightRig rig="threePt" dir="t"/>
+    </dgm:scene3d>
+    <dgm:sp3d/>
+    <dgm:txPr/>
+    <dgm:style>
+      <a:lnRef idx="0">
+        <a:scrgbClr r="0" g="0" b="0"/>
+      </a:lnRef>
+      <a:fillRef idx="3">
+        <a:scrgbClr r="0" g="0" b="0"/>
+      </a:fillRef>
+      <a:effectRef idx="2">
+        <a:scrgbClr r="0" g="0" b="0"/>
+      </a:effectRef>
+      <a:fontRef idx="minor">
+        <a:schemeClr val="lt1"/>
+      </a:fontRef>
+    </dgm:style>
+  </dgm:styleLbl>
+  <dgm:styleLbl name="sibTrans1D1">
+    <dgm:scene3d>
+      <a:camera prst="orthographicFront"/>
+      <a:lightRig rig="threePt" dir="t"/>
+    </dgm:scene3d>
+    <dgm:sp3d/>
+    <dgm:txPr/>
+    <dgm:style>
+      <a:lnRef idx="1">
+        <a:scrgbClr r="0" g="0" b="0"/>
+      </a:lnRef>
+      <a:fillRef idx="0">
+        <a:scrgbClr r="0" g="0" b="0"/>
+      </a:fillRef>
+      <a:effectRef idx="0">
+        <a:scrgbClr r="0" g="0" b="0"/>
+      </a:effectRef>
+      <a:fontRef idx="minor"/>
+    </dgm:style>
+  </dgm:styleLbl>
+  <dgm:styleLbl name="callout">
+    <dgm:scene3d>
+      <a:camera prst="orthographicFront"/>
+      <a:lightRig rig="threePt" dir="t"/>
+    </dgm:scene3d>
+    <dgm:sp3d/>
+    <dgm:txPr/>
+    <dgm:style>
+      <a:lnRef idx="2">
+        <a:scrgbClr r="0" g="0" b="0"/>
+      </a:lnRef>
+      <a:fillRef idx="1">
+        <a:scrgbClr r="0" g="0" b="0"/>
+      </a:fillRef>
+      <a:effectRef idx="1">
+        <a:scrgbClr r="0" g="0" b="0"/>
+      </a:effectRef>
+      <a:fontRef idx="minor"/>
+    </dgm:style>
+  </dgm:styleLbl>
+  <dgm:styleLbl name="asst0">
+    <dgm:scene3d>
+      <a:camera prst="orthographicFront"/>
+      <a:lightRig rig="threePt" dir="t"/>
+    </dgm:scene3d>
+    <dgm:sp3d/>
+    <dgm:txPr/>
+    <dgm:style>
+      <a:lnRef idx="0">
+        <a:scrgbClr r="0" g="0" b="0"/>
+      </a:lnRef>
+      <a:fillRef idx="3">
+        <a:scrgbClr r="0" g="0" b="0"/>
+      </a:fillRef>
+      <a:effectRef idx="2">
+        <a:scrgbClr r="0" g="0" b="0"/>
+      </a:effectRef>
+      <a:fontRef idx="minor">
+        <a:schemeClr val="lt1"/>
+      </a:fontRef>
+    </dgm:style>
+  </dgm:styleLbl>
+  <dgm:styleLbl name="asst1">
+    <dgm:scene3d>
+      <a:camera prst="orthographicFront"/>
+      <a:lightRig rig="threePt" dir="t"/>
+    </dgm:scene3d>
+    <dgm:sp3d/>
+    <dgm:txPr/>
+    <dgm:style>
+      <a:lnRef idx="0">
+        <a:scrgbClr r="0" g="0" b="0"/>
+      </a:lnRef>
+      <a:fillRef idx="3">
+        <a:scrgbClr r="0" g="0" b="0"/>
+      </a:fillRef>
+      <a:effectRef idx="2">
+        <a:scrgbClr r="0" g="0" b="0"/>
+      </a:effectRef>
+      <a:fontRef idx="minor">
+        <a:schemeClr val="lt1"/>
+      </a:fontRef>
+    </dgm:style>
+  </dgm:styleLbl>
+  <dgm:styleLbl name="asst2">
+    <dgm:scene3d>
+      <a:camera prst="orthographicFront"/>
+      <a:lightRig rig="threePt" dir="t"/>
+    </dgm:scene3d>
+    <dgm:sp3d/>
+    <dgm:txPr/>
+    <dgm:style>
+      <a:lnRef idx="0">
+        <a:scrgbClr r="0" g="0" b="0"/>
+      </a:lnRef>
+      <a:fillRef idx="3">
+        <a:scrgbClr r="0" g="0" b="0"/>
+      </a:fillRef>
+      <a:effectRef idx="2">
+        <a:scrgbClr r="0" g="0" b="0"/>
+      </a:effectRef>
+      <a:fontRef idx="minor">
+        <a:schemeClr val="lt1"/>
+      </a:fontRef>
+    </dgm:style>
+  </dgm:styleLbl>
+  <dgm:styleLbl name="asst3">
+    <dgm:scene3d>
+      <a:camera prst="orthographicFront"/>
+      <a:lightRig rig="threePt" dir="t"/>
+    </dgm:scene3d>
+    <dgm:sp3d/>
+    <dgm:txPr/>
+    <dgm:style>
+      <a:lnRef idx="0">
+        <a:scrgbClr r="0" g="0" b="0"/>
+      </a:lnRef>
+      <a:fillRef idx="3">
+        <a:scrgbClr r="0" g="0" b="0"/>
+      </a:fillRef>
+      <a:effectRef idx="2">
+        <a:scrgbClr r="0" g="0" b="0"/>
+      </a:effectRef>
+      <a:fontRef idx="minor">
+        <a:schemeClr val="lt1"/>
+      </a:fontRef>
+    </dgm:style>
+  </dgm:styleLbl>
+  <dgm:styleLbl name="asst4">
+    <dgm:scene3d>
+      <a:camera prst="orthographicFront"/>
+      <a:lightRig rig="threePt" dir="t"/>
+    </dgm:scene3d>
+    <dgm:sp3d/>
+    <dgm:txPr/>
+    <dgm:style>
+      <a:lnRef idx="0">
+        <a:scrgbClr r="0" g="0" b="0"/>
+      </a:lnRef>
+      <a:fillRef idx="3">
+        <a:scrgbClr r="0" g="0" b="0"/>
+      </a:fillRef>
+      <a:effectRef idx="2">
+        <a:scrgbClr r="0" g="0" b="0"/>
+      </a:effectRef>
+      <a:fontRef idx="minor">
+        <a:schemeClr val="lt1"/>
+      </a:fontRef>
+    </dgm:style>
+  </dgm:styleLbl>
+  <dgm:styleLbl name="parChTrans2D1">
+    <dgm:scene3d>
+      <a:camera prst="orthographicFront"/>
+      <a:lightRig rig="threePt" dir="t"/>
+    </dgm:scene3d>
+    <dgm:sp3d/>
+    <dgm:txPr/>
+    <dgm:style>
+      <a:lnRef idx="0">
+        <a:scrgbClr r="0" g="0" b="0"/>
+      </a:lnRef>
+      <a:fillRef idx="3">
+        <a:scrgbClr r="0" g="0" b="0"/>
+      </a:fillRef>
+      <a:effectRef idx="2">
+        <a:scrgbClr r="0" g="0" b="0"/>
+      </a:effectRef>
+      <a:fontRef idx="minor">
+        <a:schemeClr val="lt1"/>
+      </a:fontRef>
+    </dgm:style>
+  </dgm:styleLbl>
+  <dgm:styleLbl name="parChTrans2D2">
+    <dgm:scene3d>
+      <a:camera prst="orthographicFront"/>
+      <a:lightRig rig="threePt" dir="t"/>
+    </dgm:scene3d>
+    <dgm:sp3d/>
+    <dgm:txPr/>
+    <dgm:style>
+      <a:lnRef idx="0">
+        <a:scrgbClr r="0" g="0" b="0"/>
+      </a:lnRef>
+      <a:fillRef idx="3">
+        <a:scrgbClr r="0" g="0" b="0"/>
+      </a:fillRef>
+      <a:effectRef idx="2">
+        <a:scrgbClr r="0" g="0" b="0"/>
+      </a:effectRef>
+      <a:fontRef idx="minor">
+        <a:schemeClr val="lt1"/>
+      </a:fontRef>
+    </dgm:style>
+  </dgm:styleLbl>
+  <dgm:styleLbl name="parChTrans2D3">
+    <dgm:scene3d>
+      <a:camera prst="orthographicFront"/>
+      <a:lightRig rig="threePt" dir="t"/>
+    </dgm:scene3d>
+    <dgm:sp3d/>
+    <dgm:txPr/>
+    <dgm:style>
+      <a:lnRef idx="1">
+        <a:scrgbClr r="0" g="0" b="0"/>
+      </a:lnRef>
+      <a:fillRef idx="3">
+        <a:scrgbClr r="0" g="0" b="0"/>
+      </a:fillRef>
+      <a:effectRef idx="2">
+        <a:scrgbClr r="0" g="0" b="0"/>
+      </a:effectRef>
+      <a:fontRef idx="minor">
+        <a:schemeClr val="lt1"/>
+      </a:fontRef>
+    </dgm:style>
+  </dgm:styleLbl>
+  <dgm:styleLbl name="parChTrans2D4">
+    <dgm:scene3d>
+      <a:camera prst="orthographicFront"/>
+      <a:lightRig rig="threePt" dir="t"/>
+    </dgm:scene3d>
+    <dgm:sp3d/>
+    <dgm:txPr/>
+    <dgm:style>
+      <a:lnRef idx="1">
+        <a:scrgbClr r="0" g="0" b="0"/>
+      </a:lnRef>
+      <a:fillRef idx="3">
+        <a:scrgbClr r="0" g="0" b="0"/>
+      </a:fillRef>
+      <a:effectRef idx="2">
+        <a:scrgbClr r="0" g="0" b="0"/>
+      </a:effectRef>
+      <a:fontRef idx="minor">
+        <a:schemeClr val="lt1"/>
+      </a:fontRef>
+    </dgm:style>
+  </dgm:styleLbl>
+  <dgm:styleLbl name="parChTrans1D1">
+    <dgm:scene3d>
+      <a:camera prst="orthographicFront"/>
+      <a:lightRig rig="threePt" dir="t"/>
+    </dgm:scene3d>
+    <dgm:sp3d/>
+    <dgm:txPr/>
+    <dgm:style>
+      <a:lnRef idx="1">
+        <a:scrgbClr r="0" g="0" b="0"/>
+      </a:lnRef>
+      <a:fillRef idx="0">
+        <a:scrgbClr r="0" g="0" b="0"/>
+      </a:fillRef>
+      <a:effectRef idx="0">
+        <a:scrgbClr r="0" g="0" b="0"/>
+      </a:effectRef>
+      <a:fontRef idx="minor"/>
+    </dgm:style>
+  </dgm:styleLbl>
+  <dgm:styleLbl name="parChTrans1D2">
+    <dgm:scene3d>
+      <a:camera prst="orthographicFront"/>
+      <a:lightRig rig="threePt" dir="t"/>
+    </dgm:scene3d>
+    <dgm:sp3d/>
+    <dgm:txPr/>
+    <dgm:style>
+      <a:lnRef idx="1">
+        <a:scrgbClr r="0" g="0" b="0"/>
+      </a:lnRef>
+      <a:fillRef idx="0">
+        <a:scrgbClr r="0" g="0" b="0"/>
+      </a:fillRef>
+      <a:effectRef idx="0">
+        <a:scrgbClr r="0" g="0" b="0"/>
+      </a:effectRef>
+      <a:fontRef idx="minor"/>
+    </dgm:style>
+  </dgm:styleLbl>
+  <dgm:styleLbl name="parChTrans1D3">
+    <dgm:scene3d>
+      <a:camera prst="orthographicFront"/>
+      <a:lightRig rig="threePt" dir="t"/>
+    </dgm:scene3d>
+    <dgm:sp3d/>
+    <dgm:txPr/>
+    <dgm:style>
+      <a:lnRef idx="1">
+        <a:scrgbClr r="0" g="0" b="0"/>
+      </a:lnRef>
+      <a:fillRef idx="0">
+        <a:scrgbClr r="0" g="0" b="0"/>
+      </a:fillRef>
+      <a:effectRef idx="0">
+        <a:scrgbClr r="0" g="0" b="0"/>
+      </a:effectRef>
+      <a:fontRef idx="minor"/>
+    </dgm:style>
+  </dgm:styleLbl>
+  <dgm:styleLbl name="parChTrans1D4">
+    <dgm:scene3d>
+      <a:camera prst="orthographicFront"/>
+      <a:lightRig rig="threePt" dir="t"/>
+    </dgm:scene3d>
+    <dgm:sp3d/>
+    <dgm:txPr/>
+    <dgm:style>
+      <a:lnRef idx="1">
+        <a:scrgbClr r="0" g="0" b="0"/>
+      </a:lnRef>
+      <a:fillRef idx="0">
+        <a:scrgbClr r="0" g="0" b="0"/>
+      </a:fillRef>
+      <a:effectRef idx="0">
+        <a:scrgbClr r="0" g="0" b="0"/>
+      </a:effectRef>
+      <a:fontRef idx="minor"/>
+    </dgm:style>
+  </dgm:styleLbl>
+  <dgm:styleLbl name="fgAcc1">
+    <dgm:scene3d>
+      <a:camera prst="orthographicFront"/>
+      <a:lightRig rig="threePt" dir="t"/>
+    </dgm:scene3d>
+    <dgm:sp3d/>
+    <dgm:txPr/>
+    <dgm:style>
+      <a:lnRef idx="1">
+        <a:scrgbClr r="0" g="0" b="0"/>
+      </a:lnRef>
+      <a:fillRef idx="1">
+        <a:scrgbClr r="0" g="0" b="0"/>
+      </a:fillRef>
+      <a:effectRef idx="0">
+        <a:scrgbClr r="0" g="0" b="0"/>
+      </a:effectRef>
+      <a:fontRef idx="minor"/>
+    </dgm:style>
+  </dgm:styleLbl>
+  <dgm:styleLbl name="conFgAcc1">
+    <dgm:scene3d>
+      <a:camera prst="orthographicFront"/>
+      <a:lightRig rig="threePt" dir="t"/>
+    </dgm:scene3d>
+    <dgm:sp3d/>
+    <dgm:txPr/>
+    <dgm:style>
+      <a:lnRef idx="1">
+        <a:scrgbClr r="0" g="0" b="0"/>
+      </a:lnRef>
+      <a:fillRef idx="1">
+        <a:scrgbClr r="0" g="0" b="0"/>
+      </a:fillRef>
+      <a:effectRef idx="0">
+        <a:scrgbClr r="0" g="0" b="0"/>
+      </a:effectRef>
+      <a:fontRef idx="minor"/>
+    </dgm:style>
+  </dgm:styleLbl>
+  <dgm:styleLbl name="alignAcc1">
+    <dgm:scene3d>
+      <a:camera prst="orthographicFront"/>
+      <a:lightRig rig="threePt" dir="t"/>
+    </dgm:scene3d>
+    <dgm:sp3d/>
+    <dgm:txPr/>
+    <dgm:style>
+      <a:lnRef idx="1">
+        <a:scrgbClr r="0" g="0" b="0"/>
+      </a:lnRef>
+      <a:fillRef idx="1">
+        <a:scrgbClr r="0" g="0" b="0"/>
+      </a:fillRef>
+      <a:effectRef idx="0">
+        <a:scrgbClr r="0" g="0" b="0"/>
+      </a:effectRef>
+      <a:fontRef idx="minor"/>
+    </dgm:style>
+  </dgm:styleLbl>
+  <dgm:styleLbl name="trAlignAcc1">
+    <dgm:scene3d>
+      <a:camera prst="orthographicFront"/>
+      <a:lightRig rig="threePt" dir="t"/>
+    </dgm:scene3d>
+    <dgm:sp3d/>
+    <dgm:txPr/>
+    <dgm:style>
+      <a:lnRef idx="1">
+        <a:scrgbClr r="0" g="0" b="0"/>
+      </a:lnRef>
+      <a:fillRef idx="1">
+        <a:scrgbClr r="0" g="0" b="0"/>
+      </a:fillRef>
+      <a:effectRef idx="0">
+        <a:scrgbClr r="0" g="0" b="0"/>
+      </a:effectRef>
+      <a:fontRef idx="minor"/>
+    </dgm:style>
+  </dgm:styleLbl>
+  <dgm:styleLbl name="bgAcc1">
+    <dgm:scene3d>
+      <a:camera prst="orthographicFront"/>
+      <a:lightRig rig="threePt" dir="t"/>
+    </dgm:scene3d>
+    <dgm:sp3d/>
+    <dgm:txPr/>
+    <dgm:style>
+      <a:lnRef idx="1">
+        <a:scrgbClr r="0" g="0" b="0"/>
+      </a:lnRef>
+      <a:fillRef idx="1">
+        <a:scrgbClr r="0" g="0" b="0"/>
+      </a:fillRef>
+      <a:effectRef idx="0">
+        <a:scrgbClr r="0" g="0" b="0"/>
+      </a:effectRef>
+      <a:fontRef idx="minor"/>
+    </dgm:style>
+  </dgm:styleLbl>
+  <dgm:styleLbl name="solidFgAcc1">
+    <dgm:scene3d>
+      <a:camera prst="orthographicFront"/>
+      <a:lightRig rig="threePt" dir="t"/>
+    </dgm:scene3d>
+    <dgm:sp3d/>
+    <dgm:txPr/>
+    <dgm:style>
+      <a:lnRef idx="1">
+        <a:scrgbClr r="0" g="0" b="0"/>
+      </a:lnRef>
+      <a:fillRef idx="1">
+        <a:scrgbClr r="0" g="0" b="0"/>
+      </a:fillRef>
+      <a:effectRef idx="0">
+        <a:scrgbClr r="0" g="0" b="0"/>
+      </a:effectRef>
+      <a:fontRef idx="minor"/>
+    </dgm:style>
+  </dgm:styleLbl>
+  <dgm:styleLbl name="solidAlignAcc1">
+    <dgm:scene3d>
+      <a:camera prst="orthographicFront"/>
+      <a:lightRig rig="threePt" dir="t"/>
+    </dgm:scene3d>
+    <dgm:sp3d/>
+    <dgm:txPr/>
+    <dgm:style>
+      <a:lnRef idx="1">
+        <a:scrgbClr r="0" g="0" b="0"/>
+      </a:lnRef>
+      <a:fillRef idx="1">
+        <a:scrgbClr r="0" g="0" b="0"/>
+      </a:fillRef>
+      <a:effectRef idx="0">
+        <a:scrgbClr r="0" g="0" b="0"/>
+      </a:effectRef>
+      <a:fontRef idx="minor"/>
+    </dgm:style>
+  </dgm:styleLbl>
+  <dgm:styleLbl name="solidBgAcc1">
+    <dgm:scene3d>
+      <a:camera prst="orthographicFront"/>
+      <a:lightRig rig="threePt" dir="t"/>
+    </dgm:scene3d>
+    <dgm:sp3d/>
+    <dgm:txPr/>
+    <dgm:style>
+      <a:lnRef idx="1">
+        <a:scrgbClr r="0" g="0" b="0"/>
+      </a:lnRef>
+      <a:fillRef idx="1">
+        <a:scrgbClr r="0" g="0" b="0"/>
+      </a:fillRef>
+      <a:effectRef idx="0">
+        <a:scrgbClr r="0" g="0" b="0"/>
+      </a:effectRef>
+      <a:fontRef idx="minor"/>
+    </dgm:style>
+  </dgm:styleLbl>
+  <dgm:styleLbl name="fgAccFollowNode1">
+    <dgm:scene3d>
+      <a:camera prst="orthographicFront"/>
+      <a:lightRig rig="threePt" dir="t"/>
+    </dgm:scene3d>
+    <dgm:sp3d/>
+    <dgm:txPr/>
+    <dgm:style>
+      <a:lnRef idx="1">
+        <a:scrgbClr r="0" g="0" b="0"/>
+      </a:lnRef>
+      <a:fillRef idx="1">
+        <a:scrgbClr r="0" g="0" b="0"/>
+      </a:fillRef>
+      <a:effectRef idx="0">
+        <a:scrgbClr r="0" g="0" b="0"/>
+      </a:effectRef>
+      <a:fontRef idx="minor"/>
+    </dgm:style>
+  </dgm:styleLbl>
+  <dgm:styleLbl name="alignAccFollowNode1">
+    <dgm:scene3d>
+      <a:camera prst="orthographicFront"/>
+      <a:lightRig rig="threePt" dir="t"/>
+    </dgm:scene3d>
+    <dgm:sp3d/>
+    <dgm:txPr/>
+    <dgm:style>
+      <a:lnRef idx="1">
+        <a:scrgbClr r="0" g="0" b="0"/>
+      </a:lnRef>
+      <a:fillRef idx="1">
+        <a:scrgbClr r="0" g="0" b="0"/>
+      </a:fillRef>
+      <a:effectRef idx="0">
+        <a:scrgbClr r="0" g="0" b="0"/>
+      </a:effectRef>
+      <a:fontRef idx="minor"/>
+    </dgm:style>
+  </dgm:styleLbl>
+  <dgm:styleLbl name="bgAccFollowNode1">
+    <dgm:scene3d>
+      <a:camera prst="orthographicFront"/>
+      <a:lightRig rig="threePt" dir="t"/>
+    </dgm:scene3d>
+    <dgm:sp3d/>
+    <dgm:txPr/>
+    <dgm:style>
+      <a:lnRef idx="1">
+        <a:scrgbClr r="0" g="0" b="0"/>
+      </a:lnRef>
+      <a:fillRef idx="1">
+        <a:scrgbClr r="0" g="0" b="0"/>
+      </a:fillRef>
+      <a:effectRef idx="0">
+        <a:scrgbClr r="0" g="0" b="0"/>
+      </a:effectRef>
+      <a:fontRef idx="minor"/>
+    </dgm:style>
+  </dgm:styleLbl>
+  <dgm:styleLbl name="fgAcc0">
+    <dgm:scene3d>
+      <a:camera prst="orthographicFront"/>
+      <a:lightRig rig="threePt" dir="t"/>
+    </dgm:scene3d>
+    <dgm:sp3d/>
+    <dgm:txPr/>
+    <dgm:style>
+      <a:lnRef idx="1">
+        <a:scrgbClr r="0" g="0" b="0"/>
+      </a:lnRef>
+      <a:fillRef idx="1">
+        <a:scrgbClr r="0" g="0" b="0"/>
+      </a:fillRef>
+      <a:effectRef idx="0">
+        <a:scrgbClr r="0" g="0" b="0"/>
+      </a:effectRef>
+      <a:fontRef idx="minor"/>
+    </dgm:style>
+  </dgm:styleLbl>
+  <dgm:styleLbl name="fgAcc2">
+    <dgm:scene3d>
+      <a:camera prst="orthographicFront"/>
+      <a:lightRig rig="threePt" dir="t"/>
+    </dgm:scene3d>
+    <dgm:sp3d/>
+    <dgm:txPr/>
+    <dgm:style>
+      <a:lnRef idx="1">
+        <a:scrgbClr r="0" g="0" b="0"/>
+      </a:lnRef>
+      <a:fillRef idx="1">
+        <a:scrgbClr r="0" g="0" b="0"/>
+      </a:fillRef>
+      <a:effectRef idx="0">
+        <a:scrgbClr r="0" g="0" b="0"/>
+      </a:effectRef>
+      <a:fontRef idx="minor"/>
+    </dgm:style>
+  </dgm:styleLbl>
+  <dgm:styleLbl name="fgAcc3">
+    <dgm:scene3d>
+      <a:camera prst="orthographicFront"/>
+      <a:lightRig rig="threePt" dir="t"/>
+    </dgm:scene3d>
+    <dgm:sp3d/>
+    <dgm:txPr/>
+    <dgm:style>
+      <a:lnRef idx="1">
+        <a:scrgbClr r="0" g="0" b="0"/>
+      </a:lnRef>
+      <a:fillRef idx="1">
+        <a:scrgbClr r="0" g="0" b="0"/>
+      </a:fillRef>
+      <a:effectRef idx="0">
+        <a:scrgbClr r="0" g="0" b="0"/>
+      </a:effectRef>
+      <a:fontRef idx="minor"/>
+    </dgm:style>
+  </dgm:styleLbl>
+  <dgm:styleLbl name="fgAcc4">
+    <dgm:scene3d>
+      <a:camera prst="orthographicFront"/>
+      <a:lightRig rig="threePt" dir="t"/>
+    </dgm:scene3d>
+    <dgm:sp3d/>
+    <dgm:txPr/>
+    <dgm:style>
+      <a:lnRef idx="1">
+        <a:scrgbClr r="0" g="0" b="0"/>
+      </a:lnRef>
+      <a:fillRef idx="1">
+        <a:scrgbClr r="0" g="0" b="0"/>
+      </a:fillRef>
+      <a:effectRef idx="0">
+        <a:scrgbClr r="0" g="0" b="0"/>
+      </a:effectRef>
+      <a:fontRef idx="minor"/>
+    </dgm:style>
+  </dgm:styleLbl>
+  <dgm:styleLbl name="bgShp">
+    <dgm:scene3d>
+      <a:camera prst="orthographicFront"/>
+      <a:lightRig rig="threePt" dir="t"/>
+    </dgm:scene3d>
+    <dgm:sp3d/>
+    <dgm:txPr/>
+    <dgm:style>
+      <a:lnRef idx="0">
+        <a:scrgbClr r="0" g="0" b="0"/>
+      </a:lnRef>
+      <a:fillRef idx="1">
+        <a:scrgbClr r="0" g="0" b="0"/>
+      </a:fillRef>
+      <a:effectRef idx="2">
+        <a:scrgbClr r="0" g="0" b="0"/>
+      </a:effectRef>
+      <a:fontRef idx="minor"/>
+    </dgm:style>
+  </dgm:styleLbl>
+  <dgm:styleLbl name="dkBgShp">
+    <dgm:scene3d>
+      <a:camera prst="orthographicFront"/>
+      <a:lightRig rig="threePt" dir="t"/>
+    </dgm:scene3d>
+    <dgm:sp3d/>
+    <dgm:txPr/>
+    <dgm:style>
+      <a:lnRef idx="0">
+        <a:scrgbClr r="0" g="0" b="0"/>
+      </a:lnRef>
+      <a:fillRef idx="1">
+        <a:scrgbClr r="0" g="0" b="0"/>
+      </a:fillRef>
+      <a:effectRef idx="2">
+        <a:scrgbClr r="0" g="0" b="0"/>
+      </a:effectRef>
+      <a:fontRef idx="minor"/>
+    </dgm:style>
+  </dgm:styleLbl>
+  <dgm:styleLbl name="trBgShp">
+    <dgm:scene3d>
+      <a:camera prst="orthographicFront"/>
+      <a:lightRig rig="threePt" dir="t"/>
+    </dgm:scene3d>
+    <dgm:sp3d/>
+    <dgm:txPr/>
+    <dgm:style>
+      <a:lnRef idx="0">
+        <a:scrgbClr r="0" g="0" b="0"/>
+      </a:lnRef>
+      <a:fillRef idx="1">
+        <a:scrgbClr r="0" g="0" b="0"/>
+      </a:fillRef>
+      <a:effectRef idx="0">
+        <a:scrgbClr r="0" g="0" b="0"/>
+      </a:effectRef>
+      <a:fontRef idx="minor"/>
+    </dgm:style>
+  </dgm:styleLbl>
+  <dgm:styleLbl name="fgShp">
+    <dgm:scene3d>
+      <a:camera prst="orthographicFront"/>
+      <a:lightRig rig="threePt" dir="t"/>
+    </dgm:scene3d>
+    <dgm:sp3d/>
+    <dgm:txPr/>
+    <dgm:style>
+      <a:lnRef idx="0">
+        <a:scrgbClr r="0" g="0" b="0"/>
+      </a:lnRef>
+      <a:fillRef idx="3">
+        <a:scrgbClr r="0" g="0" b="0"/>
+      </a:fillRef>
+      <a:effectRef idx="2">
         <a:scrgbClr r="0" g="0" b="0"/>
       </a:effectRef>
       <a:fontRef idx="minor"/>
@@ -24963,7 +28155,7 @@
           <a:p>
             <a:fld id="{E5FA19B5-20F2-4A2C-8821-6413C163DB59}" type="datetimeFigureOut">
               <a:rPr lang="en-IN" smtClean="0"/>
-              <a:t>27-06-2022</a:t>
+              <a:t>29-06-2022</a:t>
             </a:fld>
             <a:endParaRPr lang="en-IN"/>
           </a:p>
@@ -25133,7 +28325,7 @@
           <a:p>
             <a:fld id="{E5FA19B5-20F2-4A2C-8821-6413C163DB59}" type="datetimeFigureOut">
               <a:rPr lang="en-IN" smtClean="0"/>
-              <a:t>27-06-2022</a:t>
+              <a:t>29-06-2022</a:t>
             </a:fld>
             <a:endParaRPr lang="en-IN"/>
           </a:p>
@@ -25313,7 +28505,7 @@
           <a:p>
             <a:fld id="{E5FA19B5-20F2-4A2C-8821-6413C163DB59}" type="datetimeFigureOut">
               <a:rPr lang="en-IN" smtClean="0"/>
-              <a:t>27-06-2022</a:t>
+              <a:t>29-06-2022</a:t>
             </a:fld>
             <a:endParaRPr lang="en-IN"/>
           </a:p>
@@ -25483,7 +28675,7 @@
           <a:p>
             <a:fld id="{E5FA19B5-20F2-4A2C-8821-6413C163DB59}" type="datetimeFigureOut">
               <a:rPr lang="en-IN" smtClean="0"/>
-              <a:t>27-06-2022</a:t>
+              <a:t>29-06-2022</a:t>
             </a:fld>
             <a:endParaRPr lang="en-IN"/>
           </a:p>
@@ -25729,7 +28921,7 @@
           <a:p>
             <a:fld id="{E5FA19B5-20F2-4A2C-8821-6413C163DB59}" type="datetimeFigureOut">
               <a:rPr lang="en-IN" smtClean="0"/>
-              <a:t>27-06-2022</a:t>
+              <a:t>29-06-2022</a:t>
             </a:fld>
             <a:endParaRPr lang="en-IN"/>
           </a:p>
@@ -26017,7 +29209,7 @@
           <a:p>
             <a:fld id="{E5FA19B5-20F2-4A2C-8821-6413C163DB59}" type="datetimeFigureOut">
               <a:rPr lang="en-IN" smtClean="0"/>
-              <a:t>27-06-2022</a:t>
+              <a:t>29-06-2022</a:t>
             </a:fld>
             <a:endParaRPr lang="en-IN"/>
           </a:p>
@@ -26439,7 +29631,7 @@
           <a:p>
             <a:fld id="{E5FA19B5-20F2-4A2C-8821-6413C163DB59}" type="datetimeFigureOut">
               <a:rPr lang="en-IN" smtClean="0"/>
-              <a:t>27-06-2022</a:t>
+              <a:t>29-06-2022</a:t>
             </a:fld>
             <a:endParaRPr lang="en-IN"/>
           </a:p>
@@ -26557,7 +29749,7 @@
           <a:p>
             <a:fld id="{E5FA19B5-20F2-4A2C-8821-6413C163DB59}" type="datetimeFigureOut">
               <a:rPr lang="en-IN" smtClean="0"/>
-              <a:t>27-06-2022</a:t>
+              <a:t>29-06-2022</a:t>
             </a:fld>
             <a:endParaRPr lang="en-IN"/>
           </a:p>
@@ -26652,7 +29844,7 @@
           <a:p>
             <a:fld id="{E5FA19B5-20F2-4A2C-8821-6413C163DB59}" type="datetimeFigureOut">
               <a:rPr lang="en-IN" smtClean="0"/>
-              <a:t>27-06-2022</a:t>
+              <a:t>29-06-2022</a:t>
             </a:fld>
             <a:endParaRPr lang="en-IN"/>
           </a:p>
@@ -26929,7 +30121,7 @@
           <a:p>
             <a:fld id="{E5FA19B5-20F2-4A2C-8821-6413C163DB59}" type="datetimeFigureOut">
               <a:rPr lang="en-IN" smtClean="0"/>
-              <a:t>27-06-2022</a:t>
+              <a:t>29-06-2022</a:t>
             </a:fld>
             <a:endParaRPr lang="en-IN"/>
           </a:p>
@@ -27182,7 +30374,7 @@
           <a:p>
             <a:fld id="{E5FA19B5-20F2-4A2C-8821-6413C163DB59}" type="datetimeFigureOut">
               <a:rPr lang="en-IN" smtClean="0"/>
-              <a:t>27-06-2022</a:t>
+              <a:t>29-06-2022</a:t>
             </a:fld>
             <a:endParaRPr lang="en-IN"/>
           </a:p>
@@ -27395,7 +30587,7 @@
           <a:p>
             <a:fld id="{E5FA19B5-20F2-4A2C-8821-6413C163DB59}" type="datetimeFigureOut">
               <a:rPr lang="en-IN" smtClean="0"/>
-              <a:t>27-06-2022</a:t>
+              <a:t>29-06-2022</a:t>
             </a:fld>
             <a:endParaRPr lang="en-IN"/>
           </a:p>
@@ -28161,6 +31353,599 @@
     <p:extLst>
       <p:ext uri="{BB962C8B-B14F-4D97-AF65-F5344CB8AC3E}">
         <p14:creationId xmlns:p14="http://schemas.microsoft.com/office/powerpoint/2010/main" val="1481757371"/>
+      </p:ext>
+    </p:extLst>
+  </p:cSld>
+  <p:clrMapOvr>
+    <a:masterClrMapping/>
+  </p:clrMapOvr>
+</p:sld>
+</file>
+
+<file path=ppt/slides/slide10.xml><?xml version="1.0" encoding="utf-8"?>
+<p:sld xmlns:a="http://schemas.openxmlformats.org/drawingml/2006/main" xmlns:r="http://schemas.openxmlformats.org/officeDocument/2006/relationships" xmlns:p="http://schemas.openxmlformats.org/presentationml/2006/main">
+  <p:cSld>
+    <p:spTree>
+      <p:nvGrpSpPr>
+        <p:cNvPr id="1" name=""/>
+        <p:cNvGrpSpPr/>
+        <p:nvPr/>
+      </p:nvGrpSpPr>
+      <p:grpSpPr>
+        <a:xfrm>
+          <a:off x="0" y="0"/>
+          <a:ext cx="0" cy="0"/>
+          <a:chOff x="0" y="0"/>
+          <a:chExt cx="0" cy="0"/>
+        </a:xfrm>
+      </p:grpSpPr>
+      <p:sp>
+        <p:nvSpPr>
+          <p:cNvPr id="7" name="Rectangle: Rounded Corners 6">
+            <a:extLst>
+              <a:ext uri="{FF2B5EF4-FFF2-40B4-BE49-F238E27FC236}">
+                <a16:creationId xmlns:a16="http://schemas.microsoft.com/office/drawing/2014/main" id="{F6CD8F76-5800-4491-B5FC-96211E50F874}"/>
+              </a:ext>
+            </a:extLst>
+          </p:cNvPr>
+          <p:cNvSpPr/>
+          <p:nvPr/>
+        </p:nvSpPr>
+        <p:spPr>
+          <a:xfrm>
+            <a:off x="-108519" y="-171400"/>
+            <a:ext cx="1174138" cy="7128792"/>
+          </a:xfrm>
+          <a:prstGeom prst="roundRect">
+            <a:avLst/>
+          </a:prstGeom>
+          <a:solidFill>
+            <a:srgbClr val="000000"/>
+          </a:solidFill>
+          <a:ln/>
+        </p:spPr>
+        <p:style>
+          <a:lnRef idx="0">
+            <a:schemeClr val="dk1"/>
+          </a:lnRef>
+          <a:fillRef idx="3">
+            <a:schemeClr val="dk1"/>
+          </a:fillRef>
+          <a:effectRef idx="3">
+            <a:schemeClr val="dk1"/>
+          </a:effectRef>
+          <a:fontRef idx="minor">
+            <a:schemeClr val="lt1"/>
+          </a:fontRef>
+        </p:style>
+        <p:txBody>
+          <a:bodyPr rtlCol="0" anchor="ctr"/>
+          <a:lstStyle/>
+          <a:p>
+            <a:pPr algn="ctr"/>
+            <a:endParaRPr lang="en-US"/>
+          </a:p>
+        </p:txBody>
+      </p:sp>
+      <p:sp>
+        <p:nvSpPr>
+          <p:cNvPr id="40" name="Oval 39">
+            <a:extLst>
+              <a:ext uri="{FF2B5EF4-FFF2-40B4-BE49-F238E27FC236}">
+                <a16:creationId xmlns:a16="http://schemas.microsoft.com/office/drawing/2014/main" id="{2666DC98-93D0-4E09-982B-AB26A7417FBA}"/>
+              </a:ext>
+            </a:extLst>
+          </p:cNvPr>
+          <p:cNvSpPr/>
+          <p:nvPr/>
+        </p:nvSpPr>
+        <p:spPr>
+          <a:xfrm>
+            <a:off x="539552" y="692696"/>
+            <a:ext cx="1062517" cy="1008111"/>
+          </a:xfrm>
+          <a:prstGeom prst="ellipse">
+            <a:avLst/>
+          </a:prstGeom>
+          <a:gradFill flip="none" rotWithShape="1">
+            <a:gsLst>
+              <a:gs pos="0">
+                <a:schemeClr val="tx2">
+                  <a:lumMod val="52000"/>
+                  <a:lumOff val="48000"/>
+                </a:schemeClr>
+              </a:gs>
+              <a:gs pos="100000">
+                <a:srgbClr val="95B3D7">
+                  <a:lumMod val="88000"/>
+                </a:srgbClr>
+              </a:gs>
+            </a:gsLst>
+            <a:lin ang="5400000" scaled="1"/>
+            <a:tileRect/>
+          </a:gradFill>
+          <a:ln>
+            <a:noFill/>
+          </a:ln>
+        </p:spPr>
+        <p:style>
+          <a:lnRef idx="2">
+            <a:schemeClr val="accent1">
+              <a:shade val="50000"/>
+            </a:schemeClr>
+          </a:lnRef>
+          <a:fillRef idx="1">
+            <a:schemeClr val="accent1"/>
+          </a:fillRef>
+          <a:effectRef idx="0">
+            <a:schemeClr val="accent1"/>
+          </a:effectRef>
+          <a:fontRef idx="minor">
+            <a:schemeClr val="lt1"/>
+          </a:fontRef>
+        </p:style>
+        <p:txBody>
+          <a:bodyPr rtlCol="0" anchor="ctr"/>
+          <a:lstStyle/>
+          <a:p>
+            <a:pPr algn="ctr"/>
+            <a:endParaRPr lang="en-IN"/>
+          </a:p>
+        </p:txBody>
+      </p:sp>
+      <p:sp>
+        <p:nvSpPr>
+          <p:cNvPr id="43" name="Title 1">
+            <a:extLst>
+              <a:ext uri="{FF2B5EF4-FFF2-40B4-BE49-F238E27FC236}">
+                <a16:creationId xmlns:a16="http://schemas.microsoft.com/office/drawing/2014/main" id="{C555DA6B-3372-49A0-A0CC-34F47DD8FB7C}"/>
+              </a:ext>
+            </a:extLst>
+          </p:cNvPr>
+          <p:cNvSpPr txBox="1">
+            <a:spLocks/>
+          </p:cNvSpPr>
+          <p:nvPr/>
+        </p:nvSpPr>
+        <p:spPr>
+          <a:xfrm>
+            <a:off x="522065" y="908721"/>
+            <a:ext cx="1050660" cy="576063"/>
+          </a:xfrm>
+          <a:prstGeom prst="rect">
+            <a:avLst/>
+          </a:prstGeom>
+        </p:spPr>
+        <p:txBody>
+          <a:bodyPr vert="horz" lIns="91440" tIns="45720" rIns="91440" bIns="45720" rtlCol="0" anchor="ctr">
+            <a:noAutofit/>
+          </a:bodyPr>
+          <a:lstStyle>
+            <a:lvl1pPr algn="ctr" defTabSz="914400" rtl="0" eaLnBrk="1" latinLnBrk="0" hangingPunct="1">
+              <a:spcBef>
+                <a:spcPct val="0"/>
+              </a:spcBef>
+              <a:buNone/>
+              <a:defRPr sz="4400" kern="1200">
+                <a:solidFill>
+                  <a:schemeClr val="tx1"/>
+                </a:solidFill>
+                <a:latin typeface="+mj-lt"/>
+                <a:ea typeface="+mj-ea"/>
+                <a:cs typeface="+mj-cs"/>
+              </a:defRPr>
+            </a:lvl1pPr>
+          </a:lstStyle>
+          <a:p>
+            <a:endParaRPr lang="en-IN" sz="2800" dirty="0">
+              <a:solidFill>
+                <a:schemeClr val="bg1"/>
+              </a:solidFill>
+            </a:endParaRPr>
+          </a:p>
+        </p:txBody>
+      </p:sp>
+      <p:sp>
+        <p:nvSpPr>
+          <p:cNvPr id="11" name="Oval 10">
+            <a:extLst>
+              <a:ext uri="{FF2B5EF4-FFF2-40B4-BE49-F238E27FC236}">
+                <a16:creationId xmlns:a16="http://schemas.microsoft.com/office/drawing/2014/main" id="{2666DC98-93D0-4E09-982B-AB26A7417FBA}"/>
+              </a:ext>
+            </a:extLst>
+          </p:cNvPr>
+          <p:cNvSpPr/>
+          <p:nvPr/>
+        </p:nvSpPr>
+        <p:spPr>
+          <a:xfrm>
+            <a:off x="449941" y="565476"/>
+            <a:ext cx="1241740" cy="1243054"/>
+          </a:xfrm>
+          <a:prstGeom prst="ellipse">
+            <a:avLst/>
+          </a:prstGeom>
+          <a:noFill/>
+          <a:ln>
+            <a:solidFill>
+              <a:schemeClr val="tx2">
+                <a:lumMod val="60000"/>
+                <a:lumOff val="40000"/>
+              </a:schemeClr>
+            </a:solidFill>
+          </a:ln>
+        </p:spPr>
+        <p:style>
+          <a:lnRef idx="2">
+            <a:schemeClr val="accent1">
+              <a:shade val="50000"/>
+            </a:schemeClr>
+          </a:lnRef>
+          <a:fillRef idx="1">
+            <a:schemeClr val="accent1"/>
+          </a:fillRef>
+          <a:effectRef idx="0">
+            <a:schemeClr val="accent1"/>
+          </a:effectRef>
+          <a:fontRef idx="minor">
+            <a:schemeClr val="lt1"/>
+          </a:fontRef>
+        </p:style>
+        <p:txBody>
+          <a:bodyPr rtlCol="0" anchor="ctr"/>
+          <a:lstStyle/>
+          <a:p>
+            <a:pPr algn="ctr"/>
+            <a:endParaRPr lang="en-IN"/>
+          </a:p>
+        </p:txBody>
+      </p:sp>
+      <p:sp>
+        <p:nvSpPr>
+          <p:cNvPr id="12" name="Oval 11">
+            <a:extLst>
+              <a:ext uri="{FF2B5EF4-FFF2-40B4-BE49-F238E27FC236}">
+                <a16:creationId xmlns:a16="http://schemas.microsoft.com/office/drawing/2014/main" id="{2666DC98-93D0-4E09-982B-AB26A7417FBA}"/>
+              </a:ext>
+            </a:extLst>
+          </p:cNvPr>
+          <p:cNvSpPr/>
+          <p:nvPr/>
+        </p:nvSpPr>
+        <p:spPr>
+          <a:xfrm>
+            <a:off x="305926" y="457172"/>
+            <a:ext cx="1529770" cy="1459660"/>
+          </a:xfrm>
+          <a:prstGeom prst="ellipse">
+            <a:avLst/>
+          </a:prstGeom>
+          <a:noFill/>
+          <a:ln>
+            <a:solidFill>
+              <a:schemeClr val="tx2">
+                <a:lumMod val="60000"/>
+                <a:lumOff val="40000"/>
+              </a:schemeClr>
+            </a:solidFill>
+          </a:ln>
+        </p:spPr>
+        <p:style>
+          <a:lnRef idx="2">
+            <a:schemeClr val="accent1">
+              <a:shade val="50000"/>
+            </a:schemeClr>
+          </a:lnRef>
+          <a:fillRef idx="1">
+            <a:schemeClr val="accent1"/>
+          </a:fillRef>
+          <a:effectRef idx="0">
+            <a:schemeClr val="accent1"/>
+          </a:effectRef>
+          <a:fontRef idx="minor">
+            <a:schemeClr val="lt1"/>
+          </a:fontRef>
+        </p:style>
+        <p:txBody>
+          <a:bodyPr rtlCol="0" anchor="ctr"/>
+          <a:lstStyle/>
+          <a:p>
+            <a:pPr algn="ctr"/>
+            <a:endParaRPr lang="en-IN"/>
+          </a:p>
+        </p:txBody>
+      </p:sp>
+      <p:pic>
+        <p:nvPicPr>
+          <p:cNvPr id="2" name="Picture 1"/>
+          <p:cNvPicPr>
+            <a:picLocks noChangeAspect="1"/>
+          </p:cNvPicPr>
+          <p:nvPr/>
+        </p:nvPicPr>
+        <p:blipFill>
+          <a:blip r:embed="rId2" cstate="print">
+            <a:duotone>
+              <a:schemeClr val="bg2">
+                <a:shade val="45000"/>
+                <a:satMod val="135000"/>
+              </a:schemeClr>
+              <a:prstClr val="white"/>
+            </a:duotone>
+            <a:extLst>
+              <a:ext uri="{BEBA8EAE-BF5A-486C-A8C5-ECC9F3942E4B}">
+                <a14:imgProps xmlns:a14="http://schemas.microsoft.com/office/drawing/2010/main">
+                  <a14:imgLayer r:embed="rId3">
+                    <a14:imgEffect>
+                      <a14:backgroundRemoval t="0" b="99843" l="9753" r="89973"/>
+                    </a14:imgEffect>
+                    <a14:imgEffect>
+                      <a14:saturation sat="0"/>
+                    </a14:imgEffect>
+                  </a14:imgLayer>
+                </a14:imgProps>
+              </a:ext>
+              <a:ext uri="{28A0092B-C50C-407E-A947-70E740481C1C}">
+                <a14:useLocalDpi xmlns:a14="http://schemas.microsoft.com/office/drawing/2010/main" val="0"/>
+              </a:ext>
+            </a:extLst>
+          </a:blip>
+          <a:stretch>
+            <a:fillRect/>
+          </a:stretch>
+        </p:blipFill>
+        <p:spPr>
+          <a:xfrm rot="5400000">
+            <a:off x="545772" y="690625"/>
+            <a:ext cx="1003246" cy="876462"/>
+          </a:xfrm>
+          <a:prstGeom prst="rect">
+            <a:avLst/>
+          </a:prstGeom>
+          <a:ln>
+            <a:noFill/>
+          </a:ln>
+          <a:effectLst>
+            <a:outerShdw blurRad="292100" dist="139700" dir="2700000" algn="tl" rotWithShape="0">
+              <a:srgbClr val="333333">
+                <a:alpha val="65000"/>
+              </a:srgbClr>
+            </a:outerShdw>
+          </a:effectLst>
+        </p:spPr>
+      </p:pic>
+      <p:sp>
+        <p:nvSpPr>
+          <p:cNvPr id="16" name="TextBox 15">
+            <a:extLst>
+              <a:ext uri="{FF2B5EF4-FFF2-40B4-BE49-F238E27FC236}">
+                <a16:creationId xmlns:a16="http://schemas.microsoft.com/office/drawing/2014/main" id="{01997CD3-1AE0-4644-AB63-AB701D321B87}"/>
+              </a:ext>
+            </a:extLst>
+          </p:cNvPr>
+          <p:cNvSpPr txBox="1"/>
+          <p:nvPr/>
+        </p:nvSpPr>
+        <p:spPr>
+          <a:xfrm>
+            <a:off x="2915816" y="586837"/>
+            <a:ext cx="4657724" cy="1200329"/>
+          </a:xfrm>
+          <a:prstGeom prst="rect">
+            <a:avLst/>
+          </a:prstGeom>
+          <a:noFill/>
+        </p:spPr>
+        <p:txBody>
+          <a:bodyPr wrap="square">
+            <a:spAutoFit/>
+          </a:bodyPr>
+          <a:lstStyle/>
+          <a:p>
+            <a:pPr algn="ctr"/>
+            <a:r>
+              <a:rPr lang="en-IN" sz="3600" b="1" dirty="0">
+                <a:solidFill>
+                  <a:schemeClr val="bg1">
+                    <a:lumMod val="50000"/>
+                  </a:schemeClr>
+                </a:solidFill>
+              </a:rPr>
+              <a:t>Bargaining Power of Buyer</a:t>
+            </a:r>
+          </a:p>
+        </p:txBody>
+      </p:sp>
+      <p:sp>
+        <p:nvSpPr>
+          <p:cNvPr id="13" name="TextBox 12">
+            <a:extLst>
+              <a:ext uri="{FF2B5EF4-FFF2-40B4-BE49-F238E27FC236}">
+                <a16:creationId xmlns:a16="http://schemas.microsoft.com/office/drawing/2014/main" id="{B18B9890-761A-40E7-A360-AC0693BF47C6}"/>
+              </a:ext>
+            </a:extLst>
+          </p:cNvPr>
+          <p:cNvSpPr txBox="1"/>
+          <p:nvPr/>
+        </p:nvSpPr>
+        <p:spPr>
+          <a:xfrm>
+            <a:off x="2004318" y="2132856"/>
+            <a:ext cx="6480720" cy="1754326"/>
+          </a:xfrm>
+          <a:prstGeom prst="rect">
+            <a:avLst/>
+          </a:prstGeom>
+          <a:noFill/>
+        </p:spPr>
+        <p:txBody>
+          <a:bodyPr wrap="square">
+            <a:spAutoFit/>
+          </a:bodyPr>
+          <a:lstStyle/>
+          <a:p>
+            <a:r>
+              <a:rPr lang="en-US" sz="1800" b="1" dirty="0">
+                <a:solidFill>
+                  <a:schemeClr val="accent1">
+                    <a:lumMod val="75000"/>
+                  </a:schemeClr>
+                </a:solidFill>
+              </a:rPr>
+              <a:t>According to Porter </a:t>
+            </a:r>
+            <a:r>
+              <a:rPr lang="en-US" sz="1800" dirty="0">
+                <a:solidFill>
+                  <a:schemeClr val="accent1">
+                    <a:lumMod val="75000"/>
+                  </a:schemeClr>
+                </a:solidFill>
+              </a:rPr>
+              <a:t>– </a:t>
+            </a:r>
+            <a:r>
+              <a:rPr lang="en-US" dirty="0">
+                <a:solidFill>
+                  <a:schemeClr val="accent1">
+                    <a:lumMod val="75000"/>
+                  </a:schemeClr>
+                </a:solidFill>
+              </a:rPr>
+              <a:t>Bargaining power of buyer means the ability of the buyer to influence the seller to reduce price, offer quality product etc. The bargaining power of the buyer influence not only the prices that producer can charge but also influences costs and investments of the producers. This is because powerful buyer usually bargain for the better service.</a:t>
+            </a:r>
+            <a:endParaRPr lang="en-US" sz="1800" dirty="0">
+              <a:solidFill>
+                <a:schemeClr val="accent1">
+                  <a:lumMod val="75000"/>
+                </a:schemeClr>
+              </a:solidFill>
+            </a:endParaRPr>
+          </a:p>
+        </p:txBody>
+      </p:sp>
+      <p:cxnSp>
+        <p:nvCxnSpPr>
+          <p:cNvPr id="14" name="Straight Connector 13">
+            <a:extLst>
+              <a:ext uri="{FF2B5EF4-FFF2-40B4-BE49-F238E27FC236}">
+                <a16:creationId xmlns:a16="http://schemas.microsoft.com/office/drawing/2014/main" id="{51643150-3D03-4047-90D0-D2ACCDA1F148}"/>
+              </a:ext>
+            </a:extLst>
+          </p:cNvPr>
+          <p:cNvCxnSpPr/>
+          <p:nvPr/>
+        </p:nvCxnSpPr>
+        <p:spPr>
+          <a:xfrm>
+            <a:off x="2004318" y="1988840"/>
+            <a:ext cx="6366509" cy="0"/>
+          </a:xfrm>
+          <a:prstGeom prst="line">
+            <a:avLst/>
+          </a:prstGeom>
+          <a:ln w="9525" cap="flat" cmpd="sng" algn="ctr">
+            <a:solidFill>
+              <a:schemeClr val="accent5"/>
+            </a:solidFill>
+            <a:prstDash val="dash"/>
+            <a:round/>
+            <a:headEnd type="none" w="med" len="med"/>
+            <a:tailEnd type="none" w="med" len="med"/>
+          </a:ln>
+        </p:spPr>
+        <p:style>
+          <a:lnRef idx="0">
+            <a:scrgbClr r="0" g="0" b="0"/>
+          </a:lnRef>
+          <a:fillRef idx="0">
+            <a:scrgbClr r="0" g="0" b="0"/>
+          </a:fillRef>
+          <a:effectRef idx="0">
+            <a:scrgbClr r="0" g="0" b="0"/>
+          </a:effectRef>
+          <a:fontRef idx="minor">
+            <a:schemeClr val="tx1"/>
+          </a:fontRef>
+        </p:style>
+      </p:cxnSp>
+      <p:cxnSp>
+        <p:nvCxnSpPr>
+          <p:cNvPr id="15" name="Straight Connector 14">
+            <a:extLst>
+              <a:ext uri="{FF2B5EF4-FFF2-40B4-BE49-F238E27FC236}">
+                <a16:creationId xmlns:a16="http://schemas.microsoft.com/office/drawing/2014/main" id="{F8456672-E32A-4B61-906F-288A769499BF}"/>
+              </a:ext>
+            </a:extLst>
+          </p:cNvPr>
+          <p:cNvCxnSpPr/>
+          <p:nvPr/>
+        </p:nvCxnSpPr>
+        <p:spPr>
+          <a:xfrm>
+            <a:off x="2004318" y="4005064"/>
+            <a:ext cx="6366509" cy="0"/>
+          </a:xfrm>
+          <a:prstGeom prst="line">
+            <a:avLst/>
+          </a:prstGeom>
+          <a:ln w="9525" cap="flat" cmpd="sng" algn="ctr">
+            <a:solidFill>
+              <a:schemeClr val="accent5"/>
+            </a:solidFill>
+            <a:prstDash val="dash"/>
+            <a:round/>
+            <a:headEnd type="none" w="med" len="med"/>
+            <a:tailEnd type="none" w="med" len="med"/>
+          </a:ln>
+        </p:spPr>
+        <p:style>
+          <a:lnRef idx="0">
+            <a:scrgbClr r="0" g="0" b="0"/>
+          </a:lnRef>
+          <a:fillRef idx="0">
+            <a:scrgbClr r="0" g="0" b="0"/>
+          </a:fillRef>
+          <a:effectRef idx="0">
+            <a:scrgbClr r="0" g="0" b="0"/>
+          </a:effectRef>
+          <a:fontRef idx="minor">
+            <a:schemeClr val="tx1"/>
+          </a:fontRef>
+        </p:style>
+      </p:cxnSp>
+      <p:graphicFrame>
+        <p:nvGraphicFramePr>
+          <p:cNvPr id="17" name="Diagram 16">
+            <a:extLst>
+              <a:ext uri="{FF2B5EF4-FFF2-40B4-BE49-F238E27FC236}">
+                <a16:creationId xmlns:a16="http://schemas.microsoft.com/office/drawing/2014/main" id="{0B94FD99-7613-4C6E-ADE6-9E855587F645}"/>
+              </a:ext>
+            </a:extLst>
+          </p:cNvPr>
+          <p:cNvGraphicFramePr/>
+          <p:nvPr>
+            <p:extLst>
+              <p:ext uri="{D42A27DB-BD31-4B8C-83A1-F6EECF244321}">
+                <p14:modId xmlns:p14="http://schemas.microsoft.com/office/powerpoint/2010/main" val="2894968047"/>
+              </p:ext>
+            </p:extLst>
+          </p:nvPr>
+        </p:nvGraphicFramePr>
+        <p:xfrm>
+          <a:off x="2373043" y="2750605"/>
+          <a:ext cx="5661662" cy="3774440"/>
+        </p:xfrm>
+        <a:graphic>
+          <a:graphicData uri="http://schemas.openxmlformats.org/drawingml/2006/diagram">
+            <dgm:relIds xmlns:dgm="http://schemas.openxmlformats.org/drawingml/2006/diagram" xmlns:r="http://schemas.openxmlformats.org/officeDocument/2006/relationships" r:dm="rId4" r:lo="rId5" r:qs="rId6" r:cs="rId7"/>
+          </a:graphicData>
+        </a:graphic>
+      </p:graphicFrame>
+    </p:spTree>
+    <p:extLst>
+      <p:ext uri="{BB962C8B-B14F-4D97-AF65-F5344CB8AC3E}">
+        <p14:creationId xmlns:p14="http://schemas.microsoft.com/office/powerpoint/2010/main" val="4275812287"/>
       </p:ext>
     </p:extLst>
   </p:cSld>
@@ -32047,7 +35832,7 @@
           <a:lstStyle/>
           <a:p>
             <a:pPr algn="ctr"/>
-            <a:endParaRPr lang="en-IN"/>
+            <a:endParaRPr lang="en-IN" dirty="0"/>
           </a:p>
         </p:txBody>
       </p:sp>
@@ -32123,7 +35908,7 @@
           <p:nvPr>
             <p:extLst>
               <p:ext uri="{D42A27DB-BD31-4B8C-83A1-F6EECF244321}">
-                <p14:modId xmlns:p14="http://schemas.microsoft.com/office/powerpoint/2010/main" val="353027672"/>
+                <p14:modId xmlns:p14="http://schemas.microsoft.com/office/powerpoint/2010/main" val="2007494113"/>
               </p:ext>
             </p:extLst>
           </p:nvPr>
